--- a/figure/paper_drawing.pptx
+++ b/figure/paper_drawing.pptx
@@ -292,7 +292,7 @@
           <a:p>
             <a:fld id="{97833B62-142A-403C-9791-06E9CABC45DC}" type="datetimeFigureOut">
               <a:rPr lang="en-US" smtClean="0"/>
-              <a:t>6/22/2015</a:t>
+              <a:t>6/23/2015</a:t>
             </a:fld>
             <a:endParaRPr lang="en-US"/>
           </a:p>
@@ -462,7 +462,7 @@
           <a:p>
             <a:fld id="{97833B62-142A-403C-9791-06E9CABC45DC}" type="datetimeFigureOut">
               <a:rPr lang="en-US" smtClean="0"/>
-              <a:t>6/22/2015</a:t>
+              <a:t>6/23/2015</a:t>
             </a:fld>
             <a:endParaRPr lang="en-US"/>
           </a:p>
@@ -642,7 +642,7 @@
           <a:p>
             <a:fld id="{97833B62-142A-403C-9791-06E9CABC45DC}" type="datetimeFigureOut">
               <a:rPr lang="en-US" smtClean="0"/>
-              <a:t>6/22/2015</a:t>
+              <a:t>6/23/2015</a:t>
             </a:fld>
             <a:endParaRPr lang="en-US"/>
           </a:p>
@@ -812,7 +812,7 @@
           <a:p>
             <a:fld id="{97833B62-142A-403C-9791-06E9CABC45DC}" type="datetimeFigureOut">
               <a:rPr lang="en-US" smtClean="0"/>
-              <a:t>6/22/2015</a:t>
+              <a:t>6/23/2015</a:t>
             </a:fld>
             <a:endParaRPr lang="en-US"/>
           </a:p>
@@ -1058,7 +1058,7 @@
           <a:p>
             <a:fld id="{97833B62-142A-403C-9791-06E9CABC45DC}" type="datetimeFigureOut">
               <a:rPr lang="en-US" smtClean="0"/>
-              <a:t>6/22/2015</a:t>
+              <a:t>6/23/2015</a:t>
             </a:fld>
             <a:endParaRPr lang="en-US"/>
           </a:p>
@@ -1346,7 +1346,7 @@
           <a:p>
             <a:fld id="{97833B62-142A-403C-9791-06E9CABC45DC}" type="datetimeFigureOut">
               <a:rPr lang="en-US" smtClean="0"/>
-              <a:t>6/22/2015</a:t>
+              <a:t>6/23/2015</a:t>
             </a:fld>
             <a:endParaRPr lang="en-US"/>
           </a:p>
@@ -1768,7 +1768,7 @@
           <a:p>
             <a:fld id="{97833B62-142A-403C-9791-06E9CABC45DC}" type="datetimeFigureOut">
               <a:rPr lang="en-US" smtClean="0"/>
-              <a:t>6/22/2015</a:t>
+              <a:t>6/23/2015</a:t>
             </a:fld>
             <a:endParaRPr lang="en-US"/>
           </a:p>
@@ -1886,7 +1886,7 @@
           <a:p>
             <a:fld id="{97833B62-142A-403C-9791-06E9CABC45DC}" type="datetimeFigureOut">
               <a:rPr lang="en-US" smtClean="0"/>
-              <a:t>6/22/2015</a:t>
+              <a:t>6/23/2015</a:t>
             </a:fld>
             <a:endParaRPr lang="en-US"/>
           </a:p>
@@ -1981,7 +1981,7 @@
           <a:p>
             <a:fld id="{97833B62-142A-403C-9791-06E9CABC45DC}" type="datetimeFigureOut">
               <a:rPr lang="en-US" smtClean="0"/>
-              <a:t>6/22/2015</a:t>
+              <a:t>6/23/2015</a:t>
             </a:fld>
             <a:endParaRPr lang="en-US"/>
           </a:p>
@@ -2258,7 +2258,7 @@
           <a:p>
             <a:fld id="{97833B62-142A-403C-9791-06E9CABC45DC}" type="datetimeFigureOut">
               <a:rPr lang="en-US" smtClean="0"/>
-              <a:t>6/22/2015</a:t>
+              <a:t>6/23/2015</a:t>
             </a:fld>
             <a:endParaRPr lang="en-US"/>
           </a:p>
@@ -2511,7 +2511,7 @@
           <a:p>
             <a:fld id="{97833B62-142A-403C-9791-06E9CABC45DC}" type="datetimeFigureOut">
               <a:rPr lang="en-US" smtClean="0"/>
-              <a:t>6/22/2015</a:t>
+              <a:t>6/23/2015</a:t>
             </a:fld>
             <a:endParaRPr lang="en-US"/>
           </a:p>
@@ -2724,7 +2724,7 @@
           <a:p>
             <a:fld id="{97833B62-142A-403C-9791-06E9CABC45DC}" type="datetimeFigureOut">
               <a:rPr lang="en-US" smtClean="0"/>
-              <a:t>6/22/2015</a:t>
+              <a:t>6/23/2015</a:t>
             </a:fld>
             <a:endParaRPr lang="en-US"/>
           </a:p>
@@ -7131,6 +7131,1026 @@
           <a:chExt cx="0" cy="0"/>
         </a:xfrm>
       </p:grpSpPr>
+      <p:pic>
+        <p:nvPicPr>
+          <p:cNvPr id="2" name="Picture 1"/>
+          <p:cNvPicPr>
+            <a:picLocks noChangeAspect="1"/>
+          </p:cNvPicPr>
+          <p:nvPr/>
+        </p:nvPicPr>
+        <p:blipFill>
+          <a:blip r:embed="rId2" cstate="print">
+            <a:extLst>
+              <a:ext uri="{28A0092B-C50C-407E-A947-70E740481C1C}">
+                <a14:useLocalDpi xmlns:a14="http://schemas.microsoft.com/office/drawing/2010/main" val="0"/>
+              </a:ext>
+            </a:extLst>
+          </a:blip>
+          <a:stretch>
+            <a:fillRect/>
+          </a:stretch>
+        </p:blipFill>
+        <p:spPr>
+          <a:xfrm>
+            <a:off x="5386978" y="1295400"/>
+            <a:ext cx="813335" cy="813335"/>
+          </a:xfrm>
+          <a:prstGeom prst="rect">
+            <a:avLst/>
+          </a:prstGeom>
+        </p:spPr>
+      </p:pic>
+      <p:pic>
+        <p:nvPicPr>
+          <p:cNvPr id="3" name="Picture 2"/>
+          <p:cNvPicPr>
+            <a:picLocks noChangeAspect="1"/>
+          </p:cNvPicPr>
+          <p:nvPr/>
+        </p:nvPicPr>
+        <p:blipFill>
+          <a:blip r:embed="rId3" cstate="print">
+            <a:extLst>
+              <a:ext uri="{BEBA8EAE-BF5A-486C-A8C5-ECC9F3942E4B}">
+                <a14:imgProps xmlns:a14="http://schemas.microsoft.com/office/drawing/2010/main">
+                  <a14:imgLayer r:embed="rId4">
+                    <a14:imgEffect>
+                      <a14:backgroundRemoval t="10000" b="90000" l="10000" r="90000"/>
+                    </a14:imgEffect>
+                  </a14:imgLayer>
+                </a14:imgProps>
+              </a:ext>
+              <a:ext uri="{28A0092B-C50C-407E-A947-70E740481C1C}">
+                <a14:useLocalDpi xmlns:a14="http://schemas.microsoft.com/office/drawing/2010/main" val="0"/>
+              </a:ext>
+            </a:extLst>
+          </a:blip>
+          <a:stretch>
+            <a:fillRect/>
+          </a:stretch>
+        </p:blipFill>
+        <p:spPr>
+          <a:xfrm>
+            <a:off x="2945331" y="1382337"/>
+            <a:ext cx="762000" cy="609600"/>
+          </a:xfrm>
+          <a:prstGeom prst="rect">
+            <a:avLst/>
+          </a:prstGeom>
+        </p:spPr>
+      </p:pic>
+      <p:pic>
+        <p:nvPicPr>
+          <p:cNvPr id="4" name="Picture 3"/>
+          <p:cNvPicPr>
+            <a:picLocks noChangeAspect="1"/>
+          </p:cNvPicPr>
+          <p:nvPr/>
+        </p:nvPicPr>
+        <p:blipFill>
+          <a:blip r:embed="rId5" cstate="print">
+            <a:extLst>
+              <a:ext uri="{28A0092B-C50C-407E-A947-70E740481C1C}">
+                <a14:useLocalDpi xmlns:a14="http://schemas.microsoft.com/office/drawing/2010/main" val="0"/>
+              </a:ext>
+            </a:extLst>
+          </a:blip>
+          <a:stretch>
+            <a:fillRect/>
+          </a:stretch>
+        </p:blipFill>
+        <p:spPr>
+          <a:xfrm>
+            <a:off x="7444379" y="1348340"/>
+            <a:ext cx="480421" cy="847133"/>
+          </a:xfrm>
+          <a:prstGeom prst="rect">
+            <a:avLst/>
+          </a:prstGeom>
+        </p:spPr>
+      </p:pic>
+      <p:sp>
+        <p:nvSpPr>
+          <p:cNvPr id="5" name="Rounded Rectangle 4"/>
+          <p:cNvSpPr/>
+          <p:nvPr/>
+        </p:nvSpPr>
+        <p:spPr>
+          <a:xfrm>
+            <a:off x="228600" y="1382337"/>
+            <a:ext cx="723900" cy="640957"/>
+          </a:xfrm>
+          <a:prstGeom prst="roundRect">
+            <a:avLst/>
+          </a:prstGeom>
+          <a:solidFill>
+            <a:schemeClr val="tx2">
+              <a:lumMod val="20000"/>
+              <a:lumOff val="80000"/>
+            </a:schemeClr>
+          </a:solidFill>
+        </p:spPr>
+        <p:style>
+          <a:lnRef idx="2">
+            <a:schemeClr val="accent1">
+              <a:shade val="50000"/>
+            </a:schemeClr>
+          </a:lnRef>
+          <a:fillRef idx="1">
+            <a:schemeClr val="accent1"/>
+          </a:fillRef>
+          <a:effectRef idx="0">
+            <a:schemeClr val="accent1"/>
+          </a:effectRef>
+          <a:fontRef idx="minor">
+            <a:schemeClr val="lt1"/>
+          </a:fontRef>
+        </p:style>
+        <p:txBody>
+          <a:bodyPr rtlCol="0" anchor="ctr"/>
+          <a:lstStyle/>
+          <a:p>
+            <a:pPr algn="ctr"/>
+            <a:r>
+              <a:rPr lang="en-US" dirty="0" smtClean="0">
+                <a:solidFill>
+                  <a:sysClr val="windowText" lastClr="000000"/>
+                </a:solidFill>
+              </a:rPr>
+              <a:t>A1</a:t>
+            </a:r>
+            <a:endParaRPr lang="en-US" dirty="0">
+              <a:solidFill>
+                <a:sysClr val="windowText" lastClr="000000"/>
+              </a:solidFill>
+            </a:endParaRPr>
+          </a:p>
+        </p:txBody>
+      </p:sp>
+      <p:sp>
+        <p:nvSpPr>
+          <p:cNvPr id="6" name="Rounded Rectangle 5"/>
+          <p:cNvSpPr/>
+          <p:nvPr/>
+        </p:nvSpPr>
+        <p:spPr>
+          <a:xfrm>
+            <a:off x="1523799" y="1382337"/>
+            <a:ext cx="723900" cy="640957"/>
+          </a:xfrm>
+          <a:prstGeom prst="roundRect">
+            <a:avLst/>
+          </a:prstGeom>
+          <a:solidFill>
+            <a:schemeClr val="tx2">
+              <a:lumMod val="20000"/>
+              <a:lumOff val="80000"/>
+            </a:schemeClr>
+          </a:solidFill>
+        </p:spPr>
+        <p:style>
+          <a:lnRef idx="2">
+            <a:schemeClr val="accent1">
+              <a:shade val="50000"/>
+            </a:schemeClr>
+          </a:lnRef>
+          <a:fillRef idx="1">
+            <a:schemeClr val="accent1"/>
+          </a:fillRef>
+          <a:effectRef idx="0">
+            <a:schemeClr val="accent1"/>
+          </a:effectRef>
+          <a:fontRef idx="minor">
+            <a:schemeClr val="lt1"/>
+          </a:fontRef>
+        </p:style>
+        <p:txBody>
+          <a:bodyPr rtlCol="0" anchor="ctr"/>
+          <a:lstStyle/>
+          <a:p>
+            <a:pPr algn="ctr"/>
+            <a:r>
+              <a:rPr lang="en-US" dirty="0" smtClean="0">
+                <a:solidFill>
+                  <a:sysClr val="windowText" lastClr="000000"/>
+                </a:solidFill>
+              </a:rPr>
+              <a:t>A2</a:t>
+            </a:r>
+            <a:endParaRPr lang="en-US" dirty="0">
+              <a:solidFill>
+                <a:sysClr val="windowText" lastClr="000000"/>
+              </a:solidFill>
+            </a:endParaRPr>
+          </a:p>
+        </p:txBody>
+      </p:sp>
+      <p:cxnSp>
+        <p:nvCxnSpPr>
+          <p:cNvPr id="7" name="Straight Connector 6"/>
+          <p:cNvCxnSpPr/>
+          <p:nvPr/>
+        </p:nvCxnSpPr>
+        <p:spPr>
+          <a:xfrm>
+            <a:off x="3326331" y="2195473"/>
+            <a:ext cx="0" cy="3825077"/>
+          </a:xfrm>
+          <a:prstGeom prst="line">
+            <a:avLst/>
+          </a:prstGeom>
+          <a:ln w="28575">
+            <a:prstDash val="sysDash"/>
+          </a:ln>
+        </p:spPr>
+        <p:style>
+          <a:lnRef idx="1">
+            <a:schemeClr val="accent1"/>
+          </a:lnRef>
+          <a:fillRef idx="0">
+            <a:schemeClr val="accent1"/>
+          </a:fillRef>
+          <a:effectRef idx="0">
+            <a:schemeClr val="accent1"/>
+          </a:effectRef>
+          <a:fontRef idx="minor">
+            <a:schemeClr val="tx1"/>
+          </a:fontRef>
+        </p:style>
+      </p:cxnSp>
+      <p:cxnSp>
+        <p:nvCxnSpPr>
+          <p:cNvPr id="13" name="Straight Connector 12"/>
+          <p:cNvCxnSpPr/>
+          <p:nvPr/>
+        </p:nvCxnSpPr>
+        <p:spPr>
+          <a:xfrm>
+            <a:off x="5771988" y="2195473"/>
+            <a:ext cx="0" cy="3825077"/>
+          </a:xfrm>
+          <a:prstGeom prst="line">
+            <a:avLst/>
+          </a:prstGeom>
+          <a:ln w="28575">
+            <a:prstDash val="sysDash"/>
+          </a:ln>
+        </p:spPr>
+        <p:style>
+          <a:lnRef idx="1">
+            <a:schemeClr val="accent1"/>
+          </a:lnRef>
+          <a:fillRef idx="0">
+            <a:schemeClr val="accent1"/>
+          </a:fillRef>
+          <a:effectRef idx="0">
+            <a:schemeClr val="accent1"/>
+          </a:effectRef>
+          <a:fontRef idx="minor">
+            <a:schemeClr val="tx1"/>
+          </a:fontRef>
+        </p:style>
+      </p:cxnSp>
+      <p:cxnSp>
+        <p:nvCxnSpPr>
+          <p:cNvPr id="14" name="Straight Connector 13"/>
+          <p:cNvCxnSpPr/>
+          <p:nvPr/>
+        </p:nvCxnSpPr>
+        <p:spPr>
+          <a:xfrm>
+            <a:off x="7684589" y="2195473"/>
+            <a:ext cx="0" cy="3825077"/>
+          </a:xfrm>
+          <a:prstGeom prst="line">
+            <a:avLst/>
+          </a:prstGeom>
+          <a:ln w="28575">
+            <a:prstDash val="sysDash"/>
+          </a:ln>
+        </p:spPr>
+        <p:style>
+          <a:lnRef idx="1">
+            <a:schemeClr val="accent1"/>
+          </a:lnRef>
+          <a:fillRef idx="0">
+            <a:schemeClr val="accent1"/>
+          </a:fillRef>
+          <a:effectRef idx="0">
+            <a:schemeClr val="accent1"/>
+          </a:effectRef>
+          <a:fontRef idx="minor">
+            <a:schemeClr val="tx1"/>
+          </a:fontRef>
+        </p:style>
+      </p:cxnSp>
+      <p:cxnSp>
+        <p:nvCxnSpPr>
+          <p:cNvPr id="15" name="Straight Connector 14"/>
+          <p:cNvCxnSpPr/>
+          <p:nvPr/>
+        </p:nvCxnSpPr>
+        <p:spPr>
+          <a:xfrm>
+            <a:off x="1885749" y="2195472"/>
+            <a:ext cx="0" cy="3825077"/>
+          </a:xfrm>
+          <a:prstGeom prst="line">
+            <a:avLst/>
+          </a:prstGeom>
+          <a:ln w="28575">
+            <a:prstDash val="sysDash"/>
+          </a:ln>
+        </p:spPr>
+        <p:style>
+          <a:lnRef idx="1">
+            <a:schemeClr val="accent1"/>
+          </a:lnRef>
+          <a:fillRef idx="0">
+            <a:schemeClr val="accent1"/>
+          </a:fillRef>
+          <a:effectRef idx="0">
+            <a:schemeClr val="accent1"/>
+          </a:effectRef>
+          <a:fontRef idx="minor">
+            <a:schemeClr val="tx1"/>
+          </a:fontRef>
+        </p:style>
+      </p:cxnSp>
+      <p:cxnSp>
+        <p:nvCxnSpPr>
+          <p:cNvPr id="16" name="Straight Connector 15"/>
+          <p:cNvCxnSpPr/>
+          <p:nvPr/>
+        </p:nvCxnSpPr>
+        <p:spPr>
+          <a:xfrm>
+            <a:off x="588144" y="2195473"/>
+            <a:ext cx="0" cy="3825077"/>
+          </a:xfrm>
+          <a:prstGeom prst="line">
+            <a:avLst/>
+          </a:prstGeom>
+          <a:ln w="28575">
+            <a:prstDash val="sysDash"/>
+          </a:ln>
+        </p:spPr>
+        <p:style>
+          <a:lnRef idx="1">
+            <a:schemeClr val="accent1"/>
+          </a:lnRef>
+          <a:fillRef idx="0">
+            <a:schemeClr val="accent1"/>
+          </a:fillRef>
+          <a:effectRef idx="0">
+            <a:schemeClr val="accent1"/>
+          </a:effectRef>
+          <a:fontRef idx="minor">
+            <a:schemeClr val="tx1"/>
+          </a:fontRef>
+        </p:style>
+      </p:cxnSp>
+      <p:cxnSp>
+        <p:nvCxnSpPr>
+          <p:cNvPr id="17" name="Straight Arrow Connector 16"/>
+          <p:cNvCxnSpPr/>
+          <p:nvPr/>
+        </p:nvCxnSpPr>
+        <p:spPr>
+          <a:xfrm flipV="1">
+            <a:off x="3326331" y="2594008"/>
+            <a:ext cx="2445657" cy="1"/>
+          </a:xfrm>
+          <a:prstGeom prst="straightConnector1">
+            <a:avLst/>
+          </a:prstGeom>
+          <a:ln w="28575">
+            <a:tailEnd type="arrow"/>
+          </a:ln>
+        </p:spPr>
+        <p:style>
+          <a:lnRef idx="1">
+            <a:schemeClr val="accent1"/>
+          </a:lnRef>
+          <a:fillRef idx="0">
+            <a:schemeClr val="accent1"/>
+          </a:fillRef>
+          <a:effectRef idx="0">
+            <a:schemeClr val="accent1"/>
+          </a:effectRef>
+          <a:fontRef idx="minor">
+            <a:schemeClr val="tx1"/>
+          </a:fontRef>
+        </p:style>
+      </p:cxnSp>
+      <p:sp>
+        <p:nvSpPr>
+          <p:cNvPr id="20" name="TextBox 19"/>
+          <p:cNvSpPr txBox="1"/>
+          <p:nvPr/>
+        </p:nvSpPr>
+        <p:spPr>
+          <a:xfrm>
+            <a:off x="3707330" y="1938964"/>
+            <a:ext cx="1679647" cy="646331"/>
+          </a:xfrm>
+          <a:prstGeom prst="rect">
+            <a:avLst/>
+          </a:prstGeom>
+          <a:noFill/>
+        </p:spPr>
+        <p:txBody>
+          <a:bodyPr wrap="square" rtlCol="0">
+            <a:spAutoFit/>
+          </a:bodyPr>
+          <a:lstStyle/>
+          <a:p>
+            <a:pPr algn="ctr"/>
+            <a:r>
+              <a:rPr lang="en-US" dirty="0" smtClean="0"/>
+              <a:t>Publish(service-name)</a:t>
+            </a:r>
+            <a:endParaRPr lang="en-US" dirty="0"/>
+          </a:p>
+        </p:txBody>
+      </p:sp>
+      <p:cxnSp>
+        <p:nvCxnSpPr>
+          <p:cNvPr id="21" name="Straight Arrow Connector 20"/>
+          <p:cNvCxnSpPr/>
+          <p:nvPr/>
+        </p:nvCxnSpPr>
+        <p:spPr>
+          <a:xfrm flipH="1">
+            <a:off x="5793645" y="2819400"/>
+            <a:ext cx="1890944" cy="0"/>
+          </a:xfrm>
+          <a:prstGeom prst="straightConnector1">
+            <a:avLst/>
+          </a:prstGeom>
+          <a:ln w="28575">
+            <a:tailEnd type="arrow"/>
+          </a:ln>
+        </p:spPr>
+        <p:style>
+          <a:lnRef idx="1">
+            <a:schemeClr val="accent1"/>
+          </a:lnRef>
+          <a:fillRef idx="0">
+            <a:schemeClr val="accent1"/>
+          </a:fillRef>
+          <a:effectRef idx="0">
+            <a:schemeClr val="accent1"/>
+          </a:effectRef>
+          <a:fontRef idx="minor">
+            <a:schemeClr val="tx1"/>
+          </a:fontRef>
+        </p:style>
+      </p:cxnSp>
+      <p:sp>
+        <p:nvSpPr>
+          <p:cNvPr id="25" name="TextBox 24"/>
+          <p:cNvSpPr txBox="1"/>
+          <p:nvPr/>
+        </p:nvSpPr>
+        <p:spPr>
+          <a:xfrm>
+            <a:off x="5899293" y="2450260"/>
+            <a:ext cx="1679647" cy="369332"/>
+          </a:xfrm>
+          <a:prstGeom prst="rect">
+            <a:avLst/>
+          </a:prstGeom>
+          <a:noFill/>
+        </p:spPr>
+        <p:txBody>
+          <a:bodyPr wrap="square" rtlCol="0">
+            <a:spAutoFit/>
+          </a:bodyPr>
+          <a:lstStyle/>
+          <a:p>
+            <a:pPr algn="ctr"/>
+            <a:r>
+              <a:rPr lang="en-US" dirty="0" smtClean="0"/>
+              <a:t>Subscribe</a:t>
+            </a:r>
+            <a:endParaRPr lang="en-US" dirty="0"/>
+          </a:p>
+        </p:txBody>
+      </p:sp>
+      <p:cxnSp>
+        <p:nvCxnSpPr>
+          <p:cNvPr id="26" name="Straight Arrow Connector 25"/>
+          <p:cNvCxnSpPr/>
+          <p:nvPr/>
+        </p:nvCxnSpPr>
+        <p:spPr>
+          <a:xfrm flipV="1">
+            <a:off x="5771987" y="3505200"/>
+            <a:ext cx="1912601" cy="1"/>
+          </a:xfrm>
+          <a:prstGeom prst="straightConnector1">
+            <a:avLst/>
+          </a:prstGeom>
+          <a:ln w="28575">
+            <a:tailEnd type="arrow"/>
+          </a:ln>
+        </p:spPr>
+        <p:style>
+          <a:lnRef idx="1">
+            <a:schemeClr val="accent1"/>
+          </a:lnRef>
+          <a:fillRef idx="0">
+            <a:schemeClr val="accent1"/>
+          </a:fillRef>
+          <a:effectRef idx="0">
+            <a:schemeClr val="accent1"/>
+          </a:effectRef>
+          <a:fontRef idx="minor">
+            <a:schemeClr val="tx1"/>
+          </a:fontRef>
+        </p:style>
+      </p:cxnSp>
+      <p:sp>
+        <p:nvSpPr>
+          <p:cNvPr id="28" name="TextBox 27"/>
+          <p:cNvSpPr txBox="1"/>
+          <p:nvPr/>
+        </p:nvSpPr>
+        <p:spPr>
+          <a:xfrm>
+            <a:off x="5888463" y="2858870"/>
+            <a:ext cx="1679647" cy="646331"/>
+          </a:xfrm>
+          <a:prstGeom prst="rect">
+            <a:avLst/>
+          </a:prstGeom>
+          <a:noFill/>
+        </p:spPr>
+        <p:txBody>
+          <a:bodyPr wrap="square" rtlCol="0">
+            <a:spAutoFit/>
+          </a:bodyPr>
+          <a:lstStyle/>
+          <a:p>
+            <a:pPr algn="ctr"/>
+            <a:r>
+              <a:rPr lang="en-US" dirty="0" smtClean="0"/>
+              <a:t>Reply(service-name)</a:t>
+            </a:r>
+            <a:endParaRPr lang="en-US" dirty="0"/>
+          </a:p>
+        </p:txBody>
+      </p:sp>
+      <p:cxnSp>
+        <p:nvCxnSpPr>
+          <p:cNvPr id="29" name="Straight Arrow Connector 28"/>
+          <p:cNvCxnSpPr/>
+          <p:nvPr/>
+        </p:nvCxnSpPr>
+        <p:spPr>
+          <a:xfrm flipH="1">
+            <a:off x="3326330" y="4085551"/>
+            <a:ext cx="4358257" cy="0"/>
+          </a:xfrm>
+          <a:prstGeom prst="straightConnector1">
+            <a:avLst/>
+          </a:prstGeom>
+          <a:ln w="28575">
+            <a:tailEnd type="arrow"/>
+          </a:ln>
+        </p:spPr>
+        <p:style>
+          <a:lnRef idx="1">
+            <a:schemeClr val="accent1"/>
+          </a:lnRef>
+          <a:fillRef idx="0">
+            <a:schemeClr val="accent1"/>
+          </a:fillRef>
+          <a:effectRef idx="0">
+            <a:schemeClr val="accent1"/>
+          </a:effectRef>
+          <a:fontRef idx="minor">
+            <a:schemeClr val="tx1"/>
+          </a:fontRef>
+        </p:style>
+      </p:cxnSp>
+      <p:sp>
+        <p:nvSpPr>
+          <p:cNvPr id="32" name="TextBox 31"/>
+          <p:cNvSpPr txBox="1"/>
+          <p:nvPr/>
+        </p:nvSpPr>
+        <p:spPr>
+          <a:xfrm>
+            <a:off x="4520666" y="3676825"/>
+            <a:ext cx="2413534" cy="369332"/>
+          </a:xfrm>
+          <a:prstGeom prst="rect">
+            <a:avLst/>
+          </a:prstGeom>
+          <a:noFill/>
+        </p:spPr>
+        <p:txBody>
+          <a:bodyPr wrap="square" rtlCol="0">
+            <a:spAutoFit/>
+          </a:bodyPr>
+          <a:lstStyle/>
+          <a:p>
+            <a:pPr algn="ctr"/>
+            <a:r>
+              <a:rPr lang="en-US" dirty="0" smtClean="0"/>
+              <a:t>Request(service-name)</a:t>
+            </a:r>
+            <a:endParaRPr lang="en-US" dirty="0"/>
+          </a:p>
+        </p:txBody>
+      </p:sp>
+      <p:cxnSp>
+        <p:nvCxnSpPr>
+          <p:cNvPr id="34" name="Straight Arrow Connector 33"/>
+          <p:cNvCxnSpPr/>
+          <p:nvPr/>
+        </p:nvCxnSpPr>
+        <p:spPr>
+          <a:xfrm flipH="1" flipV="1">
+            <a:off x="1885749" y="4267200"/>
+            <a:ext cx="1448000" cy="2"/>
+          </a:xfrm>
+          <a:prstGeom prst="straightConnector1">
+            <a:avLst/>
+          </a:prstGeom>
+          <a:ln w="28575">
+            <a:tailEnd type="arrow"/>
+          </a:ln>
+        </p:spPr>
+        <p:style>
+          <a:lnRef idx="1">
+            <a:schemeClr val="accent1"/>
+          </a:lnRef>
+          <a:fillRef idx="0">
+            <a:schemeClr val="accent1"/>
+          </a:fillRef>
+          <a:effectRef idx="0">
+            <a:schemeClr val="accent1"/>
+          </a:effectRef>
+          <a:fontRef idx="minor">
+            <a:schemeClr val="tx1"/>
+          </a:fontRef>
+        </p:style>
+      </p:cxnSp>
+      <p:cxnSp>
+        <p:nvCxnSpPr>
+          <p:cNvPr id="39" name="Straight Arrow Connector 38"/>
+          <p:cNvCxnSpPr/>
+          <p:nvPr/>
+        </p:nvCxnSpPr>
+        <p:spPr>
+          <a:xfrm flipH="1" flipV="1">
+            <a:off x="588144" y="4267200"/>
+            <a:ext cx="1297605" cy="4"/>
+          </a:xfrm>
+          <a:prstGeom prst="straightConnector1">
+            <a:avLst/>
+          </a:prstGeom>
+          <a:ln w="28575">
+            <a:tailEnd type="arrow"/>
+          </a:ln>
+        </p:spPr>
+        <p:style>
+          <a:lnRef idx="1">
+            <a:schemeClr val="accent1"/>
+          </a:lnRef>
+          <a:fillRef idx="0">
+            <a:schemeClr val="accent1"/>
+          </a:fillRef>
+          <a:effectRef idx="0">
+            <a:schemeClr val="accent1"/>
+          </a:effectRef>
+          <a:fontRef idx="minor">
+            <a:schemeClr val="tx1"/>
+          </a:fontRef>
+        </p:style>
+      </p:cxnSp>
+      <p:sp>
+        <p:nvSpPr>
+          <p:cNvPr id="41" name="TextBox 40"/>
+          <p:cNvSpPr txBox="1"/>
+          <p:nvPr/>
+        </p:nvSpPr>
+        <p:spPr>
+          <a:xfrm>
+            <a:off x="1207268" y="3858731"/>
+            <a:ext cx="1679647" cy="369332"/>
+          </a:xfrm>
+          <a:prstGeom prst="rect">
+            <a:avLst/>
+          </a:prstGeom>
+          <a:noFill/>
+        </p:spPr>
+        <p:txBody>
+          <a:bodyPr wrap="square" rtlCol="0">
+            <a:spAutoFit/>
+          </a:bodyPr>
+          <a:lstStyle/>
+          <a:p>
+            <a:pPr algn="ctr"/>
+            <a:r>
+              <a:rPr lang="en-US" dirty="0" smtClean="0"/>
+              <a:t>Forward</a:t>
+            </a:r>
+            <a:endParaRPr lang="en-US" dirty="0"/>
+          </a:p>
+        </p:txBody>
+      </p:sp>
+      <p:cxnSp>
+        <p:nvCxnSpPr>
+          <p:cNvPr id="42" name="Straight Arrow Connector 41"/>
+          <p:cNvCxnSpPr/>
+          <p:nvPr/>
+        </p:nvCxnSpPr>
+        <p:spPr>
+          <a:xfrm flipV="1">
+            <a:off x="588142" y="4800600"/>
+            <a:ext cx="7096443" cy="1"/>
+          </a:xfrm>
+          <a:prstGeom prst="straightConnector1">
+            <a:avLst/>
+          </a:prstGeom>
+          <a:ln w="28575">
+            <a:tailEnd type="arrow"/>
+          </a:ln>
+        </p:spPr>
+        <p:style>
+          <a:lnRef idx="1">
+            <a:schemeClr val="accent1"/>
+          </a:lnRef>
+          <a:fillRef idx="0">
+            <a:schemeClr val="accent1"/>
+          </a:fillRef>
+          <a:effectRef idx="0">
+            <a:schemeClr val="accent1"/>
+          </a:effectRef>
+          <a:fontRef idx="minor">
+            <a:schemeClr val="tx1"/>
+          </a:fontRef>
+        </p:style>
+      </p:cxnSp>
+      <p:cxnSp>
+        <p:nvCxnSpPr>
+          <p:cNvPr id="44" name="Straight Arrow Connector 43"/>
+          <p:cNvCxnSpPr/>
+          <p:nvPr/>
+        </p:nvCxnSpPr>
+        <p:spPr>
+          <a:xfrm>
+            <a:off x="1885752" y="5334000"/>
+            <a:ext cx="5798837" cy="0"/>
+          </a:xfrm>
+          <a:prstGeom prst="straightConnector1">
+            <a:avLst/>
+          </a:prstGeom>
+          <a:ln w="28575">
+            <a:tailEnd type="arrow"/>
+          </a:ln>
+        </p:spPr>
+        <p:style>
+          <a:lnRef idx="1">
+            <a:schemeClr val="accent1"/>
+          </a:lnRef>
+          <a:fillRef idx="0">
+            <a:schemeClr val="accent1"/>
+          </a:fillRef>
+          <a:effectRef idx="0">
+            <a:schemeClr val="accent1"/>
+          </a:effectRef>
+          <a:fontRef idx="minor">
+            <a:schemeClr val="tx1"/>
+          </a:fontRef>
+        </p:style>
+      </p:cxnSp>
+      <p:sp>
+        <p:nvSpPr>
+          <p:cNvPr id="47" name="TextBox 46"/>
+          <p:cNvSpPr txBox="1"/>
+          <p:nvPr/>
+        </p:nvSpPr>
+        <p:spPr>
+          <a:xfrm>
+            <a:off x="3274613" y="4431269"/>
+            <a:ext cx="1679647" cy="369332"/>
+          </a:xfrm>
+          <a:prstGeom prst="rect">
+            <a:avLst/>
+          </a:prstGeom>
+          <a:noFill/>
+        </p:spPr>
+        <p:txBody>
+          <a:bodyPr wrap="square" rtlCol="0">
+            <a:spAutoFit/>
+          </a:bodyPr>
+          <a:lstStyle/>
+          <a:p>
+            <a:pPr algn="ctr"/>
+            <a:r>
+              <a:rPr lang="en-US" dirty="0" smtClean="0"/>
+              <a:t>Reply(data)</a:t>
+            </a:r>
+            <a:endParaRPr lang="en-US" dirty="0"/>
+          </a:p>
+        </p:txBody>
+      </p:sp>
+      <p:sp>
+        <p:nvSpPr>
+          <p:cNvPr id="48" name="TextBox 47"/>
+          <p:cNvSpPr txBox="1"/>
+          <p:nvPr/>
+        </p:nvSpPr>
+        <p:spPr>
+          <a:xfrm>
+            <a:off x="4006116" y="4964668"/>
+            <a:ext cx="1679647" cy="369332"/>
+          </a:xfrm>
+          <a:prstGeom prst="rect">
+            <a:avLst/>
+          </a:prstGeom>
+          <a:noFill/>
+        </p:spPr>
+        <p:txBody>
+          <a:bodyPr wrap="square" rtlCol="0">
+            <a:spAutoFit/>
+          </a:bodyPr>
+          <a:lstStyle/>
+          <a:p>
+            <a:pPr algn="ctr"/>
+            <a:r>
+              <a:rPr lang="en-US" dirty="0" smtClean="0"/>
+              <a:t>Reply(data)</a:t>
+            </a:r>
+            <a:endParaRPr lang="en-US" dirty="0"/>
+          </a:p>
+        </p:txBody>
+      </p:sp>
+      <p:sp>
+        <p:nvSpPr>
+          <p:cNvPr id="49" name="TextBox 48"/>
+          <p:cNvSpPr txBox="1"/>
+          <p:nvPr/>
+        </p:nvSpPr>
+        <p:spPr>
+          <a:xfrm>
+            <a:off x="57150" y="1067148"/>
+            <a:ext cx="1066800" cy="307777"/>
+          </a:xfrm>
+          <a:prstGeom prst="rect">
+            <a:avLst/>
+          </a:prstGeom>
+          <a:noFill/>
+        </p:spPr>
+        <p:txBody>
+          <a:bodyPr wrap="square" rtlCol="0">
+            <a:spAutoFit/>
+          </a:bodyPr>
+          <a:lstStyle/>
+          <a:p>
+            <a:pPr algn="ctr"/>
+            <a:r>
+              <a:rPr lang="en-US" sz="1400" dirty="0" smtClean="0"/>
+              <a:t>Aggregator</a:t>
+            </a:r>
+            <a:endParaRPr lang="en-US" sz="1400" dirty="0"/>
+          </a:p>
+        </p:txBody>
+      </p:sp>
+      <p:sp>
+        <p:nvSpPr>
+          <p:cNvPr id="50" name="TextBox 49"/>
+          <p:cNvSpPr txBox="1"/>
+          <p:nvPr/>
+        </p:nvSpPr>
+        <p:spPr>
+          <a:xfrm>
+            <a:off x="1352352" y="1074560"/>
+            <a:ext cx="1066800" cy="307777"/>
+          </a:xfrm>
+          <a:prstGeom prst="rect">
+            <a:avLst/>
+          </a:prstGeom>
+          <a:noFill/>
+        </p:spPr>
+        <p:txBody>
+          <a:bodyPr wrap="square" rtlCol="0">
+            <a:spAutoFit/>
+          </a:bodyPr>
+          <a:lstStyle/>
+          <a:p>
+            <a:pPr algn="ctr"/>
+            <a:r>
+              <a:rPr lang="en-US" sz="1400" dirty="0" smtClean="0"/>
+              <a:t>Aggregator</a:t>
+            </a:r>
+            <a:endParaRPr lang="en-US" sz="1400" dirty="0"/>
+          </a:p>
+        </p:txBody>
+      </p:sp>
+      <p:sp>
+        <p:nvSpPr>
+          <p:cNvPr id="51" name="TextBox 50"/>
+          <p:cNvSpPr txBox="1"/>
+          <p:nvPr/>
+        </p:nvSpPr>
+        <p:spPr>
+          <a:xfrm>
+            <a:off x="2812181" y="1089915"/>
+            <a:ext cx="1066800" cy="307777"/>
+          </a:xfrm>
+          <a:prstGeom prst="rect">
+            <a:avLst/>
+          </a:prstGeom>
+          <a:noFill/>
+        </p:spPr>
+        <p:txBody>
+          <a:bodyPr wrap="square" rtlCol="0">
+            <a:spAutoFit/>
+          </a:bodyPr>
+          <a:lstStyle/>
+          <a:p>
+            <a:pPr algn="ctr"/>
+            <a:r>
+              <a:rPr lang="en-US" sz="1400" dirty="0" smtClean="0"/>
+              <a:t>LSG</a:t>
+            </a:r>
+            <a:endParaRPr lang="en-US" sz="1400" dirty="0"/>
+          </a:p>
+        </p:txBody>
+      </p:sp>
+      <p:sp>
+        <p:nvSpPr>
+          <p:cNvPr id="52" name="TextBox 51"/>
+          <p:cNvSpPr txBox="1"/>
+          <p:nvPr/>
+        </p:nvSpPr>
+        <p:spPr>
+          <a:xfrm>
+            <a:off x="5238587" y="1040563"/>
+            <a:ext cx="1066800" cy="307777"/>
+          </a:xfrm>
+          <a:prstGeom prst="rect">
+            <a:avLst/>
+          </a:prstGeom>
+          <a:noFill/>
+        </p:spPr>
+        <p:txBody>
+          <a:bodyPr wrap="square" rtlCol="0">
+            <a:spAutoFit/>
+          </a:bodyPr>
+          <a:lstStyle/>
+          <a:p>
+            <a:pPr algn="ctr"/>
+            <a:r>
+              <a:rPr lang="en-US" sz="1400" dirty="0" err="1" smtClean="0"/>
+              <a:t>IoT</a:t>
+            </a:r>
+            <a:r>
+              <a:rPr lang="en-US" sz="1400" dirty="0" smtClean="0"/>
+              <a:t> Server</a:t>
+            </a:r>
+            <a:endParaRPr lang="en-US" sz="1400" dirty="0"/>
+          </a:p>
+        </p:txBody>
+      </p:sp>
+      <p:sp>
+        <p:nvSpPr>
+          <p:cNvPr id="53" name="TextBox 52"/>
+          <p:cNvSpPr txBox="1"/>
+          <p:nvPr/>
+        </p:nvSpPr>
+        <p:spPr>
+          <a:xfrm>
+            <a:off x="7151185" y="1039074"/>
+            <a:ext cx="1066800" cy="307777"/>
+          </a:xfrm>
+          <a:prstGeom prst="rect">
+            <a:avLst/>
+          </a:prstGeom>
+          <a:noFill/>
+        </p:spPr>
+        <p:txBody>
+          <a:bodyPr wrap="square" rtlCol="0">
+            <a:spAutoFit/>
+          </a:bodyPr>
+          <a:lstStyle/>
+          <a:p>
+            <a:pPr algn="ctr"/>
+            <a:r>
+              <a:rPr lang="en-US" sz="1400" dirty="0" smtClean="0"/>
+              <a:t>Subscriber</a:t>
+            </a:r>
+            <a:endParaRPr lang="en-US" sz="1400" dirty="0"/>
+          </a:p>
+        </p:txBody>
+      </p:sp>
     </p:spTree>
     <p:extLst>
       <p:ext uri="{BB962C8B-B14F-4D97-AF65-F5344CB8AC3E}">

--- a/figure/paper_drawing.pptx
+++ b/figure/paper_drawing.pptx
@@ -4,12 +4,16 @@
   <p:sldMasterIdLst>
     <p:sldMasterId id="2147483648" r:id="rId1"/>
   </p:sldMasterIdLst>
+  <p:notesMasterIdLst>
+    <p:notesMasterId r:id="rId8"/>
+  </p:notesMasterIdLst>
   <p:sldIdLst>
     <p:sldId id="256" r:id="rId2"/>
     <p:sldId id="257" r:id="rId3"/>
     <p:sldId id="258" r:id="rId4"/>
     <p:sldId id="259" r:id="rId5"/>
     <p:sldId id="260" r:id="rId6"/>
+    <p:sldId id="261" r:id="rId7"/>
   </p:sldIdLst>
   <p:sldSz cx="9144000" cy="6858000" type="screen4x3"/>
   <p:notesSz cx="6858000" cy="9144000"/>
@@ -111,6 +115,440 @@
 </p:presentation>
 </file>
 
+<file path=ppt/notesMasters/notesMaster1.xml><?xml version="1.0" encoding="utf-8"?>
+<p:notesMaster xmlns:a="http://schemas.openxmlformats.org/drawingml/2006/main" xmlns:r="http://schemas.openxmlformats.org/officeDocument/2006/relationships" xmlns:p="http://schemas.openxmlformats.org/presentationml/2006/main">
+  <p:cSld>
+    <p:bg>
+      <p:bgRef idx="1001">
+        <a:schemeClr val="bg1"/>
+      </p:bgRef>
+    </p:bg>
+    <p:spTree>
+      <p:nvGrpSpPr>
+        <p:cNvPr id="1" name=""/>
+        <p:cNvGrpSpPr/>
+        <p:nvPr/>
+      </p:nvGrpSpPr>
+      <p:grpSpPr>
+        <a:xfrm>
+          <a:off x="0" y="0"/>
+          <a:ext cx="0" cy="0"/>
+          <a:chOff x="0" y="0"/>
+          <a:chExt cx="0" cy="0"/>
+        </a:xfrm>
+      </p:grpSpPr>
+      <p:sp>
+        <p:nvSpPr>
+          <p:cNvPr id="2" name="Header Placeholder 1"/>
+          <p:cNvSpPr>
+            <a:spLocks noGrp="1"/>
+          </p:cNvSpPr>
+          <p:nvPr>
+            <p:ph type="hdr" sz="quarter"/>
+          </p:nvPr>
+        </p:nvSpPr>
+        <p:spPr>
+          <a:xfrm>
+            <a:off x="0" y="0"/>
+            <a:ext cx="2971800" cy="457200"/>
+          </a:xfrm>
+          <a:prstGeom prst="rect">
+            <a:avLst/>
+          </a:prstGeom>
+        </p:spPr>
+        <p:txBody>
+          <a:bodyPr vert="horz" lIns="91440" tIns="45720" rIns="91440" bIns="45720" rtlCol="0"/>
+          <a:lstStyle>
+            <a:lvl1pPr algn="l">
+              <a:defRPr sz="1200"/>
+            </a:lvl1pPr>
+          </a:lstStyle>
+          <a:p>
+            <a:endParaRPr lang="en-US"/>
+          </a:p>
+        </p:txBody>
+      </p:sp>
+      <p:sp>
+        <p:nvSpPr>
+          <p:cNvPr id="3" name="Date Placeholder 2"/>
+          <p:cNvSpPr>
+            <a:spLocks noGrp="1"/>
+          </p:cNvSpPr>
+          <p:nvPr>
+            <p:ph type="dt" idx="1"/>
+          </p:nvPr>
+        </p:nvSpPr>
+        <p:spPr>
+          <a:xfrm>
+            <a:off x="3884613" y="0"/>
+            <a:ext cx="2971800" cy="457200"/>
+          </a:xfrm>
+          <a:prstGeom prst="rect">
+            <a:avLst/>
+          </a:prstGeom>
+        </p:spPr>
+        <p:txBody>
+          <a:bodyPr vert="horz" lIns="91440" tIns="45720" rIns="91440" bIns="45720" rtlCol="0"/>
+          <a:lstStyle>
+            <a:lvl1pPr algn="r">
+              <a:defRPr sz="1200"/>
+            </a:lvl1pPr>
+          </a:lstStyle>
+          <a:p>
+            <a:fld id="{56F0B2FC-92CA-4854-8A1B-89BEB72E6419}" type="datetimeFigureOut">
+              <a:rPr lang="en-US" smtClean="0"/>
+              <a:t>6/30/2015</a:t>
+            </a:fld>
+            <a:endParaRPr lang="en-US"/>
+          </a:p>
+        </p:txBody>
+      </p:sp>
+      <p:sp>
+        <p:nvSpPr>
+          <p:cNvPr id="4" name="Slide Image Placeholder 3"/>
+          <p:cNvSpPr>
+            <a:spLocks noGrp="1" noRot="1" noChangeAspect="1"/>
+          </p:cNvSpPr>
+          <p:nvPr>
+            <p:ph type="sldImg" idx="2"/>
+          </p:nvPr>
+        </p:nvSpPr>
+        <p:spPr>
+          <a:xfrm>
+            <a:off x="1143000" y="685800"/>
+            <a:ext cx="4572000" cy="3429000"/>
+          </a:xfrm>
+          <a:prstGeom prst="rect">
+            <a:avLst/>
+          </a:prstGeom>
+          <a:noFill/>
+          <a:ln w="12700">
+            <a:solidFill>
+              <a:prstClr val="black"/>
+            </a:solidFill>
+          </a:ln>
+        </p:spPr>
+        <p:txBody>
+          <a:bodyPr vert="horz" lIns="91440" tIns="45720" rIns="91440" bIns="45720" rtlCol="0" anchor="ctr"/>
+          <a:lstStyle/>
+          <a:p>
+            <a:endParaRPr lang="en-US"/>
+          </a:p>
+        </p:txBody>
+      </p:sp>
+      <p:sp>
+        <p:nvSpPr>
+          <p:cNvPr id="5" name="Notes Placeholder 4"/>
+          <p:cNvSpPr>
+            <a:spLocks noGrp="1"/>
+          </p:cNvSpPr>
+          <p:nvPr>
+            <p:ph type="body" sz="quarter" idx="3"/>
+          </p:nvPr>
+        </p:nvSpPr>
+        <p:spPr>
+          <a:xfrm>
+            <a:off x="685800" y="4343400"/>
+            <a:ext cx="5486400" cy="4114800"/>
+          </a:xfrm>
+          <a:prstGeom prst="rect">
+            <a:avLst/>
+          </a:prstGeom>
+        </p:spPr>
+        <p:txBody>
+          <a:bodyPr vert="horz" lIns="91440" tIns="45720" rIns="91440" bIns="45720" rtlCol="0"/>
+          <a:lstStyle/>
+          <a:p>
+            <a:pPr lvl="0"/>
+            <a:r>
+              <a:rPr lang="en-US" smtClean="0"/>
+              <a:t>Click to edit Master text styles</a:t>
+            </a:r>
+          </a:p>
+          <a:p>
+            <a:pPr lvl="1"/>
+            <a:r>
+              <a:rPr lang="en-US" smtClean="0"/>
+              <a:t>Second level</a:t>
+            </a:r>
+          </a:p>
+          <a:p>
+            <a:pPr lvl="2"/>
+            <a:r>
+              <a:rPr lang="en-US" smtClean="0"/>
+              <a:t>Third level</a:t>
+            </a:r>
+          </a:p>
+          <a:p>
+            <a:pPr lvl="3"/>
+            <a:r>
+              <a:rPr lang="en-US" smtClean="0"/>
+              <a:t>Fourth level</a:t>
+            </a:r>
+          </a:p>
+          <a:p>
+            <a:pPr lvl="4"/>
+            <a:r>
+              <a:rPr lang="en-US" smtClean="0"/>
+              <a:t>Fifth level</a:t>
+            </a:r>
+            <a:endParaRPr lang="en-US"/>
+          </a:p>
+        </p:txBody>
+      </p:sp>
+      <p:sp>
+        <p:nvSpPr>
+          <p:cNvPr id="6" name="Footer Placeholder 5"/>
+          <p:cNvSpPr>
+            <a:spLocks noGrp="1"/>
+          </p:cNvSpPr>
+          <p:nvPr>
+            <p:ph type="ftr" sz="quarter" idx="4"/>
+          </p:nvPr>
+        </p:nvSpPr>
+        <p:spPr>
+          <a:xfrm>
+            <a:off x="0" y="8685213"/>
+            <a:ext cx="2971800" cy="457200"/>
+          </a:xfrm>
+          <a:prstGeom prst="rect">
+            <a:avLst/>
+          </a:prstGeom>
+        </p:spPr>
+        <p:txBody>
+          <a:bodyPr vert="horz" lIns="91440" tIns="45720" rIns="91440" bIns="45720" rtlCol="0" anchor="b"/>
+          <a:lstStyle>
+            <a:lvl1pPr algn="l">
+              <a:defRPr sz="1200"/>
+            </a:lvl1pPr>
+          </a:lstStyle>
+          <a:p>
+            <a:endParaRPr lang="en-US"/>
+          </a:p>
+        </p:txBody>
+      </p:sp>
+      <p:sp>
+        <p:nvSpPr>
+          <p:cNvPr id="7" name="Slide Number Placeholder 6"/>
+          <p:cNvSpPr>
+            <a:spLocks noGrp="1"/>
+          </p:cNvSpPr>
+          <p:nvPr>
+            <p:ph type="sldNum" sz="quarter" idx="5"/>
+          </p:nvPr>
+        </p:nvSpPr>
+        <p:spPr>
+          <a:xfrm>
+            <a:off x="3884613" y="8685213"/>
+            <a:ext cx="2971800" cy="457200"/>
+          </a:xfrm>
+          <a:prstGeom prst="rect">
+            <a:avLst/>
+          </a:prstGeom>
+        </p:spPr>
+        <p:txBody>
+          <a:bodyPr vert="horz" lIns="91440" tIns="45720" rIns="91440" bIns="45720" rtlCol="0" anchor="b"/>
+          <a:lstStyle>
+            <a:lvl1pPr algn="r">
+              <a:defRPr sz="1200"/>
+            </a:lvl1pPr>
+          </a:lstStyle>
+          <a:p>
+            <a:fld id="{975846BD-FFF2-4E9C-9F3B-17F7E583B0BF}" type="slidenum">
+              <a:rPr lang="en-US" smtClean="0"/>
+              <a:t>‹#›</a:t>
+            </a:fld>
+            <a:endParaRPr lang="en-US"/>
+          </a:p>
+        </p:txBody>
+      </p:sp>
+    </p:spTree>
+    <p:extLst>
+      <p:ext uri="{BB962C8B-B14F-4D97-AF65-F5344CB8AC3E}">
+        <p14:creationId xmlns:p14="http://schemas.microsoft.com/office/powerpoint/2010/main" val="4100952350"/>
+      </p:ext>
+    </p:extLst>
+  </p:cSld>
+  <p:clrMap bg1="lt1" tx1="dk1" bg2="lt2" tx2="dk2" accent1="accent1" accent2="accent2" accent3="accent3" accent4="accent4" accent5="accent5" accent6="accent6" hlink="hlink" folHlink="folHlink"/>
+  <p:notesStyle>
+    <a:lvl1pPr marL="0" algn="l" defTabSz="914400" rtl="0" eaLnBrk="1" latinLnBrk="0" hangingPunct="1">
+      <a:defRPr sz="1200" kern="1200">
+        <a:solidFill>
+          <a:schemeClr val="tx1"/>
+        </a:solidFill>
+        <a:latin typeface="+mn-lt"/>
+        <a:ea typeface="+mn-ea"/>
+        <a:cs typeface="+mn-cs"/>
+      </a:defRPr>
+    </a:lvl1pPr>
+    <a:lvl2pPr marL="457200" algn="l" defTabSz="914400" rtl="0" eaLnBrk="1" latinLnBrk="0" hangingPunct="1">
+      <a:defRPr sz="1200" kern="1200">
+        <a:solidFill>
+          <a:schemeClr val="tx1"/>
+        </a:solidFill>
+        <a:latin typeface="+mn-lt"/>
+        <a:ea typeface="+mn-ea"/>
+        <a:cs typeface="+mn-cs"/>
+      </a:defRPr>
+    </a:lvl2pPr>
+    <a:lvl3pPr marL="914400" algn="l" defTabSz="914400" rtl="0" eaLnBrk="1" latinLnBrk="0" hangingPunct="1">
+      <a:defRPr sz="1200" kern="1200">
+        <a:solidFill>
+          <a:schemeClr val="tx1"/>
+        </a:solidFill>
+        <a:latin typeface="+mn-lt"/>
+        <a:ea typeface="+mn-ea"/>
+        <a:cs typeface="+mn-cs"/>
+      </a:defRPr>
+    </a:lvl3pPr>
+    <a:lvl4pPr marL="1371600" algn="l" defTabSz="914400" rtl="0" eaLnBrk="1" latinLnBrk="0" hangingPunct="1">
+      <a:defRPr sz="1200" kern="1200">
+        <a:solidFill>
+          <a:schemeClr val="tx1"/>
+        </a:solidFill>
+        <a:latin typeface="+mn-lt"/>
+        <a:ea typeface="+mn-ea"/>
+        <a:cs typeface="+mn-cs"/>
+      </a:defRPr>
+    </a:lvl4pPr>
+    <a:lvl5pPr marL="1828800" algn="l" defTabSz="914400" rtl="0" eaLnBrk="1" latinLnBrk="0" hangingPunct="1">
+      <a:defRPr sz="1200" kern="1200">
+        <a:solidFill>
+          <a:schemeClr val="tx1"/>
+        </a:solidFill>
+        <a:latin typeface="+mn-lt"/>
+        <a:ea typeface="+mn-ea"/>
+        <a:cs typeface="+mn-cs"/>
+      </a:defRPr>
+    </a:lvl5pPr>
+    <a:lvl6pPr marL="2286000" algn="l" defTabSz="914400" rtl="0" eaLnBrk="1" latinLnBrk="0" hangingPunct="1">
+      <a:defRPr sz="1200" kern="1200">
+        <a:solidFill>
+          <a:schemeClr val="tx1"/>
+        </a:solidFill>
+        <a:latin typeface="+mn-lt"/>
+        <a:ea typeface="+mn-ea"/>
+        <a:cs typeface="+mn-cs"/>
+      </a:defRPr>
+    </a:lvl6pPr>
+    <a:lvl7pPr marL="2743200" algn="l" defTabSz="914400" rtl="0" eaLnBrk="1" latinLnBrk="0" hangingPunct="1">
+      <a:defRPr sz="1200" kern="1200">
+        <a:solidFill>
+          <a:schemeClr val="tx1"/>
+        </a:solidFill>
+        <a:latin typeface="+mn-lt"/>
+        <a:ea typeface="+mn-ea"/>
+        <a:cs typeface="+mn-cs"/>
+      </a:defRPr>
+    </a:lvl7pPr>
+    <a:lvl8pPr marL="3200400" algn="l" defTabSz="914400" rtl="0" eaLnBrk="1" latinLnBrk="0" hangingPunct="1">
+      <a:defRPr sz="1200" kern="1200">
+        <a:solidFill>
+          <a:schemeClr val="tx1"/>
+        </a:solidFill>
+        <a:latin typeface="+mn-lt"/>
+        <a:ea typeface="+mn-ea"/>
+        <a:cs typeface="+mn-cs"/>
+      </a:defRPr>
+    </a:lvl8pPr>
+    <a:lvl9pPr marL="3657600" algn="l" defTabSz="914400" rtl="0" eaLnBrk="1" latinLnBrk="0" hangingPunct="1">
+      <a:defRPr sz="1200" kern="1200">
+        <a:solidFill>
+          <a:schemeClr val="tx1"/>
+        </a:solidFill>
+        <a:latin typeface="+mn-lt"/>
+        <a:ea typeface="+mn-ea"/>
+        <a:cs typeface="+mn-cs"/>
+      </a:defRPr>
+    </a:lvl9pPr>
+  </p:notesStyle>
+</p:notesMaster>
+</file>
+
+<file path=ppt/notesSlides/notesSlide1.xml><?xml version="1.0" encoding="utf-8"?>
+<p:notes xmlns:a="http://schemas.openxmlformats.org/drawingml/2006/main" xmlns:r="http://schemas.openxmlformats.org/officeDocument/2006/relationships" xmlns:p="http://schemas.openxmlformats.org/presentationml/2006/main">
+  <p:cSld>
+    <p:spTree>
+      <p:nvGrpSpPr>
+        <p:cNvPr id="1" name=""/>
+        <p:cNvGrpSpPr/>
+        <p:nvPr/>
+      </p:nvGrpSpPr>
+      <p:grpSpPr>
+        <a:xfrm>
+          <a:off x="0" y="0"/>
+          <a:ext cx="0" cy="0"/>
+          <a:chOff x="0" y="0"/>
+          <a:chExt cx="0" cy="0"/>
+        </a:xfrm>
+      </p:grpSpPr>
+      <p:sp>
+        <p:nvSpPr>
+          <p:cNvPr id="2" name="Slide Image Placeholder 1"/>
+          <p:cNvSpPr>
+            <a:spLocks noGrp="1" noRot="1" noChangeAspect="1"/>
+          </p:cNvSpPr>
+          <p:nvPr>
+            <p:ph type="sldImg"/>
+          </p:nvPr>
+        </p:nvSpPr>
+        <p:spPr/>
+      </p:sp>
+      <p:sp>
+        <p:nvSpPr>
+          <p:cNvPr id="3" name="Notes Placeholder 2"/>
+          <p:cNvSpPr>
+            <a:spLocks noGrp="1"/>
+          </p:cNvSpPr>
+          <p:nvPr>
+            <p:ph type="body" idx="1"/>
+          </p:nvPr>
+        </p:nvSpPr>
+        <p:spPr/>
+        <p:txBody>
+          <a:bodyPr/>
+          <a:lstStyle/>
+          <a:p>
+            <a:endParaRPr lang="en-US" dirty="0"/>
+          </a:p>
+        </p:txBody>
+      </p:sp>
+      <p:sp>
+        <p:nvSpPr>
+          <p:cNvPr id="4" name="Slide Number Placeholder 3"/>
+          <p:cNvSpPr>
+            <a:spLocks noGrp="1"/>
+          </p:cNvSpPr>
+          <p:nvPr>
+            <p:ph type="sldNum" sz="quarter" idx="10"/>
+          </p:nvPr>
+        </p:nvSpPr>
+        <p:spPr/>
+        <p:txBody>
+          <a:bodyPr/>
+          <a:lstStyle/>
+          <a:p>
+            <a:fld id="{975846BD-FFF2-4E9C-9F3B-17F7E583B0BF}" type="slidenum">
+              <a:rPr lang="en-US" smtClean="0"/>
+              <a:t>6</a:t>
+            </a:fld>
+            <a:endParaRPr lang="en-US"/>
+          </a:p>
+        </p:txBody>
+      </p:sp>
+    </p:spTree>
+    <p:extLst>
+      <p:ext uri="{BB962C8B-B14F-4D97-AF65-F5344CB8AC3E}">
+        <p14:creationId xmlns:p14="http://schemas.microsoft.com/office/powerpoint/2010/main" val="1331453612"/>
+      </p:ext>
+    </p:extLst>
+  </p:cSld>
+  <p:clrMapOvr>
+    <a:masterClrMapping/>
+  </p:clrMapOvr>
+</p:notes>
+</file>
+
 <file path=ppt/slideLayouts/slideLayout1.xml><?xml version="1.0" encoding="utf-8"?>
 <p:sldLayout xmlns:a="http://schemas.openxmlformats.org/drawingml/2006/main" xmlns:r="http://schemas.openxmlformats.org/officeDocument/2006/relationships" xmlns:p="http://schemas.openxmlformats.org/presentationml/2006/main" type="title" preserve="1">
   <p:cSld name="Title Slide">
@@ -292,7 +730,7 @@
           <a:p>
             <a:fld id="{97833B62-142A-403C-9791-06E9CABC45DC}" type="datetimeFigureOut">
               <a:rPr lang="en-US" smtClean="0"/>
-              <a:t>6/23/2015</a:t>
+              <a:t>6/30/2015</a:t>
             </a:fld>
             <a:endParaRPr lang="en-US"/>
           </a:p>
@@ -462,7 +900,7 @@
           <a:p>
             <a:fld id="{97833B62-142A-403C-9791-06E9CABC45DC}" type="datetimeFigureOut">
               <a:rPr lang="en-US" smtClean="0"/>
-              <a:t>6/23/2015</a:t>
+              <a:t>6/30/2015</a:t>
             </a:fld>
             <a:endParaRPr lang="en-US"/>
           </a:p>
@@ -642,7 +1080,7 @@
           <a:p>
             <a:fld id="{97833B62-142A-403C-9791-06E9CABC45DC}" type="datetimeFigureOut">
               <a:rPr lang="en-US" smtClean="0"/>
-              <a:t>6/23/2015</a:t>
+              <a:t>6/30/2015</a:t>
             </a:fld>
             <a:endParaRPr lang="en-US"/>
           </a:p>
@@ -812,7 +1250,7 @@
           <a:p>
             <a:fld id="{97833B62-142A-403C-9791-06E9CABC45DC}" type="datetimeFigureOut">
               <a:rPr lang="en-US" smtClean="0"/>
-              <a:t>6/23/2015</a:t>
+              <a:t>6/30/2015</a:t>
             </a:fld>
             <a:endParaRPr lang="en-US"/>
           </a:p>
@@ -1058,7 +1496,7 @@
           <a:p>
             <a:fld id="{97833B62-142A-403C-9791-06E9CABC45DC}" type="datetimeFigureOut">
               <a:rPr lang="en-US" smtClean="0"/>
-              <a:t>6/23/2015</a:t>
+              <a:t>6/30/2015</a:t>
             </a:fld>
             <a:endParaRPr lang="en-US"/>
           </a:p>
@@ -1346,7 +1784,7 @@
           <a:p>
             <a:fld id="{97833B62-142A-403C-9791-06E9CABC45DC}" type="datetimeFigureOut">
               <a:rPr lang="en-US" smtClean="0"/>
-              <a:t>6/23/2015</a:t>
+              <a:t>6/30/2015</a:t>
             </a:fld>
             <a:endParaRPr lang="en-US"/>
           </a:p>
@@ -1768,7 +2206,7 @@
           <a:p>
             <a:fld id="{97833B62-142A-403C-9791-06E9CABC45DC}" type="datetimeFigureOut">
               <a:rPr lang="en-US" smtClean="0"/>
-              <a:t>6/23/2015</a:t>
+              <a:t>6/30/2015</a:t>
             </a:fld>
             <a:endParaRPr lang="en-US"/>
           </a:p>
@@ -1886,7 +2324,7 @@
           <a:p>
             <a:fld id="{97833B62-142A-403C-9791-06E9CABC45DC}" type="datetimeFigureOut">
               <a:rPr lang="en-US" smtClean="0"/>
-              <a:t>6/23/2015</a:t>
+              <a:t>6/30/2015</a:t>
             </a:fld>
             <a:endParaRPr lang="en-US"/>
           </a:p>
@@ -1981,7 +2419,7 @@
           <a:p>
             <a:fld id="{97833B62-142A-403C-9791-06E9CABC45DC}" type="datetimeFigureOut">
               <a:rPr lang="en-US" smtClean="0"/>
-              <a:t>6/23/2015</a:t>
+              <a:t>6/30/2015</a:t>
             </a:fld>
             <a:endParaRPr lang="en-US"/>
           </a:p>
@@ -2258,7 +2696,7 @@
           <a:p>
             <a:fld id="{97833B62-142A-403C-9791-06E9CABC45DC}" type="datetimeFigureOut">
               <a:rPr lang="en-US" smtClean="0"/>
-              <a:t>6/23/2015</a:t>
+              <a:t>6/30/2015</a:t>
             </a:fld>
             <a:endParaRPr lang="en-US"/>
           </a:p>
@@ -2511,7 +2949,7 @@
           <a:p>
             <a:fld id="{97833B62-142A-403C-9791-06E9CABC45DC}" type="datetimeFigureOut">
               <a:rPr lang="en-US" smtClean="0"/>
-              <a:t>6/23/2015</a:t>
+              <a:t>6/30/2015</a:t>
             </a:fld>
             <a:endParaRPr lang="en-US"/>
           </a:p>
@@ -2724,7 +3162,7 @@
           <a:p>
             <a:fld id="{97833B62-142A-403C-9791-06E9CABC45DC}" type="datetimeFigureOut">
               <a:rPr lang="en-US" smtClean="0"/>
-              <a:t>6/23/2015</a:t>
+              <a:t>6/30/2015</a:t>
             </a:fld>
             <a:endParaRPr lang="en-US"/>
           </a:p>
@@ -8155,6 +8593,783 @@
     <p:extLst>
       <p:ext uri="{BB962C8B-B14F-4D97-AF65-F5344CB8AC3E}">
         <p14:creationId xmlns:p14="http://schemas.microsoft.com/office/powerpoint/2010/main" val="1332350759"/>
+      </p:ext>
+    </p:extLst>
+  </p:cSld>
+  <p:clrMapOvr>
+    <a:masterClrMapping/>
+  </p:clrMapOvr>
+</p:sld>
+</file>
+
+<file path=ppt/slides/slide6.xml><?xml version="1.0" encoding="utf-8"?>
+<p:sld xmlns:a="http://schemas.openxmlformats.org/drawingml/2006/main" xmlns:r="http://schemas.openxmlformats.org/officeDocument/2006/relationships" xmlns:p="http://schemas.openxmlformats.org/presentationml/2006/main">
+  <p:cSld>
+    <p:spTree>
+      <p:nvGrpSpPr>
+        <p:cNvPr id="1" name=""/>
+        <p:cNvGrpSpPr/>
+        <p:nvPr/>
+      </p:nvGrpSpPr>
+      <p:grpSpPr>
+        <a:xfrm>
+          <a:off x="0" y="0"/>
+          <a:ext cx="0" cy="0"/>
+          <a:chOff x="0" y="0"/>
+          <a:chExt cx="0" cy="0"/>
+        </a:xfrm>
+      </p:grpSpPr>
+      <p:graphicFrame>
+        <p:nvGraphicFramePr>
+          <p:cNvPr id="4" name="Table 3"/>
+          <p:cNvGraphicFramePr>
+            <a:graphicFrameLocks noGrp="1"/>
+          </p:cNvGraphicFramePr>
+          <p:nvPr>
+            <p:extLst>
+              <p:ext uri="{D42A27DB-BD31-4B8C-83A1-F6EECF244321}">
+                <p14:modId xmlns:p14="http://schemas.microsoft.com/office/powerpoint/2010/main" val="4218418614"/>
+              </p:ext>
+            </p:extLst>
+          </p:nvPr>
+        </p:nvGraphicFramePr>
+        <p:xfrm>
+          <a:off x="7924800" y="1981200"/>
+          <a:ext cx="1066800" cy="1381760"/>
+        </p:xfrm>
+        <a:graphic>
+          <a:graphicData uri="http://schemas.openxmlformats.org/drawingml/2006/table">
+            <a:tbl>
+              <a:tblPr firstRow="1" bandRow="1">
+                <a:tableStyleId>{5940675A-B579-460E-94D1-54222C63F5DA}</a:tableStyleId>
+              </a:tblPr>
+              <a:tblGrid>
+                <a:gridCol w="1066800"/>
+              </a:tblGrid>
+              <a:tr h="370840">
+                <a:tc>
+                  <a:txBody>
+                    <a:bodyPr/>
+                    <a:lstStyle/>
+                    <a:p>
+                      <a:pPr algn="ctr"/>
+                      <a:r>
+                        <a:rPr lang="en-US" b="1" dirty="0" err="1" smtClean="0"/>
+                        <a:t>IoT</a:t>
+                      </a:r>
+                      <a:r>
+                        <a:rPr lang="en-US" b="1" dirty="0" smtClean="0"/>
+                        <a:t> Server</a:t>
+                      </a:r>
+                      <a:endParaRPr lang="en-US" b="1" dirty="0"/>
+                    </a:p>
+                  </a:txBody>
+                  <a:tcPr/>
+                </a:tc>
+              </a:tr>
+              <a:tr h="370840">
+                <a:tc>
+                  <a:txBody>
+                    <a:bodyPr/>
+                    <a:lstStyle/>
+                    <a:p>
+                      <a:pPr marL="0" marR="0" indent="0" algn="ctr" defTabSz="914400" rtl="0" eaLnBrk="1" fontAlgn="auto" latinLnBrk="0" hangingPunct="1">
+                        <a:lnSpc>
+                          <a:spcPct val="100000"/>
+                        </a:lnSpc>
+                        <a:spcBef>
+                          <a:spcPts val="0"/>
+                        </a:spcBef>
+                        <a:spcAft>
+                          <a:spcPts val="0"/>
+                        </a:spcAft>
+                        <a:buClrTx/>
+                        <a:buSzTx/>
+                        <a:buFontTx/>
+                        <a:buNone/>
+                        <a:tabLst/>
+                        <a:defRPr/>
+                      </a:pPr>
+                      <a:r>
+                        <a:rPr lang="en-US" dirty="0" smtClean="0"/>
+                        <a:t>ICN</a:t>
+                      </a:r>
+                      <a:endParaRPr lang="en-US" b="1" dirty="0" smtClean="0"/>
+                    </a:p>
+                  </a:txBody>
+                  <a:tcPr/>
+                </a:tc>
+              </a:tr>
+              <a:tr h="370840">
+                <a:tc>
+                  <a:txBody>
+                    <a:bodyPr/>
+                    <a:lstStyle/>
+                    <a:p>
+                      <a:pPr algn="ctr"/>
+                      <a:r>
+                        <a:rPr lang="en-US" dirty="0" smtClean="0"/>
+                        <a:t>802.3</a:t>
+                      </a:r>
+                      <a:endParaRPr lang="en-US" dirty="0"/>
+                    </a:p>
+                  </a:txBody>
+                  <a:tcPr/>
+                </a:tc>
+              </a:tr>
+            </a:tbl>
+          </a:graphicData>
+        </a:graphic>
+      </p:graphicFrame>
+      <p:graphicFrame>
+        <p:nvGraphicFramePr>
+          <p:cNvPr id="5" name="Table 4"/>
+          <p:cNvGraphicFramePr>
+            <a:graphicFrameLocks noGrp="1"/>
+          </p:cNvGraphicFramePr>
+          <p:nvPr>
+            <p:extLst>
+              <p:ext uri="{D42A27DB-BD31-4B8C-83A1-F6EECF244321}">
+                <p14:modId xmlns:p14="http://schemas.microsoft.com/office/powerpoint/2010/main" val="3961508652"/>
+              </p:ext>
+            </p:extLst>
+          </p:nvPr>
+        </p:nvGraphicFramePr>
+        <p:xfrm>
+          <a:off x="1676400" y="1982371"/>
+          <a:ext cx="1371600" cy="1656080"/>
+        </p:xfrm>
+        <a:graphic>
+          <a:graphicData uri="http://schemas.openxmlformats.org/drawingml/2006/table">
+            <a:tbl>
+              <a:tblPr firstRow="1" bandRow="1">
+                <a:tableStyleId>{5940675A-B579-460E-94D1-54222C63F5DA}</a:tableStyleId>
+              </a:tblPr>
+              <a:tblGrid>
+                <a:gridCol w="1371600"/>
+              </a:tblGrid>
+              <a:tr h="370840">
+                <a:tc>
+                  <a:txBody>
+                    <a:bodyPr/>
+                    <a:lstStyle/>
+                    <a:p>
+                      <a:pPr algn="ctr"/>
+                      <a:r>
+                        <a:rPr lang="en-US" b="1" dirty="0" smtClean="0"/>
+                        <a:t>Aggregator</a:t>
+                      </a:r>
+                      <a:endParaRPr lang="en-US" b="1" dirty="0"/>
+                    </a:p>
+                  </a:txBody>
+                  <a:tcPr/>
+                </a:tc>
+              </a:tr>
+              <a:tr h="370840">
+                <a:tc>
+                  <a:txBody>
+                    <a:bodyPr/>
+                    <a:lstStyle/>
+                    <a:p>
+                      <a:pPr algn="ctr"/>
+                      <a:r>
+                        <a:rPr lang="en-US" b="0" dirty="0" smtClean="0"/>
+                        <a:t>ICN</a:t>
+                      </a:r>
+                      <a:endParaRPr lang="en-US" b="0" dirty="0"/>
+                    </a:p>
+                  </a:txBody>
+                  <a:tcPr/>
+                </a:tc>
+              </a:tr>
+              <a:tr h="370840">
+                <a:tc>
+                  <a:txBody>
+                    <a:bodyPr/>
+                    <a:lstStyle/>
+                    <a:p>
+                      <a:r>
+                        <a:rPr lang="en-US" dirty="0" smtClean="0"/>
+                        <a:t>802.15.4/BLE/802.11/Cellular</a:t>
+                      </a:r>
+                      <a:endParaRPr lang="en-US" dirty="0"/>
+                    </a:p>
+                  </a:txBody>
+                  <a:tcPr/>
+                </a:tc>
+              </a:tr>
+            </a:tbl>
+          </a:graphicData>
+        </a:graphic>
+      </p:graphicFrame>
+      <p:graphicFrame>
+        <p:nvGraphicFramePr>
+          <p:cNvPr id="6" name="Table 5"/>
+          <p:cNvGraphicFramePr>
+            <a:graphicFrameLocks noGrp="1"/>
+          </p:cNvGraphicFramePr>
+          <p:nvPr>
+            <p:extLst>
+              <p:ext uri="{D42A27DB-BD31-4B8C-83A1-F6EECF244321}">
+                <p14:modId xmlns:p14="http://schemas.microsoft.com/office/powerpoint/2010/main" val="1127307210"/>
+              </p:ext>
+            </p:extLst>
+          </p:nvPr>
+        </p:nvGraphicFramePr>
+        <p:xfrm>
+          <a:off x="4953000" y="1981200"/>
+          <a:ext cx="1371600" cy="1381760"/>
+        </p:xfrm>
+        <a:graphic>
+          <a:graphicData uri="http://schemas.openxmlformats.org/drawingml/2006/table">
+            <a:tbl>
+              <a:tblPr firstRow="1" bandRow="1">
+                <a:tableStyleId>{5940675A-B579-460E-94D1-54222C63F5DA}</a:tableStyleId>
+              </a:tblPr>
+              <a:tblGrid>
+                <a:gridCol w="1371600"/>
+              </a:tblGrid>
+              <a:tr h="370840">
+                <a:tc>
+                  <a:txBody>
+                    <a:bodyPr/>
+                    <a:lstStyle/>
+                    <a:p>
+                      <a:pPr algn="ctr"/>
+                      <a:r>
+                        <a:rPr lang="en-US" b="1" dirty="0" smtClean="0"/>
+                        <a:t>LSG</a:t>
+                      </a:r>
+                      <a:endParaRPr lang="en-US" b="1" dirty="0"/>
+                    </a:p>
+                  </a:txBody>
+                  <a:tcPr/>
+                </a:tc>
+              </a:tr>
+              <a:tr h="370840">
+                <a:tc>
+                  <a:txBody>
+                    <a:bodyPr/>
+                    <a:lstStyle/>
+                    <a:p>
+                      <a:pPr algn="ctr"/>
+                      <a:r>
+                        <a:rPr lang="en-US" b="0" dirty="0" smtClean="0"/>
+                        <a:t>ICN</a:t>
+                      </a:r>
+                      <a:endParaRPr lang="en-US" b="0" dirty="0"/>
+                    </a:p>
+                  </a:txBody>
+                  <a:tcPr/>
+                </a:tc>
+              </a:tr>
+              <a:tr h="370840">
+                <a:tc>
+                  <a:txBody>
+                    <a:bodyPr/>
+                    <a:lstStyle/>
+                    <a:p>
+                      <a:pPr algn="ctr"/>
+                      <a:r>
+                        <a:rPr lang="en-US" dirty="0" smtClean="0"/>
+                        <a:t>802.11/802.3</a:t>
+                      </a:r>
+                      <a:endParaRPr lang="en-US" dirty="0"/>
+                    </a:p>
+                  </a:txBody>
+                  <a:tcPr/>
+                </a:tc>
+              </a:tr>
+            </a:tbl>
+          </a:graphicData>
+        </a:graphic>
+      </p:graphicFrame>
+      <p:graphicFrame>
+        <p:nvGraphicFramePr>
+          <p:cNvPr id="13" name="Table 12"/>
+          <p:cNvGraphicFramePr>
+            <a:graphicFrameLocks noGrp="1"/>
+          </p:cNvGraphicFramePr>
+          <p:nvPr>
+            <p:extLst>
+              <p:ext uri="{D42A27DB-BD31-4B8C-83A1-F6EECF244321}">
+                <p14:modId xmlns:p14="http://schemas.microsoft.com/office/powerpoint/2010/main" val="3446907099"/>
+              </p:ext>
+            </p:extLst>
+          </p:nvPr>
+        </p:nvGraphicFramePr>
+        <p:xfrm>
+          <a:off x="152400" y="1981193"/>
+          <a:ext cx="1180514" cy="960127"/>
+        </p:xfrm>
+        <a:graphic>
+          <a:graphicData uri="http://schemas.openxmlformats.org/drawingml/2006/table">
+            <a:tbl>
+              <a:tblPr firstRow="1" bandRow="1">
+                <a:tableStyleId>{5940675A-B579-460E-94D1-54222C63F5DA}</a:tableStyleId>
+              </a:tblPr>
+              <a:tblGrid>
+                <a:gridCol w="1180514"/>
+              </a:tblGrid>
+              <a:tr h="320047">
+                <a:tc>
+                  <a:txBody>
+                    <a:bodyPr/>
+                    <a:lstStyle/>
+                    <a:p>
+                      <a:pPr algn="ctr"/>
+                      <a:r>
+                        <a:rPr lang="en-US" sz="1200" dirty="0" smtClean="0"/>
+                        <a:t>Data-collection</a:t>
+                      </a:r>
+                      <a:endParaRPr lang="en-US" sz="1200" b="0" dirty="0"/>
+                    </a:p>
+                  </a:txBody>
+                  <a:tcPr/>
+                </a:tc>
+              </a:tr>
+              <a:tr h="638286">
+                <a:tc>
+                  <a:txBody>
+                    <a:bodyPr/>
+                    <a:lstStyle/>
+                    <a:p>
+                      <a:pPr algn="ctr"/>
+                      <a:r>
+                        <a:rPr lang="en-US" sz="1200" dirty="0" smtClean="0"/>
+                        <a:t>Device/Service Discovery Service</a:t>
+                      </a:r>
+                    </a:p>
+                  </a:txBody>
+                  <a:tcPr/>
+                </a:tc>
+              </a:tr>
+            </a:tbl>
+          </a:graphicData>
+        </a:graphic>
+      </p:graphicFrame>
+      <p:graphicFrame>
+        <p:nvGraphicFramePr>
+          <p:cNvPr id="14" name="Table 13"/>
+          <p:cNvGraphicFramePr>
+            <a:graphicFrameLocks noGrp="1"/>
+          </p:cNvGraphicFramePr>
+          <p:nvPr>
+            <p:extLst>
+              <p:ext uri="{D42A27DB-BD31-4B8C-83A1-F6EECF244321}">
+                <p14:modId xmlns:p14="http://schemas.microsoft.com/office/powerpoint/2010/main" val="2000125862"/>
+              </p:ext>
+            </p:extLst>
+          </p:nvPr>
+        </p:nvGraphicFramePr>
+        <p:xfrm>
+          <a:off x="3294450" y="1981200"/>
+          <a:ext cx="1328078" cy="2209800"/>
+        </p:xfrm>
+        <a:graphic>
+          <a:graphicData uri="http://schemas.openxmlformats.org/drawingml/2006/table">
+            <a:tbl>
+              <a:tblPr firstRow="1" bandRow="1">
+                <a:tableStyleId>{5940675A-B579-460E-94D1-54222C63F5DA}</a:tableStyleId>
+              </a:tblPr>
+              <a:tblGrid>
+                <a:gridCol w="1328078"/>
+              </a:tblGrid>
+              <a:tr h="320047">
+                <a:tc>
+                  <a:txBody>
+                    <a:bodyPr/>
+                    <a:lstStyle/>
+                    <a:p>
+                      <a:pPr algn="ctr"/>
+                      <a:r>
+                        <a:rPr lang="en-US" sz="1200" dirty="0" smtClean="0"/>
+                        <a:t> Context  data Processing&amp; storage</a:t>
+                      </a:r>
+                      <a:endParaRPr lang="en-US" sz="1200" dirty="0"/>
+                    </a:p>
+                  </a:txBody>
+                  <a:tcPr/>
+                </a:tc>
+              </a:tr>
+              <a:tr h="472440">
+                <a:tc>
+                  <a:txBody>
+                    <a:bodyPr/>
+                    <a:lstStyle/>
+                    <a:p>
+                      <a:pPr algn="ctr"/>
+                      <a:r>
+                        <a:rPr lang="en-US" sz="1200" dirty="0" smtClean="0"/>
+                        <a:t>Name Assignment Service</a:t>
+                      </a:r>
+                    </a:p>
+                  </a:txBody>
+                  <a:tcPr/>
+                </a:tc>
+              </a:tr>
+              <a:tr h="404159">
+                <a:tc>
+                  <a:txBody>
+                    <a:bodyPr/>
+                    <a:lstStyle/>
+                    <a:p>
+                      <a:pPr algn="ctr"/>
+                      <a:r>
+                        <a:rPr lang="en-US" sz="1200" dirty="0" smtClean="0"/>
+                        <a:t>Local/Global ID translation</a:t>
+                      </a:r>
+                    </a:p>
+                  </a:txBody>
+                  <a:tcPr/>
+                </a:tc>
+              </a:tr>
+              <a:tr h="404159">
+                <a:tc>
+                  <a:txBody>
+                    <a:bodyPr/>
+                    <a:lstStyle/>
+                    <a:p>
+                      <a:pPr algn="ctr"/>
+                      <a:r>
+                        <a:rPr lang="en-US" sz="1200" dirty="0" smtClean="0"/>
+                        <a:t>Sensor data access policy enforcement</a:t>
+                      </a:r>
+                    </a:p>
+                  </a:txBody>
+                  <a:tcPr/>
+                </a:tc>
+              </a:tr>
+            </a:tbl>
+          </a:graphicData>
+        </a:graphic>
+      </p:graphicFrame>
+      <p:cxnSp>
+        <p:nvCxnSpPr>
+          <p:cNvPr id="15" name="Straight Connector 14"/>
+          <p:cNvCxnSpPr/>
+          <p:nvPr/>
+        </p:nvCxnSpPr>
+        <p:spPr bwMode="auto">
+          <a:xfrm>
+            <a:off x="1371600" y="2164080"/>
+            <a:ext cx="304800" cy="0"/>
+          </a:xfrm>
+          <a:prstGeom prst="line">
+            <a:avLst/>
+          </a:prstGeom>
+          <a:noFill/>
+          <a:ln w="12700" cap="flat" cmpd="sng" algn="ctr">
+            <a:solidFill>
+              <a:srgbClr val="000000"/>
+            </a:solidFill>
+            <a:prstDash val="solid"/>
+            <a:round/>
+            <a:headEnd type="none" w="sm" len="sm"/>
+            <a:tailEnd type="none" w="sm" len="sm"/>
+          </a:ln>
+          <a:effectLst/>
+          <a:extLst>
+            <a:ext uri="{909E8E84-426E-40DD-AFC4-6F175D3DCCD1}">
+              <a14:hiddenFill xmlns:a14="http://schemas.microsoft.com/office/drawing/2010/main">
+                <a:solidFill>
+                  <a:schemeClr val="accent1"/>
+                </a:solidFill>
+              </a14:hiddenFill>
+            </a:ext>
+            <a:ext uri="{AF507438-7753-43E0-B8FC-AC1667EBCBE1}">
+              <a14:hiddenEffects xmlns:a14="http://schemas.microsoft.com/office/drawing/2010/main">
+                <a:effectLst>
+                  <a:outerShdw dist="35921" dir="2700000" algn="ctr" rotWithShape="0">
+                    <a:schemeClr val="bg2"/>
+                  </a:outerShdw>
+                </a:effectLst>
+              </a14:hiddenEffects>
+            </a:ext>
+          </a:extLst>
+        </p:spPr>
+      </p:cxnSp>
+      <p:cxnSp>
+        <p:nvCxnSpPr>
+          <p:cNvPr id="16" name="Straight Connector 15"/>
+          <p:cNvCxnSpPr/>
+          <p:nvPr/>
+        </p:nvCxnSpPr>
+        <p:spPr bwMode="auto">
+          <a:xfrm flipH="1">
+            <a:off x="1371600" y="2164080"/>
+            <a:ext cx="304800" cy="646331"/>
+          </a:xfrm>
+          <a:prstGeom prst="line">
+            <a:avLst/>
+          </a:prstGeom>
+          <a:noFill/>
+          <a:ln w="12700" cap="flat" cmpd="sng" algn="ctr">
+            <a:solidFill>
+              <a:srgbClr val="000000"/>
+            </a:solidFill>
+            <a:prstDash val="solid"/>
+            <a:round/>
+            <a:headEnd type="none" w="sm" len="sm"/>
+            <a:tailEnd type="none" w="sm" len="sm"/>
+          </a:ln>
+          <a:effectLst/>
+          <a:extLst>
+            <a:ext uri="{909E8E84-426E-40DD-AFC4-6F175D3DCCD1}">
+              <a14:hiddenFill xmlns:a14="http://schemas.microsoft.com/office/drawing/2010/main">
+                <a:solidFill>
+                  <a:schemeClr val="accent1"/>
+                </a:solidFill>
+              </a14:hiddenFill>
+            </a:ext>
+            <a:ext uri="{AF507438-7753-43E0-B8FC-AC1667EBCBE1}">
+              <a14:hiddenEffects xmlns:a14="http://schemas.microsoft.com/office/drawing/2010/main">
+                <a:effectLst>
+                  <a:outerShdw dist="35921" dir="2700000" algn="ctr" rotWithShape="0">
+                    <a:schemeClr val="bg2"/>
+                  </a:outerShdw>
+                </a:effectLst>
+              </a14:hiddenEffects>
+            </a:ext>
+          </a:extLst>
+        </p:spPr>
+      </p:cxnSp>
+      <p:cxnSp>
+        <p:nvCxnSpPr>
+          <p:cNvPr id="17" name="Straight Connector 16"/>
+          <p:cNvCxnSpPr/>
+          <p:nvPr/>
+        </p:nvCxnSpPr>
+        <p:spPr bwMode="auto">
+          <a:xfrm>
+            <a:off x="4648200" y="2199613"/>
+            <a:ext cx="304800" cy="0"/>
+          </a:xfrm>
+          <a:prstGeom prst="line">
+            <a:avLst/>
+          </a:prstGeom>
+          <a:noFill/>
+          <a:ln w="12700" cap="flat" cmpd="sng" algn="ctr">
+            <a:solidFill>
+              <a:srgbClr val="000000"/>
+            </a:solidFill>
+            <a:prstDash val="solid"/>
+            <a:round/>
+            <a:headEnd type="none" w="sm" len="sm"/>
+            <a:tailEnd type="none" w="sm" len="sm"/>
+          </a:ln>
+          <a:effectLst/>
+          <a:extLst>
+            <a:ext uri="{909E8E84-426E-40DD-AFC4-6F175D3DCCD1}">
+              <a14:hiddenFill xmlns:a14="http://schemas.microsoft.com/office/drawing/2010/main">
+                <a:solidFill>
+                  <a:schemeClr val="accent1"/>
+                </a:solidFill>
+              </a14:hiddenFill>
+            </a:ext>
+            <a:ext uri="{AF507438-7753-43E0-B8FC-AC1667EBCBE1}">
+              <a14:hiddenEffects xmlns:a14="http://schemas.microsoft.com/office/drawing/2010/main">
+                <a:effectLst>
+                  <a:outerShdw dist="35921" dir="2700000" algn="ctr" rotWithShape="0">
+                    <a:schemeClr val="bg2"/>
+                  </a:outerShdw>
+                </a:effectLst>
+              </a14:hiddenEffects>
+            </a:ext>
+          </a:extLst>
+        </p:spPr>
+      </p:cxnSp>
+      <p:cxnSp>
+        <p:nvCxnSpPr>
+          <p:cNvPr id="18" name="Straight Connector 17"/>
+          <p:cNvCxnSpPr/>
+          <p:nvPr/>
+        </p:nvCxnSpPr>
+        <p:spPr bwMode="auto">
+          <a:xfrm flipV="1">
+            <a:off x="4648200" y="2199614"/>
+            <a:ext cx="304800" cy="1915186"/>
+          </a:xfrm>
+          <a:prstGeom prst="line">
+            <a:avLst/>
+          </a:prstGeom>
+          <a:noFill/>
+          <a:ln w="12700" cap="flat" cmpd="sng" algn="ctr">
+            <a:solidFill>
+              <a:srgbClr val="000000"/>
+            </a:solidFill>
+            <a:prstDash val="solid"/>
+            <a:round/>
+            <a:headEnd type="none" w="sm" len="sm"/>
+            <a:tailEnd type="none" w="sm" len="sm"/>
+          </a:ln>
+          <a:effectLst/>
+          <a:extLst>
+            <a:ext uri="{909E8E84-426E-40DD-AFC4-6F175D3DCCD1}">
+              <a14:hiddenFill xmlns:a14="http://schemas.microsoft.com/office/drawing/2010/main">
+                <a:solidFill>
+                  <a:schemeClr val="accent1"/>
+                </a:solidFill>
+              </a14:hiddenFill>
+            </a:ext>
+            <a:ext uri="{AF507438-7753-43E0-B8FC-AC1667EBCBE1}">
+              <a14:hiddenEffects xmlns:a14="http://schemas.microsoft.com/office/drawing/2010/main">
+                <a:effectLst>
+                  <a:outerShdw dist="35921" dir="2700000" algn="ctr" rotWithShape="0">
+                    <a:schemeClr val="bg2"/>
+                  </a:outerShdw>
+                </a:effectLst>
+              </a14:hiddenEffects>
+            </a:ext>
+          </a:extLst>
+        </p:spPr>
+      </p:cxnSp>
+      <p:graphicFrame>
+        <p:nvGraphicFramePr>
+          <p:cNvPr id="36" name="Table 35"/>
+          <p:cNvGraphicFramePr>
+            <a:graphicFrameLocks noGrp="1"/>
+          </p:cNvGraphicFramePr>
+          <p:nvPr>
+            <p:extLst>
+              <p:ext uri="{D42A27DB-BD31-4B8C-83A1-F6EECF244321}">
+                <p14:modId xmlns:p14="http://schemas.microsoft.com/office/powerpoint/2010/main" val="1867302577"/>
+              </p:ext>
+            </p:extLst>
+          </p:nvPr>
+        </p:nvGraphicFramePr>
+        <p:xfrm>
+          <a:off x="6477000" y="1981200"/>
+          <a:ext cx="1180514" cy="457200"/>
+        </p:xfrm>
+        <a:graphic>
+          <a:graphicData uri="http://schemas.openxmlformats.org/drawingml/2006/table">
+            <a:tbl>
+              <a:tblPr firstRow="1" bandRow="1">
+                <a:tableStyleId>{5940675A-B579-460E-94D1-54222C63F5DA}</a:tableStyleId>
+              </a:tblPr>
+              <a:tblGrid>
+                <a:gridCol w="1180514"/>
+              </a:tblGrid>
+              <a:tr h="320047">
+                <a:tc>
+                  <a:txBody>
+                    <a:bodyPr/>
+                    <a:lstStyle/>
+                    <a:p>
+                      <a:pPr algn="ctr"/>
+                      <a:r>
+                        <a:rPr lang="en-US" sz="1200" b="0" dirty="0" smtClean="0"/>
+                        <a:t>Pub/Sub</a:t>
+                      </a:r>
+                      <a:r>
+                        <a:rPr lang="en-US" sz="1200" b="0" baseline="0" dirty="0" smtClean="0"/>
+                        <a:t> management</a:t>
+                      </a:r>
+                      <a:endParaRPr lang="en-US" sz="1200" b="0" dirty="0"/>
+                    </a:p>
+                  </a:txBody>
+                  <a:tcPr/>
+                </a:tc>
+              </a:tr>
+            </a:tbl>
+          </a:graphicData>
+        </a:graphic>
+      </p:graphicFrame>
+      <p:cxnSp>
+        <p:nvCxnSpPr>
+          <p:cNvPr id="56" name="Straight Connector 55"/>
+          <p:cNvCxnSpPr/>
+          <p:nvPr/>
+        </p:nvCxnSpPr>
+        <p:spPr bwMode="auto">
+          <a:xfrm>
+            <a:off x="7696200" y="2164080"/>
+            <a:ext cx="228600" cy="0"/>
+          </a:xfrm>
+          <a:prstGeom prst="line">
+            <a:avLst/>
+          </a:prstGeom>
+          <a:noFill/>
+          <a:ln w="12700" cap="flat" cmpd="sng" algn="ctr">
+            <a:solidFill>
+              <a:srgbClr val="000000"/>
+            </a:solidFill>
+            <a:prstDash val="solid"/>
+            <a:round/>
+            <a:headEnd type="none" w="sm" len="sm"/>
+            <a:tailEnd type="none" w="sm" len="sm"/>
+          </a:ln>
+          <a:effectLst/>
+          <a:extLst>
+            <a:ext uri="{909E8E84-426E-40DD-AFC4-6F175D3DCCD1}">
+              <a14:hiddenFill xmlns:a14="http://schemas.microsoft.com/office/drawing/2010/main">
+                <a:solidFill>
+                  <a:schemeClr val="accent1"/>
+                </a:solidFill>
+              </a14:hiddenFill>
+            </a:ext>
+            <a:ext uri="{AF507438-7753-43E0-B8FC-AC1667EBCBE1}">
+              <a14:hiddenEffects xmlns:a14="http://schemas.microsoft.com/office/drawing/2010/main">
+                <a:effectLst>
+                  <a:outerShdw dist="35921" dir="2700000" algn="ctr" rotWithShape="0">
+                    <a:schemeClr val="bg2"/>
+                  </a:outerShdw>
+                </a:effectLst>
+              </a14:hiddenEffects>
+            </a:ext>
+          </a:extLst>
+        </p:spPr>
+      </p:cxnSp>
+      <p:cxnSp>
+        <p:nvCxnSpPr>
+          <p:cNvPr id="61" name="Straight Connector 60"/>
+          <p:cNvCxnSpPr/>
+          <p:nvPr/>
+        </p:nvCxnSpPr>
+        <p:spPr bwMode="auto">
+          <a:xfrm flipV="1">
+            <a:off x="7696200" y="2164080"/>
+            <a:ext cx="228600" cy="198120"/>
+          </a:xfrm>
+          <a:prstGeom prst="line">
+            <a:avLst/>
+          </a:prstGeom>
+          <a:noFill/>
+          <a:ln w="12700" cap="flat" cmpd="sng" algn="ctr">
+            <a:solidFill>
+              <a:srgbClr val="000000"/>
+            </a:solidFill>
+            <a:prstDash val="solid"/>
+            <a:round/>
+            <a:headEnd type="none" w="sm" len="sm"/>
+            <a:tailEnd type="none" w="sm" len="sm"/>
+          </a:ln>
+          <a:effectLst/>
+          <a:extLst>
+            <a:ext uri="{909E8E84-426E-40DD-AFC4-6F175D3DCCD1}">
+              <a14:hiddenFill xmlns:a14="http://schemas.microsoft.com/office/drawing/2010/main">
+                <a:solidFill>
+                  <a:schemeClr val="accent1"/>
+                </a:solidFill>
+              </a14:hiddenFill>
+            </a:ext>
+            <a:ext uri="{AF507438-7753-43E0-B8FC-AC1667EBCBE1}">
+              <a14:hiddenEffects xmlns:a14="http://schemas.microsoft.com/office/drawing/2010/main">
+                <a:effectLst>
+                  <a:outerShdw dist="35921" dir="2700000" algn="ctr" rotWithShape="0">
+                    <a:schemeClr val="bg2"/>
+                  </a:outerShdw>
+                </a:effectLst>
+              </a14:hiddenEffects>
+            </a:ext>
+          </a:extLst>
+        </p:spPr>
+      </p:cxnSp>
+    </p:spTree>
+    <p:extLst>
+      <p:ext uri="{BB962C8B-B14F-4D97-AF65-F5344CB8AC3E}">
+        <p14:creationId xmlns:p14="http://schemas.microsoft.com/office/powerpoint/2010/main" val="3711717026"/>
       </p:ext>
     </p:extLst>
   </p:cSld>
@@ -8447,4 +9662,289 @@
   <a:objectDefaults/>
   <a:extraClrSchemeLst/>
 </a:theme>
+</file>
+
+<file path=ppt/theme/theme2.xml><?xml version="1.0" encoding="utf-8"?>
+<a:theme xmlns:a="http://schemas.openxmlformats.org/drawingml/2006/main" name="Office Theme">
+  <a:themeElements>
+    <a:clrScheme name="Office">
+      <a:dk1>
+        <a:sysClr val="windowText" lastClr="000000"/>
+      </a:dk1>
+      <a:lt1>
+        <a:sysClr val="window" lastClr="FFFFFF"/>
+      </a:lt1>
+      <a:dk2>
+        <a:srgbClr val="1F497D"/>
+      </a:dk2>
+      <a:lt2>
+        <a:srgbClr val="EEECE1"/>
+      </a:lt2>
+      <a:accent1>
+        <a:srgbClr val="4F81BD"/>
+      </a:accent1>
+      <a:accent2>
+        <a:srgbClr val="C0504D"/>
+      </a:accent2>
+      <a:accent3>
+        <a:srgbClr val="9BBB59"/>
+      </a:accent3>
+      <a:accent4>
+        <a:srgbClr val="8064A2"/>
+      </a:accent4>
+      <a:accent5>
+        <a:srgbClr val="4BACC6"/>
+      </a:accent5>
+      <a:accent6>
+        <a:srgbClr val="F79646"/>
+      </a:accent6>
+      <a:hlink>
+        <a:srgbClr val="0000FF"/>
+      </a:hlink>
+      <a:folHlink>
+        <a:srgbClr val="800080"/>
+      </a:folHlink>
+    </a:clrScheme>
+    <a:fontScheme name="Office">
+      <a:majorFont>
+        <a:latin typeface="Calibri"/>
+        <a:ea typeface=""/>
+        <a:cs typeface=""/>
+        <a:font script="Jpan" typeface="ＭＳ Ｐゴシック"/>
+        <a:font script="Hang" typeface="맑은 고딕"/>
+        <a:font script="Hans" typeface="宋体"/>
+        <a:font script="Hant" typeface="新細明體"/>
+        <a:font script="Arab" typeface="Times New Roman"/>
+        <a:font script="Hebr" typeface="Times New Roman"/>
+        <a:font script="Thai" typeface="Angsana New"/>
+        <a:font script="Ethi" typeface="Nyala"/>
+        <a:font script="Beng" typeface="Vrinda"/>
+        <a:font script="Gujr" typeface="Shruti"/>
+        <a:font script="Khmr" typeface="MoolBoran"/>
+        <a:font script="Knda" typeface="Tunga"/>
+        <a:font script="Guru" typeface="Raavi"/>
+        <a:font script="Cans" typeface="Euphemia"/>
+        <a:font script="Cher" typeface="Plantagenet Cherokee"/>
+        <a:font script="Yiii" typeface="Microsoft Yi Baiti"/>
+        <a:font script="Tibt" typeface="Microsoft Himalaya"/>
+        <a:font script="Thaa" typeface="MV Boli"/>
+        <a:font script="Deva" typeface="Mangal"/>
+        <a:font script="Telu" typeface="Gautami"/>
+        <a:font script="Taml" typeface="Latha"/>
+        <a:font script="Syrc" typeface="Estrangelo Edessa"/>
+        <a:font script="Orya" typeface="Kalinga"/>
+        <a:font script="Mlym" typeface="Kartika"/>
+        <a:font script="Laoo" typeface="DokChampa"/>
+        <a:font script="Sinh" typeface="Iskoola Pota"/>
+        <a:font script="Mong" typeface="Mongolian Baiti"/>
+        <a:font script="Viet" typeface="Times New Roman"/>
+        <a:font script="Uigh" typeface="Microsoft Uighur"/>
+        <a:font script="Geor" typeface="Sylfaen"/>
+      </a:majorFont>
+      <a:minorFont>
+        <a:latin typeface="Calibri"/>
+        <a:ea typeface=""/>
+        <a:cs typeface=""/>
+        <a:font script="Jpan" typeface="ＭＳ Ｐゴシック"/>
+        <a:font script="Hang" typeface="맑은 고딕"/>
+        <a:font script="Hans" typeface="宋体"/>
+        <a:font script="Hant" typeface="新細明體"/>
+        <a:font script="Arab" typeface="Arial"/>
+        <a:font script="Hebr" typeface="Arial"/>
+        <a:font script="Thai" typeface="Cordia New"/>
+        <a:font script="Ethi" typeface="Nyala"/>
+        <a:font script="Beng" typeface="Vrinda"/>
+        <a:font script="Gujr" typeface="Shruti"/>
+        <a:font script="Khmr" typeface="DaunPenh"/>
+        <a:font script="Knda" typeface="Tunga"/>
+        <a:font script="Guru" typeface="Raavi"/>
+        <a:font script="Cans" typeface="Euphemia"/>
+        <a:font script="Cher" typeface="Plantagenet Cherokee"/>
+        <a:font script="Yiii" typeface="Microsoft Yi Baiti"/>
+        <a:font script="Tibt" typeface="Microsoft Himalaya"/>
+        <a:font script="Thaa" typeface="MV Boli"/>
+        <a:font script="Deva" typeface="Mangal"/>
+        <a:font script="Telu" typeface="Gautami"/>
+        <a:font script="Taml" typeface="Latha"/>
+        <a:font script="Syrc" typeface="Estrangelo Edessa"/>
+        <a:font script="Orya" typeface="Kalinga"/>
+        <a:font script="Mlym" typeface="Kartika"/>
+        <a:font script="Laoo" typeface="DokChampa"/>
+        <a:font script="Sinh" typeface="Iskoola Pota"/>
+        <a:font script="Mong" typeface="Mongolian Baiti"/>
+        <a:font script="Viet" typeface="Arial"/>
+        <a:font script="Uigh" typeface="Microsoft Uighur"/>
+        <a:font script="Geor" typeface="Sylfaen"/>
+      </a:minorFont>
+    </a:fontScheme>
+    <a:fmtScheme name="Office">
+      <a:fillStyleLst>
+        <a:solidFill>
+          <a:schemeClr val="phClr"/>
+        </a:solidFill>
+        <a:gradFill rotWithShape="1">
+          <a:gsLst>
+            <a:gs pos="0">
+              <a:schemeClr val="phClr">
+                <a:tint val="50000"/>
+                <a:satMod val="300000"/>
+              </a:schemeClr>
+            </a:gs>
+            <a:gs pos="35000">
+              <a:schemeClr val="phClr">
+                <a:tint val="37000"/>
+                <a:satMod val="300000"/>
+              </a:schemeClr>
+            </a:gs>
+            <a:gs pos="100000">
+              <a:schemeClr val="phClr">
+                <a:tint val="15000"/>
+                <a:satMod val="350000"/>
+              </a:schemeClr>
+            </a:gs>
+          </a:gsLst>
+          <a:lin ang="16200000" scaled="1"/>
+        </a:gradFill>
+        <a:gradFill rotWithShape="1">
+          <a:gsLst>
+            <a:gs pos="0">
+              <a:schemeClr val="phClr">
+                <a:shade val="51000"/>
+                <a:satMod val="130000"/>
+              </a:schemeClr>
+            </a:gs>
+            <a:gs pos="80000">
+              <a:schemeClr val="phClr">
+                <a:shade val="93000"/>
+                <a:satMod val="130000"/>
+              </a:schemeClr>
+            </a:gs>
+            <a:gs pos="100000">
+              <a:schemeClr val="phClr">
+                <a:shade val="94000"/>
+                <a:satMod val="135000"/>
+              </a:schemeClr>
+            </a:gs>
+          </a:gsLst>
+          <a:lin ang="16200000" scaled="0"/>
+        </a:gradFill>
+      </a:fillStyleLst>
+      <a:lnStyleLst>
+        <a:ln w="9525" cap="flat" cmpd="sng" algn="ctr">
+          <a:solidFill>
+            <a:schemeClr val="phClr">
+              <a:shade val="95000"/>
+              <a:satMod val="105000"/>
+            </a:schemeClr>
+          </a:solidFill>
+          <a:prstDash val="solid"/>
+        </a:ln>
+        <a:ln w="25400" cap="flat" cmpd="sng" algn="ctr">
+          <a:solidFill>
+            <a:schemeClr val="phClr"/>
+          </a:solidFill>
+          <a:prstDash val="solid"/>
+        </a:ln>
+        <a:ln w="38100" cap="flat" cmpd="sng" algn="ctr">
+          <a:solidFill>
+            <a:schemeClr val="phClr"/>
+          </a:solidFill>
+          <a:prstDash val="solid"/>
+        </a:ln>
+      </a:lnStyleLst>
+      <a:effectStyleLst>
+        <a:effectStyle>
+          <a:effectLst>
+            <a:outerShdw blurRad="40000" dist="20000" dir="5400000" rotWithShape="0">
+              <a:srgbClr val="000000">
+                <a:alpha val="38000"/>
+              </a:srgbClr>
+            </a:outerShdw>
+          </a:effectLst>
+        </a:effectStyle>
+        <a:effectStyle>
+          <a:effectLst>
+            <a:outerShdw blurRad="40000" dist="23000" dir="5400000" rotWithShape="0">
+              <a:srgbClr val="000000">
+                <a:alpha val="35000"/>
+              </a:srgbClr>
+            </a:outerShdw>
+          </a:effectLst>
+        </a:effectStyle>
+        <a:effectStyle>
+          <a:effectLst>
+            <a:outerShdw blurRad="40000" dist="23000" dir="5400000" rotWithShape="0">
+              <a:srgbClr val="000000">
+                <a:alpha val="35000"/>
+              </a:srgbClr>
+            </a:outerShdw>
+          </a:effectLst>
+          <a:scene3d>
+            <a:camera prst="orthographicFront">
+              <a:rot lat="0" lon="0" rev="0"/>
+            </a:camera>
+            <a:lightRig rig="threePt" dir="t">
+              <a:rot lat="0" lon="0" rev="1200000"/>
+            </a:lightRig>
+          </a:scene3d>
+          <a:sp3d>
+            <a:bevelT w="63500" h="25400"/>
+          </a:sp3d>
+        </a:effectStyle>
+      </a:effectStyleLst>
+      <a:bgFillStyleLst>
+        <a:solidFill>
+          <a:schemeClr val="phClr"/>
+        </a:solidFill>
+        <a:gradFill rotWithShape="1">
+          <a:gsLst>
+            <a:gs pos="0">
+              <a:schemeClr val="phClr">
+                <a:tint val="40000"/>
+                <a:satMod val="350000"/>
+              </a:schemeClr>
+            </a:gs>
+            <a:gs pos="40000">
+              <a:schemeClr val="phClr">
+                <a:tint val="45000"/>
+                <a:shade val="99000"/>
+                <a:satMod val="350000"/>
+              </a:schemeClr>
+            </a:gs>
+            <a:gs pos="100000">
+              <a:schemeClr val="phClr">
+                <a:shade val="20000"/>
+                <a:satMod val="255000"/>
+              </a:schemeClr>
+            </a:gs>
+          </a:gsLst>
+          <a:path path="circle">
+            <a:fillToRect l="50000" t="-80000" r="50000" b="180000"/>
+          </a:path>
+        </a:gradFill>
+        <a:gradFill rotWithShape="1">
+          <a:gsLst>
+            <a:gs pos="0">
+              <a:schemeClr val="phClr">
+                <a:tint val="80000"/>
+                <a:satMod val="300000"/>
+              </a:schemeClr>
+            </a:gs>
+            <a:gs pos="100000">
+              <a:schemeClr val="phClr">
+                <a:shade val="30000"/>
+                <a:satMod val="200000"/>
+              </a:schemeClr>
+            </a:gs>
+          </a:gsLst>
+          <a:path path="circle">
+            <a:fillToRect l="50000" t="50000" r="50000" b="50000"/>
+          </a:path>
+        </a:gradFill>
+      </a:bgFillStyleLst>
+    </a:fmtScheme>
+  </a:themeElements>
+  <a:objectDefaults/>
+  <a:extraClrSchemeLst/>
+</a:theme>
 </file>
--- a/figure/paper_drawing.pptx
+++ b/figure/paper_drawing.pptx
@@ -197,7 +197,7 @@
           <a:p>
             <a:fld id="{56F0B2FC-92CA-4854-8A1B-89BEB72E6419}" type="datetimeFigureOut">
               <a:rPr lang="en-US" smtClean="0"/>
-              <a:t>6/30/2015</a:t>
+              <a:t>7/14/2015</a:t>
             </a:fld>
             <a:endParaRPr lang="en-US"/>
           </a:p>
@@ -730,7 +730,7 @@
           <a:p>
             <a:fld id="{97833B62-142A-403C-9791-06E9CABC45DC}" type="datetimeFigureOut">
               <a:rPr lang="en-US" smtClean="0"/>
-              <a:t>6/30/2015</a:t>
+              <a:t>7/14/2015</a:t>
             </a:fld>
             <a:endParaRPr lang="en-US"/>
           </a:p>
@@ -900,7 +900,7 @@
           <a:p>
             <a:fld id="{97833B62-142A-403C-9791-06E9CABC45DC}" type="datetimeFigureOut">
               <a:rPr lang="en-US" smtClean="0"/>
-              <a:t>6/30/2015</a:t>
+              <a:t>7/14/2015</a:t>
             </a:fld>
             <a:endParaRPr lang="en-US"/>
           </a:p>
@@ -1080,7 +1080,7 @@
           <a:p>
             <a:fld id="{97833B62-142A-403C-9791-06E9CABC45DC}" type="datetimeFigureOut">
               <a:rPr lang="en-US" smtClean="0"/>
-              <a:t>6/30/2015</a:t>
+              <a:t>7/14/2015</a:t>
             </a:fld>
             <a:endParaRPr lang="en-US"/>
           </a:p>
@@ -1250,7 +1250,7 @@
           <a:p>
             <a:fld id="{97833B62-142A-403C-9791-06E9CABC45DC}" type="datetimeFigureOut">
               <a:rPr lang="en-US" smtClean="0"/>
-              <a:t>6/30/2015</a:t>
+              <a:t>7/14/2015</a:t>
             </a:fld>
             <a:endParaRPr lang="en-US"/>
           </a:p>
@@ -1496,7 +1496,7 @@
           <a:p>
             <a:fld id="{97833B62-142A-403C-9791-06E9CABC45DC}" type="datetimeFigureOut">
               <a:rPr lang="en-US" smtClean="0"/>
-              <a:t>6/30/2015</a:t>
+              <a:t>7/14/2015</a:t>
             </a:fld>
             <a:endParaRPr lang="en-US"/>
           </a:p>
@@ -1784,7 +1784,7 @@
           <a:p>
             <a:fld id="{97833B62-142A-403C-9791-06E9CABC45DC}" type="datetimeFigureOut">
               <a:rPr lang="en-US" smtClean="0"/>
-              <a:t>6/30/2015</a:t>
+              <a:t>7/14/2015</a:t>
             </a:fld>
             <a:endParaRPr lang="en-US"/>
           </a:p>
@@ -2206,7 +2206,7 @@
           <a:p>
             <a:fld id="{97833B62-142A-403C-9791-06E9CABC45DC}" type="datetimeFigureOut">
               <a:rPr lang="en-US" smtClean="0"/>
-              <a:t>6/30/2015</a:t>
+              <a:t>7/14/2015</a:t>
             </a:fld>
             <a:endParaRPr lang="en-US"/>
           </a:p>
@@ -2324,7 +2324,7 @@
           <a:p>
             <a:fld id="{97833B62-142A-403C-9791-06E9CABC45DC}" type="datetimeFigureOut">
               <a:rPr lang="en-US" smtClean="0"/>
-              <a:t>6/30/2015</a:t>
+              <a:t>7/14/2015</a:t>
             </a:fld>
             <a:endParaRPr lang="en-US"/>
           </a:p>
@@ -2419,7 +2419,7 @@
           <a:p>
             <a:fld id="{97833B62-142A-403C-9791-06E9CABC45DC}" type="datetimeFigureOut">
               <a:rPr lang="en-US" smtClean="0"/>
-              <a:t>6/30/2015</a:t>
+              <a:t>7/14/2015</a:t>
             </a:fld>
             <a:endParaRPr lang="en-US"/>
           </a:p>
@@ -2696,7 +2696,7 @@
           <a:p>
             <a:fld id="{97833B62-142A-403C-9791-06E9CABC45DC}" type="datetimeFigureOut">
               <a:rPr lang="en-US" smtClean="0"/>
-              <a:t>6/30/2015</a:t>
+              <a:t>7/14/2015</a:t>
             </a:fld>
             <a:endParaRPr lang="en-US"/>
           </a:p>
@@ -2949,7 +2949,7 @@
           <a:p>
             <a:fld id="{97833B62-142A-403C-9791-06E9CABC45DC}" type="datetimeFigureOut">
               <a:rPr lang="en-US" smtClean="0"/>
-              <a:t>6/30/2015</a:t>
+              <a:t>7/14/2015</a:t>
             </a:fld>
             <a:endParaRPr lang="en-US"/>
           </a:p>
@@ -3162,7 +3162,7 @@
           <a:p>
             <a:fld id="{97833B62-142A-403C-9791-06E9CABC45DC}" type="datetimeFigureOut">
               <a:rPr lang="en-US" smtClean="0"/>
-              <a:t>6/30/2015</a:t>
+              <a:t>7/14/2015</a:t>
             </a:fld>
             <a:endParaRPr lang="en-US"/>
           </a:p>
@@ -8628,13 +8628,13 @@
           <p:nvPr>
             <p:extLst>
               <p:ext uri="{D42A27DB-BD31-4B8C-83A1-F6EECF244321}">
-                <p14:modId xmlns:p14="http://schemas.microsoft.com/office/powerpoint/2010/main" val="4218418614"/>
+                <p14:modId xmlns:p14="http://schemas.microsoft.com/office/powerpoint/2010/main" val="2131707655"/>
               </p:ext>
             </p:extLst>
           </p:nvPr>
         </p:nvGraphicFramePr>
         <p:xfrm>
-          <a:off x="7924800" y="1981200"/>
+          <a:off x="5772150" y="3581400"/>
           <a:ext cx="1066800" cy="1381760"/>
         </p:xfrm>
         <a:graphic>
@@ -8730,13 +8730,13 @@
           <p:nvPr>
             <p:extLst>
               <p:ext uri="{D42A27DB-BD31-4B8C-83A1-F6EECF244321}">
-                <p14:modId xmlns:p14="http://schemas.microsoft.com/office/powerpoint/2010/main" val="3961508652"/>
+                <p14:modId xmlns:p14="http://schemas.microsoft.com/office/powerpoint/2010/main" val="1100076737"/>
               </p:ext>
             </p:extLst>
           </p:nvPr>
         </p:nvGraphicFramePr>
         <p:xfrm>
-          <a:off x="1676400" y="1982371"/>
+          <a:off x="5791200" y="1220378"/>
           <a:ext cx="1371600" cy="1656080"/>
         </p:xfrm>
         <a:graphic>
@@ -8811,13 +8811,13 @@
           <p:nvPr>
             <p:extLst>
               <p:ext uri="{D42A27DB-BD31-4B8C-83A1-F6EECF244321}">
-                <p14:modId xmlns:p14="http://schemas.microsoft.com/office/powerpoint/2010/main" val="1127307210"/>
+                <p14:modId xmlns:p14="http://schemas.microsoft.com/office/powerpoint/2010/main" val="3671220500"/>
               </p:ext>
             </p:extLst>
           </p:nvPr>
         </p:nvGraphicFramePr>
         <p:xfrm>
-          <a:off x="4953000" y="1981200"/>
+          <a:off x="2725350" y="3581400"/>
           <a:ext cx="1371600" cy="1381760"/>
         </p:xfrm>
         <a:graphic>
@@ -8893,13 +8893,13 @@
           <p:nvPr>
             <p:extLst>
               <p:ext uri="{D42A27DB-BD31-4B8C-83A1-F6EECF244321}">
-                <p14:modId xmlns:p14="http://schemas.microsoft.com/office/powerpoint/2010/main" val="3446907099"/>
+                <p14:modId xmlns:p14="http://schemas.microsoft.com/office/powerpoint/2010/main" val="2022429147"/>
               </p:ext>
             </p:extLst>
           </p:nvPr>
         </p:nvGraphicFramePr>
         <p:xfrm>
-          <a:off x="152400" y="1981193"/>
+          <a:off x="4267200" y="1219200"/>
           <a:ext cx="1180514" cy="960127"/>
         </p:xfrm>
         <a:graphic>
@@ -8957,13 +8957,13 @@
           <p:nvPr>
             <p:extLst>
               <p:ext uri="{D42A27DB-BD31-4B8C-83A1-F6EECF244321}">
-                <p14:modId xmlns:p14="http://schemas.microsoft.com/office/powerpoint/2010/main" val="2000125862"/>
+                <p14:modId xmlns:p14="http://schemas.microsoft.com/office/powerpoint/2010/main" val="1574237816"/>
               </p:ext>
             </p:extLst>
           </p:nvPr>
         </p:nvGraphicFramePr>
         <p:xfrm>
-          <a:off x="3294450" y="1981200"/>
+          <a:off x="1066800" y="3581400"/>
           <a:ext cx="1328078" cy="2209800"/>
         </p:xfrm>
         <a:graphic>
@@ -9052,7 +9052,7 @@
         </p:nvCxnSpPr>
         <p:spPr bwMode="auto">
           <a:xfrm>
-            <a:off x="1371600" y="2164080"/>
+            <a:off x="5486400" y="1402087"/>
             <a:ext cx="304800" cy="0"/>
           </a:xfrm>
           <a:prstGeom prst="line">
@@ -9097,7 +9097,7 @@
         </p:nvCxnSpPr>
         <p:spPr bwMode="auto">
           <a:xfrm flipH="1">
-            <a:off x="1371600" y="2164080"/>
+            <a:off x="5486400" y="1402087"/>
             <a:ext cx="304800" cy="646331"/>
           </a:xfrm>
           <a:prstGeom prst="line">
@@ -9142,7 +9142,7 @@
         </p:nvCxnSpPr>
         <p:spPr bwMode="auto">
           <a:xfrm>
-            <a:off x="4648200" y="2199613"/>
+            <a:off x="2420550" y="3799813"/>
             <a:ext cx="304800" cy="0"/>
           </a:xfrm>
           <a:prstGeom prst="line">
@@ -9187,7 +9187,7 @@
         </p:nvCxnSpPr>
         <p:spPr bwMode="auto">
           <a:xfrm flipV="1">
-            <a:off x="4648200" y="2199614"/>
+            <a:off x="2420550" y="3799814"/>
             <a:ext cx="304800" cy="1915186"/>
           </a:xfrm>
           <a:prstGeom prst="line">
@@ -9233,13 +9233,13 @@
           <p:nvPr>
             <p:extLst>
               <p:ext uri="{D42A27DB-BD31-4B8C-83A1-F6EECF244321}">
-                <p14:modId xmlns:p14="http://schemas.microsoft.com/office/powerpoint/2010/main" val="1867302577"/>
+                <p14:modId xmlns:p14="http://schemas.microsoft.com/office/powerpoint/2010/main" val="1128143106"/>
               </p:ext>
             </p:extLst>
           </p:nvPr>
         </p:nvGraphicFramePr>
         <p:xfrm>
-          <a:off x="6477000" y="1981200"/>
+          <a:off x="4249350" y="3581400"/>
           <a:ext cx="1180514" cy="457200"/>
         </p:xfrm>
         <a:graphic>
@@ -9284,8 +9284,8 @@
         </p:nvCxnSpPr>
         <p:spPr bwMode="auto">
           <a:xfrm>
-            <a:off x="7696200" y="2164080"/>
-            <a:ext cx="228600" cy="0"/>
+            <a:off x="5468550" y="3764280"/>
+            <a:ext cx="322650" cy="0"/>
           </a:xfrm>
           <a:prstGeom prst="line">
             <a:avLst/>
@@ -9329,8 +9329,239 @@
         </p:nvCxnSpPr>
         <p:spPr bwMode="auto">
           <a:xfrm flipV="1">
-            <a:off x="7696200" y="2164080"/>
-            <a:ext cx="228600" cy="198120"/>
+            <a:off x="5468550" y="3764280"/>
+            <a:ext cx="322650" cy="198120"/>
+          </a:xfrm>
+          <a:prstGeom prst="line">
+            <a:avLst/>
+          </a:prstGeom>
+          <a:noFill/>
+          <a:ln w="12700" cap="flat" cmpd="sng" algn="ctr">
+            <a:solidFill>
+              <a:srgbClr val="000000"/>
+            </a:solidFill>
+            <a:prstDash val="solid"/>
+            <a:round/>
+            <a:headEnd type="none" w="sm" len="sm"/>
+            <a:tailEnd type="none" w="sm" len="sm"/>
+          </a:ln>
+          <a:effectLst/>
+          <a:extLst>
+            <a:ext uri="{909E8E84-426E-40DD-AFC4-6F175D3DCCD1}">
+              <a14:hiddenFill xmlns:a14="http://schemas.microsoft.com/office/drawing/2010/main">
+                <a:solidFill>
+                  <a:schemeClr val="accent1"/>
+                </a:solidFill>
+              </a14:hiddenFill>
+            </a:ext>
+            <a:ext uri="{AF507438-7753-43E0-B8FC-AC1667EBCBE1}">
+              <a14:hiddenEffects xmlns:a14="http://schemas.microsoft.com/office/drawing/2010/main">
+                <a:effectLst>
+                  <a:outerShdw dist="35921" dir="2700000" algn="ctr" rotWithShape="0">
+                    <a:schemeClr val="bg2"/>
+                  </a:outerShdw>
+                </a:effectLst>
+              </a14:hiddenEffects>
+            </a:ext>
+          </a:extLst>
+        </p:spPr>
+      </p:cxnSp>
+      <p:graphicFrame>
+        <p:nvGraphicFramePr>
+          <p:cNvPr id="19" name="Table 18"/>
+          <p:cNvGraphicFramePr>
+            <a:graphicFrameLocks noGrp="1"/>
+          </p:cNvGraphicFramePr>
+          <p:nvPr>
+            <p:extLst>
+              <p:ext uri="{D42A27DB-BD31-4B8C-83A1-F6EECF244321}">
+                <p14:modId xmlns:p14="http://schemas.microsoft.com/office/powerpoint/2010/main" val="3561804321"/>
+              </p:ext>
+            </p:extLst>
+          </p:nvPr>
+        </p:nvGraphicFramePr>
+        <p:xfrm>
+          <a:off x="2743200" y="1244600"/>
+          <a:ext cx="1371600" cy="1651000"/>
+        </p:xfrm>
+        <a:graphic>
+          <a:graphicData uri="http://schemas.openxmlformats.org/drawingml/2006/table">
+            <a:tbl>
+              <a:tblPr firstRow="1" bandRow="1">
+                <a:tableStyleId>{5940675A-B579-460E-94D1-54222C63F5DA}</a:tableStyleId>
+              </a:tblPr>
+              <a:tblGrid>
+                <a:gridCol w="1371600"/>
+              </a:tblGrid>
+              <a:tr h="370840">
+                <a:tc>
+                  <a:txBody>
+                    <a:bodyPr/>
+                    <a:lstStyle/>
+                    <a:p>
+                      <a:pPr algn="ctr"/>
+                      <a:r>
+                        <a:rPr lang="en-US" b="1" dirty="0" smtClean="0"/>
+                        <a:t>Embedded</a:t>
+                      </a:r>
+                      <a:r>
+                        <a:rPr lang="en-US" b="1" baseline="0" dirty="0" smtClean="0"/>
+                        <a:t> Device</a:t>
+                      </a:r>
+                      <a:endParaRPr lang="en-US" b="1" dirty="0"/>
+                    </a:p>
+                  </a:txBody>
+                  <a:tcPr/>
+                </a:tc>
+              </a:tr>
+              <a:tr h="370840">
+                <a:tc>
+                  <a:txBody>
+                    <a:bodyPr/>
+                    <a:lstStyle/>
+                    <a:p>
+                      <a:pPr algn="ctr"/>
+                      <a:r>
+                        <a:rPr lang="en-US" b="0" dirty="0" smtClean="0"/>
+                        <a:t>ICN-lite</a:t>
+                      </a:r>
+                      <a:endParaRPr lang="en-US" b="0" dirty="0"/>
+                    </a:p>
+                  </a:txBody>
+                  <a:tcPr/>
+                </a:tc>
+              </a:tr>
+              <a:tr h="370840">
+                <a:tc>
+                  <a:txBody>
+                    <a:bodyPr/>
+                    <a:lstStyle/>
+                    <a:p>
+                      <a:pPr algn="ctr"/>
+                      <a:r>
+                        <a:rPr lang="en-US" dirty="0" smtClean="0"/>
+                        <a:t>802.15.4/</a:t>
+                      </a:r>
+                    </a:p>
+                    <a:p>
+                      <a:pPr algn="ctr"/>
+                      <a:r>
+                        <a:rPr lang="en-US" dirty="0" smtClean="0"/>
+                        <a:t>BLE</a:t>
+                      </a:r>
+                      <a:endParaRPr lang="en-US" dirty="0"/>
+                    </a:p>
+                  </a:txBody>
+                  <a:tcPr/>
+                </a:tc>
+              </a:tr>
+            </a:tbl>
+          </a:graphicData>
+        </a:graphic>
+      </p:graphicFrame>
+      <p:graphicFrame>
+        <p:nvGraphicFramePr>
+          <p:cNvPr id="20" name="Table 19"/>
+          <p:cNvGraphicFramePr>
+            <a:graphicFrameLocks noGrp="1"/>
+          </p:cNvGraphicFramePr>
+          <p:nvPr>
+            <p:extLst>
+              <p:ext uri="{D42A27DB-BD31-4B8C-83A1-F6EECF244321}">
+                <p14:modId xmlns:p14="http://schemas.microsoft.com/office/powerpoint/2010/main" val="236437248"/>
+              </p:ext>
+            </p:extLst>
+          </p:nvPr>
+        </p:nvGraphicFramePr>
+        <p:xfrm>
+          <a:off x="1240953" y="1244600"/>
+          <a:ext cx="1180514" cy="325120"/>
+        </p:xfrm>
+        <a:graphic>
+          <a:graphicData uri="http://schemas.openxmlformats.org/drawingml/2006/table">
+            <a:tbl>
+              <a:tblPr firstRow="1" bandRow="1">
+                <a:tableStyleId>{5940675A-B579-460E-94D1-54222C63F5DA}</a:tableStyleId>
+              </a:tblPr>
+              <a:tblGrid>
+                <a:gridCol w="1180514"/>
+              </a:tblGrid>
+              <a:tr h="325120">
+                <a:tc>
+                  <a:txBody>
+                    <a:bodyPr/>
+                    <a:lstStyle/>
+                    <a:p>
+                      <a:pPr algn="ctr"/>
+                      <a:r>
+                        <a:rPr lang="en-US" sz="1200" dirty="0" smtClean="0"/>
+                        <a:t>Self-clustering</a:t>
+                      </a:r>
+                      <a:endParaRPr lang="en-US" sz="1200" dirty="0" smtClean="0"/>
+                    </a:p>
+                  </a:txBody>
+                  <a:tcPr/>
+                </a:tc>
+              </a:tr>
+            </a:tbl>
+          </a:graphicData>
+        </a:graphic>
+      </p:graphicFrame>
+      <p:cxnSp>
+        <p:nvCxnSpPr>
+          <p:cNvPr id="21" name="Straight Connector 20"/>
+          <p:cNvCxnSpPr/>
+          <p:nvPr/>
+        </p:nvCxnSpPr>
+        <p:spPr bwMode="auto">
+          <a:xfrm>
+            <a:off x="2438400" y="1320800"/>
+            <a:ext cx="304800" cy="0"/>
+          </a:xfrm>
+          <a:prstGeom prst="line">
+            <a:avLst/>
+          </a:prstGeom>
+          <a:noFill/>
+          <a:ln w="12700" cap="flat" cmpd="sng" algn="ctr">
+            <a:solidFill>
+              <a:srgbClr val="000000"/>
+            </a:solidFill>
+            <a:prstDash val="solid"/>
+            <a:round/>
+            <a:headEnd type="none" w="sm" len="sm"/>
+            <a:tailEnd type="none" w="sm" len="sm"/>
+          </a:ln>
+          <a:effectLst/>
+          <a:extLst>
+            <a:ext uri="{909E8E84-426E-40DD-AFC4-6F175D3DCCD1}">
+              <a14:hiddenFill xmlns:a14="http://schemas.microsoft.com/office/drawing/2010/main">
+                <a:solidFill>
+                  <a:schemeClr val="accent1"/>
+                </a:solidFill>
+              </a14:hiddenFill>
+            </a:ext>
+            <a:ext uri="{AF507438-7753-43E0-B8FC-AC1667EBCBE1}">
+              <a14:hiddenEffects xmlns:a14="http://schemas.microsoft.com/office/drawing/2010/main">
+                <a:effectLst>
+                  <a:outerShdw dist="35921" dir="2700000" algn="ctr" rotWithShape="0">
+                    <a:schemeClr val="bg2"/>
+                  </a:outerShdw>
+                </a:effectLst>
+              </a14:hiddenEffects>
+            </a:ext>
+          </a:extLst>
+        </p:spPr>
+      </p:cxnSp>
+      <p:cxnSp>
+        <p:nvCxnSpPr>
+          <p:cNvPr id="22" name="Straight Connector 21"/>
+          <p:cNvCxnSpPr/>
+          <p:nvPr/>
+        </p:nvCxnSpPr>
+        <p:spPr bwMode="auto">
+          <a:xfrm flipV="1">
+            <a:off x="2442475" y="1320800"/>
+            <a:ext cx="300725" cy="152400"/>
           </a:xfrm>
           <a:prstGeom prst="line">
             <a:avLst/>

--- a/figure/paper_drawing.pptx
+++ b/figure/paper_drawing.pptx
@@ -5,7 +5,7 @@
     <p:sldMasterId id="2147483648" r:id="rId1"/>
   </p:sldMasterIdLst>
   <p:notesMasterIdLst>
-    <p:notesMasterId r:id="rId8"/>
+    <p:notesMasterId r:id="rId10"/>
   </p:notesMasterIdLst>
   <p:sldIdLst>
     <p:sldId id="256" r:id="rId2"/>
@@ -14,6 +14,8 @@
     <p:sldId id="259" r:id="rId5"/>
     <p:sldId id="260" r:id="rId6"/>
     <p:sldId id="261" r:id="rId7"/>
+    <p:sldId id="262" r:id="rId8"/>
+    <p:sldId id="263" r:id="rId9"/>
   </p:sldIdLst>
   <p:sldSz cx="9144000" cy="6858000" type="screen4x3"/>
   <p:notesSz cx="6858000" cy="9144000"/>
@@ -9601,6 +9603,5885 @@
     <p:extLst>
       <p:ext uri="{BB962C8B-B14F-4D97-AF65-F5344CB8AC3E}">
         <p14:creationId xmlns:p14="http://schemas.microsoft.com/office/powerpoint/2010/main" val="3711717026"/>
+      </p:ext>
+    </p:extLst>
+  </p:cSld>
+  <p:clrMapOvr>
+    <a:masterClrMapping/>
+  </p:clrMapOvr>
+</p:sld>
+</file>
+
+<file path=ppt/slides/slide7.xml><?xml version="1.0" encoding="utf-8"?>
+<p:sld xmlns:a="http://schemas.openxmlformats.org/drawingml/2006/main" xmlns:r="http://schemas.openxmlformats.org/officeDocument/2006/relationships" xmlns:p="http://schemas.openxmlformats.org/presentationml/2006/main">
+  <p:cSld>
+    <p:spTree>
+      <p:nvGrpSpPr>
+        <p:cNvPr id="1" name=""/>
+        <p:cNvGrpSpPr/>
+        <p:nvPr/>
+      </p:nvGrpSpPr>
+      <p:grpSpPr>
+        <a:xfrm>
+          <a:off x="0" y="0"/>
+          <a:ext cx="0" cy="0"/>
+          <a:chOff x="0" y="0"/>
+          <a:chExt cx="0" cy="0"/>
+        </a:xfrm>
+      </p:grpSpPr>
+      <p:sp>
+        <p:nvSpPr>
+          <p:cNvPr id="5" name="Oval 4"/>
+          <p:cNvSpPr/>
+          <p:nvPr/>
+        </p:nvSpPr>
+        <p:spPr bwMode="auto">
+          <a:xfrm>
+            <a:off x="4975885" y="2461034"/>
+            <a:ext cx="152400" cy="152400"/>
+          </a:xfrm>
+          <a:prstGeom prst="ellipse">
+            <a:avLst/>
+          </a:prstGeom>
+          <a:solidFill>
+            <a:srgbClr val="0070C0"/>
+          </a:solidFill>
+          <a:ln w="12700" cap="flat" cmpd="sng" algn="ctr">
+            <a:solidFill>
+              <a:srgbClr val="000000"/>
+            </a:solidFill>
+            <a:prstDash val="solid"/>
+            <a:round/>
+            <a:headEnd type="none" w="sm" len="sm"/>
+            <a:tailEnd type="none" w="sm" len="sm"/>
+          </a:ln>
+          <a:effectLst/>
+          <a:extLst/>
+        </p:spPr>
+        <p:txBody>
+          <a:bodyPr vert="horz" wrap="square" lIns="91440" tIns="45720" rIns="91440" bIns="45720" numCol="1" rtlCol="0" anchor="t" anchorCtr="0" compatLnSpc="1">
+            <a:prstTxWarp prst="textNoShape">
+              <a:avLst/>
+            </a:prstTxWarp>
+          </a:bodyPr>
+          <a:lstStyle/>
+          <a:p>
+            <a:pPr marL="0" marR="0" indent="0" algn="l" defTabSz="914400" rtl="0" eaLnBrk="0" fontAlgn="base" latinLnBrk="0" hangingPunct="0">
+              <a:lnSpc>
+                <a:spcPct val="100000"/>
+              </a:lnSpc>
+              <a:spcBef>
+                <a:spcPct val="0"/>
+              </a:spcBef>
+              <a:spcAft>
+                <a:spcPct val="0"/>
+              </a:spcAft>
+              <a:buClrTx/>
+              <a:buSzTx/>
+              <a:buFontTx/>
+              <a:buNone/>
+              <a:tabLst/>
+            </a:pPr>
+            <a:endParaRPr kumimoji="0" lang="en-US" sz="1800" b="0" i="0" u="none" strike="noStrike" cap="none" normalizeH="0" baseline="0" smtClean="0">
+              <a:ln>
+                <a:noFill/>
+              </a:ln>
+              <a:solidFill>
+                <a:schemeClr val="tx1"/>
+              </a:solidFill>
+              <a:effectLst/>
+              <a:latin typeface="Times New Roman" pitchFamily="18" charset="0"/>
+              <a:cs typeface="Arial" pitchFamily="34" charset="0"/>
+            </a:endParaRPr>
+          </a:p>
+        </p:txBody>
+      </p:sp>
+      <p:sp>
+        <p:nvSpPr>
+          <p:cNvPr id="6" name="Oval 5"/>
+          <p:cNvSpPr/>
+          <p:nvPr/>
+        </p:nvSpPr>
+        <p:spPr bwMode="auto">
+          <a:xfrm>
+            <a:off x="4636380" y="2851088"/>
+            <a:ext cx="152400" cy="152400"/>
+          </a:xfrm>
+          <a:prstGeom prst="ellipse">
+            <a:avLst/>
+          </a:prstGeom>
+          <a:solidFill>
+            <a:srgbClr val="0070C0"/>
+          </a:solidFill>
+          <a:ln w="12700" cap="flat" cmpd="sng" algn="ctr">
+            <a:solidFill>
+              <a:srgbClr val="000000"/>
+            </a:solidFill>
+            <a:prstDash val="solid"/>
+            <a:round/>
+            <a:headEnd type="none" w="sm" len="sm"/>
+            <a:tailEnd type="none" w="sm" len="sm"/>
+          </a:ln>
+          <a:effectLst/>
+          <a:extLst/>
+        </p:spPr>
+        <p:txBody>
+          <a:bodyPr vert="horz" wrap="square" lIns="91440" tIns="45720" rIns="91440" bIns="45720" numCol="1" rtlCol="0" anchor="t" anchorCtr="0" compatLnSpc="1">
+            <a:prstTxWarp prst="textNoShape">
+              <a:avLst/>
+            </a:prstTxWarp>
+          </a:bodyPr>
+          <a:lstStyle/>
+          <a:p>
+            <a:pPr marL="0" marR="0" indent="0" algn="l" defTabSz="914400" rtl="0" eaLnBrk="0" fontAlgn="base" latinLnBrk="0" hangingPunct="0">
+              <a:lnSpc>
+                <a:spcPct val="100000"/>
+              </a:lnSpc>
+              <a:spcBef>
+                <a:spcPct val="0"/>
+              </a:spcBef>
+              <a:spcAft>
+                <a:spcPct val="0"/>
+              </a:spcAft>
+              <a:buClrTx/>
+              <a:buSzTx/>
+              <a:buFontTx/>
+              <a:buNone/>
+              <a:tabLst/>
+            </a:pPr>
+            <a:endParaRPr kumimoji="0" lang="en-US" sz="1800" b="0" i="0" u="none" strike="noStrike" cap="none" normalizeH="0" baseline="0" smtClean="0">
+              <a:ln>
+                <a:noFill/>
+              </a:ln>
+              <a:solidFill>
+                <a:schemeClr val="tx1"/>
+              </a:solidFill>
+              <a:effectLst/>
+              <a:latin typeface="Times New Roman" pitchFamily="18" charset="0"/>
+              <a:cs typeface="Arial" pitchFamily="34" charset="0"/>
+            </a:endParaRPr>
+          </a:p>
+        </p:txBody>
+      </p:sp>
+      <p:sp>
+        <p:nvSpPr>
+          <p:cNvPr id="7" name="Oval 6"/>
+          <p:cNvSpPr/>
+          <p:nvPr/>
+        </p:nvSpPr>
+        <p:spPr bwMode="auto">
+          <a:xfrm>
+            <a:off x="5331045" y="2873406"/>
+            <a:ext cx="152400" cy="152400"/>
+          </a:xfrm>
+          <a:prstGeom prst="ellipse">
+            <a:avLst/>
+          </a:prstGeom>
+          <a:solidFill>
+            <a:srgbClr val="0070C0"/>
+          </a:solidFill>
+          <a:ln w="12700" cap="flat" cmpd="sng" algn="ctr">
+            <a:solidFill>
+              <a:srgbClr val="000000"/>
+            </a:solidFill>
+            <a:prstDash val="solid"/>
+            <a:round/>
+            <a:headEnd type="none" w="sm" len="sm"/>
+            <a:tailEnd type="none" w="sm" len="sm"/>
+          </a:ln>
+          <a:effectLst/>
+          <a:extLst/>
+        </p:spPr>
+        <p:txBody>
+          <a:bodyPr vert="horz" wrap="square" lIns="91440" tIns="45720" rIns="91440" bIns="45720" numCol="1" rtlCol="0" anchor="t" anchorCtr="0" compatLnSpc="1">
+            <a:prstTxWarp prst="textNoShape">
+              <a:avLst/>
+            </a:prstTxWarp>
+          </a:bodyPr>
+          <a:lstStyle/>
+          <a:p>
+            <a:pPr marL="0" marR="0" indent="0" algn="l" defTabSz="914400" rtl="0" eaLnBrk="0" fontAlgn="base" latinLnBrk="0" hangingPunct="0">
+              <a:lnSpc>
+                <a:spcPct val="100000"/>
+              </a:lnSpc>
+              <a:spcBef>
+                <a:spcPct val="0"/>
+              </a:spcBef>
+              <a:spcAft>
+                <a:spcPct val="0"/>
+              </a:spcAft>
+              <a:buClrTx/>
+              <a:buSzTx/>
+              <a:buFontTx/>
+              <a:buNone/>
+              <a:tabLst/>
+            </a:pPr>
+            <a:endParaRPr kumimoji="0" lang="en-US" sz="1800" b="0" i="0" u="none" strike="noStrike" cap="none" normalizeH="0" baseline="0" smtClean="0">
+              <a:ln>
+                <a:noFill/>
+              </a:ln>
+              <a:solidFill>
+                <a:schemeClr val="tx1"/>
+              </a:solidFill>
+              <a:effectLst/>
+              <a:latin typeface="Times New Roman" pitchFamily="18" charset="0"/>
+              <a:cs typeface="Arial" pitchFamily="34" charset="0"/>
+            </a:endParaRPr>
+          </a:p>
+        </p:txBody>
+      </p:sp>
+      <p:sp>
+        <p:nvSpPr>
+          <p:cNvPr id="8" name="Oval 7"/>
+          <p:cNvSpPr/>
+          <p:nvPr/>
+        </p:nvSpPr>
+        <p:spPr bwMode="auto">
+          <a:xfrm>
+            <a:off x="4236770" y="3654016"/>
+            <a:ext cx="152400" cy="152400"/>
+          </a:xfrm>
+          <a:prstGeom prst="ellipse">
+            <a:avLst/>
+          </a:prstGeom>
+          <a:solidFill>
+            <a:srgbClr val="0070C0"/>
+          </a:solidFill>
+          <a:ln w="12700" cap="flat" cmpd="sng" algn="ctr">
+            <a:solidFill>
+              <a:srgbClr val="000000"/>
+            </a:solidFill>
+            <a:prstDash val="solid"/>
+            <a:round/>
+            <a:headEnd type="none" w="sm" len="sm"/>
+            <a:tailEnd type="none" w="sm" len="sm"/>
+          </a:ln>
+          <a:effectLst/>
+          <a:extLst/>
+        </p:spPr>
+        <p:txBody>
+          <a:bodyPr vert="horz" wrap="square" lIns="91440" tIns="45720" rIns="91440" bIns="45720" numCol="1" rtlCol="0" anchor="t" anchorCtr="0" compatLnSpc="1">
+            <a:prstTxWarp prst="textNoShape">
+              <a:avLst/>
+            </a:prstTxWarp>
+          </a:bodyPr>
+          <a:lstStyle/>
+          <a:p>
+            <a:pPr marL="0" marR="0" indent="0" algn="l" defTabSz="914400" rtl="0" eaLnBrk="0" fontAlgn="base" latinLnBrk="0" hangingPunct="0">
+              <a:lnSpc>
+                <a:spcPct val="100000"/>
+              </a:lnSpc>
+              <a:spcBef>
+                <a:spcPct val="0"/>
+              </a:spcBef>
+              <a:spcAft>
+                <a:spcPct val="0"/>
+              </a:spcAft>
+              <a:buClrTx/>
+              <a:buSzTx/>
+              <a:buFontTx/>
+              <a:buNone/>
+              <a:tabLst/>
+            </a:pPr>
+            <a:endParaRPr kumimoji="0" lang="en-US" sz="1800" b="0" i="0" u="none" strike="noStrike" cap="none" normalizeH="0" baseline="0" smtClean="0">
+              <a:ln>
+                <a:noFill/>
+              </a:ln>
+              <a:solidFill>
+                <a:schemeClr val="tx1"/>
+              </a:solidFill>
+              <a:effectLst/>
+              <a:latin typeface="Times New Roman" pitchFamily="18" charset="0"/>
+              <a:cs typeface="Arial" pitchFamily="34" charset="0"/>
+            </a:endParaRPr>
+          </a:p>
+        </p:txBody>
+      </p:sp>
+      <p:sp>
+        <p:nvSpPr>
+          <p:cNvPr id="9" name="Oval 8"/>
+          <p:cNvSpPr/>
+          <p:nvPr/>
+        </p:nvSpPr>
+        <p:spPr bwMode="auto">
+          <a:xfrm>
+            <a:off x="4481025" y="3230202"/>
+            <a:ext cx="152400" cy="152400"/>
+          </a:xfrm>
+          <a:prstGeom prst="ellipse">
+            <a:avLst/>
+          </a:prstGeom>
+          <a:solidFill>
+            <a:srgbClr val="0070C0"/>
+          </a:solidFill>
+          <a:ln w="12700" cap="flat" cmpd="sng" algn="ctr">
+            <a:solidFill>
+              <a:srgbClr val="000000"/>
+            </a:solidFill>
+            <a:prstDash val="solid"/>
+            <a:round/>
+            <a:headEnd type="none" w="sm" len="sm"/>
+            <a:tailEnd type="none" w="sm" len="sm"/>
+          </a:ln>
+          <a:effectLst/>
+          <a:extLst/>
+        </p:spPr>
+        <p:txBody>
+          <a:bodyPr vert="horz" wrap="square" lIns="91440" tIns="45720" rIns="91440" bIns="45720" numCol="1" rtlCol="0" anchor="t" anchorCtr="0" compatLnSpc="1">
+            <a:prstTxWarp prst="textNoShape">
+              <a:avLst/>
+            </a:prstTxWarp>
+          </a:bodyPr>
+          <a:lstStyle/>
+          <a:p>
+            <a:pPr marL="0" marR="0" indent="0" algn="l" defTabSz="914400" rtl="0" eaLnBrk="0" fontAlgn="base" latinLnBrk="0" hangingPunct="0">
+              <a:lnSpc>
+                <a:spcPct val="100000"/>
+              </a:lnSpc>
+              <a:spcBef>
+                <a:spcPct val="0"/>
+              </a:spcBef>
+              <a:spcAft>
+                <a:spcPct val="0"/>
+              </a:spcAft>
+              <a:buClrTx/>
+              <a:buSzTx/>
+              <a:buFontTx/>
+              <a:buNone/>
+              <a:tabLst/>
+            </a:pPr>
+            <a:endParaRPr kumimoji="0" lang="en-US" sz="1800" b="0" i="0" u="none" strike="noStrike" cap="none" normalizeH="0" baseline="0" smtClean="0">
+              <a:ln>
+                <a:noFill/>
+              </a:ln>
+              <a:solidFill>
+                <a:schemeClr val="tx1"/>
+              </a:solidFill>
+              <a:effectLst/>
+              <a:latin typeface="Times New Roman" pitchFamily="18" charset="0"/>
+              <a:cs typeface="Arial" pitchFamily="34" charset="0"/>
+            </a:endParaRPr>
+          </a:p>
+        </p:txBody>
+      </p:sp>
+      <p:sp>
+        <p:nvSpPr>
+          <p:cNvPr id="10" name="Oval 9"/>
+          <p:cNvSpPr/>
+          <p:nvPr/>
+        </p:nvSpPr>
+        <p:spPr bwMode="auto">
+          <a:xfrm>
+            <a:off x="5204485" y="3252018"/>
+            <a:ext cx="152400" cy="152400"/>
+          </a:xfrm>
+          <a:prstGeom prst="ellipse">
+            <a:avLst/>
+          </a:prstGeom>
+          <a:solidFill>
+            <a:srgbClr val="0070C0"/>
+          </a:solidFill>
+          <a:ln w="12700" cap="flat" cmpd="sng" algn="ctr">
+            <a:solidFill>
+              <a:srgbClr val="000000"/>
+            </a:solidFill>
+            <a:prstDash val="solid"/>
+            <a:round/>
+            <a:headEnd type="none" w="sm" len="sm"/>
+            <a:tailEnd type="none" w="sm" len="sm"/>
+          </a:ln>
+          <a:effectLst/>
+          <a:extLst/>
+        </p:spPr>
+        <p:txBody>
+          <a:bodyPr vert="horz" wrap="square" lIns="91440" tIns="45720" rIns="91440" bIns="45720" numCol="1" rtlCol="0" anchor="t" anchorCtr="0" compatLnSpc="1">
+            <a:prstTxWarp prst="textNoShape">
+              <a:avLst/>
+            </a:prstTxWarp>
+          </a:bodyPr>
+          <a:lstStyle/>
+          <a:p>
+            <a:pPr marL="0" marR="0" indent="0" algn="l" defTabSz="914400" rtl="0" eaLnBrk="0" fontAlgn="base" latinLnBrk="0" hangingPunct="0">
+              <a:lnSpc>
+                <a:spcPct val="100000"/>
+              </a:lnSpc>
+              <a:spcBef>
+                <a:spcPct val="0"/>
+              </a:spcBef>
+              <a:spcAft>
+                <a:spcPct val="0"/>
+              </a:spcAft>
+              <a:buClrTx/>
+              <a:buSzTx/>
+              <a:buFontTx/>
+              <a:buNone/>
+              <a:tabLst/>
+            </a:pPr>
+            <a:endParaRPr kumimoji="0" lang="en-US" sz="1800" b="0" i="0" u="none" strike="noStrike" cap="none" normalizeH="0" baseline="0" smtClean="0">
+              <a:ln>
+                <a:noFill/>
+              </a:ln>
+              <a:solidFill>
+                <a:schemeClr val="tx1"/>
+              </a:solidFill>
+              <a:effectLst/>
+              <a:latin typeface="Times New Roman" pitchFamily="18" charset="0"/>
+              <a:cs typeface="Arial" pitchFamily="34" charset="0"/>
+            </a:endParaRPr>
+          </a:p>
+        </p:txBody>
+      </p:sp>
+      <p:sp>
+        <p:nvSpPr>
+          <p:cNvPr id="11" name="Oval 10"/>
+          <p:cNvSpPr/>
+          <p:nvPr/>
+        </p:nvSpPr>
+        <p:spPr bwMode="auto">
+          <a:xfrm>
+            <a:off x="4788780" y="3230202"/>
+            <a:ext cx="152400" cy="152400"/>
+          </a:xfrm>
+          <a:prstGeom prst="ellipse">
+            <a:avLst/>
+          </a:prstGeom>
+          <a:solidFill>
+            <a:srgbClr val="0070C0"/>
+          </a:solidFill>
+          <a:ln w="12700" cap="flat" cmpd="sng" algn="ctr">
+            <a:solidFill>
+              <a:srgbClr val="000000"/>
+            </a:solidFill>
+            <a:prstDash val="solid"/>
+            <a:round/>
+            <a:headEnd type="none" w="sm" len="sm"/>
+            <a:tailEnd type="none" w="sm" len="sm"/>
+          </a:ln>
+          <a:effectLst/>
+          <a:extLst/>
+        </p:spPr>
+        <p:txBody>
+          <a:bodyPr vert="horz" wrap="square" lIns="91440" tIns="45720" rIns="91440" bIns="45720" numCol="1" rtlCol="0" anchor="t" anchorCtr="0" compatLnSpc="1">
+            <a:prstTxWarp prst="textNoShape">
+              <a:avLst/>
+            </a:prstTxWarp>
+          </a:bodyPr>
+          <a:lstStyle/>
+          <a:p>
+            <a:pPr marL="0" marR="0" indent="0" algn="l" defTabSz="914400" rtl="0" eaLnBrk="0" fontAlgn="base" latinLnBrk="0" hangingPunct="0">
+              <a:lnSpc>
+                <a:spcPct val="100000"/>
+              </a:lnSpc>
+              <a:spcBef>
+                <a:spcPct val="0"/>
+              </a:spcBef>
+              <a:spcAft>
+                <a:spcPct val="0"/>
+              </a:spcAft>
+              <a:buClrTx/>
+              <a:buSzTx/>
+              <a:buFontTx/>
+              <a:buNone/>
+              <a:tabLst/>
+            </a:pPr>
+            <a:endParaRPr kumimoji="0" lang="en-US" sz="1800" b="0" i="0" u="none" strike="noStrike" cap="none" normalizeH="0" baseline="0" smtClean="0">
+              <a:ln>
+                <a:noFill/>
+              </a:ln>
+              <a:solidFill>
+                <a:schemeClr val="tx1"/>
+              </a:solidFill>
+              <a:effectLst/>
+              <a:latin typeface="Times New Roman" pitchFamily="18" charset="0"/>
+              <a:cs typeface="Arial" pitchFamily="34" charset="0"/>
+            </a:endParaRPr>
+          </a:p>
+        </p:txBody>
+      </p:sp>
+      <p:sp>
+        <p:nvSpPr>
+          <p:cNvPr id="12" name="Oval 11"/>
+          <p:cNvSpPr/>
+          <p:nvPr/>
+        </p:nvSpPr>
+        <p:spPr bwMode="auto">
+          <a:xfrm>
+            <a:off x="5509285" y="3252018"/>
+            <a:ext cx="152400" cy="152400"/>
+          </a:xfrm>
+          <a:prstGeom prst="ellipse">
+            <a:avLst/>
+          </a:prstGeom>
+          <a:solidFill>
+            <a:srgbClr val="0070C0"/>
+          </a:solidFill>
+          <a:ln w="12700" cap="flat" cmpd="sng" algn="ctr">
+            <a:solidFill>
+              <a:srgbClr val="000000"/>
+            </a:solidFill>
+            <a:prstDash val="solid"/>
+            <a:round/>
+            <a:headEnd type="none" w="sm" len="sm"/>
+            <a:tailEnd type="none" w="sm" len="sm"/>
+          </a:ln>
+          <a:effectLst/>
+          <a:extLst/>
+        </p:spPr>
+        <p:txBody>
+          <a:bodyPr vert="horz" wrap="square" lIns="91440" tIns="45720" rIns="91440" bIns="45720" numCol="1" rtlCol="0" anchor="t" anchorCtr="0" compatLnSpc="1">
+            <a:prstTxWarp prst="textNoShape">
+              <a:avLst/>
+            </a:prstTxWarp>
+          </a:bodyPr>
+          <a:lstStyle/>
+          <a:p>
+            <a:pPr marL="0" marR="0" indent="0" algn="l" defTabSz="914400" rtl="0" eaLnBrk="0" fontAlgn="base" latinLnBrk="0" hangingPunct="0">
+              <a:lnSpc>
+                <a:spcPct val="100000"/>
+              </a:lnSpc>
+              <a:spcBef>
+                <a:spcPct val="0"/>
+              </a:spcBef>
+              <a:spcAft>
+                <a:spcPct val="0"/>
+              </a:spcAft>
+              <a:buClrTx/>
+              <a:buSzTx/>
+              <a:buFontTx/>
+              <a:buNone/>
+              <a:tabLst/>
+            </a:pPr>
+            <a:endParaRPr kumimoji="0" lang="en-US" sz="1800" b="0" i="0" u="none" strike="noStrike" cap="none" normalizeH="0" baseline="0" smtClean="0">
+              <a:ln>
+                <a:noFill/>
+              </a:ln>
+              <a:solidFill>
+                <a:schemeClr val="tx1"/>
+              </a:solidFill>
+              <a:effectLst/>
+              <a:latin typeface="Times New Roman" pitchFamily="18" charset="0"/>
+              <a:cs typeface="Arial" pitchFamily="34" charset="0"/>
+            </a:endParaRPr>
+          </a:p>
+        </p:txBody>
+      </p:sp>
+      <p:sp>
+        <p:nvSpPr>
+          <p:cNvPr id="13" name="Oval 12"/>
+          <p:cNvSpPr/>
+          <p:nvPr/>
+        </p:nvSpPr>
+        <p:spPr bwMode="auto">
+          <a:xfrm>
+            <a:off x="4439530" y="3654016"/>
+            <a:ext cx="152400" cy="152400"/>
+          </a:xfrm>
+          <a:prstGeom prst="ellipse">
+            <a:avLst/>
+          </a:prstGeom>
+          <a:solidFill>
+            <a:srgbClr val="0070C0"/>
+          </a:solidFill>
+          <a:ln w="12700" cap="flat" cmpd="sng" algn="ctr">
+            <a:solidFill>
+              <a:srgbClr val="000000"/>
+            </a:solidFill>
+            <a:prstDash val="solid"/>
+            <a:round/>
+            <a:headEnd type="none" w="sm" len="sm"/>
+            <a:tailEnd type="none" w="sm" len="sm"/>
+          </a:ln>
+          <a:effectLst/>
+          <a:extLst/>
+        </p:spPr>
+        <p:txBody>
+          <a:bodyPr vert="horz" wrap="square" lIns="91440" tIns="45720" rIns="91440" bIns="45720" numCol="1" rtlCol="0" anchor="t" anchorCtr="0" compatLnSpc="1">
+            <a:prstTxWarp prst="textNoShape">
+              <a:avLst/>
+            </a:prstTxWarp>
+          </a:bodyPr>
+          <a:lstStyle/>
+          <a:p>
+            <a:pPr marL="0" marR="0" indent="0" algn="l" defTabSz="914400" rtl="0" eaLnBrk="0" fontAlgn="base" latinLnBrk="0" hangingPunct="0">
+              <a:lnSpc>
+                <a:spcPct val="100000"/>
+              </a:lnSpc>
+              <a:spcBef>
+                <a:spcPct val="0"/>
+              </a:spcBef>
+              <a:spcAft>
+                <a:spcPct val="0"/>
+              </a:spcAft>
+              <a:buClrTx/>
+              <a:buSzTx/>
+              <a:buFontTx/>
+              <a:buNone/>
+              <a:tabLst/>
+            </a:pPr>
+            <a:endParaRPr kumimoji="0" lang="en-US" sz="1800" b="0" i="0" u="none" strike="noStrike" cap="none" normalizeH="0" baseline="0" smtClean="0">
+              <a:ln>
+                <a:noFill/>
+              </a:ln>
+              <a:solidFill>
+                <a:schemeClr val="tx1"/>
+              </a:solidFill>
+              <a:effectLst/>
+              <a:latin typeface="Times New Roman" pitchFamily="18" charset="0"/>
+              <a:cs typeface="Arial" pitchFamily="34" charset="0"/>
+            </a:endParaRPr>
+          </a:p>
+        </p:txBody>
+      </p:sp>
+      <p:sp>
+        <p:nvSpPr>
+          <p:cNvPr id="14" name="Oval 13"/>
+          <p:cNvSpPr/>
+          <p:nvPr/>
+        </p:nvSpPr>
+        <p:spPr bwMode="auto">
+          <a:xfrm>
+            <a:off x="4594885" y="3657600"/>
+            <a:ext cx="152400" cy="152400"/>
+          </a:xfrm>
+          <a:prstGeom prst="ellipse">
+            <a:avLst/>
+          </a:prstGeom>
+          <a:solidFill>
+            <a:srgbClr val="0070C0"/>
+          </a:solidFill>
+          <a:ln w="12700" cap="flat" cmpd="sng" algn="ctr">
+            <a:solidFill>
+              <a:srgbClr val="000000"/>
+            </a:solidFill>
+            <a:prstDash val="solid"/>
+            <a:round/>
+            <a:headEnd type="none" w="sm" len="sm"/>
+            <a:tailEnd type="none" w="sm" len="sm"/>
+          </a:ln>
+          <a:effectLst/>
+          <a:extLst/>
+        </p:spPr>
+        <p:txBody>
+          <a:bodyPr vert="horz" wrap="square" lIns="91440" tIns="45720" rIns="91440" bIns="45720" numCol="1" rtlCol="0" anchor="t" anchorCtr="0" compatLnSpc="1">
+            <a:prstTxWarp prst="textNoShape">
+              <a:avLst/>
+            </a:prstTxWarp>
+          </a:bodyPr>
+          <a:lstStyle/>
+          <a:p>
+            <a:pPr marL="0" marR="0" indent="0" algn="l" defTabSz="914400" rtl="0" eaLnBrk="0" fontAlgn="base" latinLnBrk="0" hangingPunct="0">
+              <a:lnSpc>
+                <a:spcPct val="100000"/>
+              </a:lnSpc>
+              <a:spcBef>
+                <a:spcPct val="0"/>
+              </a:spcBef>
+              <a:spcAft>
+                <a:spcPct val="0"/>
+              </a:spcAft>
+              <a:buClrTx/>
+              <a:buSzTx/>
+              <a:buFontTx/>
+              <a:buNone/>
+              <a:tabLst/>
+            </a:pPr>
+            <a:endParaRPr kumimoji="0" lang="en-US" sz="1800" b="0" i="0" u="none" strike="noStrike" cap="none" normalizeH="0" baseline="0" smtClean="0">
+              <a:ln>
+                <a:noFill/>
+              </a:ln>
+              <a:solidFill>
+                <a:schemeClr val="tx1"/>
+              </a:solidFill>
+              <a:effectLst/>
+              <a:latin typeface="Times New Roman" pitchFamily="18" charset="0"/>
+              <a:cs typeface="Arial" pitchFamily="34" charset="0"/>
+            </a:endParaRPr>
+          </a:p>
+        </p:txBody>
+      </p:sp>
+      <p:sp>
+        <p:nvSpPr>
+          <p:cNvPr id="15" name="Oval 14"/>
+          <p:cNvSpPr/>
+          <p:nvPr/>
+        </p:nvSpPr>
+        <p:spPr bwMode="auto">
+          <a:xfrm>
+            <a:off x="4823485" y="3657600"/>
+            <a:ext cx="152400" cy="152400"/>
+          </a:xfrm>
+          <a:prstGeom prst="ellipse">
+            <a:avLst/>
+          </a:prstGeom>
+          <a:solidFill>
+            <a:srgbClr val="0070C0"/>
+          </a:solidFill>
+          <a:ln w="12700" cap="flat" cmpd="sng" algn="ctr">
+            <a:solidFill>
+              <a:srgbClr val="000000"/>
+            </a:solidFill>
+            <a:prstDash val="solid"/>
+            <a:round/>
+            <a:headEnd type="none" w="sm" len="sm"/>
+            <a:tailEnd type="none" w="sm" len="sm"/>
+          </a:ln>
+          <a:effectLst/>
+          <a:extLst/>
+        </p:spPr>
+        <p:txBody>
+          <a:bodyPr vert="horz" wrap="square" lIns="91440" tIns="45720" rIns="91440" bIns="45720" numCol="1" rtlCol="0" anchor="t" anchorCtr="0" compatLnSpc="1">
+            <a:prstTxWarp prst="textNoShape">
+              <a:avLst/>
+            </a:prstTxWarp>
+          </a:bodyPr>
+          <a:lstStyle/>
+          <a:p>
+            <a:pPr marL="0" marR="0" indent="0" algn="l" defTabSz="914400" rtl="0" eaLnBrk="0" fontAlgn="base" latinLnBrk="0" hangingPunct="0">
+              <a:lnSpc>
+                <a:spcPct val="100000"/>
+              </a:lnSpc>
+              <a:spcBef>
+                <a:spcPct val="0"/>
+              </a:spcBef>
+              <a:spcAft>
+                <a:spcPct val="0"/>
+              </a:spcAft>
+              <a:buClrTx/>
+              <a:buSzTx/>
+              <a:buFontTx/>
+              <a:buNone/>
+              <a:tabLst/>
+            </a:pPr>
+            <a:endParaRPr kumimoji="0" lang="en-US" sz="1800" b="0" i="0" u="none" strike="noStrike" cap="none" normalizeH="0" baseline="0" smtClean="0">
+              <a:ln>
+                <a:noFill/>
+              </a:ln>
+              <a:solidFill>
+                <a:schemeClr val="tx1"/>
+              </a:solidFill>
+              <a:effectLst/>
+              <a:latin typeface="Times New Roman" pitchFamily="18" charset="0"/>
+              <a:cs typeface="Arial" pitchFamily="34" charset="0"/>
+            </a:endParaRPr>
+          </a:p>
+        </p:txBody>
+      </p:sp>
+      <p:sp>
+        <p:nvSpPr>
+          <p:cNvPr id="18" name="Oval 17"/>
+          <p:cNvSpPr/>
+          <p:nvPr/>
+        </p:nvSpPr>
+        <p:spPr bwMode="auto">
+          <a:xfrm>
+            <a:off x="5204485" y="3657600"/>
+            <a:ext cx="152400" cy="152400"/>
+          </a:xfrm>
+          <a:prstGeom prst="ellipse">
+            <a:avLst/>
+          </a:prstGeom>
+          <a:solidFill>
+            <a:srgbClr val="0070C0"/>
+          </a:solidFill>
+          <a:ln w="12700" cap="flat" cmpd="sng" algn="ctr">
+            <a:solidFill>
+              <a:srgbClr val="000000"/>
+            </a:solidFill>
+            <a:prstDash val="solid"/>
+            <a:round/>
+            <a:headEnd type="none" w="sm" len="sm"/>
+            <a:tailEnd type="none" w="sm" len="sm"/>
+          </a:ln>
+          <a:effectLst/>
+          <a:extLst/>
+        </p:spPr>
+        <p:txBody>
+          <a:bodyPr vert="horz" wrap="square" lIns="91440" tIns="45720" rIns="91440" bIns="45720" numCol="1" rtlCol="0" anchor="t" anchorCtr="0" compatLnSpc="1">
+            <a:prstTxWarp prst="textNoShape">
+              <a:avLst/>
+            </a:prstTxWarp>
+          </a:bodyPr>
+          <a:lstStyle/>
+          <a:p>
+            <a:pPr marL="0" marR="0" indent="0" algn="l" defTabSz="914400" rtl="0" eaLnBrk="0" fontAlgn="base" latinLnBrk="0" hangingPunct="0">
+              <a:lnSpc>
+                <a:spcPct val="100000"/>
+              </a:lnSpc>
+              <a:spcBef>
+                <a:spcPct val="0"/>
+              </a:spcBef>
+              <a:spcAft>
+                <a:spcPct val="0"/>
+              </a:spcAft>
+              <a:buClrTx/>
+              <a:buSzTx/>
+              <a:buFontTx/>
+              <a:buNone/>
+              <a:tabLst/>
+            </a:pPr>
+            <a:endParaRPr kumimoji="0" lang="en-US" sz="1800" b="0" i="0" u="none" strike="noStrike" cap="none" normalizeH="0" baseline="0" smtClean="0">
+              <a:ln>
+                <a:noFill/>
+              </a:ln>
+              <a:solidFill>
+                <a:schemeClr val="tx1"/>
+              </a:solidFill>
+              <a:effectLst/>
+              <a:latin typeface="Times New Roman" pitchFamily="18" charset="0"/>
+              <a:cs typeface="Arial" pitchFamily="34" charset="0"/>
+            </a:endParaRPr>
+          </a:p>
+        </p:txBody>
+      </p:sp>
+      <p:sp>
+        <p:nvSpPr>
+          <p:cNvPr id="19" name="Oval 18"/>
+          <p:cNvSpPr/>
+          <p:nvPr/>
+        </p:nvSpPr>
+        <p:spPr bwMode="auto">
+          <a:xfrm>
+            <a:off x="5407245" y="3657600"/>
+            <a:ext cx="152400" cy="152400"/>
+          </a:xfrm>
+          <a:prstGeom prst="ellipse">
+            <a:avLst/>
+          </a:prstGeom>
+          <a:solidFill>
+            <a:srgbClr val="0070C0"/>
+          </a:solidFill>
+          <a:ln w="12700" cap="flat" cmpd="sng" algn="ctr">
+            <a:solidFill>
+              <a:srgbClr val="000000"/>
+            </a:solidFill>
+            <a:prstDash val="solid"/>
+            <a:round/>
+            <a:headEnd type="none" w="sm" len="sm"/>
+            <a:tailEnd type="none" w="sm" len="sm"/>
+          </a:ln>
+          <a:effectLst/>
+          <a:extLst/>
+        </p:spPr>
+        <p:txBody>
+          <a:bodyPr vert="horz" wrap="square" lIns="91440" tIns="45720" rIns="91440" bIns="45720" numCol="1" rtlCol="0" anchor="t" anchorCtr="0" compatLnSpc="1">
+            <a:prstTxWarp prst="textNoShape">
+              <a:avLst/>
+            </a:prstTxWarp>
+          </a:bodyPr>
+          <a:lstStyle/>
+          <a:p>
+            <a:pPr marL="0" marR="0" indent="0" algn="l" defTabSz="914400" rtl="0" eaLnBrk="0" fontAlgn="base" latinLnBrk="0" hangingPunct="0">
+              <a:lnSpc>
+                <a:spcPct val="100000"/>
+              </a:lnSpc>
+              <a:spcBef>
+                <a:spcPct val="0"/>
+              </a:spcBef>
+              <a:spcAft>
+                <a:spcPct val="0"/>
+              </a:spcAft>
+              <a:buClrTx/>
+              <a:buSzTx/>
+              <a:buFontTx/>
+              <a:buNone/>
+              <a:tabLst/>
+            </a:pPr>
+            <a:endParaRPr kumimoji="0" lang="en-US" sz="1800" b="0" i="0" u="none" strike="noStrike" cap="none" normalizeH="0" baseline="0" smtClean="0">
+              <a:ln>
+                <a:noFill/>
+              </a:ln>
+              <a:solidFill>
+                <a:schemeClr val="tx1"/>
+              </a:solidFill>
+              <a:effectLst/>
+              <a:latin typeface="Times New Roman" pitchFamily="18" charset="0"/>
+              <a:cs typeface="Arial" pitchFamily="34" charset="0"/>
+            </a:endParaRPr>
+          </a:p>
+        </p:txBody>
+      </p:sp>
+      <p:sp>
+        <p:nvSpPr>
+          <p:cNvPr id="20" name="Oval 19"/>
+          <p:cNvSpPr/>
+          <p:nvPr/>
+        </p:nvSpPr>
+        <p:spPr bwMode="auto">
+          <a:xfrm>
+            <a:off x="5562600" y="3661184"/>
+            <a:ext cx="152400" cy="152400"/>
+          </a:xfrm>
+          <a:prstGeom prst="ellipse">
+            <a:avLst/>
+          </a:prstGeom>
+          <a:solidFill>
+            <a:srgbClr val="0070C0"/>
+          </a:solidFill>
+          <a:ln w="12700" cap="flat" cmpd="sng" algn="ctr">
+            <a:solidFill>
+              <a:srgbClr val="000000"/>
+            </a:solidFill>
+            <a:prstDash val="solid"/>
+            <a:round/>
+            <a:headEnd type="none" w="sm" len="sm"/>
+            <a:tailEnd type="none" w="sm" len="sm"/>
+          </a:ln>
+          <a:effectLst/>
+          <a:extLst/>
+        </p:spPr>
+        <p:txBody>
+          <a:bodyPr vert="horz" wrap="square" lIns="91440" tIns="45720" rIns="91440" bIns="45720" numCol="1" rtlCol="0" anchor="t" anchorCtr="0" compatLnSpc="1">
+            <a:prstTxWarp prst="textNoShape">
+              <a:avLst/>
+            </a:prstTxWarp>
+          </a:bodyPr>
+          <a:lstStyle/>
+          <a:p>
+            <a:pPr marL="0" marR="0" indent="0" algn="l" defTabSz="914400" rtl="0" eaLnBrk="0" fontAlgn="base" latinLnBrk="0" hangingPunct="0">
+              <a:lnSpc>
+                <a:spcPct val="100000"/>
+              </a:lnSpc>
+              <a:spcBef>
+                <a:spcPct val="0"/>
+              </a:spcBef>
+              <a:spcAft>
+                <a:spcPct val="0"/>
+              </a:spcAft>
+              <a:buClrTx/>
+              <a:buSzTx/>
+              <a:buFontTx/>
+              <a:buNone/>
+              <a:tabLst/>
+            </a:pPr>
+            <a:endParaRPr kumimoji="0" lang="en-US" sz="1800" b="0" i="0" u="none" strike="noStrike" cap="none" normalizeH="0" baseline="0" smtClean="0">
+              <a:ln>
+                <a:noFill/>
+              </a:ln>
+              <a:solidFill>
+                <a:schemeClr val="tx1"/>
+              </a:solidFill>
+              <a:effectLst/>
+              <a:latin typeface="Times New Roman" pitchFamily="18" charset="0"/>
+              <a:cs typeface="Arial" pitchFamily="34" charset="0"/>
+            </a:endParaRPr>
+          </a:p>
+        </p:txBody>
+      </p:sp>
+      <p:sp>
+        <p:nvSpPr>
+          <p:cNvPr id="21" name="Oval 20"/>
+          <p:cNvSpPr/>
+          <p:nvPr/>
+        </p:nvSpPr>
+        <p:spPr bwMode="auto">
+          <a:xfrm>
+            <a:off x="5791200" y="3661184"/>
+            <a:ext cx="152400" cy="152400"/>
+          </a:xfrm>
+          <a:prstGeom prst="ellipse">
+            <a:avLst/>
+          </a:prstGeom>
+          <a:solidFill>
+            <a:srgbClr val="0070C0"/>
+          </a:solidFill>
+          <a:ln w="12700" cap="flat" cmpd="sng" algn="ctr">
+            <a:solidFill>
+              <a:srgbClr val="000000"/>
+            </a:solidFill>
+            <a:prstDash val="solid"/>
+            <a:round/>
+            <a:headEnd type="none" w="sm" len="sm"/>
+            <a:tailEnd type="none" w="sm" len="sm"/>
+          </a:ln>
+          <a:effectLst/>
+          <a:extLst/>
+        </p:spPr>
+        <p:txBody>
+          <a:bodyPr vert="horz" wrap="square" lIns="91440" tIns="45720" rIns="91440" bIns="45720" numCol="1" rtlCol="0" anchor="t" anchorCtr="0" compatLnSpc="1">
+            <a:prstTxWarp prst="textNoShape">
+              <a:avLst/>
+            </a:prstTxWarp>
+          </a:bodyPr>
+          <a:lstStyle/>
+          <a:p>
+            <a:pPr marL="0" marR="0" indent="0" algn="l" defTabSz="914400" rtl="0" eaLnBrk="0" fontAlgn="base" latinLnBrk="0" hangingPunct="0">
+              <a:lnSpc>
+                <a:spcPct val="100000"/>
+              </a:lnSpc>
+              <a:spcBef>
+                <a:spcPct val="0"/>
+              </a:spcBef>
+              <a:spcAft>
+                <a:spcPct val="0"/>
+              </a:spcAft>
+              <a:buClrTx/>
+              <a:buSzTx/>
+              <a:buFontTx/>
+              <a:buNone/>
+              <a:tabLst/>
+            </a:pPr>
+            <a:endParaRPr kumimoji="0" lang="en-US" sz="1800" b="0" i="0" u="none" strike="noStrike" cap="none" normalizeH="0" baseline="0" smtClean="0">
+              <a:ln>
+                <a:noFill/>
+              </a:ln>
+              <a:solidFill>
+                <a:schemeClr val="tx1"/>
+              </a:solidFill>
+              <a:effectLst/>
+              <a:latin typeface="Times New Roman" pitchFamily="18" charset="0"/>
+              <a:cs typeface="Arial" pitchFamily="34" charset="0"/>
+            </a:endParaRPr>
+          </a:p>
+        </p:txBody>
+      </p:sp>
+      <p:cxnSp>
+        <p:nvCxnSpPr>
+          <p:cNvPr id="22" name="Straight Connector 21"/>
+          <p:cNvCxnSpPr>
+            <a:stCxn id="5" idx="3"/>
+            <a:endCxn id="6" idx="7"/>
+          </p:cNvCxnSpPr>
+          <p:nvPr/>
+        </p:nvCxnSpPr>
+        <p:spPr bwMode="auto">
+          <a:xfrm flipH="1">
+            <a:off x="4766462" y="2591116"/>
+            <a:ext cx="231741" cy="282290"/>
+          </a:xfrm>
+          <a:prstGeom prst="line">
+            <a:avLst/>
+          </a:prstGeom>
+          <a:noFill/>
+          <a:ln w="12700" cap="flat" cmpd="sng" algn="ctr">
+            <a:solidFill>
+              <a:srgbClr val="000000"/>
+            </a:solidFill>
+            <a:prstDash val="solid"/>
+            <a:round/>
+            <a:headEnd type="none" w="sm" len="sm"/>
+            <a:tailEnd type="none" w="sm" len="sm"/>
+          </a:ln>
+          <a:effectLst/>
+          <a:extLst>
+            <a:ext uri="{909E8E84-426E-40DD-AFC4-6F175D3DCCD1}">
+              <a14:hiddenFill xmlns:a14="http://schemas.microsoft.com/office/drawing/2010/main">
+                <a:solidFill>
+                  <a:schemeClr val="accent1"/>
+                </a:solidFill>
+              </a14:hiddenFill>
+            </a:ext>
+            <a:ext uri="{AF507438-7753-43E0-B8FC-AC1667EBCBE1}">
+              <a14:hiddenEffects xmlns:a14="http://schemas.microsoft.com/office/drawing/2010/main">
+                <a:effectLst>
+                  <a:outerShdw dist="35921" dir="2700000" algn="ctr" rotWithShape="0">
+                    <a:schemeClr val="bg2"/>
+                  </a:outerShdw>
+                </a:effectLst>
+              </a14:hiddenEffects>
+            </a:ext>
+          </a:extLst>
+        </p:spPr>
+      </p:cxnSp>
+      <p:cxnSp>
+        <p:nvCxnSpPr>
+          <p:cNvPr id="23" name="Straight Connector 22"/>
+          <p:cNvCxnSpPr>
+            <a:stCxn id="6" idx="3"/>
+            <a:endCxn id="9" idx="0"/>
+          </p:cNvCxnSpPr>
+          <p:nvPr/>
+        </p:nvCxnSpPr>
+        <p:spPr bwMode="auto">
+          <a:xfrm flipH="1">
+            <a:off x="4557225" y="2981170"/>
+            <a:ext cx="101473" cy="249032"/>
+          </a:xfrm>
+          <a:prstGeom prst="line">
+            <a:avLst/>
+          </a:prstGeom>
+          <a:noFill/>
+          <a:ln w="12700" cap="flat" cmpd="sng" algn="ctr">
+            <a:solidFill>
+              <a:srgbClr val="000000"/>
+            </a:solidFill>
+            <a:prstDash val="solid"/>
+            <a:round/>
+            <a:headEnd type="none" w="sm" len="sm"/>
+            <a:tailEnd type="none" w="sm" len="sm"/>
+          </a:ln>
+          <a:effectLst/>
+          <a:extLst>
+            <a:ext uri="{909E8E84-426E-40DD-AFC4-6F175D3DCCD1}">
+              <a14:hiddenFill xmlns:a14="http://schemas.microsoft.com/office/drawing/2010/main">
+                <a:solidFill>
+                  <a:schemeClr val="accent1"/>
+                </a:solidFill>
+              </a14:hiddenFill>
+            </a:ext>
+            <a:ext uri="{AF507438-7753-43E0-B8FC-AC1667EBCBE1}">
+              <a14:hiddenEffects xmlns:a14="http://schemas.microsoft.com/office/drawing/2010/main">
+                <a:effectLst>
+                  <a:outerShdw dist="35921" dir="2700000" algn="ctr" rotWithShape="0">
+                    <a:schemeClr val="bg2"/>
+                  </a:outerShdw>
+                </a:effectLst>
+              </a14:hiddenEffects>
+            </a:ext>
+          </a:extLst>
+        </p:spPr>
+      </p:cxnSp>
+      <p:cxnSp>
+        <p:nvCxnSpPr>
+          <p:cNvPr id="24" name="Straight Connector 23"/>
+          <p:cNvCxnSpPr>
+            <a:stCxn id="9" idx="3"/>
+            <a:endCxn id="8" idx="0"/>
+          </p:cNvCxnSpPr>
+          <p:nvPr/>
+        </p:nvCxnSpPr>
+        <p:spPr bwMode="auto">
+          <a:xfrm flipH="1">
+            <a:off x="4312970" y="3360284"/>
+            <a:ext cx="190373" cy="293732"/>
+          </a:xfrm>
+          <a:prstGeom prst="line">
+            <a:avLst/>
+          </a:prstGeom>
+          <a:noFill/>
+          <a:ln w="12700" cap="flat" cmpd="sng" algn="ctr">
+            <a:solidFill>
+              <a:srgbClr val="000000"/>
+            </a:solidFill>
+            <a:prstDash val="solid"/>
+            <a:round/>
+            <a:headEnd type="none" w="sm" len="sm"/>
+            <a:tailEnd type="none" w="sm" len="sm"/>
+          </a:ln>
+          <a:effectLst/>
+          <a:extLst>
+            <a:ext uri="{909E8E84-426E-40DD-AFC4-6F175D3DCCD1}">
+              <a14:hiddenFill xmlns:a14="http://schemas.microsoft.com/office/drawing/2010/main">
+                <a:solidFill>
+                  <a:schemeClr val="accent1"/>
+                </a:solidFill>
+              </a14:hiddenFill>
+            </a:ext>
+            <a:ext uri="{AF507438-7753-43E0-B8FC-AC1667EBCBE1}">
+              <a14:hiddenEffects xmlns:a14="http://schemas.microsoft.com/office/drawing/2010/main">
+                <a:effectLst>
+                  <a:outerShdw dist="35921" dir="2700000" algn="ctr" rotWithShape="0">
+                    <a:schemeClr val="bg2"/>
+                  </a:outerShdw>
+                </a:effectLst>
+              </a14:hiddenEffects>
+            </a:ext>
+          </a:extLst>
+        </p:spPr>
+      </p:cxnSp>
+      <p:cxnSp>
+        <p:nvCxnSpPr>
+          <p:cNvPr id="25" name="Straight Connector 24"/>
+          <p:cNvCxnSpPr>
+            <a:stCxn id="7" idx="1"/>
+            <a:endCxn id="5" idx="5"/>
+          </p:cNvCxnSpPr>
+          <p:nvPr/>
+        </p:nvCxnSpPr>
+        <p:spPr bwMode="auto">
+          <a:xfrm flipH="1" flipV="1">
+            <a:off x="5105967" y="2591116"/>
+            <a:ext cx="247396" cy="304608"/>
+          </a:xfrm>
+          <a:prstGeom prst="line">
+            <a:avLst/>
+          </a:prstGeom>
+          <a:noFill/>
+          <a:ln w="12700" cap="flat" cmpd="sng" algn="ctr">
+            <a:solidFill>
+              <a:srgbClr val="000000"/>
+            </a:solidFill>
+            <a:prstDash val="solid"/>
+            <a:round/>
+            <a:headEnd type="none" w="sm" len="sm"/>
+            <a:tailEnd type="none" w="sm" len="sm"/>
+          </a:ln>
+          <a:effectLst/>
+          <a:extLst>
+            <a:ext uri="{909E8E84-426E-40DD-AFC4-6F175D3DCCD1}">
+              <a14:hiddenFill xmlns:a14="http://schemas.microsoft.com/office/drawing/2010/main">
+                <a:solidFill>
+                  <a:schemeClr val="accent1"/>
+                </a:solidFill>
+              </a14:hiddenFill>
+            </a:ext>
+            <a:ext uri="{AF507438-7753-43E0-B8FC-AC1667EBCBE1}">
+              <a14:hiddenEffects xmlns:a14="http://schemas.microsoft.com/office/drawing/2010/main">
+                <a:effectLst>
+                  <a:outerShdw dist="35921" dir="2700000" algn="ctr" rotWithShape="0">
+                    <a:schemeClr val="bg2"/>
+                  </a:outerShdw>
+                </a:effectLst>
+              </a14:hiddenEffects>
+            </a:ext>
+          </a:extLst>
+        </p:spPr>
+      </p:cxnSp>
+      <p:cxnSp>
+        <p:nvCxnSpPr>
+          <p:cNvPr id="26" name="Straight Connector 25"/>
+          <p:cNvCxnSpPr>
+            <a:stCxn id="7" idx="3"/>
+            <a:endCxn id="10" idx="0"/>
+          </p:cNvCxnSpPr>
+          <p:nvPr/>
+        </p:nvCxnSpPr>
+        <p:spPr bwMode="auto">
+          <a:xfrm flipH="1">
+            <a:off x="5280685" y="3003488"/>
+            <a:ext cx="72678" cy="248530"/>
+          </a:xfrm>
+          <a:prstGeom prst="line">
+            <a:avLst/>
+          </a:prstGeom>
+          <a:noFill/>
+          <a:ln w="12700" cap="flat" cmpd="sng" algn="ctr">
+            <a:solidFill>
+              <a:srgbClr val="000000"/>
+            </a:solidFill>
+            <a:prstDash val="solid"/>
+            <a:round/>
+            <a:headEnd type="none" w="sm" len="sm"/>
+            <a:tailEnd type="none" w="sm" len="sm"/>
+          </a:ln>
+          <a:effectLst/>
+          <a:extLst>
+            <a:ext uri="{909E8E84-426E-40DD-AFC4-6F175D3DCCD1}">
+              <a14:hiddenFill xmlns:a14="http://schemas.microsoft.com/office/drawing/2010/main">
+                <a:solidFill>
+                  <a:schemeClr val="accent1"/>
+                </a:solidFill>
+              </a14:hiddenFill>
+            </a:ext>
+            <a:ext uri="{AF507438-7753-43E0-B8FC-AC1667EBCBE1}">
+              <a14:hiddenEffects xmlns:a14="http://schemas.microsoft.com/office/drawing/2010/main">
+                <a:effectLst>
+                  <a:outerShdw dist="35921" dir="2700000" algn="ctr" rotWithShape="0">
+                    <a:schemeClr val="bg2"/>
+                  </a:outerShdw>
+                </a:effectLst>
+              </a14:hiddenEffects>
+            </a:ext>
+          </a:extLst>
+        </p:spPr>
+      </p:cxnSp>
+      <p:cxnSp>
+        <p:nvCxnSpPr>
+          <p:cNvPr id="27" name="Straight Connector 26"/>
+          <p:cNvCxnSpPr>
+            <a:stCxn id="10" idx="4"/>
+            <a:endCxn id="18" idx="0"/>
+          </p:cNvCxnSpPr>
+          <p:nvPr/>
+        </p:nvCxnSpPr>
+        <p:spPr bwMode="auto">
+          <a:xfrm>
+            <a:off x="5280685" y="3404418"/>
+            <a:ext cx="0" cy="253182"/>
+          </a:xfrm>
+          <a:prstGeom prst="line">
+            <a:avLst/>
+          </a:prstGeom>
+          <a:noFill/>
+          <a:ln w="12700" cap="flat" cmpd="sng" algn="ctr">
+            <a:solidFill>
+              <a:srgbClr val="000000"/>
+            </a:solidFill>
+            <a:prstDash val="solid"/>
+            <a:round/>
+            <a:headEnd type="none" w="sm" len="sm"/>
+            <a:tailEnd type="none" w="sm" len="sm"/>
+          </a:ln>
+          <a:effectLst/>
+          <a:extLst>
+            <a:ext uri="{909E8E84-426E-40DD-AFC4-6F175D3DCCD1}">
+              <a14:hiddenFill xmlns:a14="http://schemas.microsoft.com/office/drawing/2010/main">
+                <a:solidFill>
+                  <a:schemeClr val="accent1"/>
+                </a:solidFill>
+              </a14:hiddenFill>
+            </a:ext>
+            <a:ext uri="{AF507438-7753-43E0-B8FC-AC1667EBCBE1}">
+              <a14:hiddenEffects xmlns:a14="http://schemas.microsoft.com/office/drawing/2010/main">
+                <a:effectLst>
+                  <a:outerShdw dist="35921" dir="2700000" algn="ctr" rotWithShape="0">
+                    <a:schemeClr val="bg2"/>
+                  </a:outerShdw>
+                </a:effectLst>
+              </a14:hiddenEffects>
+            </a:ext>
+          </a:extLst>
+        </p:spPr>
+      </p:cxnSp>
+      <p:cxnSp>
+        <p:nvCxnSpPr>
+          <p:cNvPr id="28" name="Straight Connector 27"/>
+          <p:cNvCxnSpPr>
+            <a:stCxn id="11" idx="3"/>
+          </p:cNvCxnSpPr>
+          <p:nvPr/>
+        </p:nvCxnSpPr>
+        <p:spPr bwMode="auto">
+          <a:xfrm flipH="1">
+            <a:off x="4691356" y="3360284"/>
+            <a:ext cx="119742" cy="297316"/>
+          </a:xfrm>
+          <a:prstGeom prst="line">
+            <a:avLst/>
+          </a:prstGeom>
+          <a:noFill/>
+          <a:ln w="12700" cap="flat" cmpd="sng" algn="ctr">
+            <a:solidFill>
+              <a:srgbClr val="000000"/>
+            </a:solidFill>
+            <a:prstDash val="solid"/>
+            <a:round/>
+            <a:headEnd type="none" w="sm" len="sm"/>
+            <a:tailEnd type="none" w="sm" len="sm"/>
+          </a:ln>
+          <a:effectLst/>
+          <a:extLst>
+            <a:ext uri="{909E8E84-426E-40DD-AFC4-6F175D3DCCD1}">
+              <a14:hiddenFill xmlns:a14="http://schemas.microsoft.com/office/drawing/2010/main">
+                <a:solidFill>
+                  <a:schemeClr val="accent1"/>
+                </a:solidFill>
+              </a14:hiddenFill>
+            </a:ext>
+            <a:ext uri="{AF507438-7753-43E0-B8FC-AC1667EBCBE1}">
+              <a14:hiddenEffects xmlns:a14="http://schemas.microsoft.com/office/drawing/2010/main">
+                <a:effectLst>
+                  <a:outerShdw dist="35921" dir="2700000" algn="ctr" rotWithShape="0">
+                    <a:schemeClr val="bg2"/>
+                  </a:outerShdw>
+                </a:effectLst>
+              </a14:hiddenEffects>
+            </a:ext>
+          </a:extLst>
+        </p:spPr>
+      </p:cxnSp>
+      <p:cxnSp>
+        <p:nvCxnSpPr>
+          <p:cNvPr id="29" name="Straight Connector 28"/>
+          <p:cNvCxnSpPr>
+            <a:stCxn id="6" idx="5"/>
+            <a:endCxn id="11" idx="0"/>
+          </p:cNvCxnSpPr>
+          <p:nvPr/>
+        </p:nvCxnSpPr>
+        <p:spPr bwMode="auto">
+          <a:xfrm>
+            <a:off x="4766462" y="2981170"/>
+            <a:ext cx="98518" cy="249032"/>
+          </a:xfrm>
+          <a:prstGeom prst="line">
+            <a:avLst/>
+          </a:prstGeom>
+          <a:noFill/>
+          <a:ln w="12700" cap="flat" cmpd="sng" algn="ctr">
+            <a:solidFill>
+              <a:srgbClr val="000000"/>
+            </a:solidFill>
+            <a:prstDash val="solid"/>
+            <a:round/>
+            <a:headEnd type="none" w="sm" len="sm"/>
+            <a:tailEnd type="none" w="sm" len="sm"/>
+          </a:ln>
+          <a:effectLst/>
+          <a:extLst>
+            <a:ext uri="{909E8E84-426E-40DD-AFC4-6F175D3DCCD1}">
+              <a14:hiddenFill xmlns:a14="http://schemas.microsoft.com/office/drawing/2010/main">
+                <a:solidFill>
+                  <a:schemeClr val="accent1"/>
+                </a:solidFill>
+              </a14:hiddenFill>
+            </a:ext>
+            <a:ext uri="{AF507438-7753-43E0-B8FC-AC1667EBCBE1}">
+              <a14:hiddenEffects xmlns:a14="http://schemas.microsoft.com/office/drawing/2010/main">
+                <a:effectLst>
+                  <a:outerShdw dist="35921" dir="2700000" algn="ctr" rotWithShape="0">
+                    <a:schemeClr val="bg2"/>
+                  </a:outerShdw>
+                </a:effectLst>
+              </a14:hiddenEffects>
+            </a:ext>
+          </a:extLst>
+        </p:spPr>
+      </p:cxnSp>
+      <p:cxnSp>
+        <p:nvCxnSpPr>
+          <p:cNvPr id="30" name="Straight Connector 29"/>
+          <p:cNvCxnSpPr>
+            <a:stCxn id="12" idx="4"/>
+            <a:endCxn id="20" idx="0"/>
+          </p:cNvCxnSpPr>
+          <p:nvPr/>
+        </p:nvCxnSpPr>
+        <p:spPr bwMode="auto">
+          <a:xfrm>
+            <a:off x="5585485" y="3404418"/>
+            <a:ext cx="53315" cy="256766"/>
+          </a:xfrm>
+          <a:prstGeom prst="line">
+            <a:avLst/>
+          </a:prstGeom>
+          <a:noFill/>
+          <a:ln w="12700" cap="flat" cmpd="sng" algn="ctr">
+            <a:solidFill>
+              <a:srgbClr val="000000"/>
+            </a:solidFill>
+            <a:prstDash val="solid"/>
+            <a:round/>
+            <a:headEnd type="none" w="sm" len="sm"/>
+            <a:tailEnd type="none" w="sm" len="sm"/>
+          </a:ln>
+          <a:effectLst/>
+          <a:extLst>
+            <a:ext uri="{909E8E84-426E-40DD-AFC4-6F175D3DCCD1}">
+              <a14:hiddenFill xmlns:a14="http://schemas.microsoft.com/office/drawing/2010/main">
+                <a:solidFill>
+                  <a:schemeClr val="accent1"/>
+                </a:solidFill>
+              </a14:hiddenFill>
+            </a:ext>
+            <a:ext uri="{AF507438-7753-43E0-B8FC-AC1667EBCBE1}">
+              <a14:hiddenEffects xmlns:a14="http://schemas.microsoft.com/office/drawing/2010/main">
+                <a:effectLst>
+                  <a:outerShdw dist="35921" dir="2700000" algn="ctr" rotWithShape="0">
+                    <a:schemeClr val="bg2"/>
+                  </a:outerShdw>
+                </a:effectLst>
+              </a14:hiddenEffects>
+            </a:ext>
+          </a:extLst>
+        </p:spPr>
+      </p:cxnSp>
+      <p:cxnSp>
+        <p:nvCxnSpPr>
+          <p:cNvPr id="31" name="Straight Connector 30"/>
+          <p:cNvCxnSpPr>
+            <a:stCxn id="9" idx="4"/>
+            <a:endCxn id="13" idx="0"/>
+          </p:cNvCxnSpPr>
+          <p:nvPr/>
+        </p:nvCxnSpPr>
+        <p:spPr bwMode="auto">
+          <a:xfrm flipH="1">
+            <a:off x="4515730" y="3382602"/>
+            <a:ext cx="41495" cy="271414"/>
+          </a:xfrm>
+          <a:prstGeom prst="line">
+            <a:avLst/>
+          </a:prstGeom>
+          <a:noFill/>
+          <a:ln w="12700" cap="flat" cmpd="sng" algn="ctr">
+            <a:solidFill>
+              <a:srgbClr val="000000"/>
+            </a:solidFill>
+            <a:prstDash val="solid"/>
+            <a:round/>
+            <a:headEnd type="none" w="sm" len="sm"/>
+            <a:tailEnd type="none" w="sm" len="sm"/>
+          </a:ln>
+          <a:effectLst/>
+          <a:extLst>
+            <a:ext uri="{909E8E84-426E-40DD-AFC4-6F175D3DCCD1}">
+              <a14:hiddenFill xmlns:a14="http://schemas.microsoft.com/office/drawing/2010/main">
+                <a:solidFill>
+                  <a:schemeClr val="accent1"/>
+                </a:solidFill>
+              </a14:hiddenFill>
+            </a:ext>
+            <a:ext uri="{AF507438-7753-43E0-B8FC-AC1667EBCBE1}">
+              <a14:hiddenEffects xmlns:a14="http://schemas.microsoft.com/office/drawing/2010/main">
+                <a:effectLst>
+                  <a:outerShdw dist="35921" dir="2700000" algn="ctr" rotWithShape="0">
+                    <a:schemeClr val="bg2"/>
+                  </a:outerShdw>
+                </a:effectLst>
+              </a14:hiddenEffects>
+            </a:ext>
+          </a:extLst>
+        </p:spPr>
+      </p:cxnSp>
+      <p:cxnSp>
+        <p:nvCxnSpPr>
+          <p:cNvPr id="32" name="Straight Connector 31"/>
+          <p:cNvCxnSpPr>
+            <a:stCxn id="11" idx="4"/>
+            <a:endCxn id="15" idx="0"/>
+          </p:cNvCxnSpPr>
+          <p:nvPr/>
+        </p:nvCxnSpPr>
+        <p:spPr bwMode="auto">
+          <a:xfrm>
+            <a:off x="4864980" y="3382602"/>
+            <a:ext cx="34705" cy="274998"/>
+          </a:xfrm>
+          <a:prstGeom prst="line">
+            <a:avLst/>
+          </a:prstGeom>
+          <a:noFill/>
+          <a:ln w="12700" cap="flat" cmpd="sng" algn="ctr">
+            <a:solidFill>
+              <a:srgbClr val="000000"/>
+            </a:solidFill>
+            <a:prstDash val="solid"/>
+            <a:round/>
+            <a:headEnd type="none" w="sm" len="sm"/>
+            <a:tailEnd type="none" w="sm" len="sm"/>
+          </a:ln>
+          <a:effectLst/>
+          <a:extLst>
+            <a:ext uri="{909E8E84-426E-40DD-AFC4-6F175D3DCCD1}">
+              <a14:hiddenFill xmlns:a14="http://schemas.microsoft.com/office/drawing/2010/main">
+                <a:solidFill>
+                  <a:schemeClr val="accent1"/>
+                </a:solidFill>
+              </a14:hiddenFill>
+            </a:ext>
+            <a:ext uri="{AF507438-7753-43E0-B8FC-AC1667EBCBE1}">
+              <a14:hiddenEffects xmlns:a14="http://schemas.microsoft.com/office/drawing/2010/main">
+                <a:effectLst>
+                  <a:outerShdw dist="35921" dir="2700000" algn="ctr" rotWithShape="0">
+                    <a:schemeClr val="bg2"/>
+                  </a:outerShdw>
+                </a:effectLst>
+              </a14:hiddenEffects>
+            </a:ext>
+          </a:extLst>
+        </p:spPr>
+      </p:cxnSp>
+      <p:cxnSp>
+        <p:nvCxnSpPr>
+          <p:cNvPr id="33" name="Straight Connector 32"/>
+          <p:cNvCxnSpPr>
+            <a:stCxn id="10" idx="5"/>
+            <a:endCxn id="19" idx="0"/>
+          </p:cNvCxnSpPr>
+          <p:nvPr/>
+        </p:nvCxnSpPr>
+        <p:spPr bwMode="auto">
+          <a:xfrm>
+            <a:off x="5334567" y="3382100"/>
+            <a:ext cx="148878" cy="275500"/>
+          </a:xfrm>
+          <a:prstGeom prst="line">
+            <a:avLst/>
+          </a:prstGeom>
+          <a:noFill/>
+          <a:ln w="12700" cap="flat" cmpd="sng" algn="ctr">
+            <a:solidFill>
+              <a:srgbClr val="000000"/>
+            </a:solidFill>
+            <a:prstDash val="solid"/>
+            <a:round/>
+            <a:headEnd type="none" w="sm" len="sm"/>
+            <a:tailEnd type="none" w="sm" len="sm"/>
+          </a:ln>
+          <a:effectLst/>
+          <a:extLst>
+            <a:ext uri="{909E8E84-426E-40DD-AFC4-6F175D3DCCD1}">
+              <a14:hiddenFill xmlns:a14="http://schemas.microsoft.com/office/drawing/2010/main">
+                <a:solidFill>
+                  <a:schemeClr val="accent1"/>
+                </a:solidFill>
+              </a14:hiddenFill>
+            </a:ext>
+            <a:ext uri="{AF507438-7753-43E0-B8FC-AC1667EBCBE1}">
+              <a14:hiddenEffects xmlns:a14="http://schemas.microsoft.com/office/drawing/2010/main">
+                <a:effectLst>
+                  <a:outerShdw dist="35921" dir="2700000" algn="ctr" rotWithShape="0">
+                    <a:schemeClr val="bg2"/>
+                  </a:outerShdw>
+                </a:effectLst>
+              </a14:hiddenEffects>
+            </a:ext>
+          </a:extLst>
+        </p:spPr>
+      </p:cxnSp>
+      <p:cxnSp>
+        <p:nvCxnSpPr>
+          <p:cNvPr id="34" name="Straight Connector 33"/>
+          <p:cNvCxnSpPr>
+            <a:stCxn id="7" idx="5"/>
+            <a:endCxn id="12" idx="0"/>
+          </p:cNvCxnSpPr>
+          <p:nvPr/>
+        </p:nvCxnSpPr>
+        <p:spPr bwMode="auto">
+          <a:xfrm>
+            <a:off x="5461127" y="3003488"/>
+            <a:ext cx="124358" cy="248530"/>
+          </a:xfrm>
+          <a:prstGeom prst="line">
+            <a:avLst/>
+          </a:prstGeom>
+          <a:noFill/>
+          <a:ln w="12700" cap="flat" cmpd="sng" algn="ctr">
+            <a:solidFill>
+              <a:srgbClr val="000000"/>
+            </a:solidFill>
+            <a:prstDash val="solid"/>
+            <a:round/>
+            <a:headEnd type="none" w="sm" len="sm"/>
+            <a:tailEnd type="none" w="sm" len="sm"/>
+          </a:ln>
+          <a:effectLst/>
+          <a:extLst>
+            <a:ext uri="{909E8E84-426E-40DD-AFC4-6F175D3DCCD1}">
+              <a14:hiddenFill xmlns:a14="http://schemas.microsoft.com/office/drawing/2010/main">
+                <a:solidFill>
+                  <a:schemeClr val="accent1"/>
+                </a:solidFill>
+              </a14:hiddenFill>
+            </a:ext>
+            <a:ext uri="{AF507438-7753-43E0-B8FC-AC1667EBCBE1}">
+              <a14:hiddenEffects xmlns:a14="http://schemas.microsoft.com/office/drawing/2010/main">
+                <a:effectLst>
+                  <a:outerShdw dist="35921" dir="2700000" algn="ctr" rotWithShape="0">
+                    <a:schemeClr val="bg2"/>
+                  </a:outerShdw>
+                </a:effectLst>
+              </a14:hiddenEffects>
+            </a:ext>
+          </a:extLst>
+        </p:spPr>
+      </p:cxnSp>
+      <p:cxnSp>
+        <p:nvCxnSpPr>
+          <p:cNvPr id="35" name="Straight Connector 34"/>
+          <p:cNvCxnSpPr>
+            <a:stCxn id="12" idx="5"/>
+            <a:endCxn id="21" idx="0"/>
+          </p:cNvCxnSpPr>
+          <p:nvPr/>
+        </p:nvCxnSpPr>
+        <p:spPr bwMode="auto">
+          <a:xfrm>
+            <a:off x="5639367" y="3382100"/>
+            <a:ext cx="228033" cy="279084"/>
+          </a:xfrm>
+          <a:prstGeom prst="line">
+            <a:avLst/>
+          </a:prstGeom>
+          <a:noFill/>
+          <a:ln w="12700" cap="flat" cmpd="sng" algn="ctr">
+            <a:solidFill>
+              <a:srgbClr val="000000"/>
+            </a:solidFill>
+            <a:prstDash val="solid"/>
+            <a:round/>
+            <a:headEnd type="none" w="sm" len="sm"/>
+            <a:tailEnd type="none" w="sm" len="sm"/>
+          </a:ln>
+          <a:effectLst/>
+          <a:extLst>
+            <a:ext uri="{909E8E84-426E-40DD-AFC4-6F175D3DCCD1}">
+              <a14:hiddenFill xmlns:a14="http://schemas.microsoft.com/office/drawing/2010/main">
+                <a:solidFill>
+                  <a:schemeClr val="accent1"/>
+                </a:solidFill>
+              </a14:hiddenFill>
+            </a:ext>
+            <a:ext uri="{AF507438-7753-43E0-B8FC-AC1667EBCBE1}">
+              <a14:hiddenEffects xmlns:a14="http://schemas.microsoft.com/office/drawing/2010/main">
+                <a:effectLst>
+                  <a:outerShdw dist="35921" dir="2700000" algn="ctr" rotWithShape="0">
+                    <a:schemeClr val="bg2"/>
+                  </a:outerShdw>
+                </a:effectLst>
+              </a14:hiddenEffects>
+            </a:ext>
+          </a:extLst>
+        </p:spPr>
+      </p:cxnSp>
+      <p:cxnSp>
+        <p:nvCxnSpPr>
+          <p:cNvPr id="37" name="Straight Connector 36"/>
+          <p:cNvCxnSpPr>
+            <a:endCxn id="5" idx="0"/>
+          </p:cNvCxnSpPr>
+          <p:nvPr/>
+        </p:nvCxnSpPr>
+        <p:spPr bwMode="auto">
+          <a:xfrm>
+            <a:off x="5052085" y="2362200"/>
+            <a:ext cx="0" cy="98834"/>
+          </a:xfrm>
+          <a:prstGeom prst="line">
+            <a:avLst/>
+          </a:prstGeom>
+          <a:noFill/>
+          <a:ln w="12700" cap="flat" cmpd="sng" algn="ctr">
+            <a:solidFill>
+              <a:srgbClr val="000000"/>
+            </a:solidFill>
+            <a:prstDash val="solid"/>
+            <a:round/>
+            <a:headEnd type="none" w="sm" len="sm"/>
+            <a:tailEnd type="none" w="sm" len="sm"/>
+          </a:ln>
+          <a:effectLst/>
+          <a:extLst>
+            <a:ext uri="{909E8E84-426E-40DD-AFC4-6F175D3DCCD1}">
+              <a14:hiddenFill xmlns:a14="http://schemas.microsoft.com/office/drawing/2010/main">
+                <a:solidFill>
+                  <a:schemeClr val="accent1"/>
+                </a:solidFill>
+              </a14:hiddenFill>
+            </a:ext>
+            <a:ext uri="{AF507438-7753-43E0-B8FC-AC1667EBCBE1}">
+              <a14:hiddenEffects xmlns:a14="http://schemas.microsoft.com/office/drawing/2010/main">
+                <a:effectLst>
+                  <a:outerShdw dist="35921" dir="2700000" algn="ctr" rotWithShape="0">
+                    <a:schemeClr val="bg2"/>
+                  </a:outerShdw>
+                </a:effectLst>
+              </a14:hiddenEffects>
+            </a:ext>
+          </a:extLst>
+        </p:spPr>
+      </p:cxnSp>
+      <p:cxnSp>
+        <p:nvCxnSpPr>
+          <p:cNvPr id="39" name="Straight Connector 38"/>
+          <p:cNvCxnSpPr>
+            <a:stCxn id="8" idx="3"/>
+            <a:endCxn id="42" idx="0"/>
+          </p:cNvCxnSpPr>
+          <p:nvPr/>
+        </p:nvCxnSpPr>
+        <p:spPr bwMode="auto">
+          <a:xfrm flipH="1">
+            <a:off x="4075503" y="3784098"/>
+            <a:ext cx="183585" cy="197352"/>
+          </a:xfrm>
+          <a:prstGeom prst="line">
+            <a:avLst/>
+          </a:prstGeom>
+          <a:noFill/>
+          <a:ln w="12700" cap="flat" cmpd="sng" algn="ctr">
+            <a:solidFill>
+              <a:srgbClr val="000000"/>
+            </a:solidFill>
+            <a:prstDash val="sysDot"/>
+            <a:round/>
+            <a:headEnd type="none" w="sm" len="sm"/>
+            <a:tailEnd type="none" w="sm" len="sm"/>
+          </a:ln>
+          <a:effectLst/>
+          <a:extLst>
+            <a:ext uri="{909E8E84-426E-40DD-AFC4-6F175D3DCCD1}">
+              <a14:hiddenFill xmlns:a14="http://schemas.microsoft.com/office/drawing/2010/main">
+                <a:solidFill>
+                  <a:schemeClr val="accent1"/>
+                </a:solidFill>
+              </a14:hiddenFill>
+            </a:ext>
+            <a:ext uri="{AF507438-7753-43E0-B8FC-AC1667EBCBE1}">
+              <a14:hiddenEffects xmlns:a14="http://schemas.microsoft.com/office/drawing/2010/main">
+                <a:effectLst>
+                  <a:outerShdw dist="35921" dir="2700000" algn="ctr" rotWithShape="0">
+                    <a:schemeClr val="bg2"/>
+                  </a:outerShdw>
+                </a:effectLst>
+              </a14:hiddenEffects>
+            </a:ext>
+          </a:extLst>
+        </p:spPr>
+      </p:cxnSp>
+      <p:cxnSp>
+        <p:nvCxnSpPr>
+          <p:cNvPr id="40" name="Straight Connector 39"/>
+          <p:cNvCxnSpPr>
+            <a:stCxn id="18" idx="4"/>
+          </p:cNvCxnSpPr>
+          <p:nvPr/>
+        </p:nvCxnSpPr>
+        <p:spPr bwMode="auto">
+          <a:xfrm flipH="1">
+            <a:off x="5275964" y="3810000"/>
+            <a:ext cx="4721" cy="152400"/>
+          </a:xfrm>
+          <a:prstGeom prst="line">
+            <a:avLst/>
+          </a:prstGeom>
+          <a:noFill/>
+          <a:ln w="12700" cap="flat" cmpd="sng" algn="ctr">
+            <a:solidFill>
+              <a:srgbClr val="000000"/>
+            </a:solidFill>
+            <a:prstDash val="sysDot"/>
+            <a:round/>
+            <a:headEnd type="none" w="sm" len="sm"/>
+            <a:tailEnd type="none" w="sm" len="sm"/>
+          </a:ln>
+          <a:effectLst/>
+          <a:extLst>
+            <a:ext uri="{909E8E84-426E-40DD-AFC4-6F175D3DCCD1}">
+              <a14:hiddenFill xmlns:a14="http://schemas.microsoft.com/office/drawing/2010/main">
+                <a:solidFill>
+                  <a:schemeClr val="accent1"/>
+                </a:solidFill>
+              </a14:hiddenFill>
+            </a:ext>
+            <a:ext uri="{AF507438-7753-43E0-B8FC-AC1667EBCBE1}">
+              <a14:hiddenEffects xmlns:a14="http://schemas.microsoft.com/office/drawing/2010/main">
+                <a:effectLst>
+                  <a:outerShdw dist="35921" dir="2700000" algn="ctr" rotWithShape="0">
+                    <a:schemeClr val="bg2"/>
+                  </a:outerShdw>
+                </a:effectLst>
+              </a14:hiddenEffects>
+            </a:ext>
+          </a:extLst>
+        </p:spPr>
+      </p:cxnSp>
+      <p:cxnSp>
+        <p:nvCxnSpPr>
+          <p:cNvPr id="41" name="Straight Connector 40"/>
+          <p:cNvCxnSpPr>
+            <a:stCxn id="20" idx="4"/>
+          </p:cNvCxnSpPr>
+          <p:nvPr/>
+        </p:nvCxnSpPr>
+        <p:spPr bwMode="auto">
+          <a:xfrm>
+            <a:off x="5638800" y="3813584"/>
+            <a:ext cx="67733" cy="148816"/>
+          </a:xfrm>
+          <a:prstGeom prst="line">
+            <a:avLst/>
+          </a:prstGeom>
+          <a:noFill/>
+          <a:ln w="12700" cap="flat" cmpd="sng" algn="ctr">
+            <a:solidFill>
+              <a:srgbClr val="000000"/>
+            </a:solidFill>
+            <a:prstDash val="sysDot"/>
+            <a:round/>
+            <a:headEnd type="none" w="sm" len="sm"/>
+            <a:tailEnd type="none" w="sm" len="sm"/>
+          </a:ln>
+          <a:effectLst/>
+          <a:extLst>
+            <a:ext uri="{909E8E84-426E-40DD-AFC4-6F175D3DCCD1}">
+              <a14:hiddenFill xmlns:a14="http://schemas.microsoft.com/office/drawing/2010/main">
+                <a:solidFill>
+                  <a:schemeClr val="accent1"/>
+                </a:solidFill>
+              </a14:hiddenFill>
+            </a:ext>
+            <a:ext uri="{AF507438-7753-43E0-B8FC-AC1667EBCBE1}">
+              <a14:hiddenEffects xmlns:a14="http://schemas.microsoft.com/office/drawing/2010/main">
+                <a:effectLst>
+                  <a:outerShdw dist="35921" dir="2700000" algn="ctr" rotWithShape="0">
+                    <a:schemeClr val="bg2"/>
+                  </a:outerShdw>
+                </a:effectLst>
+              </a14:hiddenEffects>
+            </a:ext>
+          </a:extLst>
+        </p:spPr>
+      </p:cxnSp>
+      <p:sp>
+        <p:nvSpPr>
+          <p:cNvPr id="4" name="Rectangle 3"/>
+          <p:cNvSpPr/>
+          <p:nvPr/>
+        </p:nvSpPr>
+        <p:spPr>
+          <a:xfrm>
+            <a:off x="4992547" y="2209800"/>
+            <a:ext cx="117695" cy="152400"/>
+          </a:xfrm>
+          <a:prstGeom prst="rect">
+            <a:avLst/>
+          </a:prstGeom>
+          <a:solidFill>
+            <a:srgbClr val="FF0000"/>
+          </a:solidFill>
+          <a:ln w="6350">
+            <a:solidFill>
+              <a:schemeClr val="tx1"/>
+            </a:solidFill>
+          </a:ln>
+        </p:spPr>
+        <p:style>
+          <a:lnRef idx="2">
+            <a:schemeClr val="accent1">
+              <a:shade val="50000"/>
+            </a:schemeClr>
+          </a:lnRef>
+          <a:fillRef idx="1">
+            <a:schemeClr val="accent1"/>
+          </a:fillRef>
+          <a:effectRef idx="0">
+            <a:schemeClr val="accent1"/>
+          </a:effectRef>
+          <a:fontRef idx="minor">
+            <a:schemeClr val="lt1"/>
+          </a:fontRef>
+        </p:style>
+        <p:txBody>
+          <a:bodyPr rtlCol="0" anchor="ctr"/>
+          <a:lstStyle/>
+          <a:p>
+            <a:pPr algn="ctr"/>
+            <a:endParaRPr lang="en-US"/>
+          </a:p>
+        </p:txBody>
+      </p:sp>
+      <p:sp>
+        <p:nvSpPr>
+          <p:cNvPr id="42" name="Isosceles Triangle 41"/>
+          <p:cNvSpPr/>
+          <p:nvPr/>
+        </p:nvSpPr>
+        <p:spPr>
+          <a:xfrm>
+            <a:off x="4016435" y="3981450"/>
+            <a:ext cx="118135" cy="152400"/>
+          </a:xfrm>
+          <a:prstGeom prst="triangle">
+            <a:avLst/>
+          </a:prstGeom>
+          <a:solidFill>
+            <a:srgbClr val="FFFF00"/>
+          </a:solidFill>
+          <a:ln w="9525">
+            <a:solidFill>
+              <a:schemeClr val="tx1"/>
+            </a:solidFill>
+          </a:ln>
+        </p:spPr>
+        <p:style>
+          <a:lnRef idx="2">
+            <a:schemeClr val="accent1">
+              <a:shade val="50000"/>
+            </a:schemeClr>
+          </a:lnRef>
+          <a:fillRef idx="1">
+            <a:schemeClr val="accent1"/>
+          </a:fillRef>
+          <a:effectRef idx="0">
+            <a:schemeClr val="accent1"/>
+          </a:effectRef>
+          <a:fontRef idx="minor">
+            <a:schemeClr val="lt1"/>
+          </a:fontRef>
+        </p:style>
+        <p:txBody>
+          <a:bodyPr rtlCol="0" anchor="ctr"/>
+          <a:lstStyle/>
+          <a:p>
+            <a:pPr algn="ctr"/>
+            <a:endParaRPr lang="en-US"/>
+          </a:p>
+        </p:txBody>
+      </p:sp>
+      <p:sp>
+        <p:nvSpPr>
+          <p:cNvPr id="44" name="Isosceles Triangle 43"/>
+          <p:cNvSpPr/>
+          <p:nvPr/>
+        </p:nvSpPr>
+        <p:spPr>
+          <a:xfrm>
+            <a:off x="5673065" y="3981450"/>
+            <a:ext cx="118135" cy="152400"/>
+          </a:xfrm>
+          <a:prstGeom prst="triangle">
+            <a:avLst/>
+          </a:prstGeom>
+          <a:solidFill>
+            <a:srgbClr val="FFFF00"/>
+          </a:solidFill>
+          <a:ln w="9525">
+            <a:solidFill>
+              <a:schemeClr val="tx1"/>
+            </a:solidFill>
+          </a:ln>
+        </p:spPr>
+        <p:style>
+          <a:lnRef idx="2">
+            <a:schemeClr val="accent1">
+              <a:shade val="50000"/>
+            </a:schemeClr>
+          </a:lnRef>
+          <a:fillRef idx="1">
+            <a:schemeClr val="accent1"/>
+          </a:fillRef>
+          <a:effectRef idx="0">
+            <a:schemeClr val="accent1"/>
+          </a:effectRef>
+          <a:fontRef idx="minor">
+            <a:schemeClr val="lt1"/>
+          </a:fontRef>
+        </p:style>
+        <p:txBody>
+          <a:bodyPr rtlCol="0" anchor="ctr"/>
+          <a:lstStyle/>
+          <a:p>
+            <a:pPr algn="ctr"/>
+            <a:endParaRPr lang="en-US"/>
+          </a:p>
+        </p:txBody>
+      </p:sp>
+      <p:sp>
+        <p:nvSpPr>
+          <p:cNvPr id="45" name="Isosceles Triangle 44"/>
+          <p:cNvSpPr/>
+          <p:nvPr/>
+        </p:nvSpPr>
+        <p:spPr>
+          <a:xfrm>
+            <a:off x="5216896" y="3981450"/>
+            <a:ext cx="118135" cy="152400"/>
+          </a:xfrm>
+          <a:prstGeom prst="triangle">
+            <a:avLst/>
+          </a:prstGeom>
+          <a:solidFill>
+            <a:srgbClr val="FFFF00"/>
+          </a:solidFill>
+          <a:ln w="9525">
+            <a:solidFill>
+              <a:schemeClr val="tx1"/>
+            </a:solidFill>
+          </a:ln>
+        </p:spPr>
+        <p:style>
+          <a:lnRef idx="2">
+            <a:schemeClr val="accent1">
+              <a:shade val="50000"/>
+            </a:schemeClr>
+          </a:lnRef>
+          <a:fillRef idx="1">
+            <a:schemeClr val="accent1"/>
+          </a:fillRef>
+          <a:effectRef idx="0">
+            <a:schemeClr val="accent1"/>
+          </a:effectRef>
+          <a:fontRef idx="minor">
+            <a:schemeClr val="lt1"/>
+          </a:fontRef>
+        </p:style>
+        <p:txBody>
+          <a:bodyPr rtlCol="0" anchor="ctr"/>
+          <a:lstStyle/>
+          <a:p>
+            <a:pPr algn="ctr"/>
+            <a:endParaRPr lang="en-US"/>
+          </a:p>
+        </p:txBody>
+      </p:sp>
+      <p:sp>
+        <p:nvSpPr>
+          <p:cNvPr id="47" name="Rectangle 46"/>
+          <p:cNvSpPr/>
+          <p:nvPr/>
+        </p:nvSpPr>
+        <p:spPr>
+          <a:xfrm>
+            <a:off x="3537529" y="443300"/>
+            <a:ext cx="117695" cy="152400"/>
+          </a:xfrm>
+          <a:prstGeom prst="rect">
+            <a:avLst/>
+          </a:prstGeom>
+          <a:solidFill>
+            <a:srgbClr val="FF0000"/>
+          </a:solidFill>
+          <a:ln w="12700">
+            <a:solidFill>
+              <a:schemeClr val="tx1"/>
+            </a:solidFill>
+          </a:ln>
+        </p:spPr>
+        <p:style>
+          <a:lnRef idx="2">
+            <a:schemeClr val="accent1">
+              <a:shade val="50000"/>
+            </a:schemeClr>
+          </a:lnRef>
+          <a:fillRef idx="1">
+            <a:schemeClr val="accent1"/>
+          </a:fillRef>
+          <a:effectRef idx="0">
+            <a:schemeClr val="accent1"/>
+          </a:effectRef>
+          <a:fontRef idx="minor">
+            <a:schemeClr val="lt1"/>
+          </a:fontRef>
+        </p:style>
+        <p:txBody>
+          <a:bodyPr rtlCol="0" anchor="ctr"/>
+          <a:lstStyle/>
+          <a:p>
+            <a:pPr algn="ctr"/>
+            <a:endParaRPr lang="en-US"/>
+          </a:p>
+        </p:txBody>
+      </p:sp>
+      <p:sp>
+        <p:nvSpPr>
+          <p:cNvPr id="48" name="Oval 47"/>
+          <p:cNvSpPr/>
+          <p:nvPr/>
+        </p:nvSpPr>
+        <p:spPr bwMode="auto">
+          <a:xfrm>
+            <a:off x="3500788" y="724466"/>
+            <a:ext cx="152400" cy="152400"/>
+          </a:xfrm>
+          <a:prstGeom prst="ellipse">
+            <a:avLst/>
+          </a:prstGeom>
+          <a:solidFill>
+            <a:srgbClr val="0070C0"/>
+          </a:solidFill>
+          <a:ln w="12700" cap="flat" cmpd="sng" algn="ctr">
+            <a:solidFill>
+              <a:srgbClr val="000000"/>
+            </a:solidFill>
+            <a:prstDash val="solid"/>
+            <a:round/>
+            <a:headEnd type="none" w="sm" len="sm"/>
+            <a:tailEnd type="none" w="sm" len="sm"/>
+          </a:ln>
+          <a:effectLst/>
+          <a:extLst/>
+        </p:spPr>
+        <p:txBody>
+          <a:bodyPr vert="horz" wrap="square" lIns="91440" tIns="45720" rIns="91440" bIns="45720" numCol="1" rtlCol="0" anchor="t" anchorCtr="0" compatLnSpc="1">
+            <a:prstTxWarp prst="textNoShape">
+              <a:avLst/>
+            </a:prstTxWarp>
+          </a:bodyPr>
+          <a:lstStyle/>
+          <a:p>
+            <a:pPr marL="0" marR="0" indent="0" algn="l" defTabSz="914400" rtl="0" eaLnBrk="0" fontAlgn="base" latinLnBrk="0" hangingPunct="0">
+              <a:lnSpc>
+                <a:spcPct val="100000"/>
+              </a:lnSpc>
+              <a:spcBef>
+                <a:spcPct val="0"/>
+              </a:spcBef>
+              <a:spcAft>
+                <a:spcPct val="0"/>
+              </a:spcAft>
+              <a:buClrTx/>
+              <a:buSzTx/>
+              <a:buFontTx/>
+              <a:buNone/>
+              <a:tabLst/>
+            </a:pPr>
+            <a:endParaRPr kumimoji="0" lang="en-US" sz="1800" b="0" i="0" u="none" strike="noStrike" cap="none" normalizeH="0" baseline="0" smtClean="0">
+              <a:ln>
+                <a:noFill/>
+              </a:ln>
+              <a:solidFill>
+                <a:schemeClr val="tx1"/>
+              </a:solidFill>
+              <a:effectLst/>
+              <a:latin typeface="Times New Roman" pitchFamily="18" charset="0"/>
+              <a:cs typeface="Arial" pitchFamily="34" charset="0"/>
+            </a:endParaRPr>
+          </a:p>
+        </p:txBody>
+      </p:sp>
+      <p:sp>
+        <p:nvSpPr>
+          <p:cNvPr id="49" name="Isosceles Triangle 48"/>
+          <p:cNvSpPr/>
+          <p:nvPr/>
+        </p:nvSpPr>
+        <p:spPr>
+          <a:xfrm>
+            <a:off x="3517920" y="1029266"/>
+            <a:ext cx="118135" cy="152400"/>
+          </a:xfrm>
+          <a:prstGeom prst="triangle">
+            <a:avLst/>
+          </a:prstGeom>
+          <a:solidFill>
+            <a:srgbClr val="FFFF00"/>
+          </a:solidFill>
+          <a:ln w="12700">
+            <a:solidFill>
+              <a:schemeClr val="tx1"/>
+            </a:solidFill>
+          </a:ln>
+        </p:spPr>
+        <p:style>
+          <a:lnRef idx="2">
+            <a:schemeClr val="accent1">
+              <a:shade val="50000"/>
+            </a:schemeClr>
+          </a:lnRef>
+          <a:fillRef idx="1">
+            <a:schemeClr val="accent1"/>
+          </a:fillRef>
+          <a:effectRef idx="0">
+            <a:schemeClr val="accent1"/>
+          </a:effectRef>
+          <a:fontRef idx="minor">
+            <a:schemeClr val="lt1"/>
+          </a:fontRef>
+        </p:style>
+        <p:txBody>
+          <a:bodyPr rtlCol="0" anchor="ctr"/>
+          <a:lstStyle/>
+          <a:p>
+            <a:pPr algn="ctr"/>
+            <a:endParaRPr lang="en-US"/>
+          </a:p>
+        </p:txBody>
+      </p:sp>
+      <p:sp>
+        <p:nvSpPr>
+          <p:cNvPr id="46" name="TextBox 45"/>
+          <p:cNvSpPr txBox="1"/>
+          <p:nvPr/>
+        </p:nvSpPr>
+        <p:spPr>
+          <a:xfrm>
+            <a:off x="3810000" y="381000"/>
+            <a:ext cx="1295400" cy="276999"/>
+          </a:xfrm>
+          <a:prstGeom prst="rect">
+            <a:avLst/>
+          </a:prstGeom>
+          <a:noFill/>
+        </p:spPr>
+        <p:txBody>
+          <a:bodyPr wrap="square" rtlCol="0">
+            <a:spAutoFit/>
+          </a:bodyPr>
+          <a:lstStyle/>
+          <a:p>
+            <a:r>
+              <a:rPr lang="en-US" sz="1200" dirty="0" smtClean="0"/>
+              <a:t>Service Requester</a:t>
+            </a:r>
+            <a:endParaRPr lang="en-US" sz="1200" dirty="0"/>
+          </a:p>
+        </p:txBody>
+      </p:sp>
+      <p:sp>
+        <p:nvSpPr>
+          <p:cNvPr id="51" name="TextBox 50"/>
+          <p:cNvSpPr txBox="1"/>
+          <p:nvPr/>
+        </p:nvSpPr>
+        <p:spPr>
+          <a:xfrm>
+            <a:off x="3810000" y="640929"/>
+            <a:ext cx="1295400" cy="276999"/>
+          </a:xfrm>
+          <a:prstGeom prst="rect">
+            <a:avLst/>
+          </a:prstGeom>
+          <a:noFill/>
+        </p:spPr>
+        <p:txBody>
+          <a:bodyPr wrap="square" rtlCol="0">
+            <a:spAutoFit/>
+          </a:bodyPr>
+          <a:lstStyle/>
+          <a:p>
+            <a:pPr algn="ctr"/>
+            <a:r>
+              <a:rPr lang="en-US" sz="1200" dirty="0" smtClean="0"/>
+              <a:t>Router</a:t>
+            </a:r>
+            <a:endParaRPr lang="en-US" sz="1200" dirty="0"/>
+          </a:p>
+        </p:txBody>
+      </p:sp>
+      <p:sp>
+        <p:nvSpPr>
+          <p:cNvPr id="52" name="TextBox 51"/>
+          <p:cNvSpPr txBox="1"/>
+          <p:nvPr/>
+        </p:nvSpPr>
+        <p:spPr>
+          <a:xfrm>
+            <a:off x="3810000" y="946794"/>
+            <a:ext cx="1295400" cy="276999"/>
+          </a:xfrm>
+          <a:prstGeom prst="rect">
+            <a:avLst/>
+          </a:prstGeom>
+          <a:noFill/>
+        </p:spPr>
+        <p:txBody>
+          <a:bodyPr wrap="square" rtlCol="0">
+            <a:spAutoFit/>
+          </a:bodyPr>
+          <a:lstStyle/>
+          <a:p>
+            <a:pPr algn="ctr"/>
+            <a:r>
+              <a:rPr lang="en-US" sz="1200" dirty="0" smtClean="0"/>
+              <a:t>Service Host</a:t>
+            </a:r>
+            <a:endParaRPr lang="en-US" sz="1200" dirty="0"/>
+          </a:p>
+        </p:txBody>
+      </p:sp>
+      <p:pic>
+        <p:nvPicPr>
+          <p:cNvPr id="53" name="Picture 52"/>
+          <p:cNvPicPr>
+            <a:picLocks noChangeAspect="1"/>
+          </p:cNvPicPr>
+          <p:nvPr/>
+        </p:nvPicPr>
+        <p:blipFill>
+          <a:blip r:embed="rId2" cstate="print">
+            <a:extLst>
+              <a:ext uri="{BEBA8EAE-BF5A-486C-A8C5-ECC9F3942E4B}">
+                <a14:imgProps xmlns:a14="http://schemas.microsoft.com/office/drawing/2010/main">
+                  <a14:imgLayer r:embed="rId3">
+                    <a14:imgEffect>
+                      <a14:backgroundRemoval t="0" b="100000" l="0" r="100000">
+                        <a14:backgroundMark x1="8333" y1="7483" x2="8333" y2="7483"/>
+                        <a14:backgroundMark x1="93000" y1="4989" x2="93000" y2="4989"/>
+                        <a14:backgroundMark x1="7000" y1="91383" x2="7000" y2="91383"/>
+                        <a14:backgroundMark x1="94500" y1="91383" x2="94500" y2="91383"/>
+                      </a14:backgroundRemoval>
+                    </a14:imgEffect>
+                  </a14:imgLayer>
+                </a14:imgProps>
+              </a:ext>
+              <a:ext uri="{28A0092B-C50C-407E-A947-70E740481C1C}">
+                <a14:useLocalDpi xmlns:a14="http://schemas.microsoft.com/office/drawing/2010/main" val="0"/>
+              </a:ext>
+            </a:extLst>
+          </a:blip>
+          <a:stretch>
+            <a:fillRect/>
+          </a:stretch>
+        </p:blipFill>
+        <p:spPr>
+          <a:xfrm>
+            <a:off x="990600" y="3167182"/>
+            <a:ext cx="316027" cy="232280"/>
+          </a:xfrm>
+          <a:prstGeom prst="rect">
+            <a:avLst/>
+          </a:prstGeom>
+        </p:spPr>
+      </p:pic>
+      <p:pic>
+        <p:nvPicPr>
+          <p:cNvPr id="54" name="Picture 53"/>
+          <p:cNvPicPr>
+            <a:picLocks noChangeAspect="1"/>
+          </p:cNvPicPr>
+          <p:nvPr/>
+        </p:nvPicPr>
+        <p:blipFill>
+          <a:blip r:embed="rId2" cstate="print">
+            <a:extLst>
+              <a:ext uri="{BEBA8EAE-BF5A-486C-A8C5-ECC9F3942E4B}">
+                <a14:imgProps xmlns:a14="http://schemas.microsoft.com/office/drawing/2010/main">
+                  <a14:imgLayer r:embed="rId3">
+                    <a14:imgEffect>
+                      <a14:backgroundRemoval t="0" b="100000" l="0" r="100000">
+                        <a14:backgroundMark x1="8333" y1="7483" x2="8333" y2="7483"/>
+                        <a14:backgroundMark x1="93000" y1="4989" x2="93000" y2="4989"/>
+                        <a14:backgroundMark x1="7000" y1="91383" x2="7000" y2="91383"/>
+                        <a14:backgroundMark x1="94500" y1="91383" x2="94500" y2="91383"/>
+                      </a14:backgroundRemoval>
+                    </a14:imgEffect>
+                  </a14:imgLayer>
+                </a14:imgProps>
+              </a:ext>
+              <a:ext uri="{28A0092B-C50C-407E-A947-70E740481C1C}">
+                <a14:useLocalDpi xmlns:a14="http://schemas.microsoft.com/office/drawing/2010/main" val="0"/>
+              </a:ext>
+            </a:extLst>
+          </a:blip>
+          <a:stretch>
+            <a:fillRect/>
+          </a:stretch>
+        </p:blipFill>
+        <p:spPr>
+          <a:xfrm>
+            <a:off x="2312833" y="3149820"/>
+            <a:ext cx="316027" cy="232280"/>
+          </a:xfrm>
+          <a:prstGeom prst="rect">
+            <a:avLst/>
+          </a:prstGeom>
+        </p:spPr>
+      </p:pic>
+      <p:pic>
+        <p:nvPicPr>
+          <p:cNvPr id="55" name="Picture 54"/>
+          <p:cNvPicPr>
+            <a:picLocks noChangeAspect="1"/>
+          </p:cNvPicPr>
+          <p:nvPr/>
+        </p:nvPicPr>
+        <p:blipFill>
+          <a:blip r:embed="rId2" cstate="print">
+            <a:extLst>
+              <a:ext uri="{BEBA8EAE-BF5A-486C-A8C5-ECC9F3942E4B}">
+                <a14:imgProps xmlns:a14="http://schemas.microsoft.com/office/drawing/2010/main">
+                  <a14:imgLayer r:embed="rId3">
+                    <a14:imgEffect>
+                      <a14:backgroundRemoval t="0" b="100000" l="0" r="100000">
+                        <a14:backgroundMark x1="8333" y1="7483" x2="8333" y2="7483"/>
+                        <a14:backgroundMark x1="93000" y1="4989" x2="93000" y2="4989"/>
+                        <a14:backgroundMark x1="7000" y1="91383" x2="7000" y2="91383"/>
+                        <a14:backgroundMark x1="94500" y1="91383" x2="94500" y2="91383"/>
+                      </a14:backgroundRemoval>
+                    </a14:imgEffect>
+                  </a14:imgLayer>
+                </a14:imgProps>
+              </a:ext>
+              <a:ext uri="{28A0092B-C50C-407E-A947-70E740481C1C}">
+                <a14:useLocalDpi xmlns:a14="http://schemas.microsoft.com/office/drawing/2010/main" val="0"/>
+              </a:ext>
+            </a:extLst>
+          </a:blip>
+          <a:stretch>
+            <a:fillRect/>
+          </a:stretch>
+        </p:blipFill>
+        <p:spPr>
+          <a:xfrm>
+            <a:off x="644845" y="3621244"/>
+            <a:ext cx="316027" cy="232280"/>
+          </a:xfrm>
+          <a:prstGeom prst="rect">
+            <a:avLst/>
+          </a:prstGeom>
+        </p:spPr>
+      </p:pic>
+      <p:pic>
+        <p:nvPicPr>
+          <p:cNvPr id="56" name="Picture 55"/>
+          <p:cNvPicPr>
+            <a:picLocks noChangeAspect="1"/>
+          </p:cNvPicPr>
+          <p:nvPr/>
+        </p:nvPicPr>
+        <p:blipFill>
+          <a:blip r:embed="rId2" cstate="print">
+            <a:extLst>
+              <a:ext uri="{BEBA8EAE-BF5A-486C-A8C5-ECC9F3942E4B}">
+                <a14:imgProps xmlns:a14="http://schemas.microsoft.com/office/drawing/2010/main">
+                  <a14:imgLayer r:embed="rId3">
+                    <a14:imgEffect>
+                      <a14:backgroundRemoval t="0" b="100000" l="0" r="100000">
+                        <a14:backgroundMark x1="8333" y1="7483" x2="8333" y2="7483"/>
+                        <a14:backgroundMark x1="93000" y1="4989" x2="93000" y2="4989"/>
+                        <a14:backgroundMark x1="7000" y1="91383" x2="7000" y2="91383"/>
+                        <a14:backgroundMark x1="94500" y1="91383" x2="94500" y2="91383"/>
+                      </a14:backgroundRemoval>
+                    </a14:imgEffect>
+                  </a14:imgLayer>
+                </a14:imgProps>
+              </a:ext>
+              <a:ext uri="{28A0092B-C50C-407E-A947-70E740481C1C}">
+                <a14:useLocalDpi xmlns:a14="http://schemas.microsoft.com/office/drawing/2010/main" val="0"/>
+              </a:ext>
+            </a:extLst>
+          </a:blip>
+          <a:stretch>
+            <a:fillRect/>
+          </a:stretch>
+        </p:blipFill>
+        <p:spPr>
+          <a:xfrm>
+            <a:off x="1219200" y="3614076"/>
+            <a:ext cx="316027" cy="232280"/>
+          </a:xfrm>
+          <a:prstGeom prst="rect">
+            <a:avLst/>
+          </a:prstGeom>
+        </p:spPr>
+      </p:pic>
+      <p:pic>
+        <p:nvPicPr>
+          <p:cNvPr id="57" name="Picture 56"/>
+          <p:cNvPicPr>
+            <a:picLocks noChangeAspect="1"/>
+          </p:cNvPicPr>
+          <p:nvPr/>
+        </p:nvPicPr>
+        <p:blipFill>
+          <a:blip r:embed="rId2" cstate="print">
+            <a:extLst>
+              <a:ext uri="{BEBA8EAE-BF5A-486C-A8C5-ECC9F3942E4B}">
+                <a14:imgProps xmlns:a14="http://schemas.microsoft.com/office/drawing/2010/main">
+                  <a14:imgLayer r:embed="rId3">
+                    <a14:imgEffect>
+                      <a14:backgroundRemoval t="0" b="100000" l="0" r="100000">
+                        <a14:backgroundMark x1="8333" y1="7483" x2="8333" y2="7483"/>
+                        <a14:backgroundMark x1="93000" y1="4989" x2="93000" y2="4989"/>
+                        <a14:backgroundMark x1="7000" y1="91383" x2="7000" y2="91383"/>
+                        <a14:backgroundMark x1="94500" y1="91383" x2="94500" y2="91383"/>
+                      </a14:backgroundRemoval>
+                    </a14:imgEffect>
+                  </a14:imgLayer>
+                </a14:imgProps>
+              </a:ext>
+              <a:ext uri="{28A0092B-C50C-407E-A947-70E740481C1C}">
+                <a14:useLocalDpi xmlns:a14="http://schemas.microsoft.com/office/drawing/2010/main" val="0"/>
+              </a:ext>
+            </a:extLst>
+          </a:blip>
+          <a:stretch>
+            <a:fillRect/>
+          </a:stretch>
+        </p:blipFill>
+        <p:spPr>
+          <a:xfrm>
+            <a:off x="2007242" y="3614076"/>
+            <a:ext cx="316027" cy="232280"/>
+          </a:xfrm>
+          <a:prstGeom prst="rect">
+            <a:avLst/>
+          </a:prstGeom>
+        </p:spPr>
+      </p:pic>
+      <p:pic>
+        <p:nvPicPr>
+          <p:cNvPr id="58" name="Picture 57"/>
+          <p:cNvPicPr>
+            <a:picLocks noChangeAspect="1"/>
+          </p:cNvPicPr>
+          <p:nvPr/>
+        </p:nvPicPr>
+        <p:blipFill>
+          <a:blip r:embed="rId2" cstate="print">
+            <a:extLst>
+              <a:ext uri="{BEBA8EAE-BF5A-486C-A8C5-ECC9F3942E4B}">
+                <a14:imgProps xmlns:a14="http://schemas.microsoft.com/office/drawing/2010/main">
+                  <a14:imgLayer r:embed="rId3">
+                    <a14:imgEffect>
+                      <a14:backgroundRemoval t="0" b="100000" l="0" r="100000">
+                        <a14:backgroundMark x1="8333" y1="7483" x2="8333" y2="7483"/>
+                        <a14:backgroundMark x1="93000" y1="4989" x2="93000" y2="4989"/>
+                        <a14:backgroundMark x1="7000" y1="91383" x2="7000" y2="91383"/>
+                        <a14:backgroundMark x1="94500" y1="91383" x2="94500" y2="91383"/>
+                      </a14:backgroundRemoval>
+                    </a14:imgEffect>
+                  </a14:imgLayer>
+                </a14:imgProps>
+              </a:ext>
+              <a:ext uri="{28A0092B-C50C-407E-A947-70E740481C1C}">
+                <a14:useLocalDpi xmlns:a14="http://schemas.microsoft.com/office/drawing/2010/main" val="0"/>
+              </a:ext>
+            </a:extLst>
+          </a:blip>
+          <a:stretch>
+            <a:fillRect/>
+          </a:stretch>
+        </p:blipFill>
+        <p:spPr>
+          <a:xfrm>
+            <a:off x="2655773" y="3614076"/>
+            <a:ext cx="316027" cy="232280"/>
+          </a:xfrm>
+          <a:prstGeom prst="rect">
+            <a:avLst/>
+          </a:prstGeom>
+        </p:spPr>
+      </p:pic>
+      <p:pic>
+        <p:nvPicPr>
+          <p:cNvPr id="59" name="Picture 58"/>
+          <p:cNvPicPr>
+            <a:picLocks noChangeAspect="1"/>
+          </p:cNvPicPr>
+          <p:nvPr/>
+        </p:nvPicPr>
+        <p:blipFill>
+          <a:blip r:embed="rId2" cstate="print">
+            <a:extLst>
+              <a:ext uri="{BEBA8EAE-BF5A-486C-A8C5-ECC9F3942E4B}">
+                <a14:imgProps xmlns:a14="http://schemas.microsoft.com/office/drawing/2010/main">
+                  <a14:imgLayer r:embed="rId3">
+                    <a14:imgEffect>
+                      <a14:backgroundRemoval t="0" b="100000" l="0" r="100000">
+                        <a14:backgroundMark x1="8333" y1="7483" x2="8333" y2="7483"/>
+                        <a14:backgroundMark x1="93000" y1="4989" x2="93000" y2="4989"/>
+                        <a14:backgroundMark x1="7000" y1="91383" x2="7000" y2="91383"/>
+                        <a14:backgroundMark x1="94500" y1="91383" x2="94500" y2="91383"/>
+                      </a14:backgroundRemoval>
+                    </a14:imgEffect>
+                  </a14:imgLayer>
+                </a14:imgProps>
+              </a:ext>
+              <a:ext uri="{28A0092B-C50C-407E-A947-70E740481C1C}">
+                <a14:useLocalDpi xmlns:a14="http://schemas.microsoft.com/office/drawing/2010/main" val="0"/>
+              </a:ext>
+            </a:extLst>
+          </a:blip>
+          <a:stretch>
+            <a:fillRect/>
+          </a:stretch>
+        </p:blipFill>
+        <p:spPr>
+          <a:xfrm>
+            <a:off x="304800" y="4120587"/>
+            <a:ext cx="316027" cy="232280"/>
+          </a:xfrm>
+          <a:prstGeom prst="rect">
+            <a:avLst/>
+          </a:prstGeom>
+        </p:spPr>
+      </p:pic>
+      <p:pic>
+        <p:nvPicPr>
+          <p:cNvPr id="60" name="Picture 59"/>
+          <p:cNvPicPr>
+            <a:picLocks noChangeAspect="1"/>
+          </p:cNvPicPr>
+          <p:nvPr/>
+        </p:nvPicPr>
+        <p:blipFill>
+          <a:blip r:embed="rId2" cstate="print">
+            <a:extLst>
+              <a:ext uri="{BEBA8EAE-BF5A-486C-A8C5-ECC9F3942E4B}">
+                <a14:imgProps xmlns:a14="http://schemas.microsoft.com/office/drawing/2010/main">
+                  <a14:imgLayer r:embed="rId3">
+                    <a14:imgEffect>
+                      <a14:backgroundRemoval t="0" b="100000" l="0" r="100000">
+                        <a14:backgroundMark x1="8333" y1="7483" x2="8333" y2="7483"/>
+                        <a14:backgroundMark x1="93000" y1="4989" x2="93000" y2="4989"/>
+                        <a14:backgroundMark x1="7000" y1="91383" x2="7000" y2="91383"/>
+                        <a14:backgroundMark x1="94500" y1="91383" x2="94500" y2="91383"/>
+                      </a14:backgroundRemoval>
+                    </a14:imgEffect>
+                  </a14:imgLayer>
+                </a14:imgProps>
+              </a:ext>
+              <a:ext uri="{28A0092B-C50C-407E-A947-70E740481C1C}">
+                <a14:useLocalDpi xmlns:a14="http://schemas.microsoft.com/office/drawing/2010/main" val="0"/>
+              </a:ext>
+            </a:extLst>
+          </a:blip>
+          <a:stretch>
+            <a:fillRect/>
+          </a:stretch>
+        </p:blipFill>
+        <p:spPr>
+          <a:xfrm>
+            <a:off x="657654" y="4114800"/>
+            <a:ext cx="316027" cy="232280"/>
+          </a:xfrm>
+          <a:prstGeom prst="rect">
+            <a:avLst/>
+          </a:prstGeom>
+        </p:spPr>
+      </p:pic>
+      <p:pic>
+        <p:nvPicPr>
+          <p:cNvPr id="61" name="Picture 60"/>
+          <p:cNvPicPr>
+            <a:picLocks noChangeAspect="1"/>
+          </p:cNvPicPr>
+          <p:nvPr/>
+        </p:nvPicPr>
+        <p:blipFill>
+          <a:blip r:embed="rId2" cstate="print">
+            <a:extLst>
+              <a:ext uri="{BEBA8EAE-BF5A-486C-A8C5-ECC9F3942E4B}">
+                <a14:imgProps xmlns:a14="http://schemas.microsoft.com/office/drawing/2010/main">
+                  <a14:imgLayer r:embed="rId3">
+                    <a14:imgEffect>
+                      <a14:backgroundRemoval t="0" b="100000" l="0" r="100000">
+                        <a14:backgroundMark x1="8333" y1="7483" x2="8333" y2="7483"/>
+                        <a14:backgroundMark x1="93000" y1="4989" x2="93000" y2="4989"/>
+                        <a14:backgroundMark x1="7000" y1="91383" x2="7000" y2="91383"/>
+                        <a14:backgroundMark x1="94500" y1="91383" x2="94500" y2="91383"/>
+                      </a14:backgroundRemoval>
+                    </a14:imgEffect>
+                  </a14:imgLayer>
+                </a14:imgProps>
+              </a:ext>
+              <a:ext uri="{28A0092B-C50C-407E-A947-70E740481C1C}">
+                <a14:useLocalDpi xmlns:a14="http://schemas.microsoft.com/office/drawing/2010/main" val="0"/>
+              </a:ext>
+            </a:extLst>
+          </a:blip>
+          <a:stretch>
+            <a:fillRect/>
+          </a:stretch>
+        </p:blipFill>
+        <p:spPr>
+          <a:xfrm>
+            <a:off x="1032519" y="4114800"/>
+            <a:ext cx="316027" cy="232280"/>
+          </a:xfrm>
+          <a:prstGeom prst="rect">
+            <a:avLst/>
+          </a:prstGeom>
+        </p:spPr>
+      </p:pic>
+      <p:pic>
+        <p:nvPicPr>
+          <p:cNvPr id="62" name="Picture 61"/>
+          <p:cNvPicPr>
+            <a:picLocks noChangeAspect="1"/>
+          </p:cNvPicPr>
+          <p:nvPr/>
+        </p:nvPicPr>
+        <p:blipFill>
+          <a:blip r:embed="rId2" cstate="print">
+            <a:extLst>
+              <a:ext uri="{BEBA8EAE-BF5A-486C-A8C5-ECC9F3942E4B}">
+                <a14:imgProps xmlns:a14="http://schemas.microsoft.com/office/drawing/2010/main">
+                  <a14:imgLayer r:embed="rId3">
+                    <a14:imgEffect>
+                      <a14:backgroundRemoval t="0" b="100000" l="0" r="100000">
+                        <a14:backgroundMark x1="8333" y1="7483" x2="8333" y2="7483"/>
+                        <a14:backgroundMark x1="93000" y1="4989" x2="93000" y2="4989"/>
+                        <a14:backgroundMark x1="7000" y1="91383" x2="7000" y2="91383"/>
+                        <a14:backgroundMark x1="94500" y1="91383" x2="94500" y2="91383"/>
+                      </a14:backgroundRemoval>
+                    </a14:imgEffect>
+                  </a14:imgLayer>
+                </a14:imgProps>
+              </a:ext>
+              <a:ext uri="{28A0092B-C50C-407E-A947-70E740481C1C}">
+                <a14:useLocalDpi xmlns:a14="http://schemas.microsoft.com/office/drawing/2010/main" val="0"/>
+              </a:ext>
+            </a:extLst>
+          </a:blip>
+          <a:stretch>
+            <a:fillRect/>
+          </a:stretch>
+        </p:blipFill>
+        <p:spPr>
+          <a:xfrm>
+            <a:off x="1421061" y="4120587"/>
+            <a:ext cx="316027" cy="232280"/>
+          </a:xfrm>
+          <a:prstGeom prst="rect">
+            <a:avLst/>
+          </a:prstGeom>
+        </p:spPr>
+      </p:pic>
+      <p:pic>
+        <p:nvPicPr>
+          <p:cNvPr id="63" name="Picture 62"/>
+          <p:cNvPicPr>
+            <a:picLocks noChangeAspect="1"/>
+          </p:cNvPicPr>
+          <p:nvPr/>
+        </p:nvPicPr>
+        <p:blipFill>
+          <a:blip r:embed="rId2" cstate="print">
+            <a:extLst>
+              <a:ext uri="{BEBA8EAE-BF5A-486C-A8C5-ECC9F3942E4B}">
+                <a14:imgProps xmlns:a14="http://schemas.microsoft.com/office/drawing/2010/main">
+                  <a14:imgLayer r:embed="rId3">
+                    <a14:imgEffect>
+                      <a14:backgroundRemoval t="0" b="100000" l="0" r="100000">
+                        <a14:backgroundMark x1="8333" y1="7483" x2="8333" y2="7483"/>
+                        <a14:backgroundMark x1="93000" y1="4989" x2="93000" y2="4989"/>
+                        <a14:backgroundMark x1="7000" y1="91383" x2="7000" y2="91383"/>
+                        <a14:backgroundMark x1="94500" y1="91383" x2="94500" y2="91383"/>
+                      </a14:backgroundRemoval>
+                    </a14:imgEffect>
+                  </a14:imgLayer>
+                </a14:imgProps>
+              </a:ext>
+              <a:ext uri="{28A0092B-C50C-407E-A947-70E740481C1C}">
+                <a14:useLocalDpi xmlns:a14="http://schemas.microsoft.com/office/drawing/2010/main" val="0"/>
+              </a:ext>
+            </a:extLst>
+          </a:blip>
+          <a:stretch>
+            <a:fillRect/>
+          </a:stretch>
+        </p:blipFill>
+        <p:spPr>
+          <a:xfrm>
+            <a:off x="1905000" y="4120587"/>
+            <a:ext cx="316027" cy="232280"/>
+          </a:xfrm>
+          <a:prstGeom prst="rect">
+            <a:avLst/>
+          </a:prstGeom>
+        </p:spPr>
+      </p:pic>
+      <p:pic>
+        <p:nvPicPr>
+          <p:cNvPr id="64" name="Picture 63"/>
+          <p:cNvPicPr>
+            <a:picLocks noChangeAspect="1"/>
+          </p:cNvPicPr>
+          <p:nvPr/>
+        </p:nvPicPr>
+        <p:blipFill>
+          <a:blip r:embed="rId2" cstate="print">
+            <a:extLst>
+              <a:ext uri="{BEBA8EAE-BF5A-486C-A8C5-ECC9F3942E4B}">
+                <a14:imgProps xmlns:a14="http://schemas.microsoft.com/office/drawing/2010/main">
+                  <a14:imgLayer r:embed="rId3">
+                    <a14:imgEffect>
+                      <a14:backgroundRemoval t="0" b="100000" l="0" r="100000">
+                        <a14:backgroundMark x1="8333" y1="7483" x2="8333" y2="7483"/>
+                        <a14:backgroundMark x1="93000" y1="4989" x2="93000" y2="4989"/>
+                        <a14:backgroundMark x1="7000" y1="91383" x2="7000" y2="91383"/>
+                        <a14:backgroundMark x1="94500" y1="91383" x2="94500" y2="91383"/>
+                      </a14:backgroundRemoval>
+                    </a14:imgEffect>
+                  </a14:imgLayer>
+                </a14:imgProps>
+              </a:ext>
+              <a:ext uri="{28A0092B-C50C-407E-A947-70E740481C1C}">
+                <a14:useLocalDpi xmlns:a14="http://schemas.microsoft.com/office/drawing/2010/main" val="0"/>
+              </a:ext>
+            </a:extLst>
+          </a:blip>
+          <a:stretch>
+            <a:fillRect/>
+          </a:stretch>
+        </p:blipFill>
+        <p:spPr>
+          <a:xfrm>
+            <a:off x="2257854" y="4114800"/>
+            <a:ext cx="316027" cy="232280"/>
+          </a:xfrm>
+          <a:prstGeom prst="rect">
+            <a:avLst/>
+          </a:prstGeom>
+        </p:spPr>
+      </p:pic>
+      <p:pic>
+        <p:nvPicPr>
+          <p:cNvPr id="65" name="Picture 64"/>
+          <p:cNvPicPr>
+            <a:picLocks noChangeAspect="1"/>
+          </p:cNvPicPr>
+          <p:nvPr/>
+        </p:nvPicPr>
+        <p:blipFill>
+          <a:blip r:embed="rId2" cstate="print">
+            <a:extLst>
+              <a:ext uri="{BEBA8EAE-BF5A-486C-A8C5-ECC9F3942E4B}">
+                <a14:imgProps xmlns:a14="http://schemas.microsoft.com/office/drawing/2010/main">
+                  <a14:imgLayer r:embed="rId3">
+                    <a14:imgEffect>
+                      <a14:backgroundRemoval t="0" b="100000" l="0" r="100000">
+                        <a14:backgroundMark x1="8333" y1="7483" x2="8333" y2="7483"/>
+                        <a14:backgroundMark x1="93000" y1="4989" x2="93000" y2="4989"/>
+                        <a14:backgroundMark x1="7000" y1="91383" x2="7000" y2="91383"/>
+                        <a14:backgroundMark x1="94500" y1="91383" x2="94500" y2="91383"/>
+                      </a14:backgroundRemoval>
+                    </a14:imgEffect>
+                  </a14:imgLayer>
+                </a14:imgProps>
+              </a:ext>
+              <a:ext uri="{28A0092B-C50C-407E-A947-70E740481C1C}">
+                <a14:useLocalDpi xmlns:a14="http://schemas.microsoft.com/office/drawing/2010/main" val="0"/>
+              </a:ext>
+            </a:extLst>
+          </a:blip>
+          <a:stretch>
+            <a:fillRect/>
+          </a:stretch>
+        </p:blipFill>
+        <p:spPr>
+          <a:xfrm>
+            <a:off x="2632720" y="4120587"/>
+            <a:ext cx="316027" cy="232280"/>
+          </a:xfrm>
+          <a:prstGeom prst="rect">
+            <a:avLst/>
+          </a:prstGeom>
+        </p:spPr>
+      </p:pic>
+      <p:pic>
+        <p:nvPicPr>
+          <p:cNvPr id="66" name="Picture 65"/>
+          <p:cNvPicPr>
+            <a:picLocks noChangeAspect="1"/>
+          </p:cNvPicPr>
+          <p:nvPr/>
+        </p:nvPicPr>
+        <p:blipFill>
+          <a:blip r:embed="rId2" cstate="print">
+            <a:extLst>
+              <a:ext uri="{BEBA8EAE-BF5A-486C-A8C5-ECC9F3942E4B}">
+                <a14:imgProps xmlns:a14="http://schemas.microsoft.com/office/drawing/2010/main">
+                  <a14:imgLayer r:embed="rId3">
+                    <a14:imgEffect>
+                      <a14:backgroundRemoval t="0" b="100000" l="0" r="100000">
+                        <a14:backgroundMark x1="8333" y1="7483" x2="8333" y2="7483"/>
+                        <a14:backgroundMark x1="93000" y1="4989" x2="93000" y2="4989"/>
+                        <a14:backgroundMark x1="7000" y1="91383" x2="7000" y2="91383"/>
+                        <a14:backgroundMark x1="94500" y1="91383" x2="94500" y2="91383"/>
+                      </a14:backgroundRemoval>
+                    </a14:imgEffect>
+                  </a14:imgLayer>
+                </a14:imgProps>
+              </a:ext>
+              <a:ext uri="{28A0092B-C50C-407E-A947-70E740481C1C}">
+                <a14:useLocalDpi xmlns:a14="http://schemas.microsoft.com/office/drawing/2010/main" val="0"/>
+              </a:ext>
+            </a:extLst>
+          </a:blip>
+          <a:stretch>
+            <a:fillRect/>
+          </a:stretch>
+        </p:blipFill>
+        <p:spPr>
+          <a:xfrm>
+            <a:off x="3021261" y="4120587"/>
+            <a:ext cx="316027" cy="232280"/>
+          </a:xfrm>
+          <a:prstGeom prst="rect">
+            <a:avLst/>
+          </a:prstGeom>
+        </p:spPr>
+      </p:pic>
+      <p:cxnSp>
+        <p:nvCxnSpPr>
+          <p:cNvPr id="67" name="Straight Connector 66"/>
+          <p:cNvCxnSpPr>
+            <a:stCxn id="53" idx="2"/>
+            <a:endCxn id="55" idx="0"/>
+          </p:cNvCxnSpPr>
+          <p:nvPr/>
+        </p:nvCxnSpPr>
+        <p:spPr bwMode="auto">
+          <a:xfrm flipH="1">
+            <a:off x="802859" y="3399462"/>
+            <a:ext cx="345755" cy="221782"/>
+          </a:xfrm>
+          <a:prstGeom prst="line">
+            <a:avLst/>
+          </a:prstGeom>
+          <a:noFill/>
+          <a:ln w="12700" cap="flat" cmpd="sng" algn="ctr">
+            <a:solidFill>
+              <a:srgbClr val="000000"/>
+            </a:solidFill>
+            <a:prstDash val="solid"/>
+            <a:round/>
+            <a:headEnd type="none" w="sm" len="sm"/>
+            <a:tailEnd type="none" w="sm" len="sm"/>
+          </a:ln>
+          <a:effectLst/>
+          <a:extLst>
+            <a:ext uri="{909E8E84-426E-40DD-AFC4-6F175D3DCCD1}">
+              <a14:hiddenFill xmlns:a14="http://schemas.microsoft.com/office/drawing/2010/main">
+                <a:solidFill>
+                  <a:schemeClr val="accent1"/>
+                </a:solidFill>
+              </a14:hiddenFill>
+            </a:ext>
+            <a:ext uri="{AF507438-7753-43E0-B8FC-AC1667EBCBE1}">
+              <a14:hiddenEffects xmlns:a14="http://schemas.microsoft.com/office/drawing/2010/main">
+                <a:effectLst>
+                  <a:outerShdw dist="35921" dir="2700000" algn="ctr" rotWithShape="0">
+                    <a:schemeClr val="bg2"/>
+                  </a:outerShdw>
+                </a:effectLst>
+              </a14:hiddenEffects>
+            </a:ext>
+          </a:extLst>
+        </p:spPr>
+      </p:cxnSp>
+      <p:cxnSp>
+        <p:nvCxnSpPr>
+          <p:cNvPr id="71" name="Straight Connector 70"/>
+          <p:cNvCxnSpPr>
+            <a:stCxn id="53" idx="2"/>
+            <a:endCxn id="56" idx="0"/>
+          </p:cNvCxnSpPr>
+          <p:nvPr/>
+        </p:nvCxnSpPr>
+        <p:spPr bwMode="auto">
+          <a:xfrm>
+            <a:off x="1148614" y="3399462"/>
+            <a:ext cx="228600" cy="214614"/>
+          </a:xfrm>
+          <a:prstGeom prst="line">
+            <a:avLst/>
+          </a:prstGeom>
+          <a:noFill/>
+          <a:ln w="12700" cap="flat" cmpd="sng" algn="ctr">
+            <a:solidFill>
+              <a:srgbClr val="000000"/>
+            </a:solidFill>
+            <a:prstDash val="solid"/>
+            <a:round/>
+            <a:headEnd type="none" w="sm" len="sm"/>
+            <a:tailEnd type="none" w="sm" len="sm"/>
+          </a:ln>
+          <a:effectLst/>
+          <a:extLst>
+            <a:ext uri="{909E8E84-426E-40DD-AFC4-6F175D3DCCD1}">
+              <a14:hiddenFill xmlns:a14="http://schemas.microsoft.com/office/drawing/2010/main">
+                <a:solidFill>
+                  <a:schemeClr val="accent1"/>
+                </a:solidFill>
+              </a14:hiddenFill>
+            </a:ext>
+            <a:ext uri="{AF507438-7753-43E0-B8FC-AC1667EBCBE1}">
+              <a14:hiddenEffects xmlns:a14="http://schemas.microsoft.com/office/drawing/2010/main">
+                <a:effectLst>
+                  <a:outerShdw dist="35921" dir="2700000" algn="ctr" rotWithShape="0">
+                    <a:schemeClr val="bg2"/>
+                  </a:outerShdw>
+                </a:effectLst>
+              </a14:hiddenEffects>
+            </a:ext>
+          </a:extLst>
+        </p:spPr>
+      </p:cxnSp>
+      <p:pic>
+        <p:nvPicPr>
+          <p:cNvPr id="74" name="Picture 73"/>
+          <p:cNvPicPr>
+            <a:picLocks noChangeAspect="1"/>
+          </p:cNvPicPr>
+          <p:nvPr/>
+        </p:nvPicPr>
+        <p:blipFill>
+          <a:blip r:embed="rId2" cstate="print">
+            <a:extLst>
+              <a:ext uri="{BEBA8EAE-BF5A-486C-A8C5-ECC9F3942E4B}">
+                <a14:imgProps xmlns:a14="http://schemas.microsoft.com/office/drawing/2010/main">
+                  <a14:imgLayer r:embed="rId3">
+                    <a14:imgEffect>
+                      <a14:backgroundRemoval t="0" b="100000" l="0" r="100000">
+                        <a14:backgroundMark x1="8333" y1="7483" x2="8333" y2="7483"/>
+                        <a14:backgroundMark x1="93000" y1="4989" x2="93000" y2="4989"/>
+                        <a14:backgroundMark x1="7000" y1="91383" x2="7000" y2="91383"/>
+                        <a14:backgroundMark x1="94500" y1="91383" x2="94500" y2="91383"/>
+                      </a14:backgroundRemoval>
+                    </a14:imgEffect>
+                  </a14:imgLayer>
+                </a14:imgProps>
+              </a:ext>
+              <a:ext uri="{28A0092B-C50C-407E-A947-70E740481C1C}">
+                <a14:useLocalDpi xmlns:a14="http://schemas.microsoft.com/office/drawing/2010/main" val="0"/>
+              </a:ext>
+            </a:extLst>
+          </a:blip>
+          <a:stretch>
+            <a:fillRect/>
+          </a:stretch>
+        </p:blipFill>
+        <p:spPr>
+          <a:xfrm>
+            <a:off x="1684907" y="2793526"/>
+            <a:ext cx="316027" cy="232280"/>
+          </a:xfrm>
+          <a:prstGeom prst="rect">
+            <a:avLst/>
+          </a:prstGeom>
+        </p:spPr>
+      </p:pic>
+      <p:cxnSp>
+        <p:nvCxnSpPr>
+          <p:cNvPr id="76" name="Straight Connector 75"/>
+          <p:cNvCxnSpPr>
+            <a:stCxn id="54" idx="2"/>
+            <a:endCxn id="57" idx="0"/>
+          </p:cNvCxnSpPr>
+          <p:nvPr/>
+        </p:nvCxnSpPr>
+        <p:spPr bwMode="auto">
+          <a:xfrm flipH="1">
+            <a:off x="2165256" y="3382100"/>
+            <a:ext cx="305591" cy="231976"/>
+          </a:xfrm>
+          <a:prstGeom prst="line">
+            <a:avLst/>
+          </a:prstGeom>
+          <a:noFill/>
+          <a:ln w="12700" cap="flat" cmpd="sng" algn="ctr">
+            <a:solidFill>
+              <a:srgbClr val="000000"/>
+            </a:solidFill>
+            <a:prstDash val="solid"/>
+            <a:round/>
+            <a:headEnd type="none" w="sm" len="sm"/>
+            <a:tailEnd type="none" w="sm" len="sm"/>
+          </a:ln>
+          <a:effectLst/>
+          <a:extLst>
+            <a:ext uri="{909E8E84-426E-40DD-AFC4-6F175D3DCCD1}">
+              <a14:hiddenFill xmlns:a14="http://schemas.microsoft.com/office/drawing/2010/main">
+                <a:solidFill>
+                  <a:schemeClr val="accent1"/>
+                </a:solidFill>
+              </a14:hiddenFill>
+            </a:ext>
+            <a:ext uri="{AF507438-7753-43E0-B8FC-AC1667EBCBE1}">
+              <a14:hiddenEffects xmlns:a14="http://schemas.microsoft.com/office/drawing/2010/main">
+                <a:effectLst>
+                  <a:outerShdw dist="35921" dir="2700000" algn="ctr" rotWithShape="0">
+                    <a:schemeClr val="bg2"/>
+                  </a:outerShdw>
+                </a:effectLst>
+              </a14:hiddenEffects>
+            </a:ext>
+          </a:extLst>
+        </p:spPr>
+      </p:cxnSp>
+      <p:cxnSp>
+        <p:nvCxnSpPr>
+          <p:cNvPr id="79" name="Straight Connector 78"/>
+          <p:cNvCxnSpPr>
+            <a:stCxn id="55" idx="2"/>
+            <a:endCxn id="59" idx="0"/>
+          </p:cNvCxnSpPr>
+          <p:nvPr/>
+        </p:nvCxnSpPr>
+        <p:spPr bwMode="auto">
+          <a:xfrm flipH="1">
+            <a:off x="462814" y="3853524"/>
+            <a:ext cx="340045" cy="267063"/>
+          </a:xfrm>
+          <a:prstGeom prst="line">
+            <a:avLst/>
+          </a:prstGeom>
+          <a:noFill/>
+          <a:ln w="12700" cap="flat" cmpd="sng" algn="ctr">
+            <a:solidFill>
+              <a:srgbClr val="000000"/>
+            </a:solidFill>
+            <a:prstDash val="solid"/>
+            <a:round/>
+            <a:headEnd type="none" w="sm" len="sm"/>
+            <a:tailEnd type="none" w="sm" len="sm"/>
+          </a:ln>
+          <a:effectLst/>
+          <a:extLst>
+            <a:ext uri="{909E8E84-426E-40DD-AFC4-6F175D3DCCD1}">
+              <a14:hiddenFill xmlns:a14="http://schemas.microsoft.com/office/drawing/2010/main">
+                <a:solidFill>
+                  <a:schemeClr val="accent1"/>
+                </a:solidFill>
+              </a14:hiddenFill>
+            </a:ext>
+            <a:ext uri="{AF507438-7753-43E0-B8FC-AC1667EBCBE1}">
+              <a14:hiddenEffects xmlns:a14="http://schemas.microsoft.com/office/drawing/2010/main">
+                <a:effectLst>
+                  <a:outerShdw dist="35921" dir="2700000" algn="ctr" rotWithShape="0">
+                    <a:schemeClr val="bg2"/>
+                  </a:outerShdw>
+                </a:effectLst>
+              </a14:hiddenEffects>
+            </a:ext>
+          </a:extLst>
+        </p:spPr>
+      </p:cxnSp>
+      <p:cxnSp>
+        <p:nvCxnSpPr>
+          <p:cNvPr id="82" name="Straight Connector 81"/>
+          <p:cNvCxnSpPr>
+            <a:stCxn id="56" idx="2"/>
+            <a:endCxn id="61" idx="0"/>
+          </p:cNvCxnSpPr>
+          <p:nvPr/>
+        </p:nvCxnSpPr>
+        <p:spPr bwMode="auto">
+          <a:xfrm flipH="1">
+            <a:off x="1190533" y="3846356"/>
+            <a:ext cx="186681" cy="268444"/>
+          </a:xfrm>
+          <a:prstGeom prst="line">
+            <a:avLst/>
+          </a:prstGeom>
+          <a:noFill/>
+          <a:ln w="12700" cap="flat" cmpd="sng" algn="ctr">
+            <a:solidFill>
+              <a:srgbClr val="000000"/>
+            </a:solidFill>
+            <a:prstDash val="solid"/>
+            <a:round/>
+            <a:headEnd type="none" w="sm" len="sm"/>
+            <a:tailEnd type="none" w="sm" len="sm"/>
+          </a:ln>
+          <a:effectLst/>
+          <a:extLst>
+            <a:ext uri="{909E8E84-426E-40DD-AFC4-6F175D3DCCD1}">
+              <a14:hiddenFill xmlns:a14="http://schemas.microsoft.com/office/drawing/2010/main">
+                <a:solidFill>
+                  <a:schemeClr val="accent1"/>
+                </a:solidFill>
+              </a14:hiddenFill>
+            </a:ext>
+            <a:ext uri="{AF507438-7753-43E0-B8FC-AC1667EBCBE1}">
+              <a14:hiddenEffects xmlns:a14="http://schemas.microsoft.com/office/drawing/2010/main">
+                <a:effectLst>
+                  <a:outerShdw dist="35921" dir="2700000" algn="ctr" rotWithShape="0">
+                    <a:schemeClr val="bg2"/>
+                  </a:outerShdw>
+                </a:effectLst>
+              </a14:hiddenEffects>
+            </a:ext>
+          </a:extLst>
+        </p:spPr>
+      </p:cxnSp>
+      <p:cxnSp>
+        <p:nvCxnSpPr>
+          <p:cNvPr id="85" name="Straight Connector 84"/>
+          <p:cNvCxnSpPr>
+            <a:stCxn id="57" idx="2"/>
+            <a:endCxn id="63" idx="0"/>
+          </p:cNvCxnSpPr>
+          <p:nvPr/>
+        </p:nvCxnSpPr>
+        <p:spPr bwMode="auto">
+          <a:xfrm flipH="1">
+            <a:off x="2063014" y="3846356"/>
+            <a:ext cx="102242" cy="274231"/>
+          </a:xfrm>
+          <a:prstGeom prst="line">
+            <a:avLst/>
+          </a:prstGeom>
+          <a:noFill/>
+          <a:ln w="12700" cap="flat" cmpd="sng" algn="ctr">
+            <a:solidFill>
+              <a:srgbClr val="000000"/>
+            </a:solidFill>
+            <a:prstDash val="solid"/>
+            <a:round/>
+            <a:headEnd type="none" w="sm" len="sm"/>
+            <a:tailEnd type="none" w="sm" len="sm"/>
+          </a:ln>
+          <a:effectLst/>
+          <a:extLst>
+            <a:ext uri="{909E8E84-426E-40DD-AFC4-6F175D3DCCD1}">
+              <a14:hiddenFill xmlns:a14="http://schemas.microsoft.com/office/drawing/2010/main">
+                <a:solidFill>
+                  <a:schemeClr val="accent1"/>
+                </a:solidFill>
+              </a14:hiddenFill>
+            </a:ext>
+            <a:ext uri="{AF507438-7753-43E0-B8FC-AC1667EBCBE1}">
+              <a14:hiddenEffects xmlns:a14="http://schemas.microsoft.com/office/drawing/2010/main">
+                <a:effectLst>
+                  <a:outerShdw dist="35921" dir="2700000" algn="ctr" rotWithShape="0">
+                    <a:schemeClr val="bg2"/>
+                  </a:outerShdw>
+                </a:effectLst>
+              </a14:hiddenEffects>
+            </a:ext>
+          </a:extLst>
+        </p:spPr>
+      </p:cxnSp>
+      <p:cxnSp>
+        <p:nvCxnSpPr>
+          <p:cNvPr id="88" name="Straight Connector 87"/>
+          <p:cNvCxnSpPr>
+            <a:stCxn id="58" idx="2"/>
+            <a:endCxn id="65" idx="0"/>
+          </p:cNvCxnSpPr>
+          <p:nvPr/>
+        </p:nvCxnSpPr>
+        <p:spPr bwMode="auto">
+          <a:xfrm flipH="1">
+            <a:off x="2790734" y="3846356"/>
+            <a:ext cx="23053" cy="274231"/>
+          </a:xfrm>
+          <a:prstGeom prst="line">
+            <a:avLst/>
+          </a:prstGeom>
+          <a:noFill/>
+          <a:ln w="12700" cap="flat" cmpd="sng" algn="ctr">
+            <a:solidFill>
+              <a:srgbClr val="000000"/>
+            </a:solidFill>
+            <a:prstDash val="solid"/>
+            <a:round/>
+            <a:headEnd type="none" w="sm" len="sm"/>
+            <a:tailEnd type="none" w="sm" len="sm"/>
+          </a:ln>
+          <a:effectLst/>
+          <a:extLst>
+            <a:ext uri="{909E8E84-426E-40DD-AFC4-6F175D3DCCD1}">
+              <a14:hiddenFill xmlns:a14="http://schemas.microsoft.com/office/drawing/2010/main">
+                <a:solidFill>
+                  <a:schemeClr val="accent1"/>
+                </a:solidFill>
+              </a14:hiddenFill>
+            </a:ext>
+            <a:ext uri="{AF507438-7753-43E0-B8FC-AC1667EBCBE1}">
+              <a14:hiddenEffects xmlns:a14="http://schemas.microsoft.com/office/drawing/2010/main">
+                <a:effectLst>
+                  <a:outerShdw dist="35921" dir="2700000" algn="ctr" rotWithShape="0">
+                    <a:schemeClr val="bg2"/>
+                  </a:outerShdw>
+                </a:effectLst>
+              </a14:hiddenEffects>
+            </a:ext>
+          </a:extLst>
+        </p:spPr>
+      </p:cxnSp>
+      <p:cxnSp>
+        <p:nvCxnSpPr>
+          <p:cNvPr id="91" name="Straight Connector 90"/>
+          <p:cNvCxnSpPr>
+            <a:stCxn id="58" idx="2"/>
+            <a:endCxn id="66" idx="0"/>
+          </p:cNvCxnSpPr>
+          <p:nvPr/>
+        </p:nvCxnSpPr>
+        <p:spPr bwMode="auto">
+          <a:xfrm>
+            <a:off x="2813787" y="3846356"/>
+            <a:ext cx="365488" cy="274231"/>
+          </a:xfrm>
+          <a:prstGeom prst="line">
+            <a:avLst/>
+          </a:prstGeom>
+          <a:noFill/>
+          <a:ln w="12700" cap="flat" cmpd="sng" algn="ctr">
+            <a:solidFill>
+              <a:srgbClr val="000000"/>
+            </a:solidFill>
+            <a:prstDash val="solid"/>
+            <a:round/>
+            <a:headEnd type="none" w="sm" len="sm"/>
+            <a:tailEnd type="none" w="sm" len="sm"/>
+          </a:ln>
+          <a:effectLst/>
+          <a:extLst>
+            <a:ext uri="{909E8E84-426E-40DD-AFC4-6F175D3DCCD1}">
+              <a14:hiddenFill xmlns:a14="http://schemas.microsoft.com/office/drawing/2010/main">
+                <a:solidFill>
+                  <a:schemeClr val="accent1"/>
+                </a:solidFill>
+              </a14:hiddenFill>
+            </a:ext>
+            <a:ext uri="{AF507438-7753-43E0-B8FC-AC1667EBCBE1}">
+              <a14:hiddenEffects xmlns:a14="http://schemas.microsoft.com/office/drawing/2010/main">
+                <a:effectLst>
+                  <a:outerShdw dist="35921" dir="2700000" algn="ctr" rotWithShape="0">
+                    <a:schemeClr val="bg2"/>
+                  </a:outerShdw>
+                </a:effectLst>
+              </a14:hiddenEffects>
+            </a:ext>
+          </a:extLst>
+        </p:spPr>
+      </p:cxnSp>
+      <p:cxnSp>
+        <p:nvCxnSpPr>
+          <p:cNvPr id="94" name="Straight Connector 93"/>
+          <p:cNvCxnSpPr>
+            <a:stCxn id="57" idx="2"/>
+            <a:endCxn id="64" idx="0"/>
+          </p:cNvCxnSpPr>
+          <p:nvPr/>
+        </p:nvCxnSpPr>
+        <p:spPr bwMode="auto">
+          <a:xfrm>
+            <a:off x="2165256" y="3846356"/>
+            <a:ext cx="250612" cy="268444"/>
+          </a:xfrm>
+          <a:prstGeom prst="line">
+            <a:avLst/>
+          </a:prstGeom>
+          <a:noFill/>
+          <a:ln w="12700" cap="flat" cmpd="sng" algn="ctr">
+            <a:solidFill>
+              <a:srgbClr val="000000"/>
+            </a:solidFill>
+            <a:prstDash val="solid"/>
+            <a:round/>
+            <a:headEnd type="none" w="sm" len="sm"/>
+            <a:tailEnd type="none" w="sm" len="sm"/>
+          </a:ln>
+          <a:effectLst/>
+          <a:extLst>
+            <a:ext uri="{909E8E84-426E-40DD-AFC4-6F175D3DCCD1}">
+              <a14:hiddenFill xmlns:a14="http://schemas.microsoft.com/office/drawing/2010/main">
+                <a:solidFill>
+                  <a:schemeClr val="accent1"/>
+                </a:solidFill>
+              </a14:hiddenFill>
+            </a:ext>
+            <a:ext uri="{AF507438-7753-43E0-B8FC-AC1667EBCBE1}">
+              <a14:hiddenEffects xmlns:a14="http://schemas.microsoft.com/office/drawing/2010/main">
+                <a:effectLst>
+                  <a:outerShdw dist="35921" dir="2700000" algn="ctr" rotWithShape="0">
+                    <a:schemeClr val="bg2"/>
+                  </a:outerShdw>
+                </a:effectLst>
+              </a14:hiddenEffects>
+            </a:ext>
+          </a:extLst>
+        </p:spPr>
+      </p:cxnSp>
+      <p:cxnSp>
+        <p:nvCxnSpPr>
+          <p:cNvPr id="97" name="Straight Connector 96"/>
+          <p:cNvCxnSpPr>
+            <a:stCxn id="54" idx="2"/>
+            <a:endCxn id="58" idx="0"/>
+          </p:cNvCxnSpPr>
+          <p:nvPr/>
+        </p:nvCxnSpPr>
+        <p:spPr bwMode="auto">
+          <a:xfrm>
+            <a:off x="2470847" y="3382100"/>
+            <a:ext cx="342940" cy="231976"/>
+          </a:xfrm>
+          <a:prstGeom prst="line">
+            <a:avLst/>
+          </a:prstGeom>
+          <a:noFill/>
+          <a:ln w="12700" cap="flat" cmpd="sng" algn="ctr">
+            <a:solidFill>
+              <a:srgbClr val="000000"/>
+            </a:solidFill>
+            <a:prstDash val="solid"/>
+            <a:round/>
+            <a:headEnd type="none" w="sm" len="sm"/>
+            <a:tailEnd type="none" w="sm" len="sm"/>
+          </a:ln>
+          <a:effectLst/>
+          <a:extLst>
+            <a:ext uri="{909E8E84-426E-40DD-AFC4-6F175D3DCCD1}">
+              <a14:hiddenFill xmlns:a14="http://schemas.microsoft.com/office/drawing/2010/main">
+                <a:solidFill>
+                  <a:schemeClr val="accent1"/>
+                </a:solidFill>
+              </a14:hiddenFill>
+            </a:ext>
+            <a:ext uri="{AF507438-7753-43E0-B8FC-AC1667EBCBE1}">
+              <a14:hiddenEffects xmlns:a14="http://schemas.microsoft.com/office/drawing/2010/main">
+                <a:effectLst>
+                  <a:outerShdw dist="35921" dir="2700000" algn="ctr" rotWithShape="0">
+                    <a:schemeClr val="bg2"/>
+                  </a:outerShdw>
+                </a:effectLst>
+              </a14:hiddenEffects>
+            </a:ext>
+          </a:extLst>
+        </p:spPr>
+      </p:cxnSp>
+      <p:cxnSp>
+        <p:nvCxnSpPr>
+          <p:cNvPr id="100" name="Straight Connector 99"/>
+          <p:cNvCxnSpPr>
+            <a:stCxn id="55" idx="2"/>
+            <a:endCxn id="60" idx="0"/>
+          </p:cNvCxnSpPr>
+          <p:nvPr/>
+        </p:nvCxnSpPr>
+        <p:spPr bwMode="auto">
+          <a:xfrm>
+            <a:off x="802859" y="3853524"/>
+            <a:ext cx="12809" cy="261276"/>
+          </a:xfrm>
+          <a:prstGeom prst="line">
+            <a:avLst/>
+          </a:prstGeom>
+          <a:noFill/>
+          <a:ln w="12700" cap="flat" cmpd="sng" algn="ctr">
+            <a:solidFill>
+              <a:srgbClr val="000000"/>
+            </a:solidFill>
+            <a:prstDash val="solid"/>
+            <a:round/>
+            <a:headEnd type="none" w="sm" len="sm"/>
+            <a:tailEnd type="none" w="sm" len="sm"/>
+          </a:ln>
+          <a:effectLst/>
+          <a:extLst>
+            <a:ext uri="{909E8E84-426E-40DD-AFC4-6F175D3DCCD1}">
+              <a14:hiddenFill xmlns:a14="http://schemas.microsoft.com/office/drawing/2010/main">
+                <a:solidFill>
+                  <a:schemeClr val="accent1"/>
+                </a:solidFill>
+              </a14:hiddenFill>
+            </a:ext>
+            <a:ext uri="{AF507438-7753-43E0-B8FC-AC1667EBCBE1}">
+              <a14:hiddenEffects xmlns:a14="http://schemas.microsoft.com/office/drawing/2010/main">
+                <a:effectLst>
+                  <a:outerShdw dist="35921" dir="2700000" algn="ctr" rotWithShape="0">
+                    <a:schemeClr val="bg2"/>
+                  </a:outerShdw>
+                </a:effectLst>
+              </a14:hiddenEffects>
+            </a:ext>
+          </a:extLst>
+        </p:spPr>
+      </p:cxnSp>
+      <p:cxnSp>
+        <p:nvCxnSpPr>
+          <p:cNvPr id="103" name="Straight Connector 102"/>
+          <p:cNvCxnSpPr>
+            <a:stCxn id="56" idx="2"/>
+            <a:endCxn id="62" idx="0"/>
+          </p:cNvCxnSpPr>
+          <p:nvPr/>
+        </p:nvCxnSpPr>
+        <p:spPr bwMode="auto">
+          <a:xfrm>
+            <a:off x="1377214" y="3846356"/>
+            <a:ext cx="201861" cy="274231"/>
+          </a:xfrm>
+          <a:prstGeom prst="line">
+            <a:avLst/>
+          </a:prstGeom>
+          <a:noFill/>
+          <a:ln w="12700" cap="flat" cmpd="sng" algn="ctr">
+            <a:solidFill>
+              <a:srgbClr val="000000"/>
+            </a:solidFill>
+            <a:prstDash val="solid"/>
+            <a:round/>
+            <a:headEnd type="none" w="sm" len="sm"/>
+            <a:tailEnd type="none" w="sm" len="sm"/>
+          </a:ln>
+          <a:effectLst/>
+          <a:extLst>
+            <a:ext uri="{909E8E84-426E-40DD-AFC4-6F175D3DCCD1}">
+              <a14:hiddenFill xmlns:a14="http://schemas.microsoft.com/office/drawing/2010/main">
+                <a:solidFill>
+                  <a:schemeClr val="accent1"/>
+                </a:solidFill>
+              </a14:hiddenFill>
+            </a:ext>
+            <a:ext uri="{AF507438-7753-43E0-B8FC-AC1667EBCBE1}">
+              <a14:hiddenEffects xmlns:a14="http://schemas.microsoft.com/office/drawing/2010/main">
+                <a:effectLst>
+                  <a:outerShdw dist="35921" dir="2700000" algn="ctr" rotWithShape="0">
+                    <a:schemeClr val="bg2"/>
+                  </a:outerShdw>
+                </a:effectLst>
+              </a14:hiddenEffects>
+            </a:ext>
+          </a:extLst>
+        </p:spPr>
+      </p:cxnSp>
+      <p:cxnSp>
+        <p:nvCxnSpPr>
+          <p:cNvPr id="106" name="Straight Connector 105"/>
+          <p:cNvCxnSpPr>
+            <a:stCxn id="74" idx="2"/>
+            <a:endCxn id="53" idx="0"/>
+          </p:cNvCxnSpPr>
+          <p:nvPr/>
+        </p:nvCxnSpPr>
+        <p:spPr bwMode="auto">
+          <a:xfrm flipH="1">
+            <a:off x="1148614" y="3025806"/>
+            <a:ext cx="694307" cy="141376"/>
+          </a:xfrm>
+          <a:prstGeom prst="line">
+            <a:avLst/>
+          </a:prstGeom>
+          <a:noFill/>
+          <a:ln w="12700" cap="flat" cmpd="sng" algn="ctr">
+            <a:solidFill>
+              <a:srgbClr val="000000"/>
+            </a:solidFill>
+            <a:prstDash val="solid"/>
+            <a:round/>
+            <a:headEnd type="none" w="sm" len="sm"/>
+            <a:tailEnd type="none" w="sm" len="sm"/>
+          </a:ln>
+          <a:effectLst/>
+          <a:extLst>
+            <a:ext uri="{909E8E84-426E-40DD-AFC4-6F175D3DCCD1}">
+              <a14:hiddenFill xmlns:a14="http://schemas.microsoft.com/office/drawing/2010/main">
+                <a:solidFill>
+                  <a:schemeClr val="accent1"/>
+                </a:solidFill>
+              </a14:hiddenFill>
+            </a:ext>
+            <a:ext uri="{AF507438-7753-43E0-B8FC-AC1667EBCBE1}">
+              <a14:hiddenEffects xmlns:a14="http://schemas.microsoft.com/office/drawing/2010/main">
+                <a:effectLst>
+                  <a:outerShdw dist="35921" dir="2700000" algn="ctr" rotWithShape="0">
+                    <a:schemeClr val="bg2"/>
+                  </a:outerShdw>
+                </a:effectLst>
+              </a14:hiddenEffects>
+            </a:ext>
+          </a:extLst>
+        </p:spPr>
+      </p:cxnSp>
+      <p:cxnSp>
+        <p:nvCxnSpPr>
+          <p:cNvPr id="109" name="Straight Connector 108"/>
+          <p:cNvCxnSpPr>
+            <a:stCxn id="74" idx="2"/>
+            <a:endCxn id="54" idx="0"/>
+          </p:cNvCxnSpPr>
+          <p:nvPr/>
+        </p:nvCxnSpPr>
+        <p:spPr bwMode="auto">
+          <a:xfrm>
+            <a:off x="1842921" y="3025806"/>
+            <a:ext cx="627926" cy="124014"/>
+          </a:xfrm>
+          <a:prstGeom prst="line">
+            <a:avLst/>
+          </a:prstGeom>
+          <a:noFill/>
+          <a:ln w="12700" cap="flat" cmpd="sng" algn="ctr">
+            <a:solidFill>
+              <a:srgbClr val="000000"/>
+            </a:solidFill>
+            <a:prstDash val="solid"/>
+            <a:round/>
+            <a:headEnd type="none" w="sm" len="sm"/>
+            <a:tailEnd type="none" w="sm" len="sm"/>
+          </a:ln>
+          <a:effectLst/>
+          <a:extLst>
+            <a:ext uri="{909E8E84-426E-40DD-AFC4-6F175D3DCCD1}">
+              <a14:hiddenFill xmlns:a14="http://schemas.microsoft.com/office/drawing/2010/main">
+                <a:solidFill>
+                  <a:schemeClr val="accent1"/>
+                </a:solidFill>
+              </a14:hiddenFill>
+            </a:ext>
+            <a:ext uri="{AF507438-7753-43E0-B8FC-AC1667EBCBE1}">
+              <a14:hiddenEffects xmlns:a14="http://schemas.microsoft.com/office/drawing/2010/main">
+                <a:effectLst>
+                  <a:outerShdw dist="35921" dir="2700000" algn="ctr" rotWithShape="0">
+                    <a:schemeClr val="bg2"/>
+                  </a:outerShdw>
+                </a:effectLst>
+              </a14:hiddenEffects>
+            </a:ext>
+          </a:extLst>
+        </p:spPr>
+      </p:cxnSp>
+      <p:cxnSp>
+        <p:nvCxnSpPr>
+          <p:cNvPr id="112" name="Straight Connector 111"/>
+          <p:cNvCxnSpPr>
+            <a:stCxn id="59" idx="2"/>
+          </p:cNvCxnSpPr>
+          <p:nvPr/>
+        </p:nvCxnSpPr>
+        <p:spPr bwMode="auto">
+          <a:xfrm flipH="1">
+            <a:off x="279229" y="4352867"/>
+            <a:ext cx="183585" cy="197352"/>
+          </a:xfrm>
+          <a:prstGeom prst="line">
+            <a:avLst/>
+          </a:prstGeom>
+          <a:noFill/>
+          <a:ln w="12700" cap="flat" cmpd="sng" algn="ctr">
+            <a:solidFill>
+              <a:srgbClr val="000000"/>
+            </a:solidFill>
+            <a:prstDash val="sysDot"/>
+            <a:round/>
+            <a:headEnd type="none" w="sm" len="sm"/>
+            <a:tailEnd type="none" w="sm" len="sm"/>
+          </a:ln>
+          <a:effectLst/>
+          <a:extLst>
+            <a:ext uri="{909E8E84-426E-40DD-AFC4-6F175D3DCCD1}">
+              <a14:hiddenFill xmlns:a14="http://schemas.microsoft.com/office/drawing/2010/main">
+                <a:solidFill>
+                  <a:schemeClr val="accent1"/>
+                </a:solidFill>
+              </a14:hiddenFill>
+            </a:ext>
+            <a:ext uri="{AF507438-7753-43E0-B8FC-AC1667EBCBE1}">
+              <a14:hiddenEffects xmlns:a14="http://schemas.microsoft.com/office/drawing/2010/main">
+                <a:effectLst>
+                  <a:outerShdw dist="35921" dir="2700000" algn="ctr" rotWithShape="0">
+                    <a:schemeClr val="bg2"/>
+                  </a:outerShdw>
+                </a:effectLst>
+              </a14:hiddenEffects>
+            </a:ext>
+          </a:extLst>
+        </p:spPr>
+      </p:cxnSp>
+      <p:cxnSp>
+        <p:nvCxnSpPr>
+          <p:cNvPr id="115" name="Straight Connector 114"/>
+          <p:cNvCxnSpPr>
+            <a:stCxn id="63" idx="2"/>
+          </p:cNvCxnSpPr>
+          <p:nvPr/>
+        </p:nvCxnSpPr>
+        <p:spPr bwMode="auto">
+          <a:xfrm flipH="1">
+            <a:off x="1878632" y="4352867"/>
+            <a:ext cx="184382" cy="197352"/>
+          </a:xfrm>
+          <a:prstGeom prst="line">
+            <a:avLst/>
+          </a:prstGeom>
+          <a:noFill/>
+          <a:ln w="12700" cap="flat" cmpd="sng" algn="ctr">
+            <a:solidFill>
+              <a:srgbClr val="000000"/>
+            </a:solidFill>
+            <a:prstDash val="sysDot"/>
+            <a:round/>
+            <a:headEnd type="none" w="sm" len="sm"/>
+            <a:tailEnd type="none" w="sm" len="sm"/>
+          </a:ln>
+          <a:effectLst/>
+          <a:extLst>
+            <a:ext uri="{909E8E84-426E-40DD-AFC4-6F175D3DCCD1}">
+              <a14:hiddenFill xmlns:a14="http://schemas.microsoft.com/office/drawing/2010/main">
+                <a:solidFill>
+                  <a:schemeClr val="accent1"/>
+                </a:solidFill>
+              </a14:hiddenFill>
+            </a:ext>
+            <a:ext uri="{AF507438-7753-43E0-B8FC-AC1667EBCBE1}">
+              <a14:hiddenEffects xmlns:a14="http://schemas.microsoft.com/office/drawing/2010/main">
+                <a:effectLst>
+                  <a:outerShdw dist="35921" dir="2700000" algn="ctr" rotWithShape="0">
+                    <a:schemeClr val="bg2"/>
+                  </a:outerShdw>
+                </a:effectLst>
+              </a14:hiddenEffects>
+            </a:ext>
+          </a:extLst>
+        </p:spPr>
+      </p:cxnSp>
+      <p:cxnSp>
+        <p:nvCxnSpPr>
+          <p:cNvPr id="117" name="Straight Connector 116"/>
+          <p:cNvCxnSpPr>
+            <a:stCxn id="65" idx="2"/>
+          </p:cNvCxnSpPr>
+          <p:nvPr/>
+        </p:nvCxnSpPr>
+        <p:spPr bwMode="auto">
+          <a:xfrm flipH="1">
+            <a:off x="2642317" y="4352867"/>
+            <a:ext cx="148417" cy="198854"/>
+          </a:xfrm>
+          <a:prstGeom prst="line">
+            <a:avLst/>
+          </a:prstGeom>
+          <a:noFill/>
+          <a:ln w="12700" cap="flat" cmpd="sng" algn="ctr">
+            <a:solidFill>
+              <a:srgbClr val="000000"/>
+            </a:solidFill>
+            <a:prstDash val="sysDot"/>
+            <a:round/>
+            <a:headEnd type="none" w="sm" len="sm"/>
+            <a:tailEnd type="none" w="sm" len="sm"/>
+          </a:ln>
+          <a:effectLst/>
+          <a:extLst>
+            <a:ext uri="{909E8E84-426E-40DD-AFC4-6F175D3DCCD1}">
+              <a14:hiddenFill xmlns:a14="http://schemas.microsoft.com/office/drawing/2010/main">
+                <a:solidFill>
+                  <a:schemeClr val="accent1"/>
+                </a:solidFill>
+              </a14:hiddenFill>
+            </a:ext>
+            <a:ext uri="{AF507438-7753-43E0-B8FC-AC1667EBCBE1}">
+              <a14:hiddenEffects xmlns:a14="http://schemas.microsoft.com/office/drawing/2010/main">
+                <a:effectLst>
+                  <a:outerShdw dist="35921" dir="2700000" algn="ctr" rotWithShape="0">
+                    <a:schemeClr val="bg2"/>
+                  </a:outerShdw>
+                </a:effectLst>
+              </a14:hiddenEffects>
+            </a:ext>
+          </a:extLst>
+        </p:spPr>
+      </p:cxnSp>
+      <p:sp>
+        <p:nvSpPr>
+          <p:cNvPr id="120" name="Rounded Rectangle 119"/>
+          <p:cNvSpPr/>
+          <p:nvPr/>
+        </p:nvSpPr>
+        <p:spPr>
+          <a:xfrm>
+            <a:off x="1529497" y="2237430"/>
+            <a:ext cx="626845" cy="353686"/>
+          </a:xfrm>
+          <a:prstGeom prst="roundRect">
+            <a:avLst/>
+          </a:prstGeom>
+          <a:solidFill>
+            <a:schemeClr val="tx2">
+              <a:lumMod val="20000"/>
+              <a:lumOff val="80000"/>
+            </a:schemeClr>
+          </a:solidFill>
+        </p:spPr>
+        <p:style>
+          <a:lnRef idx="2">
+            <a:schemeClr val="accent1">
+              <a:shade val="50000"/>
+            </a:schemeClr>
+          </a:lnRef>
+          <a:fillRef idx="1">
+            <a:schemeClr val="accent1"/>
+          </a:fillRef>
+          <a:effectRef idx="0">
+            <a:schemeClr val="accent1"/>
+          </a:effectRef>
+          <a:fontRef idx="minor">
+            <a:schemeClr val="lt1"/>
+          </a:fontRef>
+        </p:style>
+        <p:txBody>
+          <a:bodyPr rtlCol="0" anchor="ctr"/>
+          <a:lstStyle/>
+          <a:p>
+            <a:pPr algn="ctr"/>
+            <a:r>
+              <a:rPr lang="en-US" dirty="0" smtClean="0">
+                <a:solidFill>
+                  <a:sysClr val="windowText" lastClr="000000"/>
+                </a:solidFill>
+              </a:rPr>
+              <a:t>SR</a:t>
+            </a:r>
+            <a:endParaRPr lang="en-US" dirty="0">
+              <a:solidFill>
+                <a:sysClr val="windowText" lastClr="000000"/>
+              </a:solidFill>
+            </a:endParaRPr>
+          </a:p>
+        </p:txBody>
+      </p:sp>
+      <p:cxnSp>
+        <p:nvCxnSpPr>
+          <p:cNvPr id="121" name="Straight Connector 120"/>
+          <p:cNvCxnSpPr>
+            <a:stCxn id="120" idx="2"/>
+            <a:endCxn id="74" idx="0"/>
+          </p:cNvCxnSpPr>
+          <p:nvPr/>
+        </p:nvCxnSpPr>
+        <p:spPr bwMode="auto">
+          <a:xfrm>
+            <a:off x="1842920" y="2591116"/>
+            <a:ext cx="1" cy="202410"/>
+          </a:xfrm>
+          <a:prstGeom prst="line">
+            <a:avLst/>
+          </a:prstGeom>
+          <a:noFill/>
+          <a:ln w="12700" cap="flat" cmpd="sng" algn="ctr">
+            <a:solidFill>
+              <a:srgbClr val="000000"/>
+            </a:solidFill>
+            <a:prstDash val="solid"/>
+            <a:round/>
+            <a:headEnd type="none" w="sm" len="sm"/>
+            <a:tailEnd type="none" w="sm" len="sm"/>
+          </a:ln>
+          <a:effectLst/>
+          <a:extLst>
+            <a:ext uri="{909E8E84-426E-40DD-AFC4-6F175D3DCCD1}">
+              <a14:hiddenFill xmlns:a14="http://schemas.microsoft.com/office/drawing/2010/main">
+                <a:solidFill>
+                  <a:schemeClr val="accent1"/>
+                </a:solidFill>
+              </a14:hiddenFill>
+            </a:ext>
+            <a:ext uri="{AF507438-7753-43E0-B8FC-AC1667EBCBE1}">
+              <a14:hiddenEffects xmlns:a14="http://schemas.microsoft.com/office/drawing/2010/main">
+                <a:effectLst>
+                  <a:outerShdw dist="35921" dir="2700000" algn="ctr" rotWithShape="0">
+                    <a:schemeClr val="bg2"/>
+                  </a:outerShdw>
+                </a:effectLst>
+              </a14:hiddenEffects>
+            </a:ext>
+          </a:extLst>
+        </p:spPr>
+      </p:cxnSp>
+      <p:sp>
+        <p:nvSpPr>
+          <p:cNvPr id="124" name="Rounded Rectangle 123"/>
+          <p:cNvSpPr/>
+          <p:nvPr/>
+        </p:nvSpPr>
+        <p:spPr>
+          <a:xfrm>
+            <a:off x="25685" y="4551721"/>
+            <a:ext cx="626845" cy="353686"/>
+          </a:xfrm>
+          <a:prstGeom prst="roundRect">
+            <a:avLst/>
+          </a:prstGeom>
+          <a:solidFill>
+            <a:schemeClr val="tx2">
+              <a:lumMod val="20000"/>
+              <a:lumOff val="80000"/>
+            </a:schemeClr>
+          </a:solidFill>
+        </p:spPr>
+        <p:style>
+          <a:lnRef idx="2">
+            <a:schemeClr val="accent1">
+              <a:shade val="50000"/>
+            </a:schemeClr>
+          </a:lnRef>
+          <a:fillRef idx="1">
+            <a:schemeClr val="accent1"/>
+          </a:fillRef>
+          <a:effectRef idx="0">
+            <a:schemeClr val="accent1"/>
+          </a:effectRef>
+          <a:fontRef idx="minor">
+            <a:schemeClr val="lt1"/>
+          </a:fontRef>
+        </p:style>
+        <p:txBody>
+          <a:bodyPr rtlCol="0" anchor="ctr"/>
+          <a:lstStyle/>
+          <a:p>
+            <a:pPr algn="ctr"/>
+            <a:r>
+              <a:rPr lang="en-US" dirty="0" smtClean="0">
+                <a:solidFill>
+                  <a:sysClr val="windowText" lastClr="000000"/>
+                </a:solidFill>
+              </a:rPr>
+              <a:t>SH</a:t>
+            </a:r>
+            <a:endParaRPr lang="en-US" dirty="0">
+              <a:solidFill>
+                <a:sysClr val="windowText" lastClr="000000"/>
+              </a:solidFill>
+            </a:endParaRPr>
+          </a:p>
+        </p:txBody>
+      </p:sp>
+      <p:sp>
+        <p:nvSpPr>
+          <p:cNvPr id="125" name="Rounded Rectangle 124"/>
+          <p:cNvSpPr/>
+          <p:nvPr/>
+        </p:nvSpPr>
+        <p:spPr>
+          <a:xfrm>
+            <a:off x="1533016" y="4551721"/>
+            <a:ext cx="626845" cy="353686"/>
+          </a:xfrm>
+          <a:prstGeom prst="roundRect">
+            <a:avLst/>
+          </a:prstGeom>
+          <a:solidFill>
+            <a:schemeClr val="tx2">
+              <a:lumMod val="20000"/>
+              <a:lumOff val="80000"/>
+            </a:schemeClr>
+          </a:solidFill>
+        </p:spPr>
+        <p:style>
+          <a:lnRef idx="2">
+            <a:schemeClr val="accent1">
+              <a:shade val="50000"/>
+            </a:schemeClr>
+          </a:lnRef>
+          <a:fillRef idx="1">
+            <a:schemeClr val="accent1"/>
+          </a:fillRef>
+          <a:effectRef idx="0">
+            <a:schemeClr val="accent1"/>
+          </a:effectRef>
+          <a:fontRef idx="minor">
+            <a:schemeClr val="lt1"/>
+          </a:fontRef>
+        </p:style>
+        <p:txBody>
+          <a:bodyPr rtlCol="0" anchor="ctr"/>
+          <a:lstStyle/>
+          <a:p>
+            <a:pPr algn="ctr"/>
+            <a:r>
+              <a:rPr lang="en-US" dirty="0" smtClean="0">
+                <a:solidFill>
+                  <a:sysClr val="windowText" lastClr="000000"/>
+                </a:solidFill>
+              </a:rPr>
+              <a:t>SH</a:t>
+            </a:r>
+            <a:endParaRPr lang="en-US" dirty="0">
+              <a:solidFill>
+                <a:sysClr val="windowText" lastClr="000000"/>
+              </a:solidFill>
+            </a:endParaRPr>
+          </a:p>
+        </p:txBody>
+      </p:sp>
+      <p:sp>
+        <p:nvSpPr>
+          <p:cNvPr id="126" name="Rounded Rectangle 125"/>
+          <p:cNvSpPr/>
+          <p:nvPr/>
+        </p:nvSpPr>
+        <p:spPr>
+          <a:xfrm>
+            <a:off x="2321902" y="4551721"/>
+            <a:ext cx="626845" cy="353686"/>
+          </a:xfrm>
+          <a:prstGeom prst="roundRect">
+            <a:avLst/>
+          </a:prstGeom>
+          <a:solidFill>
+            <a:schemeClr val="tx2">
+              <a:lumMod val="20000"/>
+              <a:lumOff val="80000"/>
+            </a:schemeClr>
+          </a:solidFill>
+        </p:spPr>
+        <p:style>
+          <a:lnRef idx="2">
+            <a:schemeClr val="accent1">
+              <a:shade val="50000"/>
+            </a:schemeClr>
+          </a:lnRef>
+          <a:fillRef idx="1">
+            <a:schemeClr val="accent1"/>
+          </a:fillRef>
+          <a:effectRef idx="0">
+            <a:schemeClr val="accent1"/>
+          </a:effectRef>
+          <a:fontRef idx="minor">
+            <a:schemeClr val="lt1"/>
+          </a:fontRef>
+        </p:style>
+        <p:txBody>
+          <a:bodyPr rtlCol="0" anchor="ctr"/>
+          <a:lstStyle/>
+          <a:p>
+            <a:pPr algn="ctr"/>
+            <a:r>
+              <a:rPr lang="en-US" dirty="0" smtClean="0">
+                <a:solidFill>
+                  <a:sysClr val="windowText" lastClr="000000"/>
+                </a:solidFill>
+              </a:rPr>
+              <a:t>SH</a:t>
+            </a:r>
+            <a:endParaRPr lang="en-US" dirty="0">
+              <a:solidFill>
+                <a:sysClr val="windowText" lastClr="000000"/>
+              </a:solidFill>
+            </a:endParaRPr>
+          </a:p>
+        </p:txBody>
+      </p:sp>
+    </p:spTree>
+    <p:extLst>
+      <p:ext uri="{BB962C8B-B14F-4D97-AF65-F5344CB8AC3E}">
+        <p14:creationId xmlns:p14="http://schemas.microsoft.com/office/powerpoint/2010/main" val="2223056765"/>
+      </p:ext>
+    </p:extLst>
+  </p:cSld>
+  <p:clrMapOvr>
+    <a:masterClrMapping/>
+  </p:clrMapOvr>
+</p:sld>
+</file>
+
+<file path=ppt/slides/slide8.xml><?xml version="1.0" encoding="utf-8"?>
+<p:sld xmlns:a="http://schemas.openxmlformats.org/drawingml/2006/main" xmlns:r="http://schemas.openxmlformats.org/officeDocument/2006/relationships" xmlns:p="http://schemas.openxmlformats.org/presentationml/2006/main">
+  <p:cSld>
+    <p:spTree>
+      <p:nvGrpSpPr>
+        <p:cNvPr id="1" name=""/>
+        <p:cNvGrpSpPr/>
+        <p:nvPr/>
+      </p:nvGrpSpPr>
+      <p:grpSpPr>
+        <a:xfrm>
+          <a:off x="0" y="0"/>
+          <a:ext cx="0" cy="0"/>
+          <a:chOff x="0" y="0"/>
+          <a:chExt cx="0" cy="0"/>
+        </a:xfrm>
+      </p:grpSpPr>
+      <p:pic>
+        <p:nvPicPr>
+          <p:cNvPr id="4" name="Picture 3"/>
+          <p:cNvPicPr>
+            <a:picLocks noChangeAspect="1"/>
+          </p:cNvPicPr>
+          <p:nvPr/>
+        </p:nvPicPr>
+        <p:blipFill>
+          <a:blip r:embed="rId2" cstate="print">
+            <a:extLst>
+              <a:ext uri="{BEBA8EAE-BF5A-486C-A8C5-ECC9F3942E4B}">
+                <a14:imgProps xmlns:a14="http://schemas.microsoft.com/office/drawing/2010/main">
+                  <a14:imgLayer r:embed="rId3">
+                    <a14:imgEffect>
+                      <a14:backgroundRemoval t="0" b="100000" l="0" r="100000">
+                        <a14:backgroundMark x1="8333" y1="7483" x2="8333" y2="7483"/>
+                        <a14:backgroundMark x1="93000" y1="4989" x2="93000" y2="4989"/>
+                        <a14:backgroundMark x1="7000" y1="91383" x2="7000" y2="91383"/>
+                        <a14:backgroundMark x1="94500" y1="91383" x2="94500" y2="91383"/>
+                      </a14:backgroundRemoval>
+                    </a14:imgEffect>
+                  </a14:imgLayer>
+                </a14:imgProps>
+              </a:ext>
+              <a:ext uri="{28A0092B-C50C-407E-A947-70E740481C1C}">
+                <a14:useLocalDpi xmlns:a14="http://schemas.microsoft.com/office/drawing/2010/main" val="0"/>
+              </a:ext>
+            </a:extLst>
+          </a:blip>
+          <a:stretch>
+            <a:fillRect/>
+          </a:stretch>
+        </p:blipFill>
+        <p:spPr>
+          <a:xfrm>
+            <a:off x="3596912" y="3167182"/>
+            <a:ext cx="316027" cy="232280"/>
+          </a:xfrm>
+          <a:prstGeom prst="rect">
+            <a:avLst/>
+          </a:prstGeom>
+        </p:spPr>
+      </p:pic>
+      <p:pic>
+        <p:nvPicPr>
+          <p:cNvPr id="5" name="Picture 4"/>
+          <p:cNvPicPr>
+            <a:picLocks noChangeAspect="1"/>
+          </p:cNvPicPr>
+          <p:nvPr/>
+        </p:nvPicPr>
+        <p:blipFill>
+          <a:blip r:embed="rId2" cstate="print">
+            <a:extLst>
+              <a:ext uri="{BEBA8EAE-BF5A-486C-A8C5-ECC9F3942E4B}">
+                <a14:imgProps xmlns:a14="http://schemas.microsoft.com/office/drawing/2010/main">
+                  <a14:imgLayer r:embed="rId3">
+                    <a14:imgEffect>
+                      <a14:backgroundRemoval t="0" b="100000" l="0" r="100000">
+                        <a14:backgroundMark x1="8333" y1="7483" x2="8333" y2="7483"/>
+                        <a14:backgroundMark x1="93000" y1="4989" x2="93000" y2="4989"/>
+                        <a14:backgroundMark x1="7000" y1="91383" x2="7000" y2="91383"/>
+                        <a14:backgroundMark x1="94500" y1="91383" x2="94500" y2="91383"/>
+                      </a14:backgroundRemoval>
+                    </a14:imgEffect>
+                  </a14:imgLayer>
+                </a14:imgProps>
+              </a:ext>
+              <a:ext uri="{28A0092B-C50C-407E-A947-70E740481C1C}">
+                <a14:useLocalDpi xmlns:a14="http://schemas.microsoft.com/office/drawing/2010/main" val="0"/>
+              </a:ext>
+            </a:extLst>
+          </a:blip>
+          <a:stretch>
+            <a:fillRect/>
+          </a:stretch>
+        </p:blipFill>
+        <p:spPr>
+          <a:xfrm>
+            <a:off x="4919145" y="3149820"/>
+            <a:ext cx="316027" cy="232280"/>
+          </a:xfrm>
+          <a:prstGeom prst="rect">
+            <a:avLst/>
+          </a:prstGeom>
+        </p:spPr>
+      </p:pic>
+      <p:pic>
+        <p:nvPicPr>
+          <p:cNvPr id="6" name="Picture 5"/>
+          <p:cNvPicPr>
+            <a:picLocks noChangeAspect="1"/>
+          </p:cNvPicPr>
+          <p:nvPr/>
+        </p:nvPicPr>
+        <p:blipFill>
+          <a:blip r:embed="rId2" cstate="print">
+            <a:extLst>
+              <a:ext uri="{BEBA8EAE-BF5A-486C-A8C5-ECC9F3942E4B}">
+                <a14:imgProps xmlns:a14="http://schemas.microsoft.com/office/drawing/2010/main">
+                  <a14:imgLayer r:embed="rId3">
+                    <a14:imgEffect>
+                      <a14:backgroundRemoval t="0" b="100000" l="0" r="100000">
+                        <a14:backgroundMark x1="8333" y1="7483" x2="8333" y2="7483"/>
+                        <a14:backgroundMark x1="93000" y1="4989" x2="93000" y2="4989"/>
+                        <a14:backgroundMark x1="7000" y1="91383" x2="7000" y2="91383"/>
+                        <a14:backgroundMark x1="94500" y1="91383" x2="94500" y2="91383"/>
+                      </a14:backgroundRemoval>
+                    </a14:imgEffect>
+                  </a14:imgLayer>
+                </a14:imgProps>
+              </a:ext>
+              <a:ext uri="{28A0092B-C50C-407E-A947-70E740481C1C}">
+                <a14:useLocalDpi xmlns:a14="http://schemas.microsoft.com/office/drawing/2010/main" val="0"/>
+              </a:ext>
+            </a:extLst>
+          </a:blip>
+          <a:stretch>
+            <a:fillRect/>
+          </a:stretch>
+        </p:blipFill>
+        <p:spPr>
+          <a:xfrm>
+            <a:off x="3251157" y="3621244"/>
+            <a:ext cx="316027" cy="232280"/>
+          </a:xfrm>
+          <a:prstGeom prst="rect">
+            <a:avLst/>
+          </a:prstGeom>
+        </p:spPr>
+      </p:pic>
+      <p:pic>
+        <p:nvPicPr>
+          <p:cNvPr id="7" name="Picture 6"/>
+          <p:cNvPicPr>
+            <a:picLocks noChangeAspect="1"/>
+          </p:cNvPicPr>
+          <p:nvPr/>
+        </p:nvPicPr>
+        <p:blipFill>
+          <a:blip r:embed="rId2" cstate="print">
+            <a:extLst>
+              <a:ext uri="{BEBA8EAE-BF5A-486C-A8C5-ECC9F3942E4B}">
+                <a14:imgProps xmlns:a14="http://schemas.microsoft.com/office/drawing/2010/main">
+                  <a14:imgLayer r:embed="rId3">
+                    <a14:imgEffect>
+                      <a14:backgroundRemoval t="0" b="100000" l="0" r="100000">
+                        <a14:backgroundMark x1="8333" y1="7483" x2="8333" y2="7483"/>
+                        <a14:backgroundMark x1="93000" y1="4989" x2="93000" y2="4989"/>
+                        <a14:backgroundMark x1="7000" y1="91383" x2="7000" y2="91383"/>
+                        <a14:backgroundMark x1="94500" y1="91383" x2="94500" y2="91383"/>
+                      </a14:backgroundRemoval>
+                    </a14:imgEffect>
+                  </a14:imgLayer>
+                </a14:imgProps>
+              </a:ext>
+              <a:ext uri="{28A0092B-C50C-407E-A947-70E740481C1C}">
+                <a14:useLocalDpi xmlns:a14="http://schemas.microsoft.com/office/drawing/2010/main" val="0"/>
+              </a:ext>
+            </a:extLst>
+          </a:blip>
+          <a:stretch>
+            <a:fillRect/>
+          </a:stretch>
+        </p:blipFill>
+        <p:spPr>
+          <a:xfrm>
+            <a:off x="3825512" y="3614076"/>
+            <a:ext cx="316027" cy="232280"/>
+          </a:xfrm>
+          <a:prstGeom prst="rect">
+            <a:avLst/>
+          </a:prstGeom>
+        </p:spPr>
+      </p:pic>
+      <p:pic>
+        <p:nvPicPr>
+          <p:cNvPr id="8" name="Picture 7"/>
+          <p:cNvPicPr>
+            <a:picLocks noChangeAspect="1"/>
+          </p:cNvPicPr>
+          <p:nvPr/>
+        </p:nvPicPr>
+        <p:blipFill>
+          <a:blip r:embed="rId2" cstate="print">
+            <a:extLst>
+              <a:ext uri="{BEBA8EAE-BF5A-486C-A8C5-ECC9F3942E4B}">
+                <a14:imgProps xmlns:a14="http://schemas.microsoft.com/office/drawing/2010/main">
+                  <a14:imgLayer r:embed="rId3">
+                    <a14:imgEffect>
+                      <a14:backgroundRemoval t="0" b="100000" l="0" r="100000">
+                        <a14:backgroundMark x1="8333" y1="7483" x2="8333" y2="7483"/>
+                        <a14:backgroundMark x1="93000" y1="4989" x2="93000" y2="4989"/>
+                        <a14:backgroundMark x1="7000" y1="91383" x2="7000" y2="91383"/>
+                        <a14:backgroundMark x1="94500" y1="91383" x2="94500" y2="91383"/>
+                      </a14:backgroundRemoval>
+                    </a14:imgEffect>
+                  </a14:imgLayer>
+                </a14:imgProps>
+              </a:ext>
+              <a:ext uri="{28A0092B-C50C-407E-A947-70E740481C1C}">
+                <a14:useLocalDpi xmlns:a14="http://schemas.microsoft.com/office/drawing/2010/main" val="0"/>
+              </a:ext>
+            </a:extLst>
+          </a:blip>
+          <a:stretch>
+            <a:fillRect/>
+          </a:stretch>
+        </p:blipFill>
+        <p:spPr>
+          <a:xfrm>
+            <a:off x="4613554" y="3614076"/>
+            <a:ext cx="316027" cy="232280"/>
+          </a:xfrm>
+          <a:prstGeom prst="rect">
+            <a:avLst/>
+          </a:prstGeom>
+        </p:spPr>
+      </p:pic>
+      <p:pic>
+        <p:nvPicPr>
+          <p:cNvPr id="9" name="Picture 8"/>
+          <p:cNvPicPr>
+            <a:picLocks noChangeAspect="1"/>
+          </p:cNvPicPr>
+          <p:nvPr/>
+        </p:nvPicPr>
+        <p:blipFill>
+          <a:blip r:embed="rId2" cstate="print">
+            <a:extLst>
+              <a:ext uri="{BEBA8EAE-BF5A-486C-A8C5-ECC9F3942E4B}">
+                <a14:imgProps xmlns:a14="http://schemas.microsoft.com/office/drawing/2010/main">
+                  <a14:imgLayer r:embed="rId3">
+                    <a14:imgEffect>
+                      <a14:backgroundRemoval t="0" b="100000" l="0" r="100000">
+                        <a14:backgroundMark x1="8333" y1="7483" x2="8333" y2="7483"/>
+                        <a14:backgroundMark x1="93000" y1="4989" x2="93000" y2="4989"/>
+                        <a14:backgroundMark x1="7000" y1="91383" x2="7000" y2="91383"/>
+                        <a14:backgroundMark x1="94500" y1="91383" x2="94500" y2="91383"/>
+                      </a14:backgroundRemoval>
+                    </a14:imgEffect>
+                  </a14:imgLayer>
+                </a14:imgProps>
+              </a:ext>
+              <a:ext uri="{28A0092B-C50C-407E-A947-70E740481C1C}">
+                <a14:useLocalDpi xmlns:a14="http://schemas.microsoft.com/office/drawing/2010/main" val="0"/>
+              </a:ext>
+            </a:extLst>
+          </a:blip>
+          <a:stretch>
+            <a:fillRect/>
+          </a:stretch>
+        </p:blipFill>
+        <p:spPr>
+          <a:xfrm>
+            <a:off x="5262085" y="3614076"/>
+            <a:ext cx="316027" cy="232280"/>
+          </a:xfrm>
+          <a:prstGeom prst="rect">
+            <a:avLst/>
+          </a:prstGeom>
+        </p:spPr>
+      </p:pic>
+      <p:pic>
+        <p:nvPicPr>
+          <p:cNvPr id="10" name="Picture 9"/>
+          <p:cNvPicPr>
+            <a:picLocks noChangeAspect="1"/>
+          </p:cNvPicPr>
+          <p:nvPr/>
+        </p:nvPicPr>
+        <p:blipFill>
+          <a:blip r:embed="rId2" cstate="print">
+            <a:extLst>
+              <a:ext uri="{BEBA8EAE-BF5A-486C-A8C5-ECC9F3942E4B}">
+                <a14:imgProps xmlns:a14="http://schemas.microsoft.com/office/drawing/2010/main">
+                  <a14:imgLayer r:embed="rId3">
+                    <a14:imgEffect>
+                      <a14:backgroundRemoval t="0" b="100000" l="0" r="100000">
+                        <a14:backgroundMark x1="8333" y1="7483" x2="8333" y2="7483"/>
+                        <a14:backgroundMark x1="93000" y1="4989" x2="93000" y2="4989"/>
+                        <a14:backgroundMark x1="7000" y1="91383" x2="7000" y2="91383"/>
+                        <a14:backgroundMark x1="94500" y1="91383" x2="94500" y2="91383"/>
+                      </a14:backgroundRemoval>
+                    </a14:imgEffect>
+                  </a14:imgLayer>
+                </a14:imgProps>
+              </a:ext>
+              <a:ext uri="{28A0092B-C50C-407E-A947-70E740481C1C}">
+                <a14:useLocalDpi xmlns:a14="http://schemas.microsoft.com/office/drawing/2010/main" val="0"/>
+              </a:ext>
+            </a:extLst>
+          </a:blip>
+          <a:stretch>
+            <a:fillRect/>
+          </a:stretch>
+        </p:blipFill>
+        <p:spPr>
+          <a:xfrm>
+            <a:off x="2911112" y="4120587"/>
+            <a:ext cx="316027" cy="232280"/>
+          </a:xfrm>
+          <a:prstGeom prst="rect">
+            <a:avLst/>
+          </a:prstGeom>
+        </p:spPr>
+      </p:pic>
+      <p:pic>
+        <p:nvPicPr>
+          <p:cNvPr id="11" name="Picture 10"/>
+          <p:cNvPicPr>
+            <a:picLocks noChangeAspect="1"/>
+          </p:cNvPicPr>
+          <p:nvPr/>
+        </p:nvPicPr>
+        <p:blipFill>
+          <a:blip r:embed="rId2" cstate="print">
+            <a:extLst>
+              <a:ext uri="{BEBA8EAE-BF5A-486C-A8C5-ECC9F3942E4B}">
+                <a14:imgProps xmlns:a14="http://schemas.microsoft.com/office/drawing/2010/main">
+                  <a14:imgLayer r:embed="rId3">
+                    <a14:imgEffect>
+                      <a14:backgroundRemoval t="0" b="100000" l="0" r="100000">
+                        <a14:backgroundMark x1="8333" y1="7483" x2="8333" y2="7483"/>
+                        <a14:backgroundMark x1="93000" y1="4989" x2="93000" y2="4989"/>
+                        <a14:backgroundMark x1="7000" y1="91383" x2="7000" y2="91383"/>
+                        <a14:backgroundMark x1="94500" y1="91383" x2="94500" y2="91383"/>
+                      </a14:backgroundRemoval>
+                    </a14:imgEffect>
+                  </a14:imgLayer>
+                </a14:imgProps>
+              </a:ext>
+              <a:ext uri="{28A0092B-C50C-407E-A947-70E740481C1C}">
+                <a14:useLocalDpi xmlns:a14="http://schemas.microsoft.com/office/drawing/2010/main" val="0"/>
+              </a:ext>
+            </a:extLst>
+          </a:blip>
+          <a:stretch>
+            <a:fillRect/>
+          </a:stretch>
+        </p:blipFill>
+        <p:spPr>
+          <a:xfrm>
+            <a:off x="3263966" y="4114800"/>
+            <a:ext cx="316027" cy="232280"/>
+          </a:xfrm>
+          <a:prstGeom prst="rect">
+            <a:avLst/>
+          </a:prstGeom>
+        </p:spPr>
+      </p:pic>
+      <p:pic>
+        <p:nvPicPr>
+          <p:cNvPr id="12" name="Picture 11"/>
+          <p:cNvPicPr>
+            <a:picLocks noChangeAspect="1"/>
+          </p:cNvPicPr>
+          <p:nvPr/>
+        </p:nvPicPr>
+        <p:blipFill>
+          <a:blip r:embed="rId2" cstate="print">
+            <a:extLst>
+              <a:ext uri="{BEBA8EAE-BF5A-486C-A8C5-ECC9F3942E4B}">
+                <a14:imgProps xmlns:a14="http://schemas.microsoft.com/office/drawing/2010/main">
+                  <a14:imgLayer r:embed="rId3">
+                    <a14:imgEffect>
+                      <a14:backgroundRemoval t="0" b="100000" l="0" r="100000">
+                        <a14:backgroundMark x1="8333" y1="7483" x2="8333" y2="7483"/>
+                        <a14:backgroundMark x1="93000" y1="4989" x2="93000" y2="4989"/>
+                        <a14:backgroundMark x1="7000" y1="91383" x2="7000" y2="91383"/>
+                        <a14:backgroundMark x1="94500" y1="91383" x2="94500" y2="91383"/>
+                      </a14:backgroundRemoval>
+                    </a14:imgEffect>
+                  </a14:imgLayer>
+                </a14:imgProps>
+              </a:ext>
+              <a:ext uri="{28A0092B-C50C-407E-A947-70E740481C1C}">
+                <a14:useLocalDpi xmlns:a14="http://schemas.microsoft.com/office/drawing/2010/main" val="0"/>
+              </a:ext>
+            </a:extLst>
+          </a:blip>
+          <a:stretch>
+            <a:fillRect/>
+          </a:stretch>
+        </p:blipFill>
+        <p:spPr>
+          <a:xfrm>
+            <a:off x="3638831" y="4114800"/>
+            <a:ext cx="316027" cy="232280"/>
+          </a:xfrm>
+          <a:prstGeom prst="rect">
+            <a:avLst/>
+          </a:prstGeom>
+        </p:spPr>
+      </p:pic>
+      <p:pic>
+        <p:nvPicPr>
+          <p:cNvPr id="13" name="Picture 12"/>
+          <p:cNvPicPr>
+            <a:picLocks noChangeAspect="1"/>
+          </p:cNvPicPr>
+          <p:nvPr/>
+        </p:nvPicPr>
+        <p:blipFill>
+          <a:blip r:embed="rId2" cstate="print">
+            <a:extLst>
+              <a:ext uri="{BEBA8EAE-BF5A-486C-A8C5-ECC9F3942E4B}">
+                <a14:imgProps xmlns:a14="http://schemas.microsoft.com/office/drawing/2010/main">
+                  <a14:imgLayer r:embed="rId3">
+                    <a14:imgEffect>
+                      <a14:backgroundRemoval t="0" b="100000" l="0" r="100000">
+                        <a14:backgroundMark x1="8333" y1="7483" x2="8333" y2="7483"/>
+                        <a14:backgroundMark x1="93000" y1="4989" x2="93000" y2="4989"/>
+                        <a14:backgroundMark x1="7000" y1="91383" x2="7000" y2="91383"/>
+                        <a14:backgroundMark x1="94500" y1="91383" x2="94500" y2="91383"/>
+                      </a14:backgroundRemoval>
+                    </a14:imgEffect>
+                  </a14:imgLayer>
+                </a14:imgProps>
+              </a:ext>
+              <a:ext uri="{28A0092B-C50C-407E-A947-70E740481C1C}">
+                <a14:useLocalDpi xmlns:a14="http://schemas.microsoft.com/office/drawing/2010/main" val="0"/>
+              </a:ext>
+            </a:extLst>
+          </a:blip>
+          <a:stretch>
+            <a:fillRect/>
+          </a:stretch>
+        </p:blipFill>
+        <p:spPr>
+          <a:xfrm>
+            <a:off x="4027373" y="4120587"/>
+            <a:ext cx="316027" cy="232280"/>
+          </a:xfrm>
+          <a:prstGeom prst="rect">
+            <a:avLst/>
+          </a:prstGeom>
+        </p:spPr>
+      </p:pic>
+      <p:pic>
+        <p:nvPicPr>
+          <p:cNvPr id="14" name="Picture 13"/>
+          <p:cNvPicPr>
+            <a:picLocks noChangeAspect="1"/>
+          </p:cNvPicPr>
+          <p:nvPr/>
+        </p:nvPicPr>
+        <p:blipFill>
+          <a:blip r:embed="rId2" cstate="print">
+            <a:extLst>
+              <a:ext uri="{BEBA8EAE-BF5A-486C-A8C5-ECC9F3942E4B}">
+                <a14:imgProps xmlns:a14="http://schemas.microsoft.com/office/drawing/2010/main">
+                  <a14:imgLayer r:embed="rId3">
+                    <a14:imgEffect>
+                      <a14:backgroundRemoval t="0" b="100000" l="0" r="100000">
+                        <a14:backgroundMark x1="8333" y1="7483" x2="8333" y2="7483"/>
+                        <a14:backgroundMark x1="93000" y1="4989" x2="93000" y2="4989"/>
+                        <a14:backgroundMark x1="7000" y1="91383" x2="7000" y2="91383"/>
+                        <a14:backgroundMark x1="94500" y1="91383" x2="94500" y2="91383"/>
+                      </a14:backgroundRemoval>
+                    </a14:imgEffect>
+                  </a14:imgLayer>
+                </a14:imgProps>
+              </a:ext>
+              <a:ext uri="{28A0092B-C50C-407E-A947-70E740481C1C}">
+                <a14:useLocalDpi xmlns:a14="http://schemas.microsoft.com/office/drawing/2010/main" val="0"/>
+              </a:ext>
+            </a:extLst>
+          </a:blip>
+          <a:stretch>
+            <a:fillRect/>
+          </a:stretch>
+        </p:blipFill>
+        <p:spPr>
+          <a:xfrm>
+            <a:off x="4511312" y="4120587"/>
+            <a:ext cx="316027" cy="232280"/>
+          </a:xfrm>
+          <a:prstGeom prst="rect">
+            <a:avLst/>
+          </a:prstGeom>
+        </p:spPr>
+      </p:pic>
+      <p:pic>
+        <p:nvPicPr>
+          <p:cNvPr id="15" name="Picture 14"/>
+          <p:cNvPicPr>
+            <a:picLocks noChangeAspect="1"/>
+          </p:cNvPicPr>
+          <p:nvPr/>
+        </p:nvPicPr>
+        <p:blipFill>
+          <a:blip r:embed="rId2" cstate="print">
+            <a:extLst>
+              <a:ext uri="{BEBA8EAE-BF5A-486C-A8C5-ECC9F3942E4B}">
+                <a14:imgProps xmlns:a14="http://schemas.microsoft.com/office/drawing/2010/main">
+                  <a14:imgLayer r:embed="rId3">
+                    <a14:imgEffect>
+                      <a14:backgroundRemoval t="0" b="100000" l="0" r="100000">
+                        <a14:backgroundMark x1="8333" y1="7483" x2="8333" y2="7483"/>
+                        <a14:backgroundMark x1="93000" y1="4989" x2="93000" y2="4989"/>
+                        <a14:backgroundMark x1="7000" y1="91383" x2="7000" y2="91383"/>
+                        <a14:backgroundMark x1="94500" y1="91383" x2="94500" y2="91383"/>
+                      </a14:backgroundRemoval>
+                    </a14:imgEffect>
+                  </a14:imgLayer>
+                </a14:imgProps>
+              </a:ext>
+              <a:ext uri="{28A0092B-C50C-407E-A947-70E740481C1C}">
+                <a14:useLocalDpi xmlns:a14="http://schemas.microsoft.com/office/drawing/2010/main" val="0"/>
+              </a:ext>
+            </a:extLst>
+          </a:blip>
+          <a:stretch>
+            <a:fillRect/>
+          </a:stretch>
+        </p:blipFill>
+        <p:spPr>
+          <a:xfrm>
+            <a:off x="4864166" y="4114800"/>
+            <a:ext cx="316027" cy="232280"/>
+          </a:xfrm>
+          <a:prstGeom prst="rect">
+            <a:avLst/>
+          </a:prstGeom>
+        </p:spPr>
+      </p:pic>
+      <p:pic>
+        <p:nvPicPr>
+          <p:cNvPr id="16" name="Picture 15"/>
+          <p:cNvPicPr>
+            <a:picLocks noChangeAspect="1"/>
+          </p:cNvPicPr>
+          <p:nvPr/>
+        </p:nvPicPr>
+        <p:blipFill>
+          <a:blip r:embed="rId2" cstate="print">
+            <a:extLst>
+              <a:ext uri="{BEBA8EAE-BF5A-486C-A8C5-ECC9F3942E4B}">
+                <a14:imgProps xmlns:a14="http://schemas.microsoft.com/office/drawing/2010/main">
+                  <a14:imgLayer r:embed="rId3">
+                    <a14:imgEffect>
+                      <a14:backgroundRemoval t="0" b="100000" l="0" r="100000">
+                        <a14:backgroundMark x1="8333" y1="7483" x2="8333" y2="7483"/>
+                        <a14:backgroundMark x1="93000" y1="4989" x2="93000" y2="4989"/>
+                        <a14:backgroundMark x1="7000" y1="91383" x2="7000" y2="91383"/>
+                        <a14:backgroundMark x1="94500" y1="91383" x2="94500" y2="91383"/>
+                      </a14:backgroundRemoval>
+                    </a14:imgEffect>
+                  </a14:imgLayer>
+                </a14:imgProps>
+              </a:ext>
+              <a:ext uri="{28A0092B-C50C-407E-A947-70E740481C1C}">
+                <a14:useLocalDpi xmlns:a14="http://schemas.microsoft.com/office/drawing/2010/main" val="0"/>
+              </a:ext>
+            </a:extLst>
+          </a:blip>
+          <a:stretch>
+            <a:fillRect/>
+          </a:stretch>
+        </p:blipFill>
+        <p:spPr>
+          <a:xfrm>
+            <a:off x="5239032" y="4120587"/>
+            <a:ext cx="316027" cy="232280"/>
+          </a:xfrm>
+          <a:prstGeom prst="rect">
+            <a:avLst/>
+          </a:prstGeom>
+        </p:spPr>
+      </p:pic>
+      <p:pic>
+        <p:nvPicPr>
+          <p:cNvPr id="17" name="Picture 16"/>
+          <p:cNvPicPr>
+            <a:picLocks noChangeAspect="1"/>
+          </p:cNvPicPr>
+          <p:nvPr/>
+        </p:nvPicPr>
+        <p:blipFill>
+          <a:blip r:embed="rId2" cstate="print">
+            <a:extLst>
+              <a:ext uri="{BEBA8EAE-BF5A-486C-A8C5-ECC9F3942E4B}">
+                <a14:imgProps xmlns:a14="http://schemas.microsoft.com/office/drawing/2010/main">
+                  <a14:imgLayer r:embed="rId3">
+                    <a14:imgEffect>
+                      <a14:backgroundRemoval t="0" b="100000" l="0" r="100000">
+                        <a14:backgroundMark x1="8333" y1="7483" x2="8333" y2="7483"/>
+                        <a14:backgroundMark x1="93000" y1="4989" x2="93000" y2="4989"/>
+                        <a14:backgroundMark x1="7000" y1="91383" x2="7000" y2="91383"/>
+                        <a14:backgroundMark x1="94500" y1="91383" x2="94500" y2="91383"/>
+                      </a14:backgroundRemoval>
+                    </a14:imgEffect>
+                  </a14:imgLayer>
+                </a14:imgProps>
+              </a:ext>
+              <a:ext uri="{28A0092B-C50C-407E-A947-70E740481C1C}">
+                <a14:useLocalDpi xmlns:a14="http://schemas.microsoft.com/office/drawing/2010/main" val="0"/>
+              </a:ext>
+            </a:extLst>
+          </a:blip>
+          <a:stretch>
+            <a:fillRect/>
+          </a:stretch>
+        </p:blipFill>
+        <p:spPr>
+          <a:xfrm>
+            <a:off x="5627573" y="4120587"/>
+            <a:ext cx="316027" cy="232280"/>
+          </a:xfrm>
+          <a:prstGeom prst="rect">
+            <a:avLst/>
+          </a:prstGeom>
+        </p:spPr>
+      </p:pic>
+      <p:cxnSp>
+        <p:nvCxnSpPr>
+          <p:cNvPr id="18" name="Straight Connector 17"/>
+          <p:cNvCxnSpPr>
+            <a:stCxn id="4" idx="2"/>
+            <a:endCxn id="6" idx="0"/>
+          </p:cNvCxnSpPr>
+          <p:nvPr/>
+        </p:nvCxnSpPr>
+        <p:spPr bwMode="auto">
+          <a:xfrm flipH="1">
+            <a:off x="3409171" y="3399462"/>
+            <a:ext cx="345755" cy="221782"/>
+          </a:xfrm>
+          <a:prstGeom prst="line">
+            <a:avLst/>
+          </a:prstGeom>
+          <a:noFill/>
+          <a:ln w="12700" cap="flat" cmpd="sng" algn="ctr">
+            <a:solidFill>
+              <a:srgbClr val="000000"/>
+            </a:solidFill>
+            <a:prstDash val="solid"/>
+            <a:round/>
+            <a:headEnd type="none" w="sm" len="sm"/>
+            <a:tailEnd type="none" w="sm" len="sm"/>
+          </a:ln>
+          <a:effectLst/>
+          <a:extLst>
+            <a:ext uri="{909E8E84-426E-40DD-AFC4-6F175D3DCCD1}">
+              <a14:hiddenFill xmlns:a14="http://schemas.microsoft.com/office/drawing/2010/main">
+                <a:solidFill>
+                  <a:schemeClr val="accent1"/>
+                </a:solidFill>
+              </a14:hiddenFill>
+            </a:ext>
+            <a:ext uri="{AF507438-7753-43E0-B8FC-AC1667EBCBE1}">
+              <a14:hiddenEffects xmlns:a14="http://schemas.microsoft.com/office/drawing/2010/main">
+                <a:effectLst>
+                  <a:outerShdw dist="35921" dir="2700000" algn="ctr" rotWithShape="0">
+                    <a:schemeClr val="bg2"/>
+                  </a:outerShdw>
+                </a:effectLst>
+              </a14:hiddenEffects>
+            </a:ext>
+          </a:extLst>
+        </p:spPr>
+      </p:cxnSp>
+      <p:cxnSp>
+        <p:nvCxnSpPr>
+          <p:cNvPr id="19" name="Straight Connector 18"/>
+          <p:cNvCxnSpPr>
+            <a:stCxn id="4" idx="2"/>
+            <a:endCxn id="7" idx="0"/>
+          </p:cNvCxnSpPr>
+          <p:nvPr/>
+        </p:nvCxnSpPr>
+        <p:spPr bwMode="auto">
+          <a:xfrm>
+            <a:off x="3754926" y="3399462"/>
+            <a:ext cx="228600" cy="214614"/>
+          </a:xfrm>
+          <a:prstGeom prst="line">
+            <a:avLst/>
+          </a:prstGeom>
+          <a:noFill/>
+          <a:ln w="12700" cap="flat" cmpd="sng" algn="ctr">
+            <a:solidFill>
+              <a:srgbClr val="000000"/>
+            </a:solidFill>
+            <a:prstDash val="solid"/>
+            <a:round/>
+            <a:headEnd type="none" w="sm" len="sm"/>
+            <a:tailEnd type="none" w="sm" len="sm"/>
+          </a:ln>
+          <a:effectLst/>
+          <a:extLst>
+            <a:ext uri="{909E8E84-426E-40DD-AFC4-6F175D3DCCD1}">
+              <a14:hiddenFill xmlns:a14="http://schemas.microsoft.com/office/drawing/2010/main">
+                <a:solidFill>
+                  <a:schemeClr val="accent1"/>
+                </a:solidFill>
+              </a14:hiddenFill>
+            </a:ext>
+            <a:ext uri="{AF507438-7753-43E0-B8FC-AC1667EBCBE1}">
+              <a14:hiddenEffects xmlns:a14="http://schemas.microsoft.com/office/drawing/2010/main">
+                <a:effectLst>
+                  <a:outerShdw dist="35921" dir="2700000" algn="ctr" rotWithShape="0">
+                    <a:schemeClr val="bg2"/>
+                  </a:outerShdw>
+                </a:effectLst>
+              </a14:hiddenEffects>
+            </a:ext>
+          </a:extLst>
+        </p:spPr>
+      </p:cxnSp>
+      <p:pic>
+        <p:nvPicPr>
+          <p:cNvPr id="20" name="Picture 19"/>
+          <p:cNvPicPr>
+            <a:picLocks noChangeAspect="1"/>
+          </p:cNvPicPr>
+          <p:nvPr/>
+        </p:nvPicPr>
+        <p:blipFill>
+          <a:blip r:embed="rId2" cstate="print">
+            <a:extLst>
+              <a:ext uri="{BEBA8EAE-BF5A-486C-A8C5-ECC9F3942E4B}">
+                <a14:imgProps xmlns:a14="http://schemas.microsoft.com/office/drawing/2010/main">
+                  <a14:imgLayer r:embed="rId3">
+                    <a14:imgEffect>
+                      <a14:backgroundRemoval t="0" b="100000" l="0" r="100000">
+                        <a14:backgroundMark x1="8333" y1="7483" x2="8333" y2="7483"/>
+                        <a14:backgroundMark x1="93000" y1="4989" x2="93000" y2="4989"/>
+                        <a14:backgroundMark x1="7000" y1="91383" x2="7000" y2="91383"/>
+                        <a14:backgroundMark x1="94500" y1="91383" x2="94500" y2="91383"/>
+                      </a14:backgroundRemoval>
+                    </a14:imgEffect>
+                  </a14:imgLayer>
+                </a14:imgProps>
+              </a:ext>
+              <a:ext uri="{28A0092B-C50C-407E-A947-70E740481C1C}">
+                <a14:useLocalDpi xmlns:a14="http://schemas.microsoft.com/office/drawing/2010/main" val="0"/>
+              </a:ext>
+            </a:extLst>
+          </a:blip>
+          <a:stretch>
+            <a:fillRect/>
+          </a:stretch>
+        </p:blipFill>
+        <p:spPr>
+          <a:xfrm>
+            <a:off x="4291219" y="2793526"/>
+            <a:ext cx="316027" cy="232280"/>
+          </a:xfrm>
+          <a:prstGeom prst="rect">
+            <a:avLst/>
+          </a:prstGeom>
+        </p:spPr>
+      </p:pic>
+      <p:cxnSp>
+        <p:nvCxnSpPr>
+          <p:cNvPr id="21" name="Straight Connector 20"/>
+          <p:cNvCxnSpPr>
+            <a:stCxn id="5" idx="2"/>
+            <a:endCxn id="8" idx="0"/>
+          </p:cNvCxnSpPr>
+          <p:nvPr/>
+        </p:nvCxnSpPr>
+        <p:spPr bwMode="auto">
+          <a:xfrm flipH="1">
+            <a:off x="4771568" y="3382100"/>
+            <a:ext cx="305591" cy="231976"/>
+          </a:xfrm>
+          <a:prstGeom prst="line">
+            <a:avLst/>
+          </a:prstGeom>
+          <a:noFill/>
+          <a:ln w="12700" cap="flat" cmpd="sng" algn="ctr">
+            <a:solidFill>
+              <a:srgbClr val="000000"/>
+            </a:solidFill>
+            <a:prstDash val="solid"/>
+            <a:round/>
+            <a:headEnd type="none" w="sm" len="sm"/>
+            <a:tailEnd type="none" w="sm" len="sm"/>
+          </a:ln>
+          <a:effectLst/>
+          <a:extLst>
+            <a:ext uri="{909E8E84-426E-40DD-AFC4-6F175D3DCCD1}">
+              <a14:hiddenFill xmlns:a14="http://schemas.microsoft.com/office/drawing/2010/main">
+                <a:solidFill>
+                  <a:schemeClr val="accent1"/>
+                </a:solidFill>
+              </a14:hiddenFill>
+            </a:ext>
+            <a:ext uri="{AF507438-7753-43E0-B8FC-AC1667EBCBE1}">
+              <a14:hiddenEffects xmlns:a14="http://schemas.microsoft.com/office/drawing/2010/main">
+                <a:effectLst>
+                  <a:outerShdw dist="35921" dir="2700000" algn="ctr" rotWithShape="0">
+                    <a:schemeClr val="bg2"/>
+                  </a:outerShdw>
+                </a:effectLst>
+              </a14:hiddenEffects>
+            </a:ext>
+          </a:extLst>
+        </p:spPr>
+      </p:cxnSp>
+      <p:cxnSp>
+        <p:nvCxnSpPr>
+          <p:cNvPr id="22" name="Straight Connector 21"/>
+          <p:cNvCxnSpPr>
+            <a:stCxn id="6" idx="2"/>
+            <a:endCxn id="10" idx="0"/>
+          </p:cNvCxnSpPr>
+          <p:nvPr/>
+        </p:nvCxnSpPr>
+        <p:spPr bwMode="auto">
+          <a:xfrm flipH="1">
+            <a:off x="3069126" y="3853524"/>
+            <a:ext cx="340045" cy="267063"/>
+          </a:xfrm>
+          <a:prstGeom prst="line">
+            <a:avLst/>
+          </a:prstGeom>
+          <a:noFill/>
+          <a:ln w="12700" cap="flat" cmpd="sng" algn="ctr">
+            <a:solidFill>
+              <a:srgbClr val="000000"/>
+            </a:solidFill>
+            <a:prstDash val="solid"/>
+            <a:round/>
+            <a:headEnd type="none" w="sm" len="sm"/>
+            <a:tailEnd type="none" w="sm" len="sm"/>
+          </a:ln>
+          <a:effectLst/>
+          <a:extLst>
+            <a:ext uri="{909E8E84-426E-40DD-AFC4-6F175D3DCCD1}">
+              <a14:hiddenFill xmlns:a14="http://schemas.microsoft.com/office/drawing/2010/main">
+                <a:solidFill>
+                  <a:schemeClr val="accent1"/>
+                </a:solidFill>
+              </a14:hiddenFill>
+            </a:ext>
+            <a:ext uri="{AF507438-7753-43E0-B8FC-AC1667EBCBE1}">
+              <a14:hiddenEffects xmlns:a14="http://schemas.microsoft.com/office/drawing/2010/main">
+                <a:effectLst>
+                  <a:outerShdw dist="35921" dir="2700000" algn="ctr" rotWithShape="0">
+                    <a:schemeClr val="bg2"/>
+                  </a:outerShdw>
+                </a:effectLst>
+              </a14:hiddenEffects>
+            </a:ext>
+          </a:extLst>
+        </p:spPr>
+      </p:cxnSp>
+      <p:cxnSp>
+        <p:nvCxnSpPr>
+          <p:cNvPr id="23" name="Straight Connector 22"/>
+          <p:cNvCxnSpPr>
+            <a:stCxn id="7" idx="2"/>
+            <a:endCxn id="12" idx="0"/>
+          </p:cNvCxnSpPr>
+          <p:nvPr/>
+        </p:nvCxnSpPr>
+        <p:spPr bwMode="auto">
+          <a:xfrm flipH="1">
+            <a:off x="3796845" y="3846356"/>
+            <a:ext cx="186681" cy="268444"/>
+          </a:xfrm>
+          <a:prstGeom prst="line">
+            <a:avLst/>
+          </a:prstGeom>
+          <a:noFill/>
+          <a:ln w="12700" cap="flat" cmpd="sng" algn="ctr">
+            <a:solidFill>
+              <a:srgbClr val="000000"/>
+            </a:solidFill>
+            <a:prstDash val="solid"/>
+            <a:round/>
+            <a:headEnd type="none" w="sm" len="sm"/>
+            <a:tailEnd type="none" w="sm" len="sm"/>
+          </a:ln>
+          <a:effectLst/>
+          <a:extLst>
+            <a:ext uri="{909E8E84-426E-40DD-AFC4-6F175D3DCCD1}">
+              <a14:hiddenFill xmlns:a14="http://schemas.microsoft.com/office/drawing/2010/main">
+                <a:solidFill>
+                  <a:schemeClr val="accent1"/>
+                </a:solidFill>
+              </a14:hiddenFill>
+            </a:ext>
+            <a:ext uri="{AF507438-7753-43E0-B8FC-AC1667EBCBE1}">
+              <a14:hiddenEffects xmlns:a14="http://schemas.microsoft.com/office/drawing/2010/main">
+                <a:effectLst>
+                  <a:outerShdw dist="35921" dir="2700000" algn="ctr" rotWithShape="0">
+                    <a:schemeClr val="bg2"/>
+                  </a:outerShdw>
+                </a:effectLst>
+              </a14:hiddenEffects>
+            </a:ext>
+          </a:extLst>
+        </p:spPr>
+      </p:cxnSp>
+      <p:cxnSp>
+        <p:nvCxnSpPr>
+          <p:cNvPr id="24" name="Straight Connector 23"/>
+          <p:cNvCxnSpPr>
+            <a:stCxn id="8" idx="2"/>
+            <a:endCxn id="14" idx="0"/>
+          </p:cNvCxnSpPr>
+          <p:nvPr/>
+        </p:nvCxnSpPr>
+        <p:spPr bwMode="auto">
+          <a:xfrm flipH="1">
+            <a:off x="4669326" y="3846356"/>
+            <a:ext cx="102242" cy="274231"/>
+          </a:xfrm>
+          <a:prstGeom prst="line">
+            <a:avLst/>
+          </a:prstGeom>
+          <a:noFill/>
+          <a:ln w="12700" cap="flat" cmpd="sng" algn="ctr">
+            <a:solidFill>
+              <a:srgbClr val="000000"/>
+            </a:solidFill>
+            <a:prstDash val="solid"/>
+            <a:round/>
+            <a:headEnd type="none" w="sm" len="sm"/>
+            <a:tailEnd type="none" w="sm" len="sm"/>
+          </a:ln>
+          <a:effectLst/>
+          <a:extLst>
+            <a:ext uri="{909E8E84-426E-40DD-AFC4-6F175D3DCCD1}">
+              <a14:hiddenFill xmlns:a14="http://schemas.microsoft.com/office/drawing/2010/main">
+                <a:solidFill>
+                  <a:schemeClr val="accent1"/>
+                </a:solidFill>
+              </a14:hiddenFill>
+            </a:ext>
+            <a:ext uri="{AF507438-7753-43E0-B8FC-AC1667EBCBE1}">
+              <a14:hiddenEffects xmlns:a14="http://schemas.microsoft.com/office/drawing/2010/main">
+                <a:effectLst>
+                  <a:outerShdw dist="35921" dir="2700000" algn="ctr" rotWithShape="0">
+                    <a:schemeClr val="bg2"/>
+                  </a:outerShdw>
+                </a:effectLst>
+              </a14:hiddenEffects>
+            </a:ext>
+          </a:extLst>
+        </p:spPr>
+      </p:cxnSp>
+      <p:cxnSp>
+        <p:nvCxnSpPr>
+          <p:cNvPr id="25" name="Straight Connector 24"/>
+          <p:cNvCxnSpPr>
+            <a:stCxn id="9" idx="2"/>
+            <a:endCxn id="16" idx="0"/>
+          </p:cNvCxnSpPr>
+          <p:nvPr/>
+        </p:nvCxnSpPr>
+        <p:spPr bwMode="auto">
+          <a:xfrm flipH="1">
+            <a:off x="5397046" y="3846356"/>
+            <a:ext cx="23053" cy="274231"/>
+          </a:xfrm>
+          <a:prstGeom prst="line">
+            <a:avLst/>
+          </a:prstGeom>
+          <a:noFill/>
+          <a:ln w="12700" cap="flat" cmpd="sng" algn="ctr">
+            <a:solidFill>
+              <a:srgbClr val="000000"/>
+            </a:solidFill>
+            <a:prstDash val="solid"/>
+            <a:round/>
+            <a:headEnd type="none" w="sm" len="sm"/>
+            <a:tailEnd type="none" w="sm" len="sm"/>
+          </a:ln>
+          <a:effectLst/>
+          <a:extLst>
+            <a:ext uri="{909E8E84-426E-40DD-AFC4-6F175D3DCCD1}">
+              <a14:hiddenFill xmlns:a14="http://schemas.microsoft.com/office/drawing/2010/main">
+                <a:solidFill>
+                  <a:schemeClr val="accent1"/>
+                </a:solidFill>
+              </a14:hiddenFill>
+            </a:ext>
+            <a:ext uri="{AF507438-7753-43E0-B8FC-AC1667EBCBE1}">
+              <a14:hiddenEffects xmlns:a14="http://schemas.microsoft.com/office/drawing/2010/main">
+                <a:effectLst>
+                  <a:outerShdw dist="35921" dir="2700000" algn="ctr" rotWithShape="0">
+                    <a:schemeClr val="bg2"/>
+                  </a:outerShdw>
+                </a:effectLst>
+              </a14:hiddenEffects>
+            </a:ext>
+          </a:extLst>
+        </p:spPr>
+      </p:cxnSp>
+      <p:cxnSp>
+        <p:nvCxnSpPr>
+          <p:cNvPr id="26" name="Straight Connector 25"/>
+          <p:cNvCxnSpPr>
+            <a:stCxn id="9" idx="2"/>
+            <a:endCxn id="17" idx="0"/>
+          </p:cNvCxnSpPr>
+          <p:nvPr/>
+        </p:nvCxnSpPr>
+        <p:spPr bwMode="auto">
+          <a:xfrm>
+            <a:off x="5420099" y="3846356"/>
+            <a:ext cx="365488" cy="274231"/>
+          </a:xfrm>
+          <a:prstGeom prst="line">
+            <a:avLst/>
+          </a:prstGeom>
+          <a:noFill/>
+          <a:ln w="12700" cap="flat" cmpd="sng" algn="ctr">
+            <a:solidFill>
+              <a:srgbClr val="000000"/>
+            </a:solidFill>
+            <a:prstDash val="solid"/>
+            <a:round/>
+            <a:headEnd type="none" w="sm" len="sm"/>
+            <a:tailEnd type="none" w="sm" len="sm"/>
+          </a:ln>
+          <a:effectLst/>
+          <a:extLst>
+            <a:ext uri="{909E8E84-426E-40DD-AFC4-6F175D3DCCD1}">
+              <a14:hiddenFill xmlns:a14="http://schemas.microsoft.com/office/drawing/2010/main">
+                <a:solidFill>
+                  <a:schemeClr val="accent1"/>
+                </a:solidFill>
+              </a14:hiddenFill>
+            </a:ext>
+            <a:ext uri="{AF507438-7753-43E0-B8FC-AC1667EBCBE1}">
+              <a14:hiddenEffects xmlns:a14="http://schemas.microsoft.com/office/drawing/2010/main">
+                <a:effectLst>
+                  <a:outerShdw dist="35921" dir="2700000" algn="ctr" rotWithShape="0">
+                    <a:schemeClr val="bg2"/>
+                  </a:outerShdw>
+                </a:effectLst>
+              </a14:hiddenEffects>
+            </a:ext>
+          </a:extLst>
+        </p:spPr>
+      </p:cxnSp>
+      <p:cxnSp>
+        <p:nvCxnSpPr>
+          <p:cNvPr id="27" name="Straight Connector 26"/>
+          <p:cNvCxnSpPr>
+            <a:stCxn id="8" idx="2"/>
+            <a:endCxn id="15" idx="0"/>
+          </p:cNvCxnSpPr>
+          <p:nvPr/>
+        </p:nvCxnSpPr>
+        <p:spPr bwMode="auto">
+          <a:xfrm>
+            <a:off x="4771568" y="3846356"/>
+            <a:ext cx="250612" cy="268444"/>
+          </a:xfrm>
+          <a:prstGeom prst="line">
+            <a:avLst/>
+          </a:prstGeom>
+          <a:noFill/>
+          <a:ln w="12700" cap="flat" cmpd="sng" algn="ctr">
+            <a:solidFill>
+              <a:srgbClr val="000000"/>
+            </a:solidFill>
+            <a:prstDash val="solid"/>
+            <a:round/>
+            <a:headEnd type="none" w="sm" len="sm"/>
+            <a:tailEnd type="none" w="sm" len="sm"/>
+          </a:ln>
+          <a:effectLst/>
+          <a:extLst>
+            <a:ext uri="{909E8E84-426E-40DD-AFC4-6F175D3DCCD1}">
+              <a14:hiddenFill xmlns:a14="http://schemas.microsoft.com/office/drawing/2010/main">
+                <a:solidFill>
+                  <a:schemeClr val="accent1"/>
+                </a:solidFill>
+              </a14:hiddenFill>
+            </a:ext>
+            <a:ext uri="{AF507438-7753-43E0-B8FC-AC1667EBCBE1}">
+              <a14:hiddenEffects xmlns:a14="http://schemas.microsoft.com/office/drawing/2010/main">
+                <a:effectLst>
+                  <a:outerShdw dist="35921" dir="2700000" algn="ctr" rotWithShape="0">
+                    <a:schemeClr val="bg2"/>
+                  </a:outerShdw>
+                </a:effectLst>
+              </a14:hiddenEffects>
+            </a:ext>
+          </a:extLst>
+        </p:spPr>
+      </p:cxnSp>
+      <p:cxnSp>
+        <p:nvCxnSpPr>
+          <p:cNvPr id="28" name="Straight Connector 27"/>
+          <p:cNvCxnSpPr>
+            <a:stCxn id="5" idx="2"/>
+            <a:endCxn id="9" idx="0"/>
+          </p:cNvCxnSpPr>
+          <p:nvPr/>
+        </p:nvCxnSpPr>
+        <p:spPr bwMode="auto">
+          <a:xfrm>
+            <a:off x="5077159" y="3382100"/>
+            <a:ext cx="342940" cy="231976"/>
+          </a:xfrm>
+          <a:prstGeom prst="line">
+            <a:avLst/>
+          </a:prstGeom>
+          <a:noFill/>
+          <a:ln w="12700" cap="flat" cmpd="sng" algn="ctr">
+            <a:solidFill>
+              <a:srgbClr val="000000"/>
+            </a:solidFill>
+            <a:prstDash val="solid"/>
+            <a:round/>
+            <a:headEnd type="none" w="sm" len="sm"/>
+            <a:tailEnd type="none" w="sm" len="sm"/>
+          </a:ln>
+          <a:effectLst/>
+          <a:extLst>
+            <a:ext uri="{909E8E84-426E-40DD-AFC4-6F175D3DCCD1}">
+              <a14:hiddenFill xmlns:a14="http://schemas.microsoft.com/office/drawing/2010/main">
+                <a:solidFill>
+                  <a:schemeClr val="accent1"/>
+                </a:solidFill>
+              </a14:hiddenFill>
+            </a:ext>
+            <a:ext uri="{AF507438-7753-43E0-B8FC-AC1667EBCBE1}">
+              <a14:hiddenEffects xmlns:a14="http://schemas.microsoft.com/office/drawing/2010/main">
+                <a:effectLst>
+                  <a:outerShdw dist="35921" dir="2700000" algn="ctr" rotWithShape="0">
+                    <a:schemeClr val="bg2"/>
+                  </a:outerShdw>
+                </a:effectLst>
+              </a14:hiddenEffects>
+            </a:ext>
+          </a:extLst>
+        </p:spPr>
+      </p:cxnSp>
+      <p:cxnSp>
+        <p:nvCxnSpPr>
+          <p:cNvPr id="29" name="Straight Connector 28"/>
+          <p:cNvCxnSpPr>
+            <a:stCxn id="6" idx="2"/>
+            <a:endCxn id="11" idx="0"/>
+          </p:cNvCxnSpPr>
+          <p:nvPr/>
+        </p:nvCxnSpPr>
+        <p:spPr bwMode="auto">
+          <a:xfrm>
+            <a:off x="3409171" y="3853524"/>
+            <a:ext cx="12809" cy="261276"/>
+          </a:xfrm>
+          <a:prstGeom prst="line">
+            <a:avLst/>
+          </a:prstGeom>
+          <a:noFill/>
+          <a:ln w="12700" cap="flat" cmpd="sng" algn="ctr">
+            <a:solidFill>
+              <a:srgbClr val="000000"/>
+            </a:solidFill>
+            <a:prstDash val="solid"/>
+            <a:round/>
+            <a:headEnd type="none" w="sm" len="sm"/>
+            <a:tailEnd type="none" w="sm" len="sm"/>
+          </a:ln>
+          <a:effectLst/>
+          <a:extLst>
+            <a:ext uri="{909E8E84-426E-40DD-AFC4-6F175D3DCCD1}">
+              <a14:hiddenFill xmlns:a14="http://schemas.microsoft.com/office/drawing/2010/main">
+                <a:solidFill>
+                  <a:schemeClr val="accent1"/>
+                </a:solidFill>
+              </a14:hiddenFill>
+            </a:ext>
+            <a:ext uri="{AF507438-7753-43E0-B8FC-AC1667EBCBE1}">
+              <a14:hiddenEffects xmlns:a14="http://schemas.microsoft.com/office/drawing/2010/main">
+                <a:effectLst>
+                  <a:outerShdw dist="35921" dir="2700000" algn="ctr" rotWithShape="0">
+                    <a:schemeClr val="bg2"/>
+                  </a:outerShdw>
+                </a:effectLst>
+              </a14:hiddenEffects>
+            </a:ext>
+          </a:extLst>
+        </p:spPr>
+      </p:cxnSp>
+      <p:cxnSp>
+        <p:nvCxnSpPr>
+          <p:cNvPr id="30" name="Straight Connector 29"/>
+          <p:cNvCxnSpPr>
+            <a:stCxn id="7" idx="2"/>
+            <a:endCxn id="13" idx="0"/>
+          </p:cNvCxnSpPr>
+          <p:nvPr/>
+        </p:nvCxnSpPr>
+        <p:spPr bwMode="auto">
+          <a:xfrm>
+            <a:off x="3983526" y="3846356"/>
+            <a:ext cx="201861" cy="274231"/>
+          </a:xfrm>
+          <a:prstGeom prst="line">
+            <a:avLst/>
+          </a:prstGeom>
+          <a:noFill/>
+          <a:ln w="12700" cap="flat" cmpd="sng" algn="ctr">
+            <a:solidFill>
+              <a:srgbClr val="000000"/>
+            </a:solidFill>
+            <a:prstDash val="solid"/>
+            <a:round/>
+            <a:headEnd type="none" w="sm" len="sm"/>
+            <a:tailEnd type="none" w="sm" len="sm"/>
+          </a:ln>
+          <a:effectLst/>
+          <a:extLst>
+            <a:ext uri="{909E8E84-426E-40DD-AFC4-6F175D3DCCD1}">
+              <a14:hiddenFill xmlns:a14="http://schemas.microsoft.com/office/drawing/2010/main">
+                <a:solidFill>
+                  <a:schemeClr val="accent1"/>
+                </a:solidFill>
+              </a14:hiddenFill>
+            </a:ext>
+            <a:ext uri="{AF507438-7753-43E0-B8FC-AC1667EBCBE1}">
+              <a14:hiddenEffects xmlns:a14="http://schemas.microsoft.com/office/drawing/2010/main">
+                <a:effectLst>
+                  <a:outerShdw dist="35921" dir="2700000" algn="ctr" rotWithShape="0">
+                    <a:schemeClr val="bg2"/>
+                  </a:outerShdw>
+                </a:effectLst>
+              </a14:hiddenEffects>
+            </a:ext>
+          </a:extLst>
+        </p:spPr>
+      </p:cxnSp>
+      <p:cxnSp>
+        <p:nvCxnSpPr>
+          <p:cNvPr id="31" name="Straight Connector 30"/>
+          <p:cNvCxnSpPr>
+            <a:stCxn id="20" idx="2"/>
+            <a:endCxn id="4" idx="0"/>
+          </p:cNvCxnSpPr>
+          <p:nvPr/>
+        </p:nvCxnSpPr>
+        <p:spPr bwMode="auto">
+          <a:xfrm flipH="1">
+            <a:off x="3754926" y="3025806"/>
+            <a:ext cx="694307" cy="141376"/>
+          </a:xfrm>
+          <a:prstGeom prst="line">
+            <a:avLst/>
+          </a:prstGeom>
+          <a:noFill/>
+          <a:ln w="12700" cap="flat" cmpd="sng" algn="ctr">
+            <a:solidFill>
+              <a:srgbClr val="000000"/>
+            </a:solidFill>
+            <a:prstDash val="solid"/>
+            <a:round/>
+            <a:headEnd type="none" w="sm" len="sm"/>
+            <a:tailEnd type="none" w="sm" len="sm"/>
+          </a:ln>
+          <a:effectLst/>
+          <a:extLst>
+            <a:ext uri="{909E8E84-426E-40DD-AFC4-6F175D3DCCD1}">
+              <a14:hiddenFill xmlns:a14="http://schemas.microsoft.com/office/drawing/2010/main">
+                <a:solidFill>
+                  <a:schemeClr val="accent1"/>
+                </a:solidFill>
+              </a14:hiddenFill>
+            </a:ext>
+            <a:ext uri="{AF507438-7753-43E0-B8FC-AC1667EBCBE1}">
+              <a14:hiddenEffects xmlns:a14="http://schemas.microsoft.com/office/drawing/2010/main">
+                <a:effectLst>
+                  <a:outerShdw dist="35921" dir="2700000" algn="ctr" rotWithShape="0">
+                    <a:schemeClr val="bg2"/>
+                  </a:outerShdw>
+                </a:effectLst>
+              </a14:hiddenEffects>
+            </a:ext>
+          </a:extLst>
+        </p:spPr>
+      </p:cxnSp>
+      <p:cxnSp>
+        <p:nvCxnSpPr>
+          <p:cNvPr id="32" name="Straight Connector 31"/>
+          <p:cNvCxnSpPr>
+            <a:stCxn id="20" idx="2"/>
+            <a:endCxn id="5" idx="0"/>
+          </p:cNvCxnSpPr>
+          <p:nvPr/>
+        </p:nvCxnSpPr>
+        <p:spPr bwMode="auto">
+          <a:xfrm>
+            <a:off x="4449233" y="3025806"/>
+            <a:ext cx="627926" cy="124014"/>
+          </a:xfrm>
+          <a:prstGeom prst="line">
+            <a:avLst/>
+          </a:prstGeom>
+          <a:noFill/>
+          <a:ln w="12700" cap="flat" cmpd="sng" algn="ctr">
+            <a:solidFill>
+              <a:srgbClr val="000000"/>
+            </a:solidFill>
+            <a:prstDash val="solid"/>
+            <a:round/>
+            <a:headEnd type="none" w="sm" len="sm"/>
+            <a:tailEnd type="none" w="sm" len="sm"/>
+          </a:ln>
+          <a:effectLst/>
+          <a:extLst>
+            <a:ext uri="{909E8E84-426E-40DD-AFC4-6F175D3DCCD1}">
+              <a14:hiddenFill xmlns:a14="http://schemas.microsoft.com/office/drawing/2010/main">
+                <a:solidFill>
+                  <a:schemeClr val="accent1"/>
+                </a:solidFill>
+              </a14:hiddenFill>
+            </a:ext>
+            <a:ext uri="{AF507438-7753-43E0-B8FC-AC1667EBCBE1}">
+              <a14:hiddenEffects xmlns:a14="http://schemas.microsoft.com/office/drawing/2010/main">
+                <a:effectLst>
+                  <a:outerShdw dist="35921" dir="2700000" algn="ctr" rotWithShape="0">
+                    <a:schemeClr val="bg2"/>
+                  </a:outerShdw>
+                </a:effectLst>
+              </a14:hiddenEffects>
+            </a:ext>
+          </a:extLst>
+        </p:spPr>
+      </p:cxnSp>
+      <p:cxnSp>
+        <p:nvCxnSpPr>
+          <p:cNvPr id="34" name="Straight Connector 33"/>
+          <p:cNvCxnSpPr>
+            <a:stCxn id="14" idx="2"/>
+          </p:cNvCxnSpPr>
+          <p:nvPr/>
+        </p:nvCxnSpPr>
+        <p:spPr bwMode="auto">
+          <a:xfrm flipH="1">
+            <a:off x="4484944" y="4352867"/>
+            <a:ext cx="184382" cy="197352"/>
+          </a:xfrm>
+          <a:prstGeom prst="line">
+            <a:avLst/>
+          </a:prstGeom>
+          <a:noFill/>
+          <a:ln w="28575" cap="flat" cmpd="sng" algn="ctr">
+            <a:solidFill>
+              <a:srgbClr val="000000"/>
+            </a:solidFill>
+            <a:prstDash val="sysDot"/>
+            <a:round/>
+            <a:headEnd type="none" w="sm" len="sm"/>
+            <a:tailEnd type="none" w="sm" len="sm"/>
+          </a:ln>
+          <a:effectLst/>
+          <a:extLst>
+            <a:ext uri="{909E8E84-426E-40DD-AFC4-6F175D3DCCD1}">
+              <a14:hiddenFill xmlns:a14="http://schemas.microsoft.com/office/drawing/2010/main">
+                <a:solidFill>
+                  <a:schemeClr val="accent1"/>
+                </a:solidFill>
+              </a14:hiddenFill>
+            </a:ext>
+            <a:ext uri="{AF507438-7753-43E0-B8FC-AC1667EBCBE1}">
+              <a14:hiddenEffects xmlns:a14="http://schemas.microsoft.com/office/drawing/2010/main">
+                <a:effectLst>
+                  <a:outerShdw dist="35921" dir="2700000" algn="ctr" rotWithShape="0">
+                    <a:schemeClr val="bg2"/>
+                  </a:outerShdw>
+                </a:effectLst>
+              </a14:hiddenEffects>
+            </a:ext>
+          </a:extLst>
+        </p:spPr>
+      </p:cxnSp>
+      <p:sp>
+        <p:nvSpPr>
+          <p:cNvPr id="36" name="Rounded Rectangle 35"/>
+          <p:cNvSpPr/>
+          <p:nvPr/>
+        </p:nvSpPr>
+        <p:spPr>
+          <a:xfrm>
+            <a:off x="4135809" y="2237430"/>
+            <a:ext cx="626845" cy="353686"/>
+          </a:xfrm>
+          <a:prstGeom prst="roundRect">
+            <a:avLst/>
+          </a:prstGeom>
+          <a:solidFill>
+            <a:schemeClr val="tx2">
+              <a:lumMod val="20000"/>
+              <a:lumOff val="80000"/>
+            </a:schemeClr>
+          </a:solidFill>
+        </p:spPr>
+        <p:style>
+          <a:lnRef idx="2">
+            <a:schemeClr val="accent1">
+              <a:shade val="50000"/>
+            </a:schemeClr>
+          </a:lnRef>
+          <a:fillRef idx="1">
+            <a:schemeClr val="accent1"/>
+          </a:fillRef>
+          <a:effectRef idx="0">
+            <a:schemeClr val="accent1"/>
+          </a:effectRef>
+          <a:fontRef idx="minor">
+            <a:schemeClr val="lt1"/>
+          </a:fontRef>
+        </p:style>
+        <p:txBody>
+          <a:bodyPr rtlCol="0" anchor="ctr"/>
+          <a:lstStyle/>
+          <a:p>
+            <a:pPr algn="ctr"/>
+            <a:r>
+              <a:rPr lang="en-US" dirty="0" smtClean="0">
+                <a:solidFill>
+                  <a:sysClr val="windowText" lastClr="000000"/>
+                </a:solidFill>
+              </a:rPr>
+              <a:t>SR</a:t>
+            </a:r>
+            <a:endParaRPr lang="en-US" dirty="0">
+              <a:solidFill>
+                <a:sysClr val="windowText" lastClr="000000"/>
+              </a:solidFill>
+            </a:endParaRPr>
+          </a:p>
+        </p:txBody>
+      </p:sp>
+      <p:cxnSp>
+        <p:nvCxnSpPr>
+          <p:cNvPr id="37" name="Straight Connector 36"/>
+          <p:cNvCxnSpPr>
+            <a:stCxn id="36" idx="2"/>
+            <a:endCxn id="20" idx="0"/>
+          </p:cNvCxnSpPr>
+          <p:nvPr/>
+        </p:nvCxnSpPr>
+        <p:spPr bwMode="auto">
+          <a:xfrm>
+            <a:off x="4449232" y="2591116"/>
+            <a:ext cx="1" cy="202410"/>
+          </a:xfrm>
+          <a:prstGeom prst="line">
+            <a:avLst/>
+          </a:prstGeom>
+          <a:noFill/>
+          <a:ln w="12700" cap="flat" cmpd="sng" algn="ctr">
+            <a:solidFill>
+              <a:srgbClr val="000000"/>
+            </a:solidFill>
+            <a:prstDash val="solid"/>
+            <a:round/>
+            <a:headEnd type="none" w="sm" len="sm"/>
+            <a:tailEnd type="none" w="sm" len="sm"/>
+          </a:ln>
+          <a:effectLst/>
+          <a:extLst>
+            <a:ext uri="{909E8E84-426E-40DD-AFC4-6F175D3DCCD1}">
+              <a14:hiddenFill xmlns:a14="http://schemas.microsoft.com/office/drawing/2010/main">
+                <a:solidFill>
+                  <a:schemeClr val="accent1"/>
+                </a:solidFill>
+              </a14:hiddenFill>
+            </a:ext>
+            <a:ext uri="{AF507438-7753-43E0-B8FC-AC1667EBCBE1}">
+              <a14:hiddenEffects xmlns:a14="http://schemas.microsoft.com/office/drawing/2010/main">
+                <a:effectLst>
+                  <a:outerShdw dist="35921" dir="2700000" algn="ctr" rotWithShape="0">
+                    <a:schemeClr val="bg2"/>
+                  </a:outerShdw>
+                </a:effectLst>
+              </a14:hiddenEffects>
+            </a:ext>
+          </a:extLst>
+        </p:spPr>
+      </p:cxnSp>
+      <p:sp>
+        <p:nvSpPr>
+          <p:cNvPr id="38" name="Rounded Rectangle 37"/>
+          <p:cNvSpPr/>
+          <p:nvPr/>
+        </p:nvSpPr>
+        <p:spPr>
+          <a:xfrm>
+            <a:off x="2631997" y="4551721"/>
+            <a:ext cx="626845" cy="353686"/>
+          </a:xfrm>
+          <a:prstGeom prst="roundRect">
+            <a:avLst/>
+          </a:prstGeom>
+          <a:solidFill>
+            <a:schemeClr val="tx2">
+              <a:lumMod val="20000"/>
+              <a:lumOff val="80000"/>
+            </a:schemeClr>
+          </a:solidFill>
+        </p:spPr>
+        <p:style>
+          <a:lnRef idx="2">
+            <a:schemeClr val="accent1">
+              <a:shade val="50000"/>
+            </a:schemeClr>
+          </a:lnRef>
+          <a:fillRef idx="1">
+            <a:schemeClr val="accent1"/>
+          </a:fillRef>
+          <a:effectRef idx="0">
+            <a:schemeClr val="accent1"/>
+          </a:effectRef>
+          <a:fontRef idx="minor">
+            <a:schemeClr val="lt1"/>
+          </a:fontRef>
+        </p:style>
+        <p:txBody>
+          <a:bodyPr rtlCol="0" anchor="ctr"/>
+          <a:lstStyle/>
+          <a:p>
+            <a:pPr algn="ctr"/>
+            <a:r>
+              <a:rPr lang="en-US" dirty="0" smtClean="0">
+                <a:solidFill>
+                  <a:sysClr val="windowText" lastClr="000000"/>
+                </a:solidFill>
+              </a:rPr>
+              <a:t>SH</a:t>
+            </a:r>
+            <a:endParaRPr lang="en-US" dirty="0">
+              <a:solidFill>
+                <a:sysClr val="windowText" lastClr="000000"/>
+              </a:solidFill>
+            </a:endParaRPr>
+          </a:p>
+        </p:txBody>
+      </p:sp>
+      <p:sp>
+        <p:nvSpPr>
+          <p:cNvPr id="39" name="Rounded Rectangle 38"/>
+          <p:cNvSpPr/>
+          <p:nvPr/>
+        </p:nvSpPr>
+        <p:spPr>
+          <a:xfrm>
+            <a:off x="4139328" y="4551721"/>
+            <a:ext cx="626845" cy="353686"/>
+          </a:xfrm>
+          <a:prstGeom prst="roundRect">
+            <a:avLst/>
+          </a:prstGeom>
+          <a:solidFill>
+            <a:schemeClr val="tx2">
+              <a:lumMod val="20000"/>
+              <a:lumOff val="80000"/>
+            </a:schemeClr>
+          </a:solidFill>
+        </p:spPr>
+        <p:style>
+          <a:lnRef idx="2">
+            <a:schemeClr val="accent1">
+              <a:shade val="50000"/>
+            </a:schemeClr>
+          </a:lnRef>
+          <a:fillRef idx="1">
+            <a:schemeClr val="accent1"/>
+          </a:fillRef>
+          <a:effectRef idx="0">
+            <a:schemeClr val="accent1"/>
+          </a:effectRef>
+          <a:fontRef idx="minor">
+            <a:schemeClr val="lt1"/>
+          </a:fontRef>
+        </p:style>
+        <p:txBody>
+          <a:bodyPr rtlCol="0" anchor="ctr"/>
+          <a:lstStyle/>
+          <a:p>
+            <a:pPr algn="ctr"/>
+            <a:r>
+              <a:rPr lang="en-US" dirty="0" smtClean="0">
+                <a:solidFill>
+                  <a:sysClr val="windowText" lastClr="000000"/>
+                </a:solidFill>
+              </a:rPr>
+              <a:t>SH</a:t>
+            </a:r>
+            <a:endParaRPr lang="en-US" dirty="0">
+              <a:solidFill>
+                <a:sysClr val="windowText" lastClr="000000"/>
+              </a:solidFill>
+            </a:endParaRPr>
+          </a:p>
+        </p:txBody>
+      </p:sp>
+      <p:sp>
+        <p:nvSpPr>
+          <p:cNvPr id="40" name="Rounded Rectangle 39"/>
+          <p:cNvSpPr/>
+          <p:nvPr/>
+        </p:nvSpPr>
+        <p:spPr>
+          <a:xfrm>
+            <a:off x="4928214" y="4551721"/>
+            <a:ext cx="626845" cy="353686"/>
+          </a:xfrm>
+          <a:prstGeom prst="roundRect">
+            <a:avLst/>
+          </a:prstGeom>
+          <a:solidFill>
+            <a:schemeClr val="tx2">
+              <a:lumMod val="20000"/>
+              <a:lumOff val="80000"/>
+            </a:schemeClr>
+          </a:solidFill>
+        </p:spPr>
+        <p:style>
+          <a:lnRef idx="2">
+            <a:schemeClr val="accent1">
+              <a:shade val="50000"/>
+            </a:schemeClr>
+          </a:lnRef>
+          <a:fillRef idx="1">
+            <a:schemeClr val="accent1"/>
+          </a:fillRef>
+          <a:effectRef idx="0">
+            <a:schemeClr val="accent1"/>
+          </a:effectRef>
+          <a:fontRef idx="minor">
+            <a:schemeClr val="lt1"/>
+          </a:fontRef>
+        </p:style>
+        <p:txBody>
+          <a:bodyPr rtlCol="0" anchor="ctr"/>
+          <a:lstStyle/>
+          <a:p>
+            <a:pPr algn="ctr"/>
+            <a:r>
+              <a:rPr lang="en-US" dirty="0" smtClean="0">
+                <a:solidFill>
+                  <a:sysClr val="windowText" lastClr="000000"/>
+                </a:solidFill>
+              </a:rPr>
+              <a:t>SH</a:t>
+            </a:r>
+            <a:endParaRPr lang="en-US" dirty="0">
+              <a:solidFill>
+                <a:sysClr val="windowText" lastClr="000000"/>
+              </a:solidFill>
+            </a:endParaRPr>
+          </a:p>
+        </p:txBody>
+      </p:sp>
+      <p:cxnSp>
+        <p:nvCxnSpPr>
+          <p:cNvPr id="41" name="Straight Connector 40"/>
+          <p:cNvCxnSpPr>
+            <a:stCxn id="10" idx="2"/>
+          </p:cNvCxnSpPr>
+          <p:nvPr/>
+        </p:nvCxnSpPr>
+        <p:spPr bwMode="auto">
+          <a:xfrm flipH="1">
+            <a:off x="2884743" y="4352867"/>
+            <a:ext cx="184383" cy="197352"/>
+          </a:xfrm>
+          <a:prstGeom prst="line">
+            <a:avLst/>
+          </a:prstGeom>
+          <a:noFill/>
+          <a:ln w="28575" cap="flat" cmpd="sng" algn="ctr">
+            <a:solidFill>
+              <a:srgbClr val="000000"/>
+            </a:solidFill>
+            <a:prstDash val="sysDot"/>
+            <a:round/>
+            <a:headEnd type="none" w="sm" len="sm"/>
+            <a:tailEnd type="none" w="sm" len="sm"/>
+          </a:ln>
+          <a:effectLst/>
+          <a:extLst>
+            <a:ext uri="{909E8E84-426E-40DD-AFC4-6F175D3DCCD1}">
+              <a14:hiddenFill xmlns:a14="http://schemas.microsoft.com/office/drawing/2010/main">
+                <a:solidFill>
+                  <a:schemeClr val="accent1"/>
+                </a:solidFill>
+              </a14:hiddenFill>
+            </a:ext>
+            <a:ext uri="{AF507438-7753-43E0-B8FC-AC1667EBCBE1}">
+              <a14:hiddenEffects xmlns:a14="http://schemas.microsoft.com/office/drawing/2010/main">
+                <a:effectLst>
+                  <a:outerShdw dist="35921" dir="2700000" algn="ctr" rotWithShape="0">
+                    <a:schemeClr val="bg2"/>
+                  </a:outerShdw>
+                </a:effectLst>
+              </a14:hiddenEffects>
+            </a:ext>
+          </a:extLst>
+        </p:spPr>
+      </p:cxnSp>
+      <p:cxnSp>
+        <p:nvCxnSpPr>
+          <p:cNvPr id="43" name="Straight Connector 42"/>
+          <p:cNvCxnSpPr>
+            <a:stCxn id="16" idx="2"/>
+            <a:endCxn id="40" idx="0"/>
+          </p:cNvCxnSpPr>
+          <p:nvPr/>
+        </p:nvCxnSpPr>
+        <p:spPr bwMode="auto">
+          <a:xfrm flipH="1">
+            <a:off x="5241637" y="4352867"/>
+            <a:ext cx="155409" cy="198854"/>
+          </a:xfrm>
+          <a:prstGeom prst="line">
+            <a:avLst/>
+          </a:prstGeom>
+          <a:noFill/>
+          <a:ln w="28575" cap="flat" cmpd="sng" algn="ctr">
+            <a:solidFill>
+              <a:srgbClr val="000000"/>
+            </a:solidFill>
+            <a:prstDash val="sysDot"/>
+            <a:round/>
+            <a:headEnd type="none" w="sm" len="sm"/>
+            <a:tailEnd type="none" w="sm" len="sm"/>
+          </a:ln>
+          <a:effectLst/>
+          <a:extLst>
+            <a:ext uri="{909E8E84-426E-40DD-AFC4-6F175D3DCCD1}">
+              <a14:hiddenFill xmlns:a14="http://schemas.microsoft.com/office/drawing/2010/main">
+                <a:solidFill>
+                  <a:schemeClr val="accent1"/>
+                </a:solidFill>
+              </a14:hiddenFill>
+            </a:ext>
+            <a:ext uri="{AF507438-7753-43E0-B8FC-AC1667EBCBE1}">
+              <a14:hiddenEffects xmlns:a14="http://schemas.microsoft.com/office/drawing/2010/main">
+                <a:effectLst>
+                  <a:outerShdw dist="35921" dir="2700000" algn="ctr" rotWithShape="0">
+                    <a:schemeClr val="bg2"/>
+                  </a:outerShdw>
+                </a:effectLst>
+              </a14:hiddenEffects>
+            </a:ext>
+          </a:extLst>
+        </p:spPr>
+      </p:cxnSp>
+    </p:spTree>
+    <p:extLst>
+      <p:ext uri="{BB962C8B-B14F-4D97-AF65-F5344CB8AC3E}">
+        <p14:creationId xmlns:p14="http://schemas.microsoft.com/office/powerpoint/2010/main" val="2043603986"/>
       </p:ext>
     </p:extLst>
   </p:cSld>

--- a/figure/paper_drawing.pptx
+++ b/figure/paper_drawing.pptx
@@ -4057,8 +4057,19 @@
                 <a:latin typeface="Times New Roman" pitchFamily="18" charset="0"/>
                 <a:cs typeface="Arial" pitchFamily="34" charset="0"/>
               </a:rPr>
-              <a:t>Device Service Discovery</a:t>
+              <a:t>Device </a:t>
             </a:r>
+            <a:r>
+              <a:rPr lang="en-US" sz="1600" dirty="0" smtClean="0">
+                <a:latin typeface="Times New Roman" pitchFamily="18" charset="0"/>
+                <a:cs typeface="Arial" pitchFamily="34" charset="0"/>
+              </a:rPr>
+              <a:t>Discovery</a:t>
+            </a:r>
+            <a:endParaRPr lang="en-US" sz="1600" dirty="0">
+              <a:latin typeface="Times New Roman" pitchFamily="18" charset="0"/>
+              <a:cs typeface="Arial" pitchFamily="34" charset="0"/>
+            </a:endParaRPr>
           </a:p>
         </p:txBody>
       </p:sp>
@@ -5027,7 +5038,7 @@
         </p:nvSpPr>
         <p:spPr bwMode="auto">
           <a:xfrm>
-            <a:off x="3206114" y="1699690"/>
+            <a:off x="3209887" y="1303357"/>
             <a:ext cx="2514601" cy="586310"/>
           </a:xfrm>
           <a:prstGeom prst="roundRect">
@@ -5319,7 +5330,7 @@
         </p:nvSpPr>
         <p:spPr bwMode="auto">
           <a:xfrm>
-            <a:off x="3205174" y="1303357"/>
+            <a:off x="3196121" y="1974520"/>
             <a:ext cx="2515541" cy="342900"/>
           </a:xfrm>
           <a:prstGeom prst="roundRect">
@@ -8630,14 +8641,14 @@
           <p:nvPr>
             <p:extLst>
               <p:ext uri="{D42A27DB-BD31-4B8C-83A1-F6EECF244321}">
-                <p14:modId xmlns:p14="http://schemas.microsoft.com/office/powerpoint/2010/main" val="2131707655"/>
+                <p14:modId xmlns:p14="http://schemas.microsoft.com/office/powerpoint/2010/main" val="2174921693"/>
               </p:ext>
             </p:extLst>
           </p:nvPr>
         </p:nvGraphicFramePr>
         <p:xfrm>
-          <a:off x="5772150" y="3581400"/>
-          <a:ext cx="1066800" cy="1381760"/>
+          <a:off x="5772150" y="3962400"/>
+          <a:ext cx="1390650" cy="1483360"/>
         </p:xfrm>
         <a:graphic>
           <a:graphicData uri="http://schemas.openxmlformats.org/drawingml/2006/table">
@@ -8646,7 +8657,7 @@
                 <a:tableStyleId>{5940675A-B579-460E-94D1-54222C63F5DA}</a:tableStyleId>
               </a:tblPr>
               <a:tblGrid>
-                <a:gridCol w="1066800"/>
+                <a:gridCol w="1390650"/>
               </a:tblGrid>
               <a:tr h="370840">
                 <a:tc>
@@ -8656,12 +8667,25 @@
                     <a:p>
                       <a:pPr algn="ctr"/>
                       <a:r>
-                        <a:rPr lang="en-US" b="1" dirty="0" err="1" smtClean="0"/>
-                        <a:t>IoT</a:t>
+                        <a:rPr lang="en-US" b="1" dirty="0" smtClean="0"/>
+                        <a:t>Apps</a:t>
                       </a:r>
+                      <a:endParaRPr lang="en-US" b="1" dirty="0"/>
+                    </a:p>
+                  </a:txBody>
+                  <a:tcPr/>
+                </a:tc>
+              </a:tr>
+              <a:tr h="370840">
+                <a:tc>
+                  <a:txBody>
+                    <a:bodyPr/>
+                    <a:lstStyle/>
+                    <a:p>
+                      <a:pPr algn="ctr"/>
                       <a:r>
                         <a:rPr lang="en-US" b="1" dirty="0" smtClean="0"/>
-                        <a:t> Server</a:t>
+                        <a:t>Middleware</a:t>
                       </a:r>
                       <a:endParaRPr lang="en-US" b="1" dirty="0"/>
                     </a:p>
@@ -8732,14 +8756,14 @@
           <p:nvPr>
             <p:extLst>
               <p:ext uri="{D42A27DB-BD31-4B8C-83A1-F6EECF244321}">
-                <p14:modId xmlns:p14="http://schemas.microsoft.com/office/powerpoint/2010/main" val="1100076737"/>
+                <p14:modId xmlns:p14="http://schemas.microsoft.com/office/powerpoint/2010/main" val="507868102"/>
               </p:ext>
             </p:extLst>
           </p:nvPr>
         </p:nvGraphicFramePr>
         <p:xfrm>
           <a:off x="5791200" y="1220378"/>
-          <a:ext cx="1371600" cy="1656080"/>
+          <a:ext cx="1371600" cy="2056222"/>
         </p:xfrm>
         <a:graphic>
           <a:graphicData uri="http://schemas.openxmlformats.org/drawingml/2006/table">
@@ -8758,10 +8782,27 @@
                     <a:p>
                       <a:pPr algn="ctr"/>
                       <a:r>
-                        <a:rPr lang="en-US" b="1" dirty="0" smtClean="0"/>
-                        <a:t>Aggregator</a:t>
+                        <a:rPr lang="en-US" b="0" dirty="0" smtClean="0"/>
+                        <a:t>Apps</a:t>
                       </a:r>
-                      <a:endParaRPr lang="en-US" b="1" dirty="0"/>
+                      <a:endParaRPr lang="en-US" b="0" dirty="0"/>
+                    </a:p>
+                  </a:txBody>
+                  <a:tcPr/>
+                </a:tc>
+              </a:tr>
+              <a:tr h="370840">
+                <a:tc>
+                  <a:txBody>
+                    <a:bodyPr/>
+                    <a:lstStyle/>
+                    <a:p>
+                      <a:pPr algn="ctr"/>
+                      <a:r>
+                        <a:rPr lang="en-US" b="0" dirty="0" smtClean="0"/>
+                        <a:t>Middleware</a:t>
+                      </a:r>
+                      <a:endParaRPr lang="en-US" b="0" dirty="0"/>
                     </a:p>
                   </a:txBody>
                   <a:tcPr/>
@@ -8784,17 +8825,17 @@
                   <a:tcPr/>
                 </a:tc>
               </a:tr>
-              <a:tr h="370840">
+              <a:tr h="943702">
                 <a:tc>
                   <a:txBody>
                     <a:bodyPr/>
                     <a:lstStyle/>
                     <a:p>
                       <a:r>
-                        <a:rPr lang="en-US" dirty="0" smtClean="0"/>
+                        <a:rPr lang="en-US" b="0" dirty="0" smtClean="0"/>
                         <a:t>802.15.4/BLE/802.11/Cellular</a:t>
                       </a:r>
-                      <a:endParaRPr lang="en-US" dirty="0"/>
+                      <a:endParaRPr lang="en-US" b="0" dirty="0"/>
                     </a:p>
                   </a:txBody>
                   <a:tcPr/>
@@ -8813,14 +8854,14 @@
           <p:nvPr>
             <p:extLst>
               <p:ext uri="{D42A27DB-BD31-4B8C-83A1-F6EECF244321}">
-                <p14:modId xmlns:p14="http://schemas.microsoft.com/office/powerpoint/2010/main" val="3671220500"/>
+                <p14:modId xmlns:p14="http://schemas.microsoft.com/office/powerpoint/2010/main" val="795675898"/>
               </p:ext>
             </p:extLst>
           </p:nvPr>
         </p:nvGraphicFramePr>
         <p:xfrm>
-          <a:off x="2725350" y="3581400"/>
-          <a:ext cx="1371600" cy="1381760"/>
+          <a:off x="2725350" y="3962400"/>
+          <a:ext cx="1371600" cy="1752600"/>
         </p:xfrm>
         <a:graphic>
           <a:graphicData uri="http://schemas.openxmlformats.org/drawingml/2006/table">
@@ -8840,7 +8881,24 @@
                       <a:pPr algn="ctr"/>
                       <a:r>
                         <a:rPr lang="en-US" b="1" dirty="0" smtClean="0"/>
-                        <a:t>LSG</a:t>
+                        <a:t>Apps</a:t>
+                      </a:r>
+                      <a:endParaRPr lang="en-US" b="1" dirty="0"/>
+                    </a:p>
+                  </a:txBody>
+                  <a:tcPr/>
+                </a:tc>
+              </a:tr>
+              <a:tr h="370840">
+                <a:tc>
+                  <a:txBody>
+                    <a:bodyPr/>
+                    <a:lstStyle/>
+                    <a:p>
+                      <a:pPr algn="ctr"/>
+                      <a:r>
+                        <a:rPr lang="en-US" b="1" dirty="0" err="1" smtClean="0"/>
+                        <a:t>Middlware</a:t>
                       </a:r>
                       <a:endParaRPr lang="en-US" b="1" dirty="0"/>
                     </a:p>
@@ -8895,13 +8953,13 @@
           <p:nvPr>
             <p:extLst>
               <p:ext uri="{D42A27DB-BD31-4B8C-83A1-F6EECF244321}">
-                <p14:modId xmlns:p14="http://schemas.microsoft.com/office/powerpoint/2010/main" val="2022429147"/>
+                <p14:modId xmlns:p14="http://schemas.microsoft.com/office/powerpoint/2010/main" val="1857320249"/>
               </p:ext>
             </p:extLst>
           </p:nvPr>
         </p:nvGraphicFramePr>
         <p:xfrm>
-          <a:off x="4267200" y="1219200"/>
+          <a:off x="4267200" y="1630673"/>
           <a:ext cx="1180514" cy="960127"/>
         </p:xfrm>
         <a:graphic>
@@ -8959,13 +9017,13 @@
           <p:nvPr>
             <p:extLst>
               <p:ext uri="{D42A27DB-BD31-4B8C-83A1-F6EECF244321}">
-                <p14:modId xmlns:p14="http://schemas.microsoft.com/office/powerpoint/2010/main" val="1574237816"/>
+                <p14:modId xmlns:p14="http://schemas.microsoft.com/office/powerpoint/2010/main" val="3176124035"/>
               </p:ext>
             </p:extLst>
           </p:nvPr>
         </p:nvGraphicFramePr>
         <p:xfrm>
-          <a:off x="1066800" y="3581400"/>
+          <a:off x="1066800" y="4267200"/>
           <a:ext cx="1328078" cy="2209800"/>
         </p:xfrm>
         <a:graphic>
@@ -9054,7 +9112,7 @@
         </p:nvCxnSpPr>
         <p:spPr bwMode="auto">
           <a:xfrm>
-            <a:off x="5486400" y="1402087"/>
+            <a:off x="5486400" y="1813560"/>
             <a:ext cx="304800" cy="0"/>
           </a:xfrm>
           <a:prstGeom prst="line">
@@ -9099,7 +9157,7 @@
         </p:nvCxnSpPr>
         <p:spPr bwMode="auto">
           <a:xfrm flipH="1">
-            <a:off x="5486400" y="1402087"/>
+            <a:off x="5486400" y="1813560"/>
             <a:ext cx="304800" cy="646331"/>
           </a:xfrm>
           <a:prstGeom prst="line">
@@ -9144,7 +9202,7 @@
         </p:nvCxnSpPr>
         <p:spPr bwMode="auto">
           <a:xfrm>
-            <a:off x="2420550" y="3799813"/>
+            <a:off x="2420550" y="4485613"/>
             <a:ext cx="304800" cy="0"/>
           </a:xfrm>
           <a:prstGeom prst="line">
@@ -9189,7 +9247,7 @@
         </p:nvCxnSpPr>
         <p:spPr bwMode="auto">
           <a:xfrm flipV="1">
-            <a:off x="2420550" y="3799814"/>
+            <a:off x="2420550" y="4485614"/>
             <a:ext cx="304800" cy="1915186"/>
           </a:xfrm>
           <a:prstGeom prst="line">
@@ -9235,13 +9293,13 @@
           <p:nvPr>
             <p:extLst>
               <p:ext uri="{D42A27DB-BD31-4B8C-83A1-F6EECF244321}">
-                <p14:modId xmlns:p14="http://schemas.microsoft.com/office/powerpoint/2010/main" val="1128143106"/>
+                <p14:modId xmlns:p14="http://schemas.microsoft.com/office/powerpoint/2010/main" val="3787210952"/>
               </p:ext>
             </p:extLst>
           </p:nvPr>
         </p:nvGraphicFramePr>
         <p:xfrm>
-          <a:off x="4249350" y="3581400"/>
+          <a:off x="4249350" y="4191000"/>
           <a:ext cx="1180514" cy="457200"/>
         </p:xfrm>
         <a:graphic>
@@ -9286,7 +9344,7 @@
         </p:nvCxnSpPr>
         <p:spPr bwMode="auto">
           <a:xfrm>
-            <a:off x="5468550" y="3764280"/>
+            <a:off x="5468550" y="4373880"/>
             <a:ext cx="322650" cy="0"/>
           </a:xfrm>
           <a:prstGeom prst="line">
@@ -9331,7 +9389,7 @@
         </p:nvCxnSpPr>
         <p:spPr bwMode="auto">
           <a:xfrm flipV="1">
-            <a:off x="5468550" y="3764280"/>
+            <a:off x="5468550" y="4373880"/>
             <a:ext cx="322650" cy="198120"/>
           </a:xfrm>
           <a:prstGeom prst="line">
@@ -9377,14 +9435,14 @@
           <p:nvPr>
             <p:extLst>
               <p:ext uri="{D42A27DB-BD31-4B8C-83A1-F6EECF244321}">
-                <p14:modId xmlns:p14="http://schemas.microsoft.com/office/powerpoint/2010/main" val="3561804321"/>
+                <p14:modId xmlns:p14="http://schemas.microsoft.com/office/powerpoint/2010/main" val="3534238016"/>
               </p:ext>
             </p:extLst>
           </p:nvPr>
         </p:nvGraphicFramePr>
         <p:xfrm>
           <a:off x="2743200" y="1244600"/>
-          <a:ext cx="1371600" cy="1651000"/>
+          <a:ext cx="1371600" cy="1752600"/>
         </p:xfrm>
         <a:graphic>
           <a:graphicData uri="http://schemas.openxmlformats.org/drawingml/2006/table">
@@ -9403,14 +9461,27 @@
                     <a:p>
                       <a:pPr algn="ctr"/>
                       <a:r>
-                        <a:rPr lang="en-US" b="1" dirty="0" smtClean="0"/>
-                        <a:t>Embedded</a:t>
+                        <a:rPr lang="en-US" b="0" dirty="0" smtClean="0"/>
+                        <a:t>Apps</a:t>
                       </a:r>
+                      <a:endParaRPr lang="en-US" b="0" dirty="0"/>
+                    </a:p>
+                  </a:txBody>
+                  <a:tcPr/>
+                </a:tc>
+              </a:tr>
+              <a:tr h="370840">
+                <a:tc>
+                  <a:txBody>
+                    <a:bodyPr/>
+                    <a:lstStyle/>
+                    <a:p>
+                      <a:pPr algn="ctr"/>
                       <a:r>
-                        <a:rPr lang="en-US" b="1" baseline="0" dirty="0" smtClean="0"/>
-                        <a:t> Device</a:t>
+                        <a:rPr lang="en-US" b="0" dirty="0" err="1" smtClean="0"/>
+                        <a:t>Middlware</a:t>
                       </a:r>
-                      <a:endParaRPr lang="en-US" b="1" dirty="0"/>
+                      <a:endParaRPr lang="en-US" b="0" dirty="0"/>
                     </a:p>
                   </a:txBody>
                   <a:tcPr/>
@@ -9470,13 +9541,13 @@
           <p:nvPr>
             <p:extLst>
               <p:ext uri="{D42A27DB-BD31-4B8C-83A1-F6EECF244321}">
-                <p14:modId xmlns:p14="http://schemas.microsoft.com/office/powerpoint/2010/main" val="236437248"/>
+                <p14:modId xmlns:p14="http://schemas.microsoft.com/office/powerpoint/2010/main" val="4072872676"/>
               </p:ext>
             </p:extLst>
           </p:nvPr>
         </p:nvGraphicFramePr>
         <p:xfrm>
-          <a:off x="1240953" y="1244600"/>
+          <a:off x="1240953" y="1656080"/>
           <a:ext cx="1180514" cy="325120"/>
         </p:xfrm>
         <a:graphic>
@@ -9517,7 +9588,7 @@
         </p:nvCxnSpPr>
         <p:spPr bwMode="auto">
           <a:xfrm>
-            <a:off x="2438400" y="1320800"/>
+            <a:off x="2438400" y="1732280"/>
             <a:ext cx="304800" cy="0"/>
           </a:xfrm>
           <a:prstGeom prst="line">
@@ -9562,7 +9633,7 @@
         </p:nvCxnSpPr>
         <p:spPr bwMode="auto">
           <a:xfrm flipV="1">
-            <a:off x="2442475" y="1320800"/>
+            <a:off x="2442475" y="1732280"/>
             <a:ext cx="300725" cy="152400"/>
           </a:xfrm>
           <a:prstGeom prst="line">
@@ -9599,6 +9670,144 @@
           </a:extLst>
         </p:spPr>
       </p:cxnSp>
+      <p:sp>
+        <p:nvSpPr>
+          <p:cNvPr id="9" name="TextBox 8"/>
+          <p:cNvSpPr txBox="1"/>
+          <p:nvPr/>
+        </p:nvSpPr>
+        <p:spPr>
+          <a:xfrm>
+            <a:off x="5629875" y="821408"/>
+            <a:ext cx="1846650" cy="369332"/>
+          </a:xfrm>
+          <a:prstGeom prst="rect">
+            <a:avLst/>
+          </a:prstGeom>
+          <a:noFill/>
+        </p:spPr>
+        <p:txBody>
+          <a:bodyPr wrap="square" rtlCol="0">
+            <a:spAutoFit/>
+          </a:bodyPr>
+          <a:lstStyle/>
+          <a:p>
+            <a:pPr algn="ctr"/>
+            <a:r>
+              <a:rPr lang="en-US" b="1" dirty="0" smtClean="0"/>
+              <a:t>Aggregator</a:t>
+            </a:r>
+            <a:endParaRPr lang="en-US" b="1" dirty="0"/>
+          </a:p>
+        </p:txBody>
+      </p:sp>
+      <p:sp>
+        <p:nvSpPr>
+          <p:cNvPr id="23" name="TextBox 22"/>
+          <p:cNvSpPr txBox="1"/>
+          <p:nvPr/>
+        </p:nvSpPr>
+        <p:spPr>
+          <a:xfrm>
+            <a:off x="2537491" y="641896"/>
+            <a:ext cx="1846650" cy="923330"/>
+          </a:xfrm>
+          <a:prstGeom prst="rect">
+            <a:avLst/>
+          </a:prstGeom>
+          <a:noFill/>
+        </p:spPr>
+        <p:txBody>
+          <a:bodyPr wrap="square" rtlCol="0">
+            <a:spAutoFit/>
+          </a:bodyPr>
+          <a:lstStyle/>
+          <a:p>
+            <a:pPr algn="ctr"/>
+            <a:r>
+              <a:rPr lang="en-US" b="1" dirty="0"/>
+              <a:t>Embedded Device</a:t>
+            </a:r>
+          </a:p>
+          <a:p>
+            <a:pPr algn="ctr"/>
+            <a:endParaRPr lang="en-US" dirty="0"/>
+          </a:p>
+        </p:txBody>
+      </p:sp>
+      <p:sp>
+        <p:nvSpPr>
+          <p:cNvPr id="24" name="TextBox 23"/>
+          <p:cNvSpPr txBox="1"/>
+          <p:nvPr/>
+        </p:nvSpPr>
+        <p:spPr>
+          <a:xfrm>
+            <a:off x="2456055" y="3604736"/>
+            <a:ext cx="1846650" cy="369332"/>
+          </a:xfrm>
+          <a:prstGeom prst="rect">
+            <a:avLst/>
+          </a:prstGeom>
+          <a:noFill/>
+        </p:spPr>
+        <p:txBody>
+          <a:bodyPr wrap="square" rtlCol="0">
+            <a:spAutoFit/>
+          </a:bodyPr>
+          <a:lstStyle/>
+          <a:p>
+            <a:pPr algn="ctr"/>
+            <a:r>
+              <a:rPr lang="en-US" b="1" dirty="0" smtClean="0"/>
+              <a:t>LSG</a:t>
+            </a:r>
+            <a:endParaRPr lang="en-US" b="1" dirty="0"/>
+          </a:p>
+        </p:txBody>
+      </p:sp>
+      <p:sp>
+        <p:nvSpPr>
+          <p:cNvPr id="25" name="TextBox 24"/>
+          <p:cNvSpPr txBox="1"/>
+          <p:nvPr/>
+        </p:nvSpPr>
+        <p:spPr>
+          <a:xfrm>
+            <a:off x="5624594" y="3341906"/>
+            <a:ext cx="1846650" cy="646331"/>
+          </a:xfrm>
+          <a:prstGeom prst="rect">
+            <a:avLst/>
+          </a:prstGeom>
+          <a:noFill/>
+        </p:spPr>
+        <p:txBody>
+          <a:bodyPr wrap="square" rtlCol="0">
+            <a:spAutoFit/>
+          </a:bodyPr>
+          <a:lstStyle/>
+          <a:p>
+            <a:pPr algn="ctr"/>
+            <a:r>
+              <a:rPr lang="en-US" b="1" dirty="0" err="1" smtClean="0"/>
+              <a:t>IoT</a:t>
+            </a:r>
+            <a:r>
+              <a:rPr lang="en-US" b="1" dirty="0" smtClean="0"/>
+              <a:t> </a:t>
+            </a:r>
+          </a:p>
+          <a:p>
+            <a:pPr algn="ctr"/>
+            <a:r>
+              <a:rPr lang="en-US" b="1" dirty="0" smtClean="0"/>
+              <a:t>Server</a:t>
+            </a:r>
+            <a:endParaRPr lang="en-US" b="1" dirty="0"/>
+          </a:p>
+        </p:txBody>
+      </p:sp>
     </p:spTree>
     <p:extLst>
       <p:ext uri="{BB962C8B-B14F-4D97-AF65-F5344CB8AC3E}">

--- a/figure/paper_drawing.pptx
+++ b/figure/paper_drawing.pptx
@@ -4053,18 +4053,11 @@
               <a:t> </a:t>
             </a:r>
             <a:r>
-              <a:rPr lang="en-US" sz="1600" dirty="0">
-                <a:latin typeface="Times New Roman" pitchFamily="18" charset="0"/>
-                <a:cs typeface="Arial" pitchFamily="34" charset="0"/>
-              </a:rPr>
-              <a:t>Device </a:t>
-            </a:r>
-            <a:r>
               <a:rPr lang="en-US" sz="1600" dirty="0" smtClean="0">
                 <a:latin typeface="Times New Roman" pitchFamily="18" charset="0"/>
                 <a:cs typeface="Arial" pitchFamily="34" charset="0"/>
               </a:rPr>
-              <a:t>Discovery</a:t>
+              <a:t>Device/Service Discovery</a:t>
             </a:r>
             <a:endParaRPr lang="en-US" sz="1600" dirty="0">
               <a:latin typeface="Times New Roman" pitchFamily="18" charset="0"/>
@@ -9541,14 +9534,14 @@
           <p:nvPr>
             <p:extLst>
               <p:ext uri="{D42A27DB-BD31-4B8C-83A1-F6EECF244321}">
-                <p14:modId xmlns:p14="http://schemas.microsoft.com/office/powerpoint/2010/main" val="4072872676"/>
+                <p14:modId xmlns:p14="http://schemas.microsoft.com/office/powerpoint/2010/main" val="2578101832"/>
               </p:ext>
             </p:extLst>
           </p:nvPr>
         </p:nvGraphicFramePr>
         <p:xfrm>
           <a:off x="1240953" y="1656080"/>
-          <a:ext cx="1180514" cy="325120"/>
+          <a:ext cx="1180514" cy="650240"/>
         </p:xfrm>
         <a:graphic>
           <a:graphicData uri="http://schemas.openxmlformats.org/drawingml/2006/table">
@@ -9559,6 +9552,27 @@
               <a:tblGrid>
                 <a:gridCol w="1180514"/>
               </a:tblGrid>
+              <a:tr h="325120">
+                <a:tc>
+                  <a:txBody>
+                    <a:bodyPr/>
+                    <a:lstStyle/>
+                    <a:p>
+                      <a:pPr algn="ctr"/>
+                      <a:r>
+                        <a:rPr lang="en-US" sz="1200" dirty="0" smtClean="0"/>
+                        <a:t>Naming</a:t>
+                      </a:r>
+                      <a:r>
+                        <a:rPr lang="en-US" sz="1200" baseline="0" dirty="0" smtClean="0"/>
+                        <a:t> Service</a:t>
+                      </a:r>
+                      <a:endParaRPr lang="en-US" sz="1200" dirty="0" smtClean="0"/>
+                    </a:p>
+                  </a:txBody>
+                  <a:tcPr/>
+                </a:tc>
+              </a:tr>
               <a:tr h="325120">
                 <a:tc>
                   <a:txBody>
@@ -15426,7 +15440,7 @@
         </p:nvSpPr>
         <p:spPr>
           <a:xfrm>
-            <a:off x="2631997" y="4551721"/>
+            <a:off x="2624312" y="4551721"/>
             <a:ext cx="626845" cy="353686"/>
           </a:xfrm>
           <a:prstGeom prst="roundRect">
@@ -15687,6 +15701,258 @@
           </a:extLst>
         </p:spPr>
       </p:cxnSp>
+      <p:sp>
+        <p:nvSpPr>
+          <p:cNvPr id="46" name="Rounded Rectangle 45"/>
+          <p:cNvSpPr/>
+          <p:nvPr/>
+        </p:nvSpPr>
+        <p:spPr>
+          <a:xfrm>
+            <a:off x="1600200" y="1752600"/>
+            <a:ext cx="626845" cy="353686"/>
+          </a:xfrm>
+          <a:prstGeom prst="roundRect">
+            <a:avLst/>
+          </a:prstGeom>
+          <a:solidFill>
+            <a:schemeClr val="tx2">
+              <a:lumMod val="20000"/>
+              <a:lumOff val="80000"/>
+            </a:schemeClr>
+          </a:solidFill>
+        </p:spPr>
+        <p:style>
+          <a:lnRef idx="2">
+            <a:schemeClr val="accent1">
+              <a:shade val="50000"/>
+            </a:schemeClr>
+          </a:lnRef>
+          <a:fillRef idx="1">
+            <a:schemeClr val="accent1"/>
+          </a:fillRef>
+          <a:effectRef idx="0">
+            <a:schemeClr val="accent1"/>
+          </a:effectRef>
+          <a:fontRef idx="minor">
+            <a:schemeClr val="lt1"/>
+          </a:fontRef>
+        </p:style>
+        <p:txBody>
+          <a:bodyPr rtlCol="0" anchor="ctr"/>
+          <a:lstStyle/>
+          <a:p>
+            <a:pPr algn="ctr"/>
+            <a:r>
+              <a:rPr lang="en-US" dirty="0" smtClean="0">
+                <a:solidFill>
+                  <a:sysClr val="windowText" lastClr="000000"/>
+                </a:solidFill>
+              </a:rPr>
+              <a:t>SR</a:t>
+            </a:r>
+            <a:endParaRPr lang="en-US" dirty="0">
+              <a:solidFill>
+                <a:sysClr val="windowText" lastClr="000000"/>
+              </a:solidFill>
+            </a:endParaRPr>
+          </a:p>
+        </p:txBody>
+      </p:sp>
+      <p:pic>
+        <p:nvPicPr>
+          <p:cNvPr id="47" name="Picture 46"/>
+          <p:cNvPicPr>
+            <a:picLocks noChangeAspect="1"/>
+          </p:cNvPicPr>
+          <p:nvPr/>
+        </p:nvPicPr>
+        <p:blipFill>
+          <a:blip r:embed="rId2" cstate="print">
+            <a:extLst>
+              <a:ext uri="{BEBA8EAE-BF5A-486C-A8C5-ECC9F3942E4B}">
+                <a14:imgProps xmlns:a14="http://schemas.microsoft.com/office/drawing/2010/main">
+                  <a14:imgLayer r:embed="rId3">
+                    <a14:imgEffect>
+                      <a14:backgroundRemoval t="0" b="100000" l="0" r="100000">
+                        <a14:backgroundMark x1="8333" y1="7483" x2="8333" y2="7483"/>
+                        <a14:backgroundMark x1="93000" y1="4989" x2="93000" y2="4989"/>
+                        <a14:backgroundMark x1="7000" y1="91383" x2="7000" y2="91383"/>
+                        <a14:backgroundMark x1="94500" y1="91383" x2="94500" y2="91383"/>
+                      </a14:backgroundRemoval>
+                    </a14:imgEffect>
+                  </a14:imgLayer>
+                </a14:imgProps>
+              </a:ext>
+              <a:ext uri="{28A0092B-C50C-407E-A947-70E740481C1C}">
+                <a14:useLocalDpi xmlns:a14="http://schemas.microsoft.com/office/drawing/2010/main" val="0"/>
+              </a:ext>
+            </a:extLst>
+          </a:blip>
+          <a:stretch>
+            <a:fillRect/>
+          </a:stretch>
+        </p:blipFill>
+        <p:spPr>
+          <a:xfrm>
+            <a:off x="1755608" y="2358836"/>
+            <a:ext cx="316027" cy="232280"/>
+          </a:xfrm>
+          <a:prstGeom prst="rect">
+            <a:avLst/>
+          </a:prstGeom>
+        </p:spPr>
+      </p:pic>
+      <p:sp>
+        <p:nvSpPr>
+          <p:cNvPr id="48" name="Rounded Rectangle 47"/>
+          <p:cNvSpPr/>
+          <p:nvPr/>
+        </p:nvSpPr>
+        <p:spPr>
+          <a:xfrm>
+            <a:off x="1595865" y="2793526"/>
+            <a:ext cx="626845" cy="353686"/>
+          </a:xfrm>
+          <a:prstGeom prst="roundRect">
+            <a:avLst/>
+          </a:prstGeom>
+          <a:solidFill>
+            <a:schemeClr val="tx2">
+              <a:lumMod val="20000"/>
+              <a:lumOff val="80000"/>
+            </a:schemeClr>
+          </a:solidFill>
+        </p:spPr>
+        <p:style>
+          <a:lnRef idx="2">
+            <a:schemeClr val="accent1">
+              <a:shade val="50000"/>
+            </a:schemeClr>
+          </a:lnRef>
+          <a:fillRef idx="1">
+            <a:schemeClr val="accent1"/>
+          </a:fillRef>
+          <a:effectRef idx="0">
+            <a:schemeClr val="accent1"/>
+          </a:effectRef>
+          <a:fontRef idx="minor">
+            <a:schemeClr val="lt1"/>
+          </a:fontRef>
+        </p:style>
+        <p:txBody>
+          <a:bodyPr rtlCol="0" anchor="ctr"/>
+          <a:lstStyle/>
+          <a:p>
+            <a:pPr algn="ctr"/>
+            <a:r>
+              <a:rPr lang="en-US" dirty="0" smtClean="0">
+                <a:solidFill>
+                  <a:sysClr val="windowText" lastClr="000000"/>
+                </a:solidFill>
+              </a:rPr>
+              <a:t>SH</a:t>
+            </a:r>
+            <a:endParaRPr lang="en-US" dirty="0">
+              <a:solidFill>
+                <a:sysClr val="windowText" lastClr="000000"/>
+              </a:solidFill>
+            </a:endParaRPr>
+          </a:p>
+        </p:txBody>
+      </p:sp>
+      <p:sp>
+        <p:nvSpPr>
+          <p:cNvPr id="49" name="TextBox 48"/>
+          <p:cNvSpPr txBox="1"/>
+          <p:nvPr/>
+        </p:nvSpPr>
+        <p:spPr>
+          <a:xfrm>
+            <a:off x="2459526" y="1753354"/>
+            <a:ext cx="1295400" cy="276999"/>
+          </a:xfrm>
+          <a:prstGeom prst="rect">
+            <a:avLst/>
+          </a:prstGeom>
+          <a:noFill/>
+        </p:spPr>
+        <p:txBody>
+          <a:bodyPr wrap="square" rtlCol="0">
+            <a:spAutoFit/>
+          </a:bodyPr>
+          <a:lstStyle/>
+          <a:p>
+            <a:r>
+              <a:rPr lang="en-US" sz="1200" dirty="0" smtClean="0"/>
+              <a:t>Service Requester</a:t>
+            </a:r>
+            <a:endParaRPr lang="en-US" sz="1200" dirty="0"/>
+          </a:p>
+        </p:txBody>
+      </p:sp>
+      <p:sp>
+        <p:nvSpPr>
+          <p:cNvPr id="50" name="TextBox 49"/>
+          <p:cNvSpPr txBox="1"/>
+          <p:nvPr/>
+        </p:nvSpPr>
+        <p:spPr>
+          <a:xfrm>
+            <a:off x="2388817" y="2290282"/>
+            <a:ext cx="1295400" cy="276999"/>
+          </a:xfrm>
+          <a:prstGeom prst="rect">
+            <a:avLst/>
+          </a:prstGeom>
+          <a:noFill/>
+        </p:spPr>
+        <p:txBody>
+          <a:bodyPr wrap="square" rtlCol="0">
+            <a:spAutoFit/>
+          </a:bodyPr>
+          <a:lstStyle/>
+          <a:p>
+            <a:pPr algn="ctr"/>
+            <a:r>
+              <a:rPr lang="en-US" sz="1200" smtClean="0"/>
+              <a:t>ICN Router</a:t>
+            </a:r>
+            <a:endParaRPr lang="en-US" sz="1200" dirty="0"/>
+          </a:p>
+        </p:txBody>
+      </p:sp>
+      <p:sp>
+        <p:nvSpPr>
+          <p:cNvPr id="51" name="TextBox 50"/>
+          <p:cNvSpPr txBox="1"/>
+          <p:nvPr/>
+        </p:nvSpPr>
+        <p:spPr>
+          <a:xfrm>
+            <a:off x="2421425" y="2793526"/>
+            <a:ext cx="1295400" cy="276999"/>
+          </a:xfrm>
+          <a:prstGeom prst="rect">
+            <a:avLst/>
+          </a:prstGeom>
+          <a:noFill/>
+        </p:spPr>
+        <p:txBody>
+          <a:bodyPr wrap="square" rtlCol="0">
+            <a:spAutoFit/>
+          </a:bodyPr>
+          <a:lstStyle/>
+          <a:p>
+            <a:pPr algn="ctr"/>
+            <a:r>
+              <a:rPr lang="en-US" sz="1200" dirty="0" smtClean="0"/>
+              <a:t>Service Host</a:t>
+            </a:r>
+            <a:endParaRPr lang="en-US" sz="1200" dirty="0"/>
+          </a:p>
+        </p:txBody>
+      </p:sp>
     </p:spTree>
     <p:extLst>
       <p:ext uri="{BB962C8B-B14F-4D97-AF65-F5344CB8AC3E}">
